--- a/English/2.Preparing data/6.Normal forms.pptx
+++ b/English/2.Preparing data/6.Normal forms.pptx
@@ -5,26 +5,31 @@
     <p:sldMasterId id="2147483648" r:id="rId1"/>
   </p:sldMasterIdLst>
   <p:notesMasterIdLst>
-    <p:notesMasterId r:id="rId13"/>
+    <p:notesMasterId r:id="rId18"/>
   </p:notesMasterIdLst>
   <p:sldIdLst>
     <p:sldId id="256" r:id="rId2"/>
     <p:sldId id="257" r:id="rId3"/>
     <p:sldId id="259" r:id="rId4"/>
-    <p:sldId id="260" r:id="rId5"/>
-    <p:sldId id="261" r:id="rId6"/>
-    <p:sldId id="262" r:id="rId7"/>
-    <p:sldId id="263" r:id="rId8"/>
-    <p:sldId id="264" r:id="rId9"/>
-    <p:sldId id="265" r:id="rId10"/>
-    <p:sldId id="266" r:id="rId11"/>
-    <p:sldId id="258" r:id="rId12"/>
+    <p:sldId id="267" r:id="rId5"/>
+    <p:sldId id="260" r:id="rId6"/>
+    <p:sldId id="261" r:id="rId7"/>
+    <p:sldId id="268" r:id="rId8"/>
+    <p:sldId id="269" r:id="rId9"/>
+    <p:sldId id="270" r:id="rId10"/>
+    <p:sldId id="271" r:id="rId11"/>
+    <p:sldId id="272" r:id="rId12"/>
+    <p:sldId id="273" r:id="rId13"/>
+    <p:sldId id="274" r:id="rId14"/>
+    <p:sldId id="275" r:id="rId15"/>
+    <p:sldId id="266" r:id="rId16"/>
+    <p:sldId id="258" r:id="rId17"/>
   </p:sldIdLst>
   <p:sldSz cx="12192000" cy="6858000"/>
   <p:notesSz cx="6858000" cy="9144000"/>
   <p:defaultTextStyle>
     <a:defPPr>
-      <a:defRPr lang="en-US"/>
+      <a:defRPr lang="en"/>
     </a:defPPr>
     <a:lvl1pPr marL="0" algn="l" defTabSz="914400" rtl="0" eaLnBrk="1" latinLnBrk="0" hangingPunct="1">
       <a:defRPr sz="1800" kern="1200">
@@ -207,7 +212,7 @@
           <a:p>
             <a:fld id="{056BA3B8-9F76-4D81-B71D-76CB85363062}" type="datetimeFigureOut">
               <a:rPr lang="en-US" smtClean="0"/>
-              <a:t>1/1/2025</a:t>
+              <a:t>3/4/2025</a:t>
             </a:fld>
             <a:endParaRPr lang="en-US"/>
           </a:p>
@@ -475,6 +480,90 @@
 </p:notesMaster>
 </file>
 
+<file path=ppt/notesSlides/notesSlide1.xml><?xml version="1.0" encoding="utf-8"?>
+<p:notes xmlns:a="http://schemas.openxmlformats.org/drawingml/2006/main" xmlns:r="http://schemas.openxmlformats.org/officeDocument/2006/relationships" xmlns:p="http://schemas.openxmlformats.org/presentationml/2006/main">
+  <p:cSld>
+    <p:spTree>
+      <p:nvGrpSpPr>
+        <p:cNvPr id="1" name=""/>
+        <p:cNvGrpSpPr/>
+        <p:nvPr/>
+      </p:nvGrpSpPr>
+      <p:grpSpPr>
+        <a:xfrm>
+          <a:off x="0" y="0"/>
+          <a:ext cx="0" cy="0"/>
+          <a:chOff x="0" y="0"/>
+          <a:chExt cx="0" cy="0"/>
+        </a:xfrm>
+      </p:grpSpPr>
+      <p:sp>
+        <p:nvSpPr>
+          <p:cNvPr id="2" name="Slide Image Placeholder 1"/>
+          <p:cNvSpPr>
+            <a:spLocks noGrp="1" noRot="1" noChangeAspect="1"/>
+          </p:cNvSpPr>
+          <p:nvPr>
+            <p:ph type="sldImg"/>
+          </p:nvPr>
+        </p:nvSpPr>
+        <p:spPr/>
+      </p:sp>
+      <p:sp>
+        <p:nvSpPr>
+          <p:cNvPr id="3" name="Notes Placeholder 2"/>
+          <p:cNvSpPr>
+            <a:spLocks noGrp="1"/>
+          </p:cNvSpPr>
+          <p:nvPr>
+            <p:ph type="body" idx="1"/>
+          </p:nvPr>
+        </p:nvSpPr>
+        <p:spPr/>
+        <p:txBody>
+          <a:bodyPr/>
+          <a:lstStyle/>
+          <a:p>
+            <a:endParaRPr lang="en-US" dirty="0"/>
+          </a:p>
+        </p:txBody>
+      </p:sp>
+      <p:sp>
+        <p:nvSpPr>
+          <p:cNvPr id="4" name="Slide Number Placeholder 3"/>
+          <p:cNvSpPr>
+            <a:spLocks noGrp="1"/>
+          </p:cNvSpPr>
+          <p:nvPr>
+            <p:ph type="sldNum" sz="quarter" idx="10"/>
+          </p:nvPr>
+        </p:nvSpPr>
+        <p:spPr/>
+        <p:txBody>
+          <a:bodyPr/>
+          <a:lstStyle/>
+          <a:p>
+            <a:fld id="{C583D03D-12F8-4E91-BBC2-CE3A863157FF}" type="slidenum">
+              <a:rPr lang="en-US" smtClean="0"/>
+              <a:t>11</a:t>
+            </a:fld>
+            <a:endParaRPr lang="en-US"/>
+          </a:p>
+        </p:txBody>
+      </p:sp>
+    </p:spTree>
+    <p:extLst>
+      <p:ext uri="{BB962C8B-B14F-4D97-AF65-F5344CB8AC3E}">
+        <p14:creationId xmlns:p14="http://schemas.microsoft.com/office/powerpoint/2010/main" val="2298943619"/>
+      </p:ext>
+    </p:extLst>
+  </p:cSld>
+  <p:clrMapOvr>
+    <a:masterClrMapping/>
+  </p:clrMapOvr>
+</p:notes>
+</file>
+
 <file path=ppt/slideLayouts/slideLayout1.xml><?xml version="1.0" encoding="utf-8"?>
 <p:sldLayout xmlns:a="http://schemas.openxmlformats.org/drawingml/2006/main" xmlns:r="http://schemas.openxmlformats.org/officeDocument/2006/relationships" xmlns:p="http://schemas.openxmlformats.org/presentationml/2006/main" type="title" preserve="1">
   <p:cSld name="Title Slide">
@@ -606,7 +695,7 @@
           <a:p>
             <a:fld id="{6F01DA4D-20EA-48D2-973C-0311EC3005D6}" type="datetimeFigureOut">
               <a:rPr lang="en-US" smtClean="0"/>
-              <a:t>1/1/2025</a:t>
+              <a:t>3/4/2025</a:t>
             </a:fld>
             <a:endParaRPr lang="en-US"/>
           </a:p>
@@ -776,7 +865,7 @@
           <a:p>
             <a:fld id="{6F01DA4D-20EA-48D2-973C-0311EC3005D6}" type="datetimeFigureOut">
               <a:rPr lang="en-US" smtClean="0"/>
-              <a:t>1/1/2025</a:t>
+              <a:t>3/4/2025</a:t>
             </a:fld>
             <a:endParaRPr lang="en-US"/>
           </a:p>
@@ -956,7 +1045,7 @@
           <a:p>
             <a:fld id="{6F01DA4D-20EA-48D2-973C-0311EC3005D6}" type="datetimeFigureOut">
               <a:rPr lang="en-US" smtClean="0"/>
-              <a:t>1/1/2025</a:t>
+              <a:t>3/4/2025</a:t>
             </a:fld>
             <a:endParaRPr lang="en-US"/>
           </a:p>
@@ -1126,7 +1215,7 @@
           <a:p>
             <a:fld id="{6F01DA4D-20EA-48D2-973C-0311EC3005D6}" type="datetimeFigureOut">
               <a:rPr lang="en-US" smtClean="0"/>
-              <a:t>1/1/2025</a:t>
+              <a:t>3/4/2025</a:t>
             </a:fld>
             <a:endParaRPr lang="en-US"/>
           </a:p>
@@ -1372,7 +1461,7 @@
           <a:p>
             <a:fld id="{6F01DA4D-20EA-48D2-973C-0311EC3005D6}" type="datetimeFigureOut">
               <a:rPr lang="en-US" smtClean="0"/>
-              <a:t>1/1/2025</a:t>
+              <a:t>3/4/2025</a:t>
             </a:fld>
             <a:endParaRPr lang="en-US"/>
           </a:p>
@@ -1604,7 +1693,7 @@
           <a:p>
             <a:fld id="{6F01DA4D-20EA-48D2-973C-0311EC3005D6}" type="datetimeFigureOut">
               <a:rPr lang="en-US" smtClean="0"/>
-              <a:t>1/1/2025</a:t>
+              <a:t>3/4/2025</a:t>
             </a:fld>
             <a:endParaRPr lang="en-US"/>
           </a:p>
@@ -1971,7 +2060,7 @@
           <a:p>
             <a:fld id="{6F01DA4D-20EA-48D2-973C-0311EC3005D6}" type="datetimeFigureOut">
               <a:rPr lang="en-US" smtClean="0"/>
-              <a:t>1/1/2025</a:t>
+              <a:t>3/4/2025</a:t>
             </a:fld>
             <a:endParaRPr lang="en-US"/>
           </a:p>
@@ -2089,7 +2178,7 @@
           <a:p>
             <a:fld id="{6F01DA4D-20EA-48D2-973C-0311EC3005D6}" type="datetimeFigureOut">
               <a:rPr lang="en-US" smtClean="0"/>
-              <a:t>1/1/2025</a:t>
+              <a:t>3/4/2025</a:t>
             </a:fld>
             <a:endParaRPr lang="en-US"/>
           </a:p>
@@ -2184,7 +2273,7 @@
           <a:p>
             <a:fld id="{6F01DA4D-20EA-48D2-973C-0311EC3005D6}" type="datetimeFigureOut">
               <a:rPr lang="en-US" smtClean="0"/>
-              <a:t>1/1/2025</a:t>
+              <a:t>3/4/2025</a:t>
             </a:fld>
             <a:endParaRPr lang="en-US"/>
           </a:p>
@@ -2461,7 +2550,7 @@
           <a:p>
             <a:fld id="{6F01DA4D-20EA-48D2-973C-0311EC3005D6}" type="datetimeFigureOut">
               <a:rPr lang="en-US" smtClean="0"/>
-              <a:t>1/1/2025</a:t>
+              <a:t>3/4/2025</a:t>
             </a:fld>
             <a:endParaRPr lang="en-US"/>
           </a:p>
@@ -2714,7 +2803,7 @@
           <a:p>
             <a:fld id="{6F01DA4D-20EA-48D2-973C-0311EC3005D6}" type="datetimeFigureOut">
               <a:rPr lang="en-US" smtClean="0"/>
-              <a:t>1/1/2025</a:t>
+              <a:t>3/4/2025</a:t>
             </a:fld>
             <a:endParaRPr lang="en-US"/>
           </a:p>
@@ -2927,7 +3016,7 @@
           <a:p>
             <a:fld id="{6F01DA4D-20EA-48D2-973C-0311EC3005D6}" type="datetimeFigureOut">
               <a:rPr lang="en-US" smtClean="0"/>
-              <a:t>1/1/2025</a:t>
+              <a:t>3/4/2025</a:t>
             </a:fld>
             <a:endParaRPr lang="en-US"/>
           </a:p>
@@ -3348,8 +3437,8 @@
         </p:nvSpPr>
         <p:spPr>
           <a:xfrm>
-            <a:off x="2326118" y="2401789"/>
-            <a:ext cx="9199606" cy="1323439"/>
+            <a:off x="1741727" y="2374288"/>
+            <a:ext cx="8708558" cy="1323439"/>
           </a:xfrm>
           <a:prstGeom prst="rect">
             <a:avLst/>
@@ -3362,8 +3451,8 @@
           </a:bodyPr>
           <a:lstStyle/>
           <a:p>
-            <a:r>
-              <a:rPr lang="en-US" sz="8000" b="1" dirty="0" smtClean="0">
+            <a:r xmlns:a="http://schemas.openxmlformats.org/drawingml/2006/main">
+              <a:rPr lang="en" sz="8000" b="1" dirty="0" err="1" smtClean="0">
                 <a:solidFill>
                   <a:srgbClr val="7030A0"/>
                 </a:solidFill>
@@ -3371,9 +3460,31 @@
                 <a:ea typeface="Verdana" panose="020B0604030504040204" pitchFamily="34" charset="0"/>
                 <a:cs typeface="Segoe UI" panose="020B0502040204020203" pitchFamily="34" charset="0"/>
               </a:rPr>
-              <a:t>Normal forms</a:t>
-            </a:r>
-            <a:endParaRPr lang="en-US" sz="8000" b="1" dirty="0">
+              <a:t>Shapes</a:t>
+            </a:r>
+            <a:r xmlns:a="http://schemas.openxmlformats.org/drawingml/2006/main">
+              <a:rPr lang="en" sz="8000" b="1" dirty="0" smtClean="0">
+                <a:solidFill>
+                  <a:srgbClr val="7030A0"/>
+                </a:solidFill>
+                <a:latin typeface="Segoe UI" panose="020B0502040204020203" pitchFamily="34" charset="0"/>
+                <a:ea typeface="Verdana" panose="020B0604030504040204" pitchFamily="34" charset="0"/>
+                <a:cs typeface="Segoe UI" panose="020B0502040204020203" pitchFamily="34" charset="0"/>
+              </a:rPr>
+              <a:t> </a:t>
+            </a:r>
+            <a:r xmlns:a="http://schemas.openxmlformats.org/drawingml/2006/main">
+              <a:rPr lang="en" sz="8000" b="1" dirty="0" err="1" smtClean="0">
+                <a:solidFill>
+                  <a:srgbClr val="7030A0"/>
+                </a:solidFill>
+                <a:latin typeface="Segoe UI" panose="020B0502040204020203" pitchFamily="34" charset="0"/>
+                <a:ea typeface="Verdana" panose="020B0604030504040204" pitchFamily="34" charset="0"/>
+                <a:cs typeface="Segoe UI" panose="020B0502040204020203" pitchFamily="34" charset="0"/>
+              </a:rPr>
+              <a:t>normal</a:t>
+            </a:r>
+            <a:endParaRPr xmlns:a="http://schemas.openxmlformats.org/drawingml/2006/main" lang="en-US" sz="8000" b="1" dirty="0">
               <a:solidFill>
                 <a:srgbClr val="7030A0"/>
               </a:solidFill>
@@ -3386,14 +3497,14 @@
       </p:sp>
       <p:sp>
         <p:nvSpPr>
-          <p:cNvPr id="4" name="TextBox 3"/>
+          <p:cNvPr id="5" name="TextBox 4"/>
           <p:cNvSpPr txBox="1"/>
           <p:nvPr/>
         </p:nvSpPr>
         <p:spPr>
           <a:xfrm>
-            <a:off x="2254816" y="2334740"/>
-            <a:ext cx="6923306" cy="1323439"/>
+            <a:off x="1680996" y="2320433"/>
+            <a:ext cx="8708558" cy="1323439"/>
           </a:xfrm>
           <a:prstGeom prst="rect">
             <a:avLst/>
@@ -3401,13 +3512,13 @@
           <a:noFill/>
         </p:spPr>
         <p:txBody>
-          <a:bodyPr wrap="none" rtlCol="0">
+          <a:bodyPr wrap="square" rtlCol="0">
             <a:spAutoFit/>
           </a:bodyPr>
           <a:lstStyle/>
           <a:p>
-            <a:r>
-              <a:rPr lang="fr-FR" sz="8000" b="1" dirty="0" smtClean="0">
+            <a:r xmlns:a="http://schemas.openxmlformats.org/drawingml/2006/main">
+              <a:rPr lang="en" sz="8000" b="1" dirty="0" err="1" smtClean="0">
                 <a:solidFill>
                   <a:schemeClr val="bg1"/>
                 </a:solidFill>
@@ -3415,9 +3526,31 @@
                 <a:ea typeface="Verdana" panose="020B0604030504040204" pitchFamily="34" charset="0"/>
                 <a:cs typeface="Segoe UI" panose="020B0502040204020203" pitchFamily="34" charset="0"/>
               </a:rPr>
-              <a:t>Normal forms</a:t>
-            </a:r>
-            <a:endParaRPr lang="en-US" sz="8000" b="1" dirty="0">
+              <a:t>Shapes</a:t>
+            </a:r>
+            <a:r xmlns:a="http://schemas.openxmlformats.org/drawingml/2006/main">
+              <a:rPr lang="en" sz="8000" b="1" dirty="0" smtClean="0">
+                <a:solidFill>
+                  <a:schemeClr val="bg1"/>
+                </a:solidFill>
+                <a:latin typeface="Segoe UI" panose="020B0502040204020203" pitchFamily="34" charset="0"/>
+                <a:ea typeface="Verdana" panose="020B0604030504040204" pitchFamily="34" charset="0"/>
+                <a:cs typeface="Segoe UI" panose="020B0502040204020203" pitchFamily="34" charset="0"/>
+              </a:rPr>
+              <a:t> </a:t>
+            </a:r>
+            <a:r xmlns:a="http://schemas.openxmlformats.org/drawingml/2006/main">
+              <a:rPr lang="en" sz="8000" b="1" dirty="0" err="1" smtClean="0">
+                <a:solidFill>
+                  <a:schemeClr val="bg1"/>
+                </a:solidFill>
+                <a:latin typeface="Segoe UI" panose="020B0502040204020203" pitchFamily="34" charset="0"/>
+                <a:ea typeface="Verdana" panose="020B0604030504040204" pitchFamily="34" charset="0"/>
+                <a:cs typeface="Segoe UI" panose="020B0502040204020203" pitchFamily="34" charset="0"/>
+              </a:rPr>
+              <a:t>normal</a:t>
+            </a:r>
+            <a:endParaRPr xmlns:a="http://schemas.openxmlformats.org/drawingml/2006/main" lang="en-US" sz="8000" b="1" dirty="0">
               <a:solidFill>
                 <a:schemeClr val="bg1"/>
               </a:solidFill>
@@ -3460,14 +3593,14 @@
       </p:grpSpPr>
       <p:sp>
         <p:nvSpPr>
-          <p:cNvPr id="2" name="TextBox 1"/>
+          <p:cNvPr id="4" name="TextBox 3"/>
           <p:cNvSpPr txBox="1"/>
           <p:nvPr/>
         </p:nvSpPr>
         <p:spPr>
           <a:xfrm flipH="1">
-            <a:off x="220006" y="281882"/>
-            <a:ext cx="1753173" cy="369332"/>
+            <a:off x="220005" y="281882"/>
+            <a:ext cx="2798202" cy="400110"/>
           </a:xfrm>
           <a:prstGeom prst="rect">
             <a:avLst/>
@@ -3480,14 +3613,14 @@
           </a:bodyPr>
           <a:lstStyle/>
           <a:p>
-            <a:r>
-              <a:rPr lang="fr-FR" dirty="0" smtClean="0">
+            <a:r xmlns:a="http://schemas.openxmlformats.org/drawingml/2006/main">
+              <a:rPr lang="en" sz="2000" b="1" dirty="0" smtClean="0">
                 <a:latin typeface="Segoe UI" panose="020B0502040204020203" pitchFamily="34" charset="0"/>
                 <a:cs typeface="Segoe UI" panose="020B0502040204020203" pitchFamily="34" charset="0"/>
               </a:rPr>
               <a:t>Normal forms</a:t>
             </a:r>
-            <a:endParaRPr lang="en-US" dirty="0">
+            <a:endParaRPr xmlns:a="http://schemas.openxmlformats.org/drawingml/2006/main" lang="en-US" sz="2000" b="1" dirty="0">
               <a:latin typeface="Segoe UI" panose="020B0502040204020203" pitchFamily="34" charset="0"/>
               <a:cs typeface="Segoe UI" panose="020B0502040204020203" pitchFamily="34" charset="0"/>
             </a:endParaRPr>
@@ -3496,37 +3629,1421 @@
       </p:sp>
       <p:sp>
         <p:nvSpPr>
-          <p:cNvPr id="3" name="Rectangle 2"/>
+          <p:cNvPr id="5" name="Rectangle 1"/>
+          <p:cNvSpPr>
+            <a:spLocks noChangeArrowheads="1"/>
+          </p:cNvSpPr>
+          <p:nvPr/>
+        </p:nvSpPr>
+        <p:spPr bwMode="auto">
+          <a:xfrm>
+            <a:off x="302508" y="748468"/>
+            <a:ext cx="10347158" cy="400110"/>
+          </a:xfrm>
+          <a:prstGeom prst="rect">
+            <a:avLst/>
+          </a:prstGeom>
+          <a:noFill/>
+          <a:ln>
+            <a:noFill/>
+          </a:ln>
+          <a:effectLst/>
+          <a:extLst>
+            <a:ext uri="{909E8E84-426E-40DD-AFC4-6F175D3DCCD1}">
+              <a14:hiddenFill xmlns:a14="http://schemas.microsoft.com/office/drawing/2010/main">
+                <a:solidFill>
+                  <a:schemeClr val="accent1"/>
+                </a:solidFill>
+              </a14:hiddenFill>
+            </a:ext>
+            <a:ext uri="{91240B29-F687-4F45-9708-019B960494DF}">
+              <a14:hiddenLine xmlns:a14="http://schemas.microsoft.com/office/drawing/2010/main" w="9525">
+                <a:solidFill>
+                  <a:schemeClr val="tx1"/>
+                </a:solidFill>
+                <a:miter lim="800000"/>
+                <a:headEnd/>
+                <a:tailEnd/>
+              </a14:hiddenLine>
+            </a:ext>
+            <a:ext uri="{AF507438-7753-43E0-B8FC-AC1667EBCBE1}">
+              <a14:hiddenEffects xmlns:a14="http://schemas.microsoft.com/office/drawing/2010/main">
+                <a:effectLst>
+                  <a:outerShdw dist="35921" dir="2700000" algn="ctr" rotWithShape="0">
+                    <a:schemeClr val="bg2"/>
+                  </a:outerShdw>
+                </a:effectLst>
+              </a14:hiddenEffects>
+            </a:ext>
+          </a:extLst>
+        </p:spPr>
+        <p:txBody>
+          <a:bodyPr vert="horz" wrap="square" lIns="91440" tIns="45720" rIns="91440" bIns="45720" numCol="1" anchor="ctr" anchorCtr="0" compatLnSpc="1">
+            <a:prstTxWarp prst="textNoShape">
+              <a:avLst/>
+            </a:prstTxWarp>
+            <a:spAutoFit/>
+          </a:bodyPr>
+          <a:lstStyle/>
+          <a:p>
+            <a:pPr xmlns:a="http://schemas.openxmlformats.org/drawingml/2006/main" marR="0" lvl="0" indent="14288" algn="l" defTabSz="914400" rtl="0" eaLnBrk="0" fontAlgn="base" latinLnBrk="0" hangingPunct="0">
+              <a:lnSpc>
+                <a:spcPct val="100000"/>
+              </a:lnSpc>
+              <a:spcBef>
+                <a:spcPct val="0"/>
+              </a:spcBef>
+              <a:spcAft>
+                <a:spcPct val="0"/>
+              </a:spcAft>
+              <a:buClrTx/>
+              <a:buSzTx/>
+              <a:buFont typeface="Arial" panose="020B0604020202020204" pitchFamily="34" charset="0"/>
+              <a:buChar char="•"/>
+              <a:tabLst/>
+            </a:pPr>
+            <a:r xmlns:a="http://schemas.openxmlformats.org/drawingml/2006/main">
+              <a:rPr lang="en" altLang="en-US" sz="2000" b="1" dirty="0" smtClean="0">
+                <a:latin typeface="Arial" panose="020B0604020202020204" pitchFamily="34" charset="0"/>
+              </a:rPr>
+              <a:t>1NF </a:t>
+            </a:r>
+            <a:r xmlns:a="http://schemas.openxmlformats.org/drawingml/2006/main">
+              <a:rPr lang="en" altLang="en-US" sz="2000" dirty="0" smtClean="0">
+                <a:latin typeface="Arial" panose="020B0604020202020204" pitchFamily="34" charset="0"/>
+              </a:rPr>
+              <a:t>table again </a:t>
+            </a:r>
+            <a:r xmlns:a="http://schemas.openxmlformats.org/drawingml/2006/main">
+              <a:rPr lang="en" altLang="en-US" sz="2000" dirty="0" smtClean="0">
+                <a:latin typeface="Arial" panose="020B0604020202020204" pitchFamily="34" charset="0"/>
+              </a:rPr>
+              <a:t>and call it </a:t>
+            </a:r>
+            <a:r xmlns:a="http://schemas.openxmlformats.org/drawingml/2006/main">
+              <a:rPr lang="en" altLang="en-US" sz="2000" b="1" dirty="0" err="1" smtClean="0">
+                <a:latin typeface="Arial" panose="020B0604020202020204" pitchFamily="34" charset="0"/>
+              </a:rPr>
+              <a:t>Customers</a:t>
+            </a:r>
+            <a:endParaRPr xmlns:a="http://schemas.openxmlformats.org/drawingml/2006/main" lang="fr-FR" altLang="en-US" sz="2000" b="1" dirty="0" smtClean="0">
+              <a:latin typeface="Arial" panose="020B0604020202020204" pitchFamily="34" charset="0"/>
+            </a:endParaRPr>
+          </a:p>
+        </p:txBody>
+      </p:sp>
+      <p:sp>
+        <p:nvSpPr>
+          <p:cNvPr id="14" name="Rectangle 1"/>
+          <p:cNvSpPr>
+            <a:spLocks noChangeArrowheads="1"/>
+          </p:cNvSpPr>
+          <p:nvPr/>
+        </p:nvSpPr>
+        <p:spPr bwMode="auto">
+          <a:xfrm>
+            <a:off x="302508" y="1265854"/>
+            <a:ext cx="10347158" cy="400110"/>
+          </a:xfrm>
+          <a:prstGeom prst="rect">
+            <a:avLst/>
+          </a:prstGeom>
+          <a:noFill/>
+          <a:ln>
+            <a:noFill/>
+          </a:ln>
+          <a:effectLst/>
+          <a:extLst>
+            <a:ext uri="{909E8E84-426E-40DD-AFC4-6F175D3DCCD1}">
+              <a14:hiddenFill xmlns:a14="http://schemas.microsoft.com/office/drawing/2010/main">
+                <a:solidFill>
+                  <a:schemeClr val="accent1"/>
+                </a:solidFill>
+              </a14:hiddenFill>
+            </a:ext>
+            <a:ext uri="{91240B29-F687-4F45-9708-019B960494DF}">
+              <a14:hiddenLine xmlns:a14="http://schemas.microsoft.com/office/drawing/2010/main" w="9525">
+                <a:solidFill>
+                  <a:schemeClr val="tx1"/>
+                </a:solidFill>
+                <a:miter lim="800000"/>
+                <a:headEnd/>
+                <a:tailEnd/>
+              </a14:hiddenLine>
+            </a:ext>
+            <a:ext uri="{AF507438-7753-43E0-B8FC-AC1667EBCBE1}">
+              <a14:hiddenEffects xmlns:a14="http://schemas.microsoft.com/office/drawing/2010/main">
+                <a:effectLst>
+                  <a:outerShdw dist="35921" dir="2700000" algn="ctr" rotWithShape="0">
+                    <a:schemeClr val="bg2"/>
+                  </a:outerShdw>
+                </a:effectLst>
+              </a14:hiddenEffects>
+            </a:ext>
+          </a:extLst>
+        </p:spPr>
+        <p:txBody>
+          <a:bodyPr vert="horz" wrap="square" lIns="91440" tIns="45720" rIns="91440" bIns="45720" numCol="1" anchor="ctr" anchorCtr="0" compatLnSpc="1">
+            <a:prstTxWarp prst="textNoShape">
+              <a:avLst/>
+            </a:prstTxWarp>
+            <a:spAutoFit/>
+          </a:bodyPr>
+          <a:lstStyle/>
+          <a:p>
+            <a:pPr xmlns:a="http://schemas.openxmlformats.org/drawingml/2006/main" marR="0" lvl="0" indent="14288" algn="l" defTabSz="914400" rtl="0" eaLnBrk="0" fontAlgn="base" latinLnBrk="0" hangingPunct="0">
+              <a:lnSpc>
+                <a:spcPct val="100000"/>
+              </a:lnSpc>
+              <a:spcBef>
+                <a:spcPct val="0"/>
+              </a:spcBef>
+              <a:spcAft>
+                <a:spcPct val="0"/>
+              </a:spcAft>
+              <a:buClrTx/>
+              <a:buSzTx/>
+              <a:buFont typeface="Arial" panose="020B0604020202020204" pitchFamily="34" charset="0"/>
+              <a:buChar char="•"/>
+              <a:tabLst/>
+            </a:pPr>
+            <a:r xmlns:a="http://schemas.openxmlformats.org/drawingml/2006/main">
+              <a:rPr lang="en" altLang="en-US" sz="2000" dirty="0" smtClean="0">
+                <a:latin typeface="Arial" panose="020B0604020202020204" pitchFamily="34" charset="0"/>
+              </a:rPr>
+              <a:t>Delete all columns except the </a:t>
+            </a:r>
+            <a:r xmlns:a="http://schemas.openxmlformats.org/drawingml/2006/main">
+              <a:rPr lang="en" altLang="en-US" sz="2000" b="1" dirty="0" err="1" smtClean="0">
+                <a:latin typeface="Arial" panose="020B0604020202020204" pitchFamily="34" charset="0"/>
+              </a:rPr>
+              <a:t>Customers column</a:t>
+            </a:r>
+            <a:endParaRPr xmlns:a="http://schemas.openxmlformats.org/drawingml/2006/main" lang="fr-FR" altLang="en-US" sz="2000" b="1" dirty="0" smtClean="0">
+              <a:latin typeface="Arial" panose="020B0604020202020204" pitchFamily="34" charset="0"/>
+            </a:endParaRPr>
+          </a:p>
+        </p:txBody>
+      </p:sp>
+      <p:sp>
+        <p:nvSpPr>
+          <p:cNvPr id="17" name="Rectangle 1"/>
+          <p:cNvSpPr>
+            <a:spLocks noChangeArrowheads="1"/>
+          </p:cNvSpPr>
+          <p:nvPr/>
+        </p:nvSpPr>
+        <p:spPr bwMode="auto">
+          <a:xfrm>
+            <a:off x="302508" y="1783240"/>
+            <a:ext cx="10347158" cy="400110"/>
+          </a:xfrm>
+          <a:prstGeom prst="rect">
+            <a:avLst/>
+          </a:prstGeom>
+          <a:noFill/>
+          <a:ln>
+            <a:noFill/>
+          </a:ln>
+          <a:effectLst/>
+          <a:extLst>
+            <a:ext uri="{909E8E84-426E-40DD-AFC4-6F175D3DCCD1}">
+              <a14:hiddenFill xmlns:a14="http://schemas.microsoft.com/office/drawing/2010/main">
+                <a:solidFill>
+                  <a:schemeClr val="accent1"/>
+                </a:solidFill>
+              </a14:hiddenFill>
+            </a:ext>
+            <a:ext uri="{91240B29-F687-4F45-9708-019B960494DF}">
+              <a14:hiddenLine xmlns:a14="http://schemas.microsoft.com/office/drawing/2010/main" w="9525">
+                <a:solidFill>
+                  <a:schemeClr val="tx1"/>
+                </a:solidFill>
+                <a:miter lim="800000"/>
+                <a:headEnd/>
+                <a:tailEnd/>
+              </a14:hiddenLine>
+            </a:ext>
+            <a:ext uri="{AF507438-7753-43E0-B8FC-AC1667EBCBE1}">
+              <a14:hiddenEffects xmlns:a14="http://schemas.microsoft.com/office/drawing/2010/main">
+                <a:effectLst>
+                  <a:outerShdw dist="35921" dir="2700000" algn="ctr" rotWithShape="0">
+                    <a:schemeClr val="bg2"/>
+                  </a:outerShdw>
+                </a:effectLst>
+              </a14:hiddenEffects>
+            </a:ext>
+          </a:extLst>
+        </p:spPr>
+        <p:txBody>
+          <a:bodyPr vert="horz" wrap="square" lIns="91440" tIns="45720" rIns="91440" bIns="45720" numCol="1" anchor="ctr" anchorCtr="0" compatLnSpc="1">
+            <a:prstTxWarp prst="textNoShape">
+              <a:avLst/>
+            </a:prstTxWarp>
+            <a:spAutoFit/>
+          </a:bodyPr>
+          <a:lstStyle/>
+          <a:p>
+            <a:pPr xmlns:a="http://schemas.openxmlformats.org/drawingml/2006/main" marR="0" lvl="0" indent="14288" algn="l" defTabSz="914400" rtl="0" eaLnBrk="0" fontAlgn="base" latinLnBrk="0" hangingPunct="0">
+              <a:lnSpc>
+                <a:spcPct val="100000"/>
+              </a:lnSpc>
+              <a:spcBef>
+                <a:spcPct val="0"/>
+              </a:spcBef>
+              <a:spcAft>
+                <a:spcPct val="0"/>
+              </a:spcAft>
+              <a:buClrTx/>
+              <a:buSzTx/>
+              <a:buFont typeface="Arial" panose="020B0604020202020204" pitchFamily="34" charset="0"/>
+              <a:buChar char="•"/>
+              <a:tabLst/>
+            </a:pPr>
+            <a:r xmlns:a="http://schemas.openxmlformats.org/drawingml/2006/main">
+              <a:rPr lang="en" altLang="en-US" sz="2000" dirty="0" smtClean="0">
+                <a:latin typeface="Arial" panose="020B0604020202020204" pitchFamily="34" charset="0"/>
+              </a:rPr>
+              <a:t>Eliminate duplication in the </a:t>
+            </a:r>
+            <a:r xmlns:a="http://schemas.openxmlformats.org/drawingml/2006/main">
+              <a:rPr lang="en" altLang="en-US" sz="2000" b="1" dirty="0" err="1" smtClean="0">
+                <a:latin typeface="Arial" panose="020B0604020202020204" pitchFamily="34" charset="0"/>
+              </a:rPr>
+              <a:t>Customers column</a:t>
+            </a:r>
+            <a:endParaRPr xmlns:a="http://schemas.openxmlformats.org/drawingml/2006/main" lang="fr-FR" altLang="en-US" sz="2000" b="1" dirty="0" smtClean="0">
+              <a:latin typeface="Arial" panose="020B0604020202020204" pitchFamily="34" charset="0"/>
+            </a:endParaRPr>
+          </a:p>
+        </p:txBody>
+      </p:sp>
+      <p:pic>
+        <p:nvPicPr>
+          <p:cNvPr id="3" name="Picture 2"/>
+          <p:cNvPicPr>
+            <a:picLocks noChangeAspect="1"/>
+          </p:cNvPicPr>
+          <p:nvPr/>
+        </p:nvPicPr>
+        <p:blipFill>
+          <a:blip r:embed="rId2"/>
+          <a:stretch>
+            <a:fillRect/>
+          </a:stretch>
+        </p:blipFill>
+        <p:spPr>
+          <a:xfrm>
+            <a:off x="1798424" y="2447801"/>
+            <a:ext cx="3941976" cy="2284135"/>
+          </a:xfrm>
+          <a:prstGeom prst="rect">
+            <a:avLst/>
+          </a:prstGeom>
+        </p:spPr>
+      </p:pic>
+      <p:sp>
+        <p:nvSpPr>
+          <p:cNvPr id="18" name="Rectangle 17"/>
           <p:cNvSpPr/>
           <p:nvPr/>
         </p:nvSpPr>
         <p:spPr>
           <a:xfrm>
-            <a:off x="171879" y="862712"/>
-            <a:ext cx="4458015" cy="369332"/>
+            <a:off x="3073399" y="4133849"/>
+            <a:ext cx="2609851" cy="260361"/>
           </a:xfrm>
           <a:prstGeom prst="rect">
             <a:avLst/>
           </a:prstGeom>
-        </p:spPr>
-        <p:txBody>
-          <a:bodyPr wrap="none">
+          <a:solidFill>
+            <a:srgbClr val="FF0000">
+              <a:alpha val="12000"/>
+            </a:srgbClr>
+          </a:solidFill>
+          <a:ln>
+            <a:noFill/>
+          </a:ln>
+        </p:spPr>
+        <p:style>
+          <a:lnRef idx="2">
+            <a:schemeClr val="accent1">
+              <a:shade val="50000"/>
+            </a:schemeClr>
+          </a:lnRef>
+          <a:fillRef idx="1">
+            <a:schemeClr val="accent1"/>
+          </a:fillRef>
+          <a:effectRef idx="0">
+            <a:schemeClr val="accent1"/>
+          </a:effectRef>
+          <a:fontRef idx="minor">
+            <a:schemeClr val="lt1"/>
+          </a:fontRef>
+        </p:style>
+        <p:txBody>
+          <a:bodyPr rtlCol="0" anchor="ctr"/>
+          <a:lstStyle/>
+          <a:p>
+            <a:pPr algn="ctr"/>
+            <a:endParaRPr lang="en-US"/>
+          </a:p>
+        </p:txBody>
+      </p:sp>
+    </p:spTree>
+    <p:extLst>
+      <p:ext uri="{BB962C8B-B14F-4D97-AF65-F5344CB8AC3E}">
+        <p14:creationId xmlns:p14="http://schemas.microsoft.com/office/powerpoint/2010/main" val="492586609"/>
+      </p:ext>
+    </p:extLst>
+  </p:cSld>
+  <p:clrMapOvr>
+    <a:masterClrMapping/>
+  </p:clrMapOvr>
+</p:sld>
+</file>
+
+<file path=ppt/slides/slide11.xml><?xml version="1.0" encoding="utf-8"?>
+<p:sld xmlns:a="http://schemas.openxmlformats.org/drawingml/2006/main" xmlns:r="http://schemas.openxmlformats.org/officeDocument/2006/relationships" xmlns:p="http://schemas.openxmlformats.org/presentationml/2006/main">
+  <p:cSld>
+    <p:spTree>
+      <p:nvGrpSpPr>
+        <p:cNvPr id="1" name=""/>
+        <p:cNvGrpSpPr/>
+        <p:nvPr/>
+      </p:nvGrpSpPr>
+      <p:grpSpPr>
+        <a:xfrm>
+          <a:off x="0" y="0"/>
+          <a:ext cx="0" cy="0"/>
+          <a:chOff x="0" y="0"/>
+          <a:chExt cx="0" cy="0"/>
+        </a:xfrm>
+      </p:grpSpPr>
+      <p:sp>
+        <p:nvSpPr>
+          <p:cNvPr id="4" name="TextBox 3"/>
+          <p:cNvSpPr txBox="1"/>
+          <p:nvPr/>
+        </p:nvSpPr>
+        <p:spPr>
+          <a:xfrm flipH="1">
+            <a:off x="220005" y="281882"/>
+            <a:ext cx="2798202" cy="400110"/>
+          </a:xfrm>
+          <a:prstGeom prst="rect">
+            <a:avLst/>
+          </a:prstGeom>
+          <a:noFill/>
+        </p:spPr>
+        <p:txBody>
+          <a:bodyPr wrap="square" rtlCol="0">
             <a:spAutoFit/>
           </a:bodyPr>
           <a:lstStyle/>
           <a:p>
-            <a:pPr lvl="0"/>
-            <a:r>
-              <a:rPr lang="en-US" dirty="0" smtClean="0"/>
-              <a:t>Check that the Sales table matches this shape</a:t>
-            </a:r>
-            <a:endParaRPr lang="en-US" dirty="0"/>
+            <a:r xmlns:a="http://schemas.openxmlformats.org/drawingml/2006/main">
+              <a:rPr lang="en" sz="2000" b="1" dirty="0" smtClean="0">
+                <a:latin typeface="Segoe UI" panose="020B0502040204020203" pitchFamily="34" charset="0"/>
+                <a:cs typeface="Segoe UI" panose="020B0502040204020203" pitchFamily="34" charset="0"/>
+              </a:rPr>
+              <a:t>Normal forms</a:t>
+            </a:r>
+            <a:endParaRPr xmlns:a="http://schemas.openxmlformats.org/drawingml/2006/main" lang="en-US" sz="2000" b="1" dirty="0">
+              <a:latin typeface="Segoe UI" panose="020B0502040204020203" pitchFamily="34" charset="0"/>
+              <a:cs typeface="Segoe UI" panose="020B0502040204020203" pitchFamily="34" charset="0"/>
+            </a:endParaRPr>
+          </a:p>
+        </p:txBody>
+      </p:sp>
+      <p:sp>
+        <p:nvSpPr>
+          <p:cNvPr id="5" name="Rectangle 1"/>
+          <p:cNvSpPr>
+            <a:spLocks noChangeArrowheads="1"/>
+          </p:cNvSpPr>
+          <p:nvPr/>
+        </p:nvSpPr>
+        <p:spPr bwMode="auto">
+          <a:xfrm>
+            <a:off x="302508" y="748468"/>
+            <a:ext cx="10347158" cy="400110"/>
+          </a:xfrm>
+          <a:prstGeom prst="rect">
+            <a:avLst/>
+          </a:prstGeom>
+          <a:noFill/>
+          <a:ln>
+            <a:noFill/>
+          </a:ln>
+          <a:effectLst/>
+          <a:extLst>
+            <a:ext uri="{909E8E84-426E-40DD-AFC4-6F175D3DCCD1}">
+              <a14:hiddenFill xmlns:a14="http://schemas.microsoft.com/office/drawing/2010/main">
+                <a:solidFill>
+                  <a:schemeClr val="accent1"/>
+                </a:solidFill>
+              </a14:hiddenFill>
+            </a:ext>
+            <a:ext uri="{91240B29-F687-4F45-9708-019B960494DF}">
+              <a14:hiddenLine xmlns:a14="http://schemas.microsoft.com/office/drawing/2010/main" w="9525">
+                <a:solidFill>
+                  <a:schemeClr val="tx1"/>
+                </a:solidFill>
+                <a:miter lim="800000"/>
+                <a:headEnd/>
+                <a:tailEnd/>
+              </a14:hiddenLine>
+            </a:ext>
+            <a:ext uri="{AF507438-7753-43E0-B8FC-AC1667EBCBE1}">
+              <a14:hiddenEffects xmlns:a14="http://schemas.microsoft.com/office/drawing/2010/main">
+                <a:effectLst>
+                  <a:outerShdw dist="35921" dir="2700000" algn="ctr" rotWithShape="0">
+                    <a:schemeClr val="bg2"/>
+                  </a:outerShdw>
+                </a:effectLst>
+              </a14:hiddenEffects>
+            </a:ext>
+          </a:extLst>
+        </p:spPr>
+        <p:txBody>
+          <a:bodyPr vert="horz" wrap="square" lIns="91440" tIns="45720" rIns="91440" bIns="45720" numCol="1" anchor="ctr" anchorCtr="0" compatLnSpc="1">
+            <a:prstTxWarp prst="textNoShape">
+              <a:avLst/>
+            </a:prstTxWarp>
+            <a:spAutoFit/>
+          </a:bodyPr>
+          <a:lstStyle/>
+          <a:p>
+            <a:pPr xmlns:a="http://schemas.openxmlformats.org/drawingml/2006/main" marR="0" lvl="0" indent="14288" algn="l" defTabSz="914400" rtl="0" eaLnBrk="0" fontAlgn="base" latinLnBrk="0" hangingPunct="0">
+              <a:lnSpc>
+                <a:spcPct val="100000"/>
+              </a:lnSpc>
+              <a:spcBef>
+                <a:spcPct val="0"/>
+              </a:spcBef>
+              <a:spcAft>
+                <a:spcPct val="0"/>
+              </a:spcAft>
+              <a:buClrTx/>
+              <a:buSzTx/>
+              <a:buFont typeface="Arial" panose="020B0604020202020204" pitchFamily="34" charset="0"/>
+              <a:buChar char="•"/>
+              <a:tabLst/>
+            </a:pPr>
+            <a:r xmlns:a="http://schemas.openxmlformats.org/drawingml/2006/main">
+              <a:rPr lang="en" altLang="en-US" sz="2000" dirty="0" smtClean="0">
+                <a:latin typeface="Arial" panose="020B0604020202020204" pitchFamily="34" charset="0"/>
+              </a:rPr>
+              <a:t>Add a 0-based index column</a:t>
+            </a:r>
+            <a:endParaRPr xmlns:a="http://schemas.openxmlformats.org/drawingml/2006/main" lang="fr-FR" altLang="en-US" sz="2000" b="1" dirty="0" smtClean="0">
+              <a:latin typeface="Arial" panose="020B0604020202020204" pitchFamily="34" charset="0"/>
+            </a:endParaRPr>
           </a:p>
         </p:txBody>
       </p:sp>
       <p:pic>
         <p:nvPicPr>
-          <p:cNvPr id="5" name="Picture 4"/>
+          <p:cNvPr id="2" name="Picture 1"/>
+          <p:cNvPicPr>
+            <a:picLocks noChangeAspect="1"/>
+          </p:cNvPicPr>
+          <p:nvPr/>
+        </p:nvPicPr>
+        <p:blipFill>
+          <a:blip r:embed="rId3"/>
+          <a:stretch>
+            <a:fillRect/>
+          </a:stretch>
+        </p:blipFill>
+        <p:spPr>
+          <a:xfrm>
+            <a:off x="460120" y="1912729"/>
+            <a:ext cx="4048379" cy="3317127"/>
+          </a:xfrm>
+          <a:prstGeom prst="rect">
+            <a:avLst/>
+          </a:prstGeom>
+        </p:spPr>
+      </p:pic>
+      <p:sp>
+        <p:nvSpPr>
+          <p:cNvPr id="9" name="Rectangle 8"/>
+          <p:cNvSpPr/>
+          <p:nvPr/>
+        </p:nvSpPr>
+        <p:spPr>
+          <a:xfrm>
+            <a:off x="2514599" y="1912729"/>
+            <a:ext cx="984251" cy="260351"/>
+          </a:xfrm>
+          <a:prstGeom prst="rect">
+            <a:avLst/>
+          </a:prstGeom>
+          <a:solidFill>
+            <a:srgbClr val="FF0000">
+              <a:alpha val="12000"/>
+            </a:srgbClr>
+          </a:solidFill>
+          <a:ln>
+            <a:noFill/>
+          </a:ln>
+        </p:spPr>
+        <p:style>
+          <a:lnRef idx="2">
+            <a:schemeClr val="accent1">
+              <a:shade val="50000"/>
+            </a:schemeClr>
+          </a:lnRef>
+          <a:fillRef idx="1">
+            <a:schemeClr val="accent1"/>
+          </a:fillRef>
+          <a:effectRef idx="0">
+            <a:schemeClr val="accent1"/>
+          </a:effectRef>
+          <a:fontRef idx="minor">
+            <a:schemeClr val="lt1"/>
+          </a:fontRef>
+        </p:style>
+        <p:txBody>
+          <a:bodyPr rtlCol="0" anchor="ctr"/>
+          <a:lstStyle/>
+          <a:p>
+            <a:pPr algn="ctr"/>
+            <a:endParaRPr lang="en-US"/>
+          </a:p>
+        </p:txBody>
+      </p:sp>
+      <p:sp>
+        <p:nvSpPr>
+          <p:cNvPr id="10" name="Rectangle 9"/>
+          <p:cNvSpPr/>
+          <p:nvPr/>
+        </p:nvSpPr>
+        <p:spPr>
+          <a:xfrm>
+            <a:off x="2647949" y="2962714"/>
+            <a:ext cx="1101933" cy="260351"/>
+          </a:xfrm>
+          <a:prstGeom prst="rect">
+            <a:avLst/>
+          </a:prstGeom>
+          <a:solidFill>
+            <a:srgbClr val="FF0000">
+              <a:alpha val="12000"/>
+            </a:srgbClr>
+          </a:solidFill>
+          <a:ln>
+            <a:noFill/>
+          </a:ln>
+        </p:spPr>
+        <p:style>
+          <a:lnRef idx="2">
+            <a:schemeClr val="accent1">
+              <a:shade val="50000"/>
+            </a:schemeClr>
+          </a:lnRef>
+          <a:fillRef idx="1">
+            <a:schemeClr val="accent1"/>
+          </a:fillRef>
+          <a:effectRef idx="0">
+            <a:schemeClr val="accent1"/>
+          </a:effectRef>
+          <a:fontRef idx="minor">
+            <a:schemeClr val="lt1"/>
+          </a:fontRef>
+        </p:style>
+        <p:txBody>
+          <a:bodyPr rtlCol="0" anchor="ctr"/>
+          <a:lstStyle/>
+          <a:p>
+            <a:pPr algn="ctr"/>
+            <a:endParaRPr lang="en-US"/>
+          </a:p>
+        </p:txBody>
+      </p:sp>
+      <p:sp>
+        <p:nvSpPr>
+          <p:cNvPr id="11" name="Rectangle 1"/>
+          <p:cNvSpPr>
+            <a:spLocks noChangeArrowheads="1"/>
+          </p:cNvSpPr>
+          <p:nvPr/>
+        </p:nvSpPr>
+        <p:spPr bwMode="auto">
+          <a:xfrm>
+            <a:off x="302508" y="1130543"/>
+            <a:ext cx="10347158" cy="400110"/>
+          </a:xfrm>
+          <a:prstGeom prst="rect">
+            <a:avLst/>
+          </a:prstGeom>
+          <a:noFill/>
+          <a:ln>
+            <a:noFill/>
+          </a:ln>
+          <a:effectLst/>
+          <a:extLst>
+            <a:ext uri="{909E8E84-426E-40DD-AFC4-6F175D3DCCD1}">
+              <a14:hiddenFill xmlns:a14="http://schemas.microsoft.com/office/drawing/2010/main">
+                <a:solidFill>
+                  <a:schemeClr val="accent1"/>
+                </a:solidFill>
+              </a14:hiddenFill>
+            </a:ext>
+            <a:ext uri="{91240B29-F687-4F45-9708-019B960494DF}">
+              <a14:hiddenLine xmlns:a14="http://schemas.microsoft.com/office/drawing/2010/main" w="9525">
+                <a:solidFill>
+                  <a:schemeClr val="tx1"/>
+                </a:solidFill>
+                <a:miter lim="800000"/>
+                <a:headEnd/>
+                <a:tailEnd/>
+              </a14:hiddenLine>
+            </a:ext>
+            <a:ext uri="{AF507438-7753-43E0-B8FC-AC1667EBCBE1}">
+              <a14:hiddenEffects xmlns:a14="http://schemas.microsoft.com/office/drawing/2010/main">
+                <a:effectLst>
+                  <a:outerShdw dist="35921" dir="2700000" algn="ctr" rotWithShape="0">
+                    <a:schemeClr val="bg2"/>
+                  </a:outerShdw>
+                </a:effectLst>
+              </a14:hiddenEffects>
+            </a:ext>
+          </a:extLst>
+        </p:spPr>
+        <p:txBody>
+          <a:bodyPr vert="horz" wrap="square" lIns="91440" tIns="45720" rIns="91440" bIns="45720" numCol="1" anchor="ctr" anchorCtr="0" compatLnSpc="1">
+            <a:prstTxWarp prst="textNoShape">
+              <a:avLst/>
+            </a:prstTxWarp>
+            <a:spAutoFit/>
+          </a:bodyPr>
+          <a:lstStyle/>
+          <a:p>
+            <a:pPr xmlns:a="http://schemas.openxmlformats.org/drawingml/2006/main" marR="0" lvl="0" indent="14288" algn="l" defTabSz="914400" rtl="0" eaLnBrk="0" fontAlgn="base" latinLnBrk="0" hangingPunct="0">
+              <a:lnSpc>
+                <a:spcPct val="100000"/>
+              </a:lnSpc>
+              <a:spcBef>
+                <a:spcPct val="0"/>
+              </a:spcBef>
+              <a:spcAft>
+                <a:spcPct val="0"/>
+              </a:spcAft>
+              <a:buClrTx/>
+              <a:buSzTx/>
+              <a:buFont typeface="Arial" panose="020B0604020202020204" pitchFamily="34" charset="0"/>
+              <a:buChar char="•"/>
+              <a:tabLst/>
+            </a:pPr>
+            <a:r xmlns:a="http://schemas.openxmlformats.org/drawingml/2006/main">
+              <a:rPr lang="en" altLang="en-US" sz="2000" dirty="0" smtClean="0">
+                <a:latin typeface="Arial" panose="020B0604020202020204" pitchFamily="34" charset="0"/>
+              </a:rPr>
+              <a:t>Rename the columns to </a:t>
+            </a:r>
+            <a:r xmlns:a="http://schemas.openxmlformats.org/drawingml/2006/main">
+              <a:rPr lang="en" altLang="en-US" sz="2000" dirty="0" err="1" smtClean="0">
+                <a:latin typeface="Arial" panose="020B0604020202020204" pitchFamily="34" charset="0"/>
+              </a:rPr>
+              <a:t>CustomerId </a:t>
+            </a:r>
+            <a:r xmlns:a="http://schemas.openxmlformats.org/drawingml/2006/main">
+              <a:rPr lang="en" altLang="en-US" sz="2000" dirty="0" smtClean="0">
+                <a:latin typeface="Arial" panose="020B0604020202020204" pitchFamily="34" charset="0"/>
+              </a:rPr>
+              <a:t>and Customer Name</a:t>
+            </a:r>
+            <a:endParaRPr xmlns:a="http://schemas.openxmlformats.org/drawingml/2006/main" lang="fr-FR" altLang="en-US" sz="2000" b="1" dirty="0" smtClean="0">
+              <a:latin typeface="Arial" panose="020B0604020202020204" pitchFamily="34" charset="0"/>
+            </a:endParaRPr>
+          </a:p>
+        </p:txBody>
+      </p:sp>
+      <p:pic>
+        <p:nvPicPr>
+          <p:cNvPr id="6" name="Picture 5"/>
+          <p:cNvPicPr>
+            <a:picLocks noChangeAspect="1"/>
+          </p:cNvPicPr>
+          <p:nvPr/>
+        </p:nvPicPr>
+        <p:blipFill>
+          <a:blip r:embed="rId4"/>
+          <a:stretch>
+            <a:fillRect/>
+          </a:stretch>
+        </p:blipFill>
+        <p:spPr>
+          <a:xfrm>
+            <a:off x="4867291" y="1974746"/>
+            <a:ext cx="4314809" cy="1890759"/>
+          </a:xfrm>
+          <a:prstGeom prst="rect">
+            <a:avLst/>
+          </a:prstGeom>
+        </p:spPr>
+      </p:pic>
+    </p:spTree>
+    <p:extLst>
+      <p:ext uri="{BB962C8B-B14F-4D97-AF65-F5344CB8AC3E}">
+        <p14:creationId xmlns:p14="http://schemas.microsoft.com/office/powerpoint/2010/main" val="451158660"/>
+      </p:ext>
+    </p:extLst>
+  </p:cSld>
+  <p:clrMapOvr>
+    <a:masterClrMapping/>
+  </p:clrMapOvr>
+</p:sld>
+</file>
+
+<file path=ppt/slides/slide12.xml><?xml version="1.0" encoding="utf-8"?>
+<p:sld xmlns:a="http://schemas.openxmlformats.org/drawingml/2006/main" xmlns:r="http://schemas.openxmlformats.org/officeDocument/2006/relationships" xmlns:p="http://schemas.openxmlformats.org/presentationml/2006/main">
+  <p:cSld>
+    <p:spTree>
+      <p:nvGrpSpPr>
+        <p:cNvPr id="1" name=""/>
+        <p:cNvGrpSpPr/>
+        <p:nvPr/>
+      </p:nvGrpSpPr>
+      <p:grpSpPr>
+        <a:xfrm>
+          <a:off x="0" y="0"/>
+          <a:ext cx="0" cy="0"/>
+          <a:chOff x="0" y="0"/>
+          <a:chExt cx="0" cy="0"/>
+        </a:xfrm>
+      </p:grpSpPr>
+      <p:sp>
+        <p:nvSpPr>
+          <p:cNvPr id="2" name="TextBox 1"/>
+          <p:cNvSpPr txBox="1"/>
+          <p:nvPr/>
+        </p:nvSpPr>
+        <p:spPr>
+          <a:xfrm flipH="1">
+            <a:off x="220005" y="281882"/>
+            <a:ext cx="2798202" cy="400110"/>
+          </a:xfrm>
+          <a:prstGeom prst="rect">
+            <a:avLst/>
+          </a:prstGeom>
+          <a:noFill/>
+        </p:spPr>
+        <p:txBody>
+          <a:bodyPr wrap="square" rtlCol="0">
+            <a:spAutoFit/>
+          </a:bodyPr>
+          <a:lstStyle/>
+          <a:p>
+            <a:r xmlns:a="http://schemas.openxmlformats.org/drawingml/2006/main">
+              <a:rPr lang="en" sz="2000" b="1" dirty="0" smtClean="0">
+                <a:latin typeface="Segoe UI" panose="020B0502040204020203" pitchFamily="34" charset="0"/>
+                <a:cs typeface="Segoe UI" panose="020B0502040204020203" pitchFamily="34" charset="0"/>
+              </a:rPr>
+              <a:t>Normal forms</a:t>
+            </a:r>
+            <a:endParaRPr xmlns:a="http://schemas.openxmlformats.org/drawingml/2006/main" lang="en-US" sz="2000" b="1" dirty="0">
+              <a:latin typeface="Segoe UI" panose="020B0502040204020203" pitchFamily="34" charset="0"/>
+              <a:cs typeface="Segoe UI" panose="020B0502040204020203" pitchFamily="34" charset="0"/>
+            </a:endParaRPr>
+          </a:p>
+        </p:txBody>
+      </p:sp>
+      <p:pic>
+        <p:nvPicPr>
+          <p:cNvPr id="9" name="Picture 8"/>
+          <p:cNvPicPr/>
+          <p:nvPr/>
+        </p:nvPicPr>
+        <p:blipFill rotWithShape="1">
+          <a:blip r:embed="rId2">
+            <a:extLst>
+              <a:ext uri="{28A0092B-C50C-407E-A947-70E740481C1C}">
+                <a14:useLocalDpi xmlns:a14="http://schemas.microsoft.com/office/drawing/2010/main" val="0"/>
+              </a:ext>
+            </a:extLst>
+          </a:blip>
+          <a:srcRect l="2402" t="5491" r="-1"/>
+          <a:stretch/>
+        </p:blipFill>
+        <p:spPr bwMode="auto">
+          <a:xfrm>
+            <a:off x="374650" y="1466776"/>
+            <a:ext cx="7302500" cy="3448124"/>
+          </a:xfrm>
+          <a:prstGeom prst="rect">
+            <a:avLst/>
+          </a:prstGeom>
+          <a:ln>
+            <a:noFill/>
+          </a:ln>
+          <a:effectLst>
+            <a:outerShdw blurRad="292100" dist="139700" dir="2700000" algn="tl" rotWithShape="0">
+              <a:srgbClr val="333333">
+                <a:alpha val="65000"/>
+              </a:srgbClr>
+            </a:outerShdw>
+          </a:effectLst>
+          <a:extLst>
+            <a:ext uri="{53640926-AAD7-44D8-BBD7-CCE9431645EC}">
+              <a14:shadowObscured xmlns:a14="http://schemas.microsoft.com/office/drawing/2010/main"/>
+            </a:ext>
+          </a:extLst>
+        </p:spPr>
+      </p:pic>
+      <p:sp>
+        <p:nvSpPr>
+          <p:cNvPr id="4" name="Rectangle 3"/>
+          <p:cNvSpPr/>
+          <p:nvPr/>
+        </p:nvSpPr>
+        <p:spPr>
+          <a:xfrm>
+            <a:off x="270805" y="874329"/>
+            <a:ext cx="9707995" cy="400110"/>
+          </a:xfrm>
+          <a:prstGeom prst="rect">
+            <a:avLst/>
+          </a:prstGeom>
+        </p:spPr>
+        <p:txBody>
+          <a:bodyPr wrap="square">
+            <a:spAutoFit/>
+          </a:bodyPr>
+          <a:lstStyle/>
+          <a:p>
+            <a:r xmlns:a="http://schemas.openxmlformats.org/drawingml/2006/main">
+              <a:rPr lang="en" sz="2000" b="1" dirty="0"/>
+              <a:t>1NF </a:t>
+            </a:r>
+            <a:r xmlns:a="http://schemas.openxmlformats.org/drawingml/2006/main">
+              <a:rPr lang="en" sz="2000" dirty="0"/>
+              <a:t>table </a:t>
+            </a:r>
+            <a:r xmlns:a="http://schemas.openxmlformats.org/drawingml/2006/main">
+              <a:rPr lang="en" sz="2000" dirty="0"/>
+              <a:t>to </a:t>
+            </a:r>
+            <a:r xmlns:a="http://schemas.openxmlformats.org/drawingml/2006/main">
+              <a:rPr lang="en" sz="2000" b="1" dirty="0"/>
+              <a:t>Sales </a:t>
+            </a:r>
+            <a:r xmlns:a="http://schemas.openxmlformats.org/drawingml/2006/main">
+              <a:rPr lang="en" sz="2000" dirty="0"/>
+              <a:t>and add a conditional column </a:t>
+            </a:r>
+            <a:r xmlns:a="http://schemas.openxmlformats.org/drawingml/2006/main">
+              <a:rPr lang="en" sz="2000" b="1" dirty="0"/>
+              <a:t>Customer ID</a:t>
+            </a:r>
+            <a:endParaRPr xmlns:a="http://schemas.openxmlformats.org/drawingml/2006/main" lang="en-US" sz="2000" b="1" dirty="0"/>
+          </a:p>
+        </p:txBody>
+      </p:sp>
+    </p:spTree>
+    <p:extLst>
+      <p:ext uri="{BB962C8B-B14F-4D97-AF65-F5344CB8AC3E}">
+        <p14:creationId xmlns:p14="http://schemas.microsoft.com/office/powerpoint/2010/main" val="4283579214"/>
+      </p:ext>
+    </p:extLst>
+  </p:cSld>
+  <p:clrMapOvr>
+    <a:masterClrMapping/>
+  </p:clrMapOvr>
+</p:sld>
+</file>
+
+<file path=ppt/slides/slide13.xml><?xml version="1.0" encoding="utf-8"?>
+<p:sld xmlns:a="http://schemas.openxmlformats.org/drawingml/2006/main" xmlns:r="http://schemas.openxmlformats.org/officeDocument/2006/relationships" xmlns:p="http://schemas.openxmlformats.org/presentationml/2006/main">
+  <p:cSld>
+    <p:spTree>
+      <p:nvGrpSpPr>
+        <p:cNvPr id="1" name=""/>
+        <p:cNvGrpSpPr/>
+        <p:nvPr/>
+      </p:nvGrpSpPr>
+      <p:grpSpPr>
+        <a:xfrm>
+          <a:off x="0" y="0"/>
+          <a:ext cx="0" cy="0"/>
+          <a:chOff x="0" y="0"/>
+          <a:chExt cx="0" cy="0"/>
+        </a:xfrm>
+      </p:grpSpPr>
+      <p:sp>
+        <p:nvSpPr>
+          <p:cNvPr id="2" name="TextBox 1"/>
+          <p:cNvSpPr txBox="1"/>
+          <p:nvPr/>
+        </p:nvSpPr>
+        <p:spPr>
+          <a:xfrm flipH="1">
+            <a:off x="220005" y="281882"/>
+            <a:ext cx="2798202" cy="400110"/>
+          </a:xfrm>
+          <a:prstGeom prst="rect">
+            <a:avLst/>
+          </a:prstGeom>
+          <a:noFill/>
+        </p:spPr>
+        <p:txBody>
+          <a:bodyPr wrap="square" rtlCol="0">
+            <a:spAutoFit/>
+          </a:bodyPr>
+          <a:lstStyle/>
+          <a:p>
+            <a:r xmlns:a="http://schemas.openxmlformats.org/drawingml/2006/main">
+              <a:rPr lang="en" sz="2000" b="1" dirty="0" smtClean="0">
+                <a:latin typeface="Segoe UI" panose="020B0502040204020203" pitchFamily="34" charset="0"/>
+                <a:cs typeface="Segoe UI" panose="020B0502040204020203" pitchFamily="34" charset="0"/>
+              </a:rPr>
+              <a:t>Normal forms</a:t>
+            </a:r>
+            <a:endParaRPr xmlns:a="http://schemas.openxmlformats.org/drawingml/2006/main" lang="en-US" sz="2000" b="1" dirty="0">
+              <a:latin typeface="Segoe UI" panose="020B0502040204020203" pitchFamily="34" charset="0"/>
+              <a:cs typeface="Segoe UI" panose="020B0502040204020203" pitchFamily="34" charset="0"/>
+            </a:endParaRPr>
+          </a:p>
+        </p:txBody>
+      </p:sp>
+      <p:sp>
+        <p:nvSpPr>
+          <p:cNvPr id="4" name="Rectangle 3"/>
+          <p:cNvSpPr/>
+          <p:nvPr/>
+        </p:nvSpPr>
+        <p:spPr>
+          <a:xfrm>
+            <a:off x="270805" y="874329"/>
+            <a:ext cx="9707995" cy="400110"/>
+          </a:xfrm>
+          <a:prstGeom prst="rect">
+            <a:avLst/>
+          </a:prstGeom>
+        </p:spPr>
+        <p:txBody>
+          <a:bodyPr wrap="square">
+            <a:spAutoFit/>
+          </a:bodyPr>
+          <a:lstStyle/>
+          <a:p>
+            <a:r xmlns:a="http://schemas.openxmlformats.org/drawingml/2006/main">
+              <a:rPr lang="en" sz="2000" dirty="0"/>
+              <a:t>Add </a:t>
+            </a:r>
+            <a:r xmlns:a="http://schemas.openxmlformats.org/drawingml/2006/main">
+              <a:rPr lang="en" sz="2000" dirty="0"/>
+              <a:t>a conditional </a:t>
+            </a:r>
+            <a:r xmlns:a="http://schemas.openxmlformats.org/drawingml/2006/main">
+              <a:rPr lang="en" sz="2000" b="1" dirty="0" smtClean="0"/>
+              <a:t>Location ID column </a:t>
+            </a:r>
+            <a:r xmlns:a="http://schemas.openxmlformats.org/drawingml/2006/main">
+              <a:rPr lang="en" sz="2000" dirty="0" smtClean="0"/>
+              <a:t>by following the same procedure above </a:t>
+            </a:r>
+            <a:endParaRPr xmlns:a="http://schemas.openxmlformats.org/drawingml/2006/main" lang="en-US" sz="2000" dirty="0"/>
+            <a:r xmlns:a="http://schemas.openxmlformats.org/drawingml/2006/main">
+              <a:rPr lang="en" sz="2000" dirty="0" smtClean="0"/>
+              <a:t>.</a:t>
+            </a:r>
+          </a:p>
+        </p:txBody>
+      </p:sp>
+      <p:pic>
+        <p:nvPicPr>
+          <p:cNvPr id="3" name="Picture 2"/>
+          <p:cNvPicPr>
+            <a:picLocks noChangeAspect="1"/>
+          </p:cNvPicPr>
+          <p:nvPr/>
+        </p:nvPicPr>
+        <p:blipFill>
+          <a:blip r:embed="rId2"/>
+          <a:stretch>
+            <a:fillRect/>
+          </a:stretch>
+        </p:blipFill>
+        <p:spPr>
+          <a:xfrm>
+            <a:off x="353753" y="1417713"/>
+            <a:ext cx="8104447" cy="4532846"/>
+          </a:xfrm>
+          <a:prstGeom prst="rect">
+            <a:avLst/>
+          </a:prstGeom>
+        </p:spPr>
+      </p:pic>
+    </p:spTree>
+    <p:extLst>
+      <p:ext uri="{BB962C8B-B14F-4D97-AF65-F5344CB8AC3E}">
+        <p14:creationId xmlns:p14="http://schemas.microsoft.com/office/powerpoint/2010/main" val="5569700"/>
+      </p:ext>
+    </p:extLst>
+  </p:cSld>
+  <p:clrMapOvr>
+    <a:masterClrMapping/>
+  </p:clrMapOvr>
+</p:sld>
+</file>
+
+<file path=ppt/slides/slide14.xml><?xml version="1.0" encoding="utf-8"?>
+<p:sld xmlns:a="http://schemas.openxmlformats.org/drawingml/2006/main" xmlns:r="http://schemas.openxmlformats.org/officeDocument/2006/relationships" xmlns:p="http://schemas.openxmlformats.org/presentationml/2006/main">
+  <p:cSld>
+    <p:spTree>
+      <p:nvGrpSpPr>
+        <p:cNvPr id="1" name=""/>
+        <p:cNvGrpSpPr/>
+        <p:nvPr/>
+      </p:nvGrpSpPr>
+      <p:grpSpPr>
+        <a:xfrm>
+          <a:off x="0" y="0"/>
+          <a:ext cx="0" cy="0"/>
+          <a:chOff x="0" y="0"/>
+          <a:chExt cx="0" cy="0"/>
+        </a:xfrm>
+      </p:grpSpPr>
+      <p:sp>
+        <p:nvSpPr>
+          <p:cNvPr id="2" name="TextBox 1"/>
+          <p:cNvSpPr txBox="1"/>
+          <p:nvPr/>
+        </p:nvSpPr>
+        <p:spPr>
+          <a:xfrm flipH="1">
+            <a:off x="220005" y="281882"/>
+            <a:ext cx="2798202" cy="400110"/>
+          </a:xfrm>
+          <a:prstGeom prst="rect">
+            <a:avLst/>
+          </a:prstGeom>
+          <a:noFill/>
+        </p:spPr>
+        <p:txBody>
+          <a:bodyPr wrap="square" rtlCol="0">
+            <a:spAutoFit/>
+          </a:bodyPr>
+          <a:lstStyle/>
+          <a:p>
+            <a:r xmlns:a="http://schemas.openxmlformats.org/drawingml/2006/main">
+              <a:rPr lang="en" sz="2000" b="1" dirty="0" smtClean="0">
+                <a:latin typeface="Segoe UI" panose="020B0502040204020203" pitchFamily="34" charset="0"/>
+                <a:cs typeface="Segoe UI" panose="020B0502040204020203" pitchFamily="34" charset="0"/>
+              </a:rPr>
+              <a:t>Normal forms</a:t>
+            </a:r>
+            <a:endParaRPr xmlns:a="http://schemas.openxmlformats.org/drawingml/2006/main" lang="en-US" sz="2000" b="1" dirty="0">
+              <a:latin typeface="Segoe UI" panose="020B0502040204020203" pitchFamily="34" charset="0"/>
+              <a:cs typeface="Segoe UI" panose="020B0502040204020203" pitchFamily="34" charset="0"/>
+            </a:endParaRPr>
+          </a:p>
+        </p:txBody>
+      </p:sp>
+      <p:sp>
+        <p:nvSpPr>
+          <p:cNvPr id="4" name="Rectangle 3"/>
+          <p:cNvSpPr/>
+          <p:nvPr/>
+        </p:nvSpPr>
+        <p:spPr>
+          <a:xfrm>
+            <a:off x="270805" y="874329"/>
+            <a:ext cx="9707995" cy="400110"/>
+          </a:xfrm>
+          <a:prstGeom prst="rect">
+            <a:avLst/>
+          </a:prstGeom>
+        </p:spPr>
+        <p:txBody>
+          <a:bodyPr wrap="square">
+            <a:spAutoFit/>
+          </a:bodyPr>
+          <a:lstStyle/>
+          <a:p>
+            <a:r xmlns:a="http://schemas.openxmlformats.org/drawingml/2006/main">
+              <a:rPr lang="en" sz="2000" dirty="0" smtClean="0"/>
+              <a:t>Remove the two </a:t>
+            </a:r>
+            <a:r xmlns:a="http://schemas.openxmlformats.org/drawingml/2006/main">
+              <a:rPr lang="en" sz="2000" b="1" dirty="0" err="1" smtClean="0"/>
+              <a:t>Customers </a:t>
+            </a:r>
+            <a:r xmlns:a="http://schemas.openxmlformats.org/drawingml/2006/main">
+              <a:rPr lang="en" sz="2000" dirty="0" smtClean="0"/>
+              <a:t>and </a:t>
+            </a:r>
+            <a:r xmlns:a="http://schemas.openxmlformats.org/drawingml/2006/main">
+              <a:rPr lang="en" sz="2000" b="1" dirty="0" smtClean="0"/>
+              <a:t>Locations columns </a:t>
+            </a:r>
+            <a:r xmlns:a="http://schemas.openxmlformats.org/drawingml/2006/main">
+              <a:rPr lang="en" sz="2000" dirty="0" smtClean="0"/>
+              <a:t>in </a:t>
+            </a:r>
+            <a:r xmlns:a="http://schemas.openxmlformats.org/drawingml/2006/main">
+              <a:rPr lang="en" sz="2000" b="1" dirty="0" smtClean="0"/>
+              <a:t>Sales</a:t>
+            </a:r>
+            <a:endParaRPr xmlns:a="http://schemas.openxmlformats.org/drawingml/2006/main" lang="en-US" sz="2000" b="1" dirty="0"/>
+          </a:p>
+        </p:txBody>
+      </p:sp>
+      <p:sp>
+        <p:nvSpPr>
+          <p:cNvPr id="5" name="Rectangle 4"/>
+          <p:cNvSpPr/>
+          <p:nvPr/>
+        </p:nvSpPr>
+        <p:spPr>
+          <a:xfrm>
+            <a:off x="270804" y="1325179"/>
+            <a:ext cx="9707995" cy="400110"/>
+          </a:xfrm>
+          <a:prstGeom prst="rect">
+            <a:avLst/>
+          </a:prstGeom>
+        </p:spPr>
+        <p:txBody>
+          <a:bodyPr wrap="square">
+            <a:spAutoFit/>
+          </a:bodyPr>
+          <a:lstStyle/>
+          <a:p>
+            <a:r xmlns:a="http://schemas.openxmlformats.org/drawingml/2006/main">
+              <a:rPr lang="en" sz="2000" dirty="0" smtClean="0"/>
+              <a:t>Position the </a:t>
+            </a:r>
+            <a:r xmlns:a="http://schemas.openxmlformats.org/drawingml/2006/main">
+              <a:rPr lang="en" sz="2000" b="1" dirty="0" err="1" smtClean="0"/>
+              <a:t>Customers </a:t>
+            </a:r>
+            <a:r xmlns:a="http://schemas.openxmlformats.org/drawingml/2006/main">
+              <a:rPr lang="en" sz="2000" b="1" dirty="0" smtClean="0"/>
+              <a:t>ID </a:t>
+            </a:r>
+            <a:r xmlns:a="http://schemas.openxmlformats.org/drawingml/2006/main">
+              <a:rPr lang="en" sz="2000" dirty="0" smtClean="0"/>
+              <a:t>and </a:t>
+            </a:r>
+            <a:r xmlns:a="http://schemas.openxmlformats.org/drawingml/2006/main">
+              <a:rPr lang="en" sz="2000" b="1" dirty="0" smtClean="0"/>
+              <a:t>Location ID columns </a:t>
+            </a:r>
+            <a:r xmlns:a="http://schemas.openxmlformats.org/drawingml/2006/main">
+              <a:rPr lang="en" sz="2000" dirty="0" smtClean="0"/>
+              <a:t>at the beginning</a:t>
+            </a:r>
+            <a:endParaRPr xmlns:a="http://schemas.openxmlformats.org/drawingml/2006/main" lang="en-US" sz="2000" dirty="0"/>
+          </a:p>
+        </p:txBody>
+      </p:sp>
+      <p:sp>
+        <p:nvSpPr>
+          <p:cNvPr id="6" name="Rectangle 5"/>
+          <p:cNvSpPr/>
+          <p:nvPr/>
+        </p:nvSpPr>
+        <p:spPr>
+          <a:xfrm>
+            <a:off x="270804" y="1725289"/>
+            <a:ext cx="9707995" cy="400110"/>
+          </a:xfrm>
+          <a:prstGeom prst="rect">
+            <a:avLst/>
+          </a:prstGeom>
+        </p:spPr>
+        <p:txBody>
+          <a:bodyPr wrap="square">
+            <a:spAutoFit/>
+          </a:bodyPr>
+          <a:lstStyle/>
+          <a:p>
+            <a:r xmlns:a="http://schemas.openxmlformats.org/drawingml/2006/main">
+              <a:rPr lang="en" sz="2000" b="1" dirty="0" err="1" smtClean="0"/>
+              <a:t>the Customers </a:t>
+            </a:r>
+            <a:r xmlns:a="http://schemas.openxmlformats.org/drawingml/2006/main">
+              <a:rPr lang="en" sz="2000" b="1" dirty="0" smtClean="0"/>
+              <a:t>ID </a:t>
+            </a:r>
+            <a:r xmlns:a="http://schemas.openxmlformats.org/drawingml/2006/main">
+              <a:rPr lang="en" sz="2000" dirty="0" smtClean="0"/>
+              <a:t>and </a:t>
+            </a:r>
+            <a:r xmlns:a="http://schemas.openxmlformats.org/drawingml/2006/main">
+              <a:rPr lang="en" sz="2000" b="1" dirty="0" smtClean="0"/>
+              <a:t>Location ID </a:t>
+            </a:r>
+            <a:r xmlns:a="http://schemas.openxmlformats.org/drawingml/2006/main">
+              <a:rPr lang="en" sz="2000" dirty="0" smtClean="0"/>
+              <a:t>columns </a:t>
+            </a:r>
+            <a:r xmlns:a="http://schemas.openxmlformats.org/drawingml/2006/main">
+              <a:rPr lang="en" sz="2000" dirty="0" smtClean="0"/>
+              <a:t>is </a:t>
+            </a:r>
+            <a:r xmlns:a="http://schemas.openxmlformats.org/drawingml/2006/main">
+              <a:rPr lang="en" sz="2000" b="1" dirty="0" err="1" smtClean="0"/>
+              <a:t>Number</a:t>
+            </a:r>
+            <a:endParaRPr xmlns:a="http://schemas.openxmlformats.org/drawingml/2006/main" lang="en-US" sz="2000" b="1" dirty="0"/>
+          </a:p>
+        </p:txBody>
+      </p:sp>
+      <p:pic>
+        <p:nvPicPr>
+          <p:cNvPr id="7" name="Picture 6"/>
+          <p:cNvPicPr>
+            <a:picLocks noChangeAspect="1"/>
+          </p:cNvPicPr>
+          <p:nvPr/>
+        </p:nvPicPr>
+        <p:blipFill>
+          <a:blip r:embed="rId2"/>
+          <a:stretch>
+            <a:fillRect/>
+          </a:stretch>
+        </p:blipFill>
+        <p:spPr>
+          <a:xfrm>
+            <a:off x="439404" y="2265159"/>
+            <a:ext cx="5751846" cy="3180162"/>
+          </a:xfrm>
+          <a:prstGeom prst="rect">
+            <a:avLst/>
+          </a:prstGeom>
+        </p:spPr>
+      </p:pic>
+      <p:sp>
+        <p:nvSpPr>
+          <p:cNvPr id="8" name="Rectangle 7"/>
+          <p:cNvSpPr/>
+          <p:nvPr/>
+        </p:nvSpPr>
+        <p:spPr>
+          <a:xfrm>
+            <a:off x="749300" y="2265159"/>
+            <a:ext cx="285750" cy="268491"/>
+          </a:xfrm>
+          <a:prstGeom prst="rect">
+            <a:avLst/>
+          </a:prstGeom>
+          <a:noFill/>
+          <a:ln w="38100">
+            <a:solidFill>
+              <a:srgbClr val="FF0000"/>
+            </a:solidFill>
+          </a:ln>
+        </p:spPr>
+        <p:style>
+          <a:lnRef idx="2">
+            <a:schemeClr val="accent1">
+              <a:shade val="50000"/>
+            </a:schemeClr>
+          </a:lnRef>
+          <a:fillRef idx="1">
+            <a:schemeClr val="accent1"/>
+          </a:fillRef>
+          <a:effectRef idx="0">
+            <a:schemeClr val="accent1"/>
+          </a:effectRef>
+          <a:fontRef idx="minor">
+            <a:schemeClr val="lt1"/>
+          </a:fontRef>
+        </p:style>
+        <p:txBody>
+          <a:bodyPr rtlCol="0" anchor="ctr"/>
+          <a:lstStyle/>
+          <a:p>
+            <a:pPr algn="ctr"/>
+            <a:endParaRPr lang="en-US"/>
+          </a:p>
+        </p:txBody>
+      </p:sp>
+      <p:sp>
+        <p:nvSpPr>
+          <p:cNvPr id="9" name="Rectangle 8"/>
+          <p:cNvSpPr/>
+          <p:nvPr/>
+        </p:nvSpPr>
+        <p:spPr>
+          <a:xfrm>
+            <a:off x="2565400" y="2265159"/>
+            <a:ext cx="323850" cy="268491"/>
+          </a:xfrm>
+          <a:prstGeom prst="rect">
+            <a:avLst/>
+          </a:prstGeom>
+          <a:noFill/>
+          <a:ln w="38100">
+            <a:solidFill>
+              <a:srgbClr val="FF0000"/>
+            </a:solidFill>
+          </a:ln>
+        </p:spPr>
+        <p:style>
+          <a:lnRef idx="2">
+            <a:schemeClr val="accent1">
+              <a:shade val="50000"/>
+            </a:schemeClr>
+          </a:lnRef>
+          <a:fillRef idx="1">
+            <a:schemeClr val="accent1"/>
+          </a:fillRef>
+          <a:effectRef idx="0">
+            <a:schemeClr val="accent1"/>
+          </a:effectRef>
+          <a:fontRef idx="minor">
+            <a:schemeClr val="lt1"/>
+          </a:fontRef>
+        </p:style>
+        <p:txBody>
+          <a:bodyPr rtlCol="0" anchor="ctr"/>
+          <a:lstStyle/>
+          <a:p>
+            <a:pPr algn="ctr"/>
+            <a:endParaRPr lang="en-US"/>
+          </a:p>
+        </p:txBody>
+      </p:sp>
+    </p:spTree>
+    <p:extLst>
+      <p:ext uri="{BB962C8B-B14F-4D97-AF65-F5344CB8AC3E}">
+        <p14:creationId xmlns:p14="http://schemas.microsoft.com/office/powerpoint/2010/main" val="708705238"/>
+      </p:ext>
+    </p:extLst>
+  </p:cSld>
+  <p:clrMapOvr>
+    <a:masterClrMapping/>
+  </p:clrMapOvr>
+</p:sld>
+</file>
+
+<file path=ppt/slides/slide15.xml><?xml version="1.0" encoding="utf-8"?>
+<p:sld xmlns:a="http://schemas.openxmlformats.org/drawingml/2006/main" xmlns:r="http://schemas.openxmlformats.org/officeDocument/2006/relationships" xmlns:p="http://schemas.openxmlformats.org/presentationml/2006/main">
+  <p:cSld>
+    <p:spTree>
+      <p:nvGrpSpPr>
+        <p:cNvPr id="1" name=""/>
+        <p:cNvGrpSpPr/>
+        <p:nvPr/>
+      </p:nvGrpSpPr>
+      <p:grpSpPr>
+        <a:xfrm>
+          <a:off x="0" y="0"/>
+          <a:ext cx="0" cy="0"/>
+          <a:chOff x="0" y="0"/>
+          <a:chExt cx="0" cy="0"/>
+        </a:xfrm>
+      </p:grpSpPr>
+      <p:pic>
+        <p:nvPicPr>
+          <p:cNvPr id="7" name="Picture 6"/>
           <p:cNvPicPr/>
           <p:nvPr/>
         </p:nvPicPr>
@@ -3545,8 +5062,8 @@
         </p:blipFill>
         <p:spPr bwMode="auto">
           <a:xfrm>
-            <a:off x="275008" y="1443542"/>
-            <a:ext cx="3677920" cy="1835785"/>
+            <a:off x="2919028" y="1670050"/>
+            <a:ext cx="5018472" cy="2603500"/>
           </a:xfrm>
           <a:prstGeom prst="rect">
             <a:avLst/>
@@ -3565,14 +5082,50 @@
       </p:pic>
       <p:sp>
         <p:nvSpPr>
-          <p:cNvPr id="4" name="Rectangle 3"/>
+          <p:cNvPr id="8" name="TextBox 7"/>
+          <p:cNvSpPr txBox="1"/>
+          <p:nvPr/>
+        </p:nvSpPr>
+        <p:spPr>
+          <a:xfrm flipH="1">
+            <a:off x="220005" y="281882"/>
+            <a:ext cx="2798202" cy="400110"/>
+          </a:xfrm>
+          <a:prstGeom prst="rect">
+            <a:avLst/>
+          </a:prstGeom>
+          <a:noFill/>
+        </p:spPr>
+        <p:txBody>
+          <a:bodyPr wrap="square" rtlCol="0">
+            <a:spAutoFit/>
+          </a:bodyPr>
+          <a:lstStyle/>
+          <a:p>
+            <a:r xmlns:a="http://schemas.openxmlformats.org/drawingml/2006/main">
+              <a:rPr lang="en" sz="2000" b="1" dirty="0" smtClean="0">
+                <a:latin typeface="Segoe UI" panose="020B0502040204020203" pitchFamily="34" charset="0"/>
+                <a:cs typeface="Segoe UI" panose="020B0502040204020203" pitchFamily="34" charset="0"/>
+              </a:rPr>
+              <a:t>Normal forms</a:t>
+            </a:r>
+            <a:endParaRPr xmlns:a="http://schemas.openxmlformats.org/drawingml/2006/main" lang="en-US" sz="2000" b="1" dirty="0">
+              <a:latin typeface="Segoe UI" panose="020B0502040204020203" pitchFamily="34" charset="0"/>
+              <a:cs typeface="Segoe UI" panose="020B0502040204020203" pitchFamily="34" charset="0"/>
+            </a:endParaRPr>
+          </a:p>
+        </p:txBody>
+      </p:sp>
+      <p:sp>
+        <p:nvSpPr>
+          <p:cNvPr id="6" name="Rectangle 5"/>
           <p:cNvSpPr/>
           <p:nvPr/>
         </p:nvSpPr>
         <p:spPr>
           <a:xfrm>
-            <a:off x="274117" y="3667789"/>
-            <a:ext cx="4253537" cy="373692"/>
+            <a:off x="331062" y="834338"/>
+            <a:ext cx="4580356" cy="400110"/>
           </a:xfrm>
           <a:prstGeom prst="rect">
             <a:avLst/>
@@ -3584,73 +5137,14 @@
           </a:bodyPr>
           <a:lstStyle/>
           <a:p>
-            <a:pPr lvl="0">
-              <a:lnSpc>
-                <a:spcPct val="107000"/>
-              </a:lnSpc>
-              <a:spcAft>
-                <a:spcPts val="800"/>
-              </a:spcAft>
-              <a:tabLst>
-                <a:tab pos="400050" algn="l"/>
-              </a:tabLst>
-            </a:pPr>
-            <a:r>
-              <a:rPr lang="en-US" dirty="0" smtClean="0">
-                <a:latin typeface="Segoe UI" panose="020B0502040204020203" pitchFamily="34" charset="0"/>
-                <a:ea typeface="Calibri" panose="020F0502020204030204" pitchFamily="34" charset="0"/>
-                <a:cs typeface="Times New Roman" panose="02020603050405020304" pitchFamily="18" charset="0"/>
-              </a:rPr>
-              <a:t>Visualize tables at the model space level</a:t>
-            </a:r>
-            <a:endParaRPr lang="en-US" sz="1400" dirty="0">
-              <a:effectLst/>
-              <a:latin typeface="Calibri" panose="020F0502020204030204" pitchFamily="34" charset="0"/>
-              <a:ea typeface="Calibri" panose="020F0502020204030204" pitchFamily="34" charset="0"/>
-              <a:cs typeface="Times New Roman" panose="02020603050405020304" pitchFamily="18" charset="0"/>
-            </a:endParaRPr>
-          </a:p>
-        </p:txBody>
-      </p:sp>
-      <p:pic>
-        <p:nvPicPr>
-          <p:cNvPr id="7" name="Picture 6"/>
-          <p:cNvPicPr/>
-          <p:nvPr/>
-        </p:nvPicPr>
-        <p:blipFill>
-          <a:blip r:embed="rId3">
-            <a:extLst>
-              <a:ext uri="{28A0092B-C50C-407E-A947-70E740481C1C}">
-                <a14:useLocalDpi xmlns:a14="http://schemas.microsoft.com/office/drawing/2010/main" val="0"/>
-              </a:ext>
-            </a:extLst>
-          </a:blip>
-          <a:srcRect/>
-          <a:stretch>
-            <a:fillRect/>
-          </a:stretch>
-        </p:blipFill>
-        <p:spPr bwMode="auto">
-          <a:xfrm>
-            <a:off x="4830378" y="3768038"/>
-            <a:ext cx="4739883" cy="2894020"/>
-          </a:xfrm>
-          <a:prstGeom prst="rect">
-            <a:avLst/>
-          </a:prstGeom>
-          <a:ln>
-            <a:noFill/>
-          </a:ln>
-          <a:effectLst>
-            <a:outerShdw blurRad="292100" dist="139700" dir="2700000" algn="tl" rotWithShape="0">
-              <a:srgbClr val="333333">
-                <a:alpha val="65000"/>
-              </a:srgbClr>
-            </a:outerShdw>
-          </a:effectLst>
-        </p:spPr>
-      </p:pic>
+            <a:r xmlns:a="http://schemas.openxmlformats.org/drawingml/2006/main">
+              <a:rPr lang="en" sz="2000" dirty="0"/>
+              <a:t>View tables in model space.</a:t>
+            </a:r>
+            <a:endParaRPr xmlns:a="http://schemas.openxmlformats.org/drawingml/2006/main" lang="en-US" sz="2000" dirty="0"/>
+          </a:p>
+        </p:txBody>
+      </p:sp>
     </p:spTree>
     <p:extLst>
       <p:ext uri="{BB962C8B-B14F-4D97-AF65-F5344CB8AC3E}">
@@ -3664,7 +5158,7 @@
 </p:sld>
 </file>
 
-<file path=ppt/slides/slide11.xml><?xml version="1.0" encoding="utf-8"?>
+<file path=ppt/slides/slide16.xml><?xml version="1.0" encoding="utf-8"?>
 <p:sld xmlns:a="http://schemas.openxmlformats.org/drawingml/2006/main" xmlns:r="http://schemas.openxmlformats.org/officeDocument/2006/relationships" xmlns:p="http://schemas.openxmlformats.org/presentationml/2006/main">
   <p:cSld>
     <p:bg>
@@ -3730,14 +5224,14 @@
       </p:sp>
       <p:sp>
         <p:nvSpPr>
-          <p:cNvPr id="5" name="TextBox 4"/>
+          <p:cNvPr id="7" name="TextBox 6"/>
           <p:cNvSpPr txBox="1"/>
           <p:nvPr/>
         </p:nvSpPr>
         <p:spPr>
           <a:xfrm>
-            <a:off x="2916199" y="2162433"/>
-            <a:ext cx="6230360" cy="1569660"/>
+            <a:off x="4084981" y="2485566"/>
+            <a:ext cx="3456395" cy="1569660"/>
           </a:xfrm>
           <a:prstGeom prst="rect">
             <a:avLst/>
@@ -3750,8 +5244,8 @@
           </a:bodyPr>
           <a:lstStyle/>
           <a:p>
-            <a:r>
-              <a:rPr lang="en-US" sz="9600" b="1" dirty="0" smtClean="0">
+            <a:r xmlns:a="http://schemas.openxmlformats.org/drawingml/2006/main">
+              <a:rPr lang="en" sz="9600" b="1" dirty="0" smtClean="0">
                 <a:solidFill>
                   <a:srgbClr val="7030A0"/>
                 </a:solidFill>
@@ -3759,9 +5253,9 @@
                 <a:ea typeface="Verdana" panose="020B0604030504040204" pitchFamily="34" charset="0"/>
                 <a:cs typeface="Segoe UI" panose="020B0502040204020203" pitchFamily="34" charset="0"/>
               </a:rPr>
-              <a:t>Thank you</a:t>
-            </a:r>
-            <a:endParaRPr lang="en-US" sz="9600" b="1" dirty="0">
+              <a:t>THANKS</a:t>
+            </a:r>
+            <a:endParaRPr xmlns:a="http://schemas.openxmlformats.org/drawingml/2006/main" lang="en-US" sz="9600" b="1" dirty="0">
               <a:solidFill>
                 <a:srgbClr val="7030A0"/>
               </a:solidFill>
@@ -3774,14 +5268,14 @@
       </p:sp>
       <p:sp>
         <p:nvSpPr>
-          <p:cNvPr id="6" name="TextBox 5"/>
+          <p:cNvPr id="8" name="TextBox 7"/>
           <p:cNvSpPr txBox="1"/>
           <p:nvPr/>
         </p:nvSpPr>
         <p:spPr>
           <a:xfrm>
-            <a:off x="2990336" y="2217861"/>
-            <a:ext cx="6230360" cy="1569660"/>
+            <a:off x="4014739" y="2410365"/>
+            <a:ext cx="3456395" cy="1569660"/>
           </a:xfrm>
           <a:prstGeom prst="rect">
             <a:avLst/>
@@ -3794,8 +5288,8 @@
           </a:bodyPr>
           <a:lstStyle/>
           <a:p>
-            <a:r>
-              <a:rPr lang="en-US" sz="9600" b="1" dirty="0" smtClean="0">
+            <a:r xmlns:a="http://schemas.openxmlformats.org/drawingml/2006/main">
+              <a:rPr lang="en" sz="9600" b="1" dirty="0" smtClean="0">
                 <a:solidFill>
                   <a:schemeClr val="bg1"/>
                 </a:solidFill>
@@ -3803,9 +5297,9 @@
                 <a:ea typeface="Verdana" panose="020B0604030504040204" pitchFamily="34" charset="0"/>
                 <a:cs typeface="Segoe UI" panose="020B0502040204020203" pitchFamily="34" charset="0"/>
               </a:rPr>
-              <a:t>Thank you</a:t>
-            </a:r>
-            <a:endParaRPr lang="en-US" sz="9600" b="1" dirty="0">
+              <a:t>THANKS</a:t>
+            </a:r>
+            <a:endParaRPr xmlns:a="http://schemas.openxmlformats.org/drawingml/2006/main" lang="en-US" sz="9600" b="1" dirty="0">
               <a:solidFill>
                 <a:schemeClr val="bg1"/>
               </a:solidFill>
@@ -3846,241 +5340,6 @@
           <a:chExt cx="0" cy="0"/>
         </a:xfrm>
       </p:grpSpPr>
-      <p:sp>
-        <p:nvSpPr>
-          <p:cNvPr id="2" name="TextBox 1"/>
-          <p:cNvSpPr txBox="1"/>
-          <p:nvPr/>
-        </p:nvSpPr>
-        <p:spPr>
-          <a:xfrm flipH="1">
-            <a:off x="220006" y="281882"/>
-            <a:ext cx="1753173" cy="369332"/>
-          </a:xfrm>
-          <a:prstGeom prst="rect">
-            <a:avLst/>
-          </a:prstGeom>
-          <a:noFill/>
-        </p:spPr>
-        <p:txBody>
-          <a:bodyPr wrap="square" rtlCol="0">
-            <a:spAutoFit/>
-          </a:bodyPr>
-          <a:lstStyle/>
-          <a:p>
-            <a:r>
-              <a:rPr lang="fr-FR" dirty="0" smtClean="0">
-                <a:latin typeface="Segoe UI" panose="020B0502040204020203" pitchFamily="34" charset="0"/>
-                <a:cs typeface="Segoe UI" panose="020B0502040204020203" pitchFamily="34" charset="0"/>
-              </a:rPr>
-              <a:t>Normal forms</a:t>
-            </a:r>
-            <a:endParaRPr lang="en-US" dirty="0">
-              <a:latin typeface="Segoe UI" panose="020B0502040204020203" pitchFamily="34" charset="0"/>
-              <a:cs typeface="Segoe UI" panose="020B0502040204020203" pitchFamily="34" charset="0"/>
-            </a:endParaRPr>
-          </a:p>
-        </p:txBody>
-      </p:sp>
-      <p:sp>
-        <p:nvSpPr>
-          <p:cNvPr id="3" name="Rectangle 2"/>
-          <p:cNvSpPr/>
-          <p:nvPr/>
-        </p:nvSpPr>
-        <p:spPr>
-          <a:xfrm>
-            <a:off x="291050" y="776408"/>
-            <a:ext cx="11073636" cy="366895"/>
-          </a:xfrm>
-          <a:prstGeom prst="rect">
-            <a:avLst/>
-          </a:prstGeom>
-        </p:spPr>
-        <p:txBody>
-          <a:bodyPr wrap="square">
-            <a:spAutoFit/>
-          </a:bodyPr>
-          <a:lstStyle/>
-          <a:p>
-            <a:pPr>
-              <a:lnSpc>
-                <a:spcPct val="107000"/>
-              </a:lnSpc>
-              <a:spcBef>
-                <a:spcPts val="1200"/>
-              </a:spcBef>
-              <a:spcAft>
-                <a:spcPts val="0"/>
-              </a:spcAft>
-            </a:pPr>
-            <a:r>
-              <a:rPr lang="fr-FR" b="1" kern="0" dirty="0" smtClean="0">
-                <a:latin typeface="Segoe UI" panose="020B0502040204020203" pitchFamily="34" charset="0"/>
-                <a:ea typeface="Times New Roman" panose="02020603050405020304" pitchFamily="18" charset="0"/>
-                <a:cs typeface="Times New Roman" panose="02020603050405020304" pitchFamily="18" charset="0"/>
-              </a:rPr>
-              <a:t>Note: </a:t>
-            </a:r>
-            <a:r>
-              <a:rPr lang="fr-FR" kern="0" dirty="0" smtClean="0">
-                <a:latin typeface="Segoe UI" panose="020B0502040204020203" pitchFamily="34" charset="0"/>
-                <a:ea typeface="Times New Roman" panose="02020603050405020304" pitchFamily="18" charset="0"/>
-                <a:cs typeface="Times New Roman" panose="02020603050405020304" pitchFamily="18" charset="0"/>
-              </a:rPr>
-              <a:t>This </a:t>
-            </a:r>
-            <a:r>
-              <a:rPr lang="fr-FR" kern="0" dirty="0" err="1" smtClean="0">
-                <a:latin typeface="Segoe UI" panose="020B0502040204020203" pitchFamily="34" charset="0"/>
-                <a:ea typeface="Times New Roman" panose="02020603050405020304" pitchFamily="18" charset="0"/>
-                <a:cs typeface="Times New Roman" panose="02020603050405020304" pitchFamily="18" charset="0"/>
-              </a:rPr>
-              <a:t>Lab</a:t>
-            </a:r>
-            <a:r>
-              <a:rPr lang="fr-FR" kern="0" dirty="0" smtClean="0">
-                <a:latin typeface="Segoe UI" panose="020B0502040204020203" pitchFamily="34" charset="0"/>
-                <a:ea typeface="Times New Roman" panose="02020603050405020304" pitchFamily="18" charset="0"/>
-                <a:cs typeface="Times New Roman" panose="02020603050405020304" pitchFamily="18" charset="0"/>
-              </a:rPr>
-              <a:t> uses</a:t>
-            </a:r>
-            <a:r>
-              <a:rPr lang="fr-FR" b="1" kern="0" dirty="0" smtClean="0">
-                <a:latin typeface="Segoe UI" panose="020B0502040204020203" pitchFamily="34" charset="0"/>
-                <a:ea typeface="Times New Roman" panose="02020603050405020304" pitchFamily="18" charset="0"/>
-                <a:cs typeface="Times New Roman" panose="02020603050405020304" pitchFamily="18" charset="0"/>
-              </a:rPr>
-              <a:t> the Customers.xlsx </a:t>
-            </a:r>
-            <a:r>
-              <a:rPr lang="fr-FR" kern="0" dirty="0" smtClean="0">
-                <a:latin typeface="Segoe UI" panose="020B0502040204020203" pitchFamily="34" charset="0"/>
-                <a:ea typeface="Times New Roman" panose="02020603050405020304" pitchFamily="18" charset="0"/>
-                <a:cs typeface="Times New Roman" panose="02020603050405020304" pitchFamily="18" charset="0"/>
-              </a:rPr>
-              <a:t>file </a:t>
-            </a:r>
-            <a:r>
-              <a:rPr lang="fr-FR" kern="0" dirty="0" err="1" smtClean="0">
-                <a:latin typeface="Segoe UI" panose="020B0502040204020203" pitchFamily="34" charset="0"/>
-                <a:ea typeface="Times New Roman" panose="02020603050405020304" pitchFamily="18" charset="0"/>
-                <a:cs typeface="Times New Roman" panose="02020603050405020304" pitchFamily="18" charset="0"/>
-              </a:rPr>
-              <a:t>located</a:t>
-            </a:r>
-            <a:r>
-              <a:rPr lang="fr-FR" kern="0" dirty="0" smtClean="0">
-                <a:latin typeface="Segoe UI" panose="020B0502040204020203" pitchFamily="34" charset="0"/>
-                <a:ea typeface="Times New Roman" panose="02020603050405020304" pitchFamily="18" charset="0"/>
-                <a:cs typeface="Times New Roman" panose="02020603050405020304" pitchFamily="18" charset="0"/>
-              </a:rPr>
-              <a:t> in the </a:t>
-            </a:r>
-            <a:r>
-              <a:rPr lang="fr-FR" b="1" kern="0" dirty="0" err="1" smtClean="0">
-                <a:latin typeface="Segoe UI" panose="020B0502040204020203" pitchFamily="34" charset="0"/>
-                <a:ea typeface="Times New Roman" panose="02020603050405020304" pitchFamily="18" charset="0"/>
-                <a:cs typeface="Times New Roman" panose="02020603050405020304" pitchFamily="18" charset="0"/>
-              </a:rPr>
-              <a:t>resources</a:t>
-            </a:r>
-            <a:r>
-              <a:rPr lang="fr-FR" b="1" kern="0" dirty="0" smtClean="0">
-                <a:latin typeface="Segoe UI" panose="020B0502040204020203" pitchFamily="34" charset="0"/>
-                <a:ea typeface="Times New Roman" panose="02020603050405020304" pitchFamily="18" charset="0"/>
-                <a:cs typeface="Times New Roman" panose="02020603050405020304" pitchFamily="18" charset="0"/>
-              </a:rPr>
-              <a:t>\Advanced Transformations </a:t>
-            </a:r>
-            <a:r>
-              <a:rPr lang="fr-FR" kern="0" dirty="0" err="1" smtClean="0">
-                <a:latin typeface="Segoe UI" panose="020B0502040204020203" pitchFamily="34" charset="0"/>
-                <a:ea typeface="Times New Roman" panose="02020603050405020304" pitchFamily="18" charset="0"/>
-                <a:cs typeface="Times New Roman" panose="02020603050405020304" pitchFamily="18" charset="0"/>
-              </a:rPr>
-              <a:t>folder</a:t>
-            </a:r>
-            <a:r>
-              <a:rPr lang="fr-FR" kern="0" dirty="0" smtClean="0">
-                <a:latin typeface="Segoe UI" panose="020B0502040204020203" pitchFamily="34" charset="0"/>
-                <a:ea typeface="Times New Roman" panose="02020603050405020304" pitchFamily="18" charset="0"/>
-                <a:cs typeface="Times New Roman" panose="02020603050405020304" pitchFamily="18" charset="0"/>
-              </a:rPr>
-              <a:t> </a:t>
-            </a:r>
-            <a:endParaRPr lang="fr-FR" sz="2800" b="1" kern="0" dirty="0">
-              <a:effectLst/>
-              <a:latin typeface="Segoe UI" panose="020B0502040204020203" pitchFamily="34" charset="0"/>
-              <a:ea typeface="Times New Roman" panose="02020603050405020304" pitchFamily="18" charset="0"/>
-              <a:cs typeface="Times New Roman" panose="02020603050405020304" pitchFamily="18" charset="0"/>
-            </a:endParaRPr>
-          </a:p>
-        </p:txBody>
-      </p:sp>
-      <p:sp>
-        <p:nvSpPr>
-          <p:cNvPr id="4" name="Rectangle 3"/>
-          <p:cNvSpPr/>
-          <p:nvPr/>
-        </p:nvSpPr>
-        <p:spPr>
-          <a:xfrm>
-            <a:off x="291050" y="1268497"/>
-            <a:ext cx="10310491" cy="685059"/>
-          </a:xfrm>
-          <a:prstGeom prst="rect">
-            <a:avLst/>
-          </a:prstGeom>
-        </p:spPr>
-        <p:txBody>
-          <a:bodyPr wrap="square">
-            <a:spAutoFit/>
-          </a:bodyPr>
-          <a:lstStyle/>
-          <a:p>
-            <a:pPr lvl="0">
-              <a:lnSpc>
-                <a:spcPct val="107000"/>
-              </a:lnSpc>
-              <a:spcAft>
-                <a:spcPts val="800"/>
-              </a:spcAft>
-            </a:pPr>
-            <a:r>
-              <a:rPr lang="en-US" dirty="0" smtClean="0">
-                <a:latin typeface="Segoe UI" panose="020B0502040204020203" pitchFamily="34" charset="0"/>
-                <a:ea typeface="Calibri" panose="020F0502020204030204" pitchFamily="34" charset="0"/>
-                <a:cs typeface="Times New Roman" panose="02020603050405020304" pitchFamily="18" charset="0"/>
-              </a:rPr>
-              <a:t>Load the </a:t>
-            </a:r>
-            <a:r>
-              <a:rPr lang="en-US" b="1" dirty="0" smtClean="0">
-                <a:latin typeface="Calibri" panose="020F0502020204030204" pitchFamily="34" charset="0"/>
-                <a:ea typeface="Calibri" panose="020F0502020204030204" pitchFamily="34" charset="0"/>
-                <a:cs typeface="Times New Roman" panose="02020603050405020304" pitchFamily="18" charset="0"/>
-              </a:rPr>
-              <a:t>Customers.xlsx file </a:t>
-            </a:r>
-            <a:r>
-              <a:rPr lang="en-US" dirty="0" smtClean="0">
-                <a:latin typeface="Segoe UI" panose="020B0502040204020203" pitchFamily="34" charset="0"/>
-                <a:ea typeface="Calibri" panose="020F0502020204030204" pitchFamily="34" charset="0"/>
-                <a:cs typeface="Times New Roman" panose="02020603050405020304" pitchFamily="18" charset="0"/>
-              </a:rPr>
-              <a:t>into the query editor. The workbook contains five examples of normal form violations.</a:t>
-            </a:r>
-            <a:endParaRPr lang="en-US" sz="1400" dirty="0">
-              <a:effectLst/>
-              <a:latin typeface="Calibri" panose="020F0502020204030204" pitchFamily="34" charset="0"/>
-              <a:ea typeface="Calibri" panose="020F0502020204030204" pitchFamily="34" charset="0"/>
-              <a:cs typeface="Times New Roman" panose="02020603050405020304" pitchFamily="18" charset="0"/>
-            </a:endParaRPr>
-          </a:p>
-        </p:txBody>
-      </p:sp>
       <p:pic>
         <p:nvPicPr>
           <p:cNvPr id="5" name="Picture 4"/>
@@ -4102,7 +5361,7 @@
         </p:blipFill>
         <p:spPr bwMode="auto">
           <a:xfrm>
-            <a:off x="291049" y="2139801"/>
+            <a:off x="2927302" y="2197983"/>
             <a:ext cx="5745365" cy="2934087"/>
           </a:xfrm>
           <a:prstGeom prst="rect">
@@ -4120,6 +5379,132 @@
           </a:effectLst>
         </p:spPr>
       </p:pic>
+      <p:sp>
+        <p:nvSpPr>
+          <p:cNvPr id="6" name="TextBox 5"/>
+          <p:cNvSpPr txBox="1"/>
+          <p:nvPr/>
+        </p:nvSpPr>
+        <p:spPr>
+          <a:xfrm flipH="1">
+            <a:off x="220005" y="281882"/>
+            <a:ext cx="2798202" cy="400110"/>
+          </a:xfrm>
+          <a:prstGeom prst="rect">
+            <a:avLst/>
+          </a:prstGeom>
+          <a:noFill/>
+        </p:spPr>
+        <p:txBody>
+          <a:bodyPr wrap="square" rtlCol="0">
+            <a:spAutoFit/>
+          </a:bodyPr>
+          <a:lstStyle/>
+          <a:p>
+            <a:r xmlns:a="http://schemas.openxmlformats.org/drawingml/2006/main">
+              <a:rPr lang="en" sz="2000" b="1" dirty="0" smtClean="0">
+                <a:latin typeface="Segoe UI" panose="020B0502040204020203" pitchFamily="34" charset="0"/>
+                <a:cs typeface="Segoe UI" panose="020B0502040204020203" pitchFamily="34" charset="0"/>
+              </a:rPr>
+              <a:t>Normal forms</a:t>
+            </a:r>
+            <a:endParaRPr xmlns:a="http://schemas.openxmlformats.org/drawingml/2006/main" lang="en-US" sz="2000" b="1" dirty="0">
+              <a:latin typeface="Segoe UI" panose="020B0502040204020203" pitchFamily="34" charset="0"/>
+              <a:cs typeface="Segoe UI" panose="020B0502040204020203" pitchFamily="34" charset="0"/>
+            </a:endParaRPr>
+          </a:p>
+        </p:txBody>
+      </p:sp>
+      <p:sp>
+        <p:nvSpPr>
+          <p:cNvPr id="7" name="Rectangle 6"/>
+          <p:cNvSpPr/>
+          <p:nvPr/>
+        </p:nvSpPr>
+        <p:spPr>
+          <a:xfrm>
+            <a:off x="291048" y="712920"/>
+            <a:ext cx="11672351" cy="400110"/>
+          </a:xfrm>
+          <a:prstGeom prst="rect">
+            <a:avLst/>
+          </a:prstGeom>
+        </p:spPr>
+        <p:txBody>
+          <a:bodyPr wrap="square">
+            <a:spAutoFit/>
+          </a:bodyPr>
+          <a:lstStyle/>
+          <a:p>
+            <a:r xmlns:a="http://schemas.openxmlformats.org/drawingml/2006/main">
+              <a:rPr lang="en" sz="2000" b="1" dirty="0"/>
+              <a:t>Note: </a:t>
+            </a:r>
+            <a:r xmlns:a="http://schemas.openxmlformats.org/drawingml/2006/main">
+              <a:rPr lang="en" sz="2000" dirty="0" smtClean="0"/>
+              <a:t>This workshop uses the </a:t>
+            </a:r>
+            <a:r xmlns:a="http://schemas.openxmlformats.org/drawingml/2006/main">
+              <a:rPr lang="en" sz="2000" b="1" dirty="0"/>
+              <a:t>Customers.xlsx </a:t>
+            </a:r>
+            <a:r xmlns:a="http://schemas.openxmlformats.org/drawingml/2006/main">
+              <a:rPr lang="en" sz="2000" dirty="0"/>
+              <a:t>file located in the </a:t>
+            </a:r>
+            <a:r xmlns:a="http://schemas.openxmlformats.org/drawingml/2006/main">
+              <a:rPr lang="en" sz="2000" b="1" dirty="0" err="1" smtClean="0"/>
+              <a:t>resources </a:t>
+            </a:r>
+            <a:r xmlns:a="http://schemas.openxmlformats.org/drawingml/2006/main">
+              <a:rPr lang="en" sz="2000" b="1" dirty="0" smtClean="0"/>
+              <a:t>\Advanced Transformations </a:t>
+            </a:r>
+            <a:endParaRPr xmlns:a="http://schemas.openxmlformats.org/drawingml/2006/main" lang="en-US" sz="2000" b="1" dirty="0"/>
+            <a:r xmlns:a="http://schemas.openxmlformats.org/drawingml/2006/main">
+              <a:rPr lang="en" sz="2000" dirty="0"/>
+              <a:t>folder</a:t>
+            </a:r>
+          </a:p>
+        </p:txBody>
+      </p:sp>
+      <p:sp>
+        <p:nvSpPr>
+          <p:cNvPr id="8" name="Rectangle 7"/>
+          <p:cNvSpPr/>
+          <p:nvPr/>
+        </p:nvSpPr>
+        <p:spPr>
+          <a:xfrm>
+            <a:off x="291048" y="1248534"/>
+            <a:ext cx="11204265" cy="707886"/>
+          </a:xfrm>
+          <a:prstGeom prst="rect">
+            <a:avLst/>
+          </a:prstGeom>
+        </p:spPr>
+        <p:txBody>
+          <a:bodyPr wrap="square">
+            <a:spAutoFit/>
+          </a:bodyPr>
+          <a:lstStyle/>
+          <a:p>
+            <a:r xmlns:a="http://schemas.openxmlformats.org/drawingml/2006/main">
+              <a:rPr lang="en" sz="2000" b="1" dirty="0"/>
+              <a:t>Customers.xlsx </a:t>
+            </a:r>
+            <a:r xmlns:a="http://schemas.openxmlformats.org/drawingml/2006/main">
+              <a:rPr lang="en" sz="2000" dirty="0"/>
+              <a:t>file </a:t>
+            </a:r>
+            <a:r xmlns:a="http://schemas.openxmlformats.org/drawingml/2006/main">
+              <a:rPr lang="en" sz="2000" dirty="0"/>
+              <a:t>into the query editor. The workbook contains five examples of normal form violations.</a:t>
+            </a:r>
+            <a:endParaRPr xmlns:a="http://schemas.openxmlformats.org/drawingml/2006/main" lang="en-US" sz="2000" dirty="0"/>
+          </a:p>
+        </p:txBody>
+      </p:sp>
     </p:spTree>
     <p:extLst>
       <p:ext uri="{BB962C8B-B14F-4D97-AF65-F5344CB8AC3E}">
@@ -4152,42 +5537,6 @@
       </p:grpSpPr>
       <p:sp>
         <p:nvSpPr>
-          <p:cNvPr id="2" name="TextBox 1"/>
-          <p:cNvSpPr txBox="1"/>
-          <p:nvPr/>
-        </p:nvSpPr>
-        <p:spPr>
-          <a:xfrm flipH="1">
-            <a:off x="220006" y="281882"/>
-            <a:ext cx="1753173" cy="369332"/>
-          </a:xfrm>
-          <a:prstGeom prst="rect">
-            <a:avLst/>
-          </a:prstGeom>
-          <a:noFill/>
-        </p:spPr>
-        <p:txBody>
-          <a:bodyPr wrap="square" rtlCol="0">
-            <a:spAutoFit/>
-          </a:bodyPr>
-          <a:lstStyle/>
-          <a:p>
-            <a:r>
-              <a:rPr lang="fr-FR" dirty="0" smtClean="0">
-                <a:latin typeface="Segoe UI" panose="020B0502040204020203" pitchFamily="34" charset="0"/>
-                <a:cs typeface="Segoe UI" panose="020B0502040204020203" pitchFamily="34" charset="0"/>
-              </a:rPr>
-              <a:t>Normal forms</a:t>
-            </a:r>
-            <a:endParaRPr lang="en-US" dirty="0">
-              <a:latin typeface="Segoe UI" panose="020B0502040204020203" pitchFamily="34" charset="0"/>
-              <a:cs typeface="Segoe UI" panose="020B0502040204020203" pitchFamily="34" charset="0"/>
-            </a:endParaRPr>
-          </a:p>
-        </p:txBody>
-      </p:sp>
-      <p:sp>
-        <p:nvSpPr>
           <p:cNvPr id="6" name="Rectangle 5"/>
           <p:cNvSpPr/>
           <p:nvPr/>
@@ -4195,7 +5544,7 @@
         <p:spPr>
           <a:xfrm>
             <a:off x="220006" y="752709"/>
-            <a:ext cx="2481770" cy="373692"/>
+            <a:ext cx="2686698" cy="373692"/>
           </a:xfrm>
           <a:prstGeom prst="rect">
             <a:avLst/>
@@ -4207,7 +5556,7 @@
           </a:bodyPr>
           <a:lstStyle/>
           <a:p>
-            <a:pPr lvl="0">
+            <a:pPr xmlns:a="http://schemas.openxmlformats.org/drawingml/2006/main" lvl="0">
               <a:lnSpc>
                 <a:spcPct val="107000"/>
               </a:lnSpc>
@@ -4215,147 +5564,188 @@
                 <a:spcPts val="800"/>
               </a:spcAft>
             </a:pPr>
-            <a:r>
-              <a:rPr lang="fr-FR" dirty="0">
+            <a:r xmlns:a="http://schemas.openxmlformats.org/drawingml/2006/main">
+              <a:rPr lang="en" b="1" dirty="0" smtClean="0">
                 <a:latin typeface="Segoe UI" panose="020B0502040204020203" pitchFamily="34" charset="0"/>
                 <a:ea typeface="Calibri" panose="020F0502020204030204" pitchFamily="34" charset="0"/>
                 <a:cs typeface="Times New Roman" panose="02020603050405020304" pitchFamily="18" charset="0"/>
               </a:rPr>
-              <a:t>Edit the first table </a:t>
-            </a:r>
-            <a:r>
-              <a:rPr lang="fr-FR" b="1" dirty="0">
-                <a:latin typeface="Segoe UI" panose="020B0502040204020203" pitchFamily="34" charset="0"/>
-                <a:ea typeface="Calibri" panose="020F0502020204030204" pitchFamily="34" charset="0"/>
-                <a:cs typeface="Times New Roman" panose="02020603050405020304" pitchFamily="18" charset="0"/>
-              </a:rPr>
-              <a:t>1NF</a:t>
-            </a:r>
-            <a:endParaRPr lang="en-US" sz="1400" dirty="0">
+              <a:t>1NF.xlsx </a:t>
+            </a:r>
+            <a:endParaRPr xmlns:a="http://schemas.openxmlformats.org/drawingml/2006/main" lang="en-US" sz="1400" b="1" dirty="0">
               <a:effectLst/>
               <a:latin typeface="Calibri" panose="020F0502020204030204" pitchFamily="34" charset="0"/>
               <a:ea typeface="Calibri" panose="020F0502020204030204" pitchFamily="34" charset="0"/>
               <a:cs typeface="Times New Roman" panose="02020603050405020304" pitchFamily="18" charset="0"/>
             </a:endParaRPr>
+            <a:r xmlns:a="http://schemas.openxmlformats.org/drawingml/2006/main">
+              <a:rPr lang="en" dirty="0" smtClean="0">
+                <a:latin typeface="Segoe UI" panose="020B0502040204020203" pitchFamily="34" charset="0"/>
+                <a:ea typeface="Calibri" panose="020F0502020204030204" pitchFamily="34" charset="0"/>
+                <a:cs typeface="Times New Roman" panose="02020603050405020304" pitchFamily="18" charset="0"/>
+              </a:rPr>
+              <a:t>file</a:t>
+            </a:r>
+          </a:p>
+        </p:txBody>
+      </p:sp>
+      <p:sp>
+        <p:nvSpPr>
+          <p:cNvPr id="9" name="TextBox 8"/>
+          <p:cNvSpPr txBox="1"/>
+          <p:nvPr/>
+        </p:nvSpPr>
+        <p:spPr>
+          <a:xfrm flipH="1">
+            <a:off x="220005" y="281882"/>
+            <a:ext cx="2798202" cy="400110"/>
+          </a:xfrm>
+          <a:prstGeom prst="rect">
+            <a:avLst/>
+          </a:prstGeom>
+          <a:noFill/>
+        </p:spPr>
+        <p:txBody>
+          <a:bodyPr wrap="square" rtlCol="0">
+            <a:spAutoFit/>
+          </a:bodyPr>
+          <a:lstStyle/>
+          <a:p>
+            <a:r xmlns:a="http://schemas.openxmlformats.org/drawingml/2006/main">
+              <a:rPr lang="en" sz="2000" b="1" dirty="0" smtClean="0">
+                <a:latin typeface="Segoe UI" panose="020B0502040204020203" pitchFamily="34" charset="0"/>
+                <a:cs typeface="Segoe UI" panose="020B0502040204020203" pitchFamily="34" charset="0"/>
+              </a:rPr>
+              <a:t>Normal forms</a:t>
+            </a:r>
+            <a:endParaRPr xmlns:a="http://schemas.openxmlformats.org/drawingml/2006/main" lang="en-US" sz="2000" b="1" dirty="0">
+              <a:latin typeface="Segoe UI" panose="020B0502040204020203" pitchFamily="34" charset="0"/>
+              <a:cs typeface="Segoe UI" panose="020B0502040204020203" pitchFamily="34" charset="0"/>
+            </a:endParaRPr>
           </a:p>
         </p:txBody>
       </p:sp>
       <p:pic>
         <p:nvPicPr>
-          <p:cNvPr id="7" name="Picture 6"/>
-          <p:cNvPicPr/>
+          <p:cNvPr id="2" name="Picture 1"/>
+          <p:cNvPicPr>
+            <a:picLocks noChangeAspect="1"/>
+          </p:cNvPicPr>
           <p:nvPr/>
         </p:nvPicPr>
         <p:blipFill>
-          <a:blip r:embed="rId2">
-            <a:extLst>
-              <a:ext uri="{28A0092B-C50C-407E-A947-70E740481C1C}">
-                <a14:useLocalDpi xmlns:a14="http://schemas.microsoft.com/office/drawing/2010/main" val="0"/>
-              </a:ext>
-            </a:extLst>
-          </a:blip>
-          <a:srcRect/>
+          <a:blip r:embed="rId2"/>
           <a:stretch>
             <a:fillRect/>
           </a:stretch>
         </p:blipFill>
-        <p:spPr bwMode="auto">
-          <a:xfrm>
-            <a:off x="327259" y="1227896"/>
-            <a:ext cx="4169114" cy="2003442"/>
+        <p:spPr>
+          <a:xfrm>
+            <a:off x="327259" y="1280643"/>
+            <a:ext cx="4934639" cy="2048161"/>
           </a:xfrm>
           <a:prstGeom prst="rect">
             <a:avLst/>
           </a:prstGeom>
+        </p:spPr>
+      </p:pic>
+      <p:sp>
+        <p:nvSpPr>
+          <p:cNvPr id="8" name="Rectangle 7"/>
+          <p:cNvSpPr/>
+          <p:nvPr/>
+        </p:nvSpPr>
+        <p:spPr>
+          <a:xfrm>
+            <a:off x="262025" y="3483046"/>
+            <a:ext cx="10975550" cy="400110"/>
+          </a:xfrm>
+          <a:prstGeom prst="rect">
+            <a:avLst/>
+          </a:prstGeom>
+        </p:spPr>
+        <p:txBody>
+          <a:bodyPr wrap="square">
+            <a:spAutoFit/>
+          </a:bodyPr>
+          <a:lstStyle/>
+          <a:p>
+            <a:r xmlns:a="http://schemas.openxmlformats.org/drawingml/2006/main">
+              <a:rPr lang="en" sz="2000" dirty="0" smtClean="0"/>
+              <a:t>Set the first column as the header</a:t>
+            </a:r>
+            <a:endParaRPr xmlns:a="http://schemas.openxmlformats.org/drawingml/2006/main" lang="en-US" sz="2000" dirty="0"/>
+          </a:p>
+        </p:txBody>
+      </p:sp>
+      <p:pic>
+        <p:nvPicPr>
+          <p:cNvPr id="10" name="Picture 9"/>
+          <p:cNvPicPr>
+            <a:picLocks noChangeAspect="1"/>
+          </p:cNvPicPr>
+          <p:nvPr/>
+        </p:nvPicPr>
+        <p:blipFill rotWithShape="1">
+          <a:blip r:embed="rId2"/>
+          <a:srcRect t="13004" b="59713"/>
+          <a:stretch/>
+        </p:blipFill>
+        <p:spPr>
+          <a:xfrm>
+            <a:off x="392491" y="3898912"/>
+            <a:ext cx="4934639" cy="558799"/>
+          </a:xfrm>
+          <a:prstGeom prst="rect">
+            <a:avLst/>
+          </a:prstGeom>
+        </p:spPr>
+      </p:pic>
+      <p:sp>
+        <p:nvSpPr>
+          <p:cNvPr id="5" name="Rectangle 4"/>
+          <p:cNvSpPr/>
+          <p:nvPr/>
+        </p:nvSpPr>
+        <p:spPr>
+          <a:xfrm>
+            <a:off x="438150" y="4178311"/>
+            <a:ext cx="4888980" cy="279400"/>
+          </a:xfrm>
+          <a:prstGeom prst="rect">
+            <a:avLst/>
+          </a:prstGeom>
+          <a:solidFill>
+            <a:srgbClr val="FF0000">
+              <a:alpha val="12000"/>
+            </a:srgbClr>
+          </a:solidFill>
           <a:ln>
             <a:noFill/>
           </a:ln>
-          <a:effectLst>
-            <a:outerShdw blurRad="292100" dist="139700" dir="2700000" algn="tl" rotWithShape="0">
-              <a:srgbClr val="333333">
-                <a:alpha val="65000"/>
-              </a:srgbClr>
-            </a:outerShdw>
-          </a:effectLst>
-        </p:spPr>
-      </p:pic>
-      <p:sp>
-        <p:nvSpPr>
-          <p:cNvPr id="8" name="Rectangle 7"/>
-          <p:cNvSpPr/>
-          <p:nvPr/>
-        </p:nvSpPr>
-        <p:spPr>
-          <a:xfrm>
-            <a:off x="327260" y="3552839"/>
-            <a:ext cx="8809866" cy="787652"/>
-          </a:xfrm>
-          <a:prstGeom prst="rect">
-            <a:avLst/>
-          </a:prstGeom>
-        </p:spPr>
-        <p:txBody>
-          <a:bodyPr wrap="square">
-            <a:spAutoFit/>
-          </a:bodyPr>
-          <a:lstStyle/>
-          <a:p>
-            <a:pPr lvl="0">
-              <a:lnSpc>
-                <a:spcPct val="107000"/>
-              </a:lnSpc>
-              <a:spcAft>
-                <a:spcPts val="800"/>
-              </a:spcAft>
-            </a:pPr>
-            <a:r>
-              <a:rPr lang="en-US" dirty="0" smtClean="0">
-                <a:latin typeface="Segoe UI" panose="020B0502040204020203" pitchFamily="34" charset="0"/>
-                <a:ea typeface="Calibri" panose="020F0502020204030204" pitchFamily="34" charset="0"/>
-                <a:cs typeface="Times New Roman" panose="02020603050405020304" pitchFamily="18" charset="0"/>
-              </a:rPr>
-              <a:t>Start with the </a:t>
-            </a:r>
-            <a:r>
-              <a:rPr lang="en-US" b="1" dirty="0" smtClean="0">
-                <a:latin typeface="Segoe UI" panose="020B0502040204020203" pitchFamily="34" charset="0"/>
-                <a:ea typeface="Calibri" panose="020F0502020204030204" pitchFamily="34" charset="0"/>
-                <a:cs typeface="Times New Roman" panose="02020603050405020304" pitchFamily="18" charset="0"/>
-              </a:rPr>
-              <a:t>Locations column </a:t>
-            </a:r>
-            <a:r>
-              <a:rPr lang="en-US" dirty="0" smtClean="0">
-                <a:latin typeface="Segoe UI" panose="020B0502040204020203" pitchFamily="34" charset="0"/>
-                <a:ea typeface="Calibri" panose="020F0502020204030204" pitchFamily="34" charset="0"/>
-                <a:cs typeface="Times New Roman" panose="02020603050405020304" pitchFamily="18" charset="0"/>
-              </a:rPr>
-              <a:t>by doing a Split Column with a comma as delimiter, </a:t>
-            </a:r>
-          </a:p>
-          <a:p>
-            <a:pPr lvl="0">
-              <a:lnSpc>
-                <a:spcPct val="107000"/>
-              </a:lnSpc>
-              <a:spcAft>
-                <a:spcPts val="800"/>
-              </a:spcAft>
-            </a:pPr>
-            <a:r>
-              <a:rPr lang="en-US" dirty="0" smtClean="0">
-                <a:latin typeface="Segoe UI" panose="020B0502040204020203" pitchFamily="34" charset="0"/>
-                <a:ea typeface="Calibri" panose="020F0502020204030204" pitchFamily="34" charset="0"/>
-                <a:cs typeface="Times New Roman" panose="02020603050405020304" pitchFamily="18" charset="0"/>
-              </a:rPr>
-              <a:t>the split will keep both parts</a:t>
-            </a:r>
-            <a:endParaRPr lang="en-US" sz="1400" dirty="0">
-              <a:effectLst/>
-              <a:latin typeface="Calibri" panose="020F0502020204030204" pitchFamily="34" charset="0"/>
-              <a:ea typeface="Calibri" panose="020F0502020204030204" pitchFamily="34" charset="0"/>
-              <a:cs typeface="Times New Roman" panose="02020603050405020304" pitchFamily="18" charset="0"/>
-            </a:endParaRPr>
+        </p:spPr>
+        <p:style>
+          <a:lnRef idx="2">
+            <a:schemeClr val="accent1">
+              <a:shade val="50000"/>
+            </a:schemeClr>
+          </a:lnRef>
+          <a:fillRef idx="1">
+            <a:schemeClr val="accent1"/>
+          </a:fillRef>
+          <a:effectRef idx="0">
+            <a:schemeClr val="accent1"/>
+          </a:effectRef>
+          <a:fontRef idx="minor">
+            <a:schemeClr val="lt1"/>
+          </a:fontRef>
+        </p:style>
+        <p:txBody>
+          <a:bodyPr rtlCol="0" anchor="ctr"/>
+          <a:lstStyle/>
+          <a:p>
+            <a:pPr algn="ctr"/>
+            <a:endParaRPr lang="en-US"/>
           </a:p>
         </p:txBody>
       </p:sp>
@@ -4391,14 +5781,14 @@
       </p:grpSpPr>
       <p:sp>
         <p:nvSpPr>
-          <p:cNvPr id="2" name="TextBox 1"/>
+          <p:cNvPr id="9" name="TextBox 8"/>
           <p:cNvSpPr txBox="1"/>
           <p:nvPr/>
         </p:nvSpPr>
         <p:spPr>
           <a:xfrm flipH="1">
-            <a:off x="220006" y="281882"/>
-            <a:ext cx="1753173" cy="369332"/>
+            <a:off x="220005" y="281882"/>
+            <a:ext cx="2798202" cy="400110"/>
           </a:xfrm>
           <a:prstGeom prst="rect">
             <a:avLst/>
@@ -4411,14 +5801,14 @@
           </a:bodyPr>
           <a:lstStyle/>
           <a:p>
-            <a:r>
-              <a:rPr lang="fr-FR" dirty="0" smtClean="0">
+            <a:r xmlns:a="http://schemas.openxmlformats.org/drawingml/2006/main">
+              <a:rPr lang="en" sz="2000" b="1" dirty="0" smtClean="0">
                 <a:latin typeface="Segoe UI" panose="020B0502040204020203" pitchFamily="34" charset="0"/>
                 <a:cs typeface="Segoe UI" panose="020B0502040204020203" pitchFamily="34" charset="0"/>
               </a:rPr>
               <a:t>Normal forms</a:t>
             </a:r>
-            <a:endParaRPr lang="en-US" dirty="0">
+            <a:endParaRPr xmlns:a="http://schemas.openxmlformats.org/drawingml/2006/main" lang="en-US" sz="2000" b="1" dirty="0">
               <a:latin typeface="Segoe UI" panose="020B0502040204020203" pitchFamily="34" charset="0"/>
               <a:cs typeface="Segoe UI" panose="020B0502040204020203" pitchFamily="34" charset="0"/>
             </a:endParaRPr>
@@ -4433,8 +5823,8 @@
         </p:nvSpPr>
         <p:spPr>
           <a:xfrm>
-            <a:off x="311675" y="817658"/>
-            <a:ext cx="9698598" cy="373692"/>
+            <a:off x="262025" y="818779"/>
+            <a:ext cx="10975550" cy="707886"/>
           </a:xfrm>
           <a:prstGeom prst="rect">
             <a:avLst/>
@@ -4446,100 +5836,76 @@
           </a:bodyPr>
           <a:lstStyle/>
           <a:p>
-            <a:pPr lvl="0">
-              <a:lnSpc>
-                <a:spcPct val="107000"/>
-              </a:lnSpc>
-              <a:spcAft>
-                <a:spcPts val="800"/>
-              </a:spcAft>
-            </a:pPr>
-            <a:r>
-              <a:rPr lang="en-US" dirty="0" smtClean="0">
-                <a:latin typeface="Segoe UI" panose="020B0502040204020203" pitchFamily="34" charset="0"/>
-                <a:ea typeface="Calibri" panose="020F0502020204030204" pitchFamily="34" charset="0"/>
-                <a:cs typeface="Times New Roman" panose="02020603050405020304" pitchFamily="18" charset="0"/>
-              </a:rPr>
-              <a:t>In the advanced options, you must choose Split by row instead of Split by column.</a:t>
-            </a:r>
-            <a:endParaRPr lang="en-US" sz="1400" dirty="0">
-              <a:effectLst/>
-              <a:latin typeface="Calibri" panose="020F0502020204030204" pitchFamily="34" charset="0"/>
-              <a:ea typeface="Calibri" panose="020F0502020204030204" pitchFamily="34" charset="0"/>
-              <a:cs typeface="Times New Roman" panose="02020603050405020304" pitchFamily="18" charset="0"/>
-            </a:endParaRPr>
+            <a:r xmlns:a="http://schemas.openxmlformats.org/drawingml/2006/main">
+              <a:rPr lang="en" sz="2000" dirty="0"/>
+              <a:t>Start with the </a:t>
+            </a:r>
+            <a:r xmlns:a="http://schemas.openxmlformats.org/drawingml/2006/main">
+              <a:rPr lang="en" sz="2000" b="1" dirty="0"/>
+              <a:t>Locations column </a:t>
+            </a:r>
+            <a:r xmlns:a="http://schemas.openxmlformats.org/drawingml/2006/main">
+              <a:rPr lang="en" sz="2000" dirty="0"/>
+              <a:t>by performing a </a:t>
+            </a:r>
+            <a:r xmlns:a="http://schemas.openxmlformats.org/drawingml/2006/main">
+              <a:rPr lang="en" sz="2000" b="1" dirty="0"/>
+              <a:t>Split Column </a:t>
+            </a:r>
+            <a:r xmlns:a="http://schemas.openxmlformats.org/drawingml/2006/main">
+              <a:rPr lang="en" sz="2000" dirty="0"/>
+              <a:t>with the comma as the delimiter.</a:t>
+            </a:r>
+            <a:endParaRPr xmlns:a="http://schemas.openxmlformats.org/drawingml/2006/main" lang="en-US" sz="2000" dirty="0"/>
           </a:p>
         </p:txBody>
       </p:sp>
       <p:pic>
         <p:nvPicPr>
-          <p:cNvPr id="9" name="Picture 8"/>
-          <p:cNvPicPr/>
+          <p:cNvPr id="7" name="Picture 6"/>
+          <p:cNvPicPr>
+            <a:picLocks noChangeAspect="1"/>
+          </p:cNvPicPr>
           <p:nvPr/>
         </p:nvPicPr>
-        <p:blipFill rotWithShape="1">
-          <a:blip r:embed="rId2">
-            <a:extLst>
-              <a:ext uri="{28A0092B-C50C-407E-A947-70E740481C1C}">
-                <a14:useLocalDpi xmlns:a14="http://schemas.microsoft.com/office/drawing/2010/main" val="0"/>
-              </a:ext>
-            </a:extLst>
-          </a:blip>
-          <a:srcRect l="3001" t="6030"/>
-          <a:stretch/>
+        <p:blipFill>
+          <a:blip r:embed="rId2"/>
+          <a:stretch>
+            <a:fillRect/>
+          </a:stretch>
         </p:blipFill>
-        <p:spPr bwMode="auto">
-          <a:xfrm>
-            <a:off x="403442" y="1357793"/>
-            <a:ext cx="6794880" cy="4733623"/>
+        <p:spPr>
+          <a:xfrm>
+            <a:off x="2515962" y="1526665"/>
+            <a:ext cx="6188790" cy="4442157"/>
           </a:xfrm>
           <a:prstGeom prst="rect">
             <a:avLst/>
           </a:prstGeom>
-          <a:ln>
-            <a:noFill/>
-          </a:ln>
-          <a:effectLst>
-            <a:outerShdw blurRad="292100" dist="139700" dir="2700000" algn="tl" rotWithShape="0">
-              <a:srgbClr val="333333">
-                <a:alpha val="65000"/>
-              </a:srgbClr>
-            </a:outerShdw>
-          </a:effectLst>
-          <a:extLst>
-            <a:ext uri="{53640926-AAD7-44D8-BBD7-CCE9431645EC}">
-              <a14:shadowObscured xmlns:a14="http://schemas.microsoft.com/office/drawing/2010/main"/>
-            </a:ext>
-          </a:extLst>
         </p:spPr>
       </p:pic>
       <p:sp>
         <p:nvSpPr>
-          <p:cNvPr id="10" name="Oval 9"/>
+          <p:cNvPr id="11" name="Rectangle 10"/>
           <p:cNvSpPr/>
           <p:nvPr/>
         </p:nvSpPr>
         <p:spPr>
           <a:xfrm>
-            <a:off x="1296948" y="2111809"/>
-            <a:ext cx="375285" cy="375285"/>
-          </a:xfrm>
-          <a:prstGeom prst="ellipse">
+            <a:off x="4679950" y="3892549"/>
+            <a:ext cx="2088630" cy="260361"/>
+          </a:xfrm>
+          <a:prstGeom prst="rect">
             <a:avLst/>
           </a:prstGeom>
           <a:solidFill>
-            <a:srgbClr val="FF0000"/>
+            <a:srgbClr val="FF0000">
+              <a:alpha val="12000"/>
+            </a:srgbClr>
           </a:solidFill>
           <a:ln>
             <a:noFill/>
           </a:ln>
-          <a:effectLst>
-            <a:outerShdw blurRad="50800" dist="38100" dir="2700000" algn="tl" rotWithShape="0">
-              <a:prstClr val="black">
-                <a:alpha val="40000"/>
-              </a:prstClr>
-            </a:outerShdw>
-          </a:effectLst>
         </p:spPr>
         <p:style>
           <a:lnRef idx="2">
@@ -4558,65 +5924,36 @@
           </a:fontRef>
         </p:style>
         <p:txBody>
-          <a:bodyPr rot="0" spcFirstLastPara="0" vert="horz" wrap="square" lIns="91440" tIns="45720" rIns="91440" bIns="45720" numCol="1" spcCol="0" rtlCol="0" fromWordArt="0" anchor="ctr" anchorCtr="0" forceAA="0" compatLnSpc="1">
-            <a:prstTxWarp prst="textNoShape">
-              <a:avLst/>
-            </a:prstTxWarp>
-            <a:noAutofit/>
-          </a:bodyPr>
-          <a:lstStyle/>
-          <a:p>
-            <a:pPr algn="ctr">
-              <a:lnSpc>
-                <a:spcPct val="107000"/>
-              </a:lnSpc>
-              <a:spcAft>
-                <a:spcPts val="800"/>
-              </a:spcAft>
-            </a:pPr>
-            <a:r>
-              <a:rPr lang="en-US" sz="1200" b="1">
-                <a:effectLst/>
-                <a:ea typeface="Calibri" panose="020F0502020204030204" pitchFamily="34" charset="0"/>
-                <a:cs typeface="Times New Roman" panose="02020603050405020304" pitchFamily="18" charset="0"/>
-              </a:rPr>
-              <a:t>1</a:t>
-            </a:r>
-            <a:endParaRPr lang="en-US" sz="1100">
-              <a:effectLst/>
-              <a:ea typeface="Calibri" panose="020F0502020204030204" pitchFamily="34" charset="0"/>
-              <a:cs typeface="Times New Roman" panose="02020603050405020304" pitchFamily="18" charset="0"/>
-            </a:endParaRPr>
-          </a:p>
-        </p:txBody>
-      </p:sp>
-      <p:sp>
-        <p:nvSpPr>
-          <p:cNvPr id="11" name="Oval 10"/>
+          <a:bodyPr rtlCol="0" anchor="ctr"/>
+          <a:lstStyle/>
+          <a:p>
+            <a:pPr algn="ctr"/>
+            <a:endParaRPr lang="en-US"/>
+          </a:p>
+        </p:txBody>
+      </p:sp>
+      <p:sp>
+        <p:nvSpPr>
+          <p:cNvPr id="12" name="Rectangle 11"/>
           <p:cNvSpPr/>
           <p:nvPr/>
         </p:nvSpPr>
         <p:spPr>
           <a:xfrm>
-            <a:off x="2579195" y="3082361"/>
-            <a:ext cx="375285" cy="375285"/>
-          </a:xfrm>
-          <a:prstGeom prst="ellipse">
+            <a:off x="6768580" y="3892549"/>
+            <a:ext cx="1816620" cy="260360"/>
+          </a:xfrm>
+          <a:prstGeom prst="rect">
             <a:avLst/>
           </a:prstGeom>
           <a:solidFill>
-            <a:srgbClr val="FF0000"/>
+            <a:srgbClr val="FF0000">
+              <a:alpha val="12000"/>
+            </a:srgbClr>
           </a:solidFill>
           <a:ln>
             <a:noFill/>
           </a:ln>
-          <a:effectLst>
-            <a:outerShdw blurRad="50800" dist="38100" dir="2700000" algn="tl" rotWithShape="0">
-              <a:prstClr val="black">
-                <a:alpha val="40000"/>
-              </a:prstClr>
-            </a:outerShdw>
-          </a:effectLst>
         </p:spPr>
         <p:style>
           <a:lnRef idx="2">
@@ -4635,119 +5972,18 @@
           </a:fontRef>
         </p:style>
         <p:txBody>
-          <a:bodyPr rot="0" spcFirstLastPara="0" vert="horz" wrap="square" lIns="91440" tIns="45720" rIns="91440" bIns="45720" numCol="1" spcCol="0" rtlCol="0" fromWordArt="0" anchor="ctr" anchorCtr="0" forceAA="0" compatLnSpc="1">
-            <a:prstTxWarp prst="textNoShape">
-              <a:avLst/>
-            </a:prstTxWarp>
-            <a:noAutofit/>
-          </a:bodyPr>
-          <a:lstStyle/>
-          <a:p>
-            <a:pPr algn="ctr">
-              <a:lnSpc>
-                <a:spcPct val="107000"/>
-              </a:lnSpc>
-              <a:spcAft>
-                <a:spcPts val="800"/>
-              </a:spcAft>
-            </a:pPr>
-            <a:r>
-              <a:rPr lang="en-US" sz="1200" b="1">
-                <a:effectLst/>
-                <a:ea typeface="Calibri" panose="020F0502020204030204" pitchFamily="34" charset="0"/>
-                <a:cs typeface="Times New Roman" panose="02020603050405020304" pitchFamily="18" charset="0"/>
-              </a:rPr>
-              <a:t>2</a:t>
-            </a:r>
-            <a:endParaRPr lang="en-US" sz="1100">
-              <a:effectLst/>
-              <a:ea typeface="Calibri" panose="020F0502020204030204" pitchFamily="34" charset="0"/>
-              <a:cs typeface="Times New Roman" panose="02020603050405020304" pitchFamily="18" charset="0"/>
-            </a:endParaRPr>
-          </a:p>
-        </p:txBody>
-      </p:sp>
-      <p:sp>
-        <p:nvSpPr>
-          <p:cNvPr id="12" name="Oval 11"/>
-          <p:cNvSpPr/>
-          <p:nvPr/>
-        </p:nvSpPr>
-        <p:spPr>
-          <a:xfrm>
-            <a:off x="1785536" y="4480908"/>
-            <a:ext cx="375285" cy="375285"/>
-          </a:xfrm>
-          <a:prstGeom prst="ellipse">
-            <a:avLst/>
-          </a:prstGeom>
-          <a:solidFill>
-            <a:srgbClr val="FF0000"/>
-          </a:solidFill>
-          <a:ln>
-            <a:noFill/>
-          </a:ln>
-          <a:effectLst>
-            <a:outerShdw blurRad="50800" dist="38100" dir="2700000" algn="tl" rotWithShape="0">
-              <a:prstClr val="black">
-                <a:alpha val="40000"/>
-              </a:prstClr>
-            </a:outerShdw>
-          </a:effectLst>
-        </p:spPr>
-        <p:style>
-          <a:lnRef idx="2">
-            <a:schemeClr val="accent1">
-              <a:shade val="50000"/>
-            </a:schemeClr>
-          </a:lnRef>
-          <a:fillRef idx="1">
-            <a:schemeClr val="accent1"/>
-          </a:fillRef>
-          <a:effectRef idx="0">
-            <a:schemeClr val="accent1"/>
-          </a:effectRef>
-          <a:fontRef idx="minor">
-            <a:schemeClr val="lt1"/>
-          </a:fontRef>
-        </p:style>
-        <p:txBody>
-          <a:bodyPr rot="0" spcFirstLastPara="0" vert="horz" wrap="square" lIns="91440" tIns="45720" rIns="91440" bIns="45720" numCol="1" spcCol="0" rtlCol="0" fromWordArt="0" anchor="ctr" anchorCtr="0" forceAA="0" compatLnSpc="1">
-            <a:prstTxWarp prst="textNoShape">
-              <a:avLst/>
-            </a:prstTxWarp>
-            <a:noAutofit/>
-          </a:bodyPr>
-          <a:lstStyle/>
-          <a:p>
-            <a:pPr algn="ctr">
-              <a:lnSpc>
-                <a:spcPct val="107000"/>
-              </a:lnSpc>
-              <a:spcAft>
-                <a:spcPts val="800"/>
-              </a:spcAft>
-            </a:pPr>
-            <a:r>
-              <a:rPr lang="en-US" sz="1200" b="1">
-                <a:effectLst/>
-                <a:ea typeface="Calibri" panose="020F0502020204030204" pitchFamily="34" charset="0"/>
-                <a:cs typeface="Times New Roman" panose="02020603050405020304" pitchFamily="18" charset="0"/>
-              </a:rPr>
-              <a:t>3</a:t>
-            </a:r>
-            <a:endParaRPr lang="en-US" sz="1100">
-              <a:effectLst/>
-              <a:ea typeface="Calibri" panose="020F0502020204030204" pitchFamily="34" charset="0"/>
-              <a:cs typeface="Times New Roman" panose="02020603050405020304" pitchFamily="18" charset="0"/>
-            </a:endParaRPr>
+          <a:bodyPr rtlCol="0" anchor="ctr"/>
+          <a:lstStyle/>
+          <a:p>
+            <a:pPr algn="ctr"/>
+            <a:endParaRPr lang="en-US"/>
           </a:p>
         </p:txBody>
       </p:sp>
     </p:spTree>
     <p:extLst>
       <p:ext uri="{BB962C8B-B14F-4D97-AF65-F5344CB8AC3E}">
-        <p14:creationId xmlns:p14="http://schemas.microsoft.com/office/powerpoint/2010/main" val="1191989648"/>
+        <p14:creationId xmlns:p14="http://schemas.microsoft.com/office/powerpoint/2010/main" val="4003032678"/>
       </p:ext>
     </p:extLst>
   </p:cSld>
@@ -4774,95 +6010,13 @@
           <a:chExt cx="0" cy="0"/>
         </a:xfrm>
       </p:grpSpPr>
-      <p:sp>
-        <p:nvSpPr>
-          <p:cNvPr id="2" name="TextBox 1"/>
-          <p:cNvSpPr txBox="1"/>
-          <p:nvPr/>
-        </p:nvSpPr>
-        <p:spPr>
-          <a:xfrm flipH="1">
-            <a:off x="220006" y="281882"/>
-            <a:ext cx="1753173" cy="369332"/>
-          </a:xfrm>
-          <a:prstGeom prst="rect">
-            <a:avLst/>
-          </a:prstGeom>
-          <a:noFill/>
-        </p:spPr>
-        <p:txBody>
-          <a:bodyPr wrap="square" rtlCol="0">
-            <a:spAutoFit/>
-          </a:bodyPr>
-          <a:lstStyle/>
-          <a:p>
-            <a:r>
-              <a:rPr lang="fr-FR" dirty="0" smtClean="0">
-                <a:latin typeface="Segoe UI" panose="020B0502040204020203" pitchFamily="34" charset="0"/>
-                <a:cs typeface="Segoe UI" panose="020B0502040204020203" pitchFamily="34" charset="0"/>
-              </a:rPr>
-              <a:t>Normal forms</a:t>
-            </a:r>
-            <a:endParaRPr lang="en-US" dirty="0">
-              <a:latin typeface="Segoe UI" panose="020B0502040204020203" pitchFamily="34" charset="0"/>
-              <a:cs typeface="Segoe UI" panose="020B0502040204020203" pitchFamily="34" charset="0"/>
-            </a:endParaRPr>
-          </a:p>
-        </p:txBody>
-      </p:sp>
-      <p:sp>
-        <p:nvSpPr>
-          <p:cNvPr id="4" name="Rectangle 3"/>
-          <p:cNvSpPr/>
-          <p:nvPr/>
-        </p:nvSpPr>
-        <p:spPr>
-          <a:xfrm>
-            <a:off x="456054" y="790159"/>
-            <a:ext cx="10413618" cy="373692"/>
-          </a:xfrm>
-          <a:prstGeom prst="rect">
-            <a:avLst/>
-          </a:prstGeom>
-        </p:spPr>
-        <p:txBody>
-          <a:bodyPr wrap="square">
-            <a:spAutoFit/>
-          </a:bodyPr>
-          <a:lstStyle/>
-          <a:p>
-            <a:pPr lvl="0">
-              <a:lnSpc>
-                <a:spcPct val="107000"/>
-              </a:lnSpc>
-              <a:spcAft>
-                <a:spcPts val="800"/>
-              </a:spcAft>
-            </a:pPr>
-            <a:r>
-              <a:rPr lang="en-US" dirty="0" smtClean="0">
-                <a:latin typeface="Segoe UI" panose="020B0502040204020203" pitchFamily="34" charset="0"/>
-                <a:ea typeface="Calibri" panose="020F0502020204030204" pitchFamily="34" charset="0"/>
-                <a:cs typeface="Times New Roman" panose="02020603050405020304" pitchFamily="18" charset="0"/>
-              </a:rPr>
-              <a:t>Check that the query has this form which is consistent with the first normal form</a:t>
-            </a:r>
-            <a:endParaRPr lang="en-US" sz="1400" dirty="0">
-              <a:effectLst/>
-              <a:latin typeface="Calibri" panose="020F0502020204030204" pitchFamily="34" charset="0"/>
-              <a:ea typeface="Calibri" panose="020F0502020204030204" pitchFamily="34" charset="0"/>
-              <a:cs typeface="Times New Roman" panose="02020603050405020304" pitchFamily="18" charset="0"/>
-            </a:endParaRPr>
-          </a:p>
-        </p:txBody>
-      </p:sp>
       <p:pic>
         <p:nvPicPr>
-          <p:cNvPr id="13" name="Picture 12"/>
+          <p:cNvPr id="9" name="Picture 8"/>
           <p:cNvPicPr/>
           <p:nvPr/>
         </p:nvPicPr>
-        <p:blipFill>
+        <p:blipFill rotWithShape="1">
           <a:blip r:embed="rId2">
             <a:extLst>
               <a:ext uri="{28A0092B-C50C-407E-A947-70E740481C1C}">
@@ -4870,15 +6024,13 @@
               </a:ext>
             </a:extLst>
           </a:blip>
-          <a:srcRect/>
-          <a:stretch>
-            <a:fillRect/>
-          </a:stretch>
+          <a:srcRect l="3001" t="6030"/>
+          <a:stretch/>
         </p:blipFill>
         <p:spPr bwMode="auto">
           <a:xfrm>
-            <a:off x="529697" y="1302796"/>
-            <a:ext cx="4551067" cy="3255454"/>
+            <a:off x="403442" y="1357793"/>
+            <a:ext cx="6794880" cy="4733623"/>
           </a:xfrm>
           <a:prstGeom prst="rect">
             <a:avLst/>
@@ -4893,12 +6045,337 @@
               </a:srgbClr>
             </a:outerShdw>
           </a:effectLst>
+          <a:extLst>
+            <a:ext uri="{53640926-AAD7-44D8-BBD7-CCE9431645EC}">
+              <a14:shadowObscured xmlns:a14="http://schemas.microsoft.com/office/drawing/2010/main"/>
+            </a:ext>
+          </a:extLst>
         </p:spPr>
       </p:pic>
+      <p:sp>
+        <p:nvSpPr>
+          <p:cNvPr id="10" name="Oval 9"/>
+          <p:cNvSpPr/>
+          <p:nvPr/>
+        </p:nvSpPr>
+        <p:spPr>
+          <a:xfrm>
+            <a:off x="1296948" y="2111809"/>
+            <a:ext cx="375285" cy="375285"/>
+          </a:xfrm>
+          <a:prstGeom prst="ellipse">
+            <a:avLst/>
+          </a:prstGeom>
+          <a:solidFill>
+            <a:srgbClr val="FF0000"/>
+          </a:solidFill>
+          <a:ln>
+            <a:noFill/>
+          </a:ln>
+          <a:effectLst>
+            <a:outerShdw blurRad="50800" dist="38100" dir="2700000" algn="tl" rotWithShape="0">
+              <a:prstClr val="black">
+                <a:alpha val="40000"/>
+              </a:prstClr>
+            </a:outerShdw>
+          </a:effectLst>
+        </p:spPr>
+        <p:style>
+          <a:lnRef idx="2">
+            <a:schemeClr val="accent1">
+              <a:shade val="50000"/>
+            </a:schemeClr>
+          </a:lnRef>
+          <a:fillRef idx="1">
+            <a:schemeClr val="accent1"/>
+          </a:fillRef>
+          <a:effectRef idx="0">
+            <a:schemeClr val="accent1"/>
+          </a:effectRef>
+          <a:fontRef idx="minor">
+            <a:schemeClr val="lt1"/>
+          </a:fontRef>
+        </p:style>
+        <p:txBody>
+          <a:bodyPr rot="0" spcFirstLastPara="0" vert="horz" wrap="square" lIns="91440" tIns="45720" rIns="91440" bIns="45720" numCol="1" spcCol="0" rtlCol="0" fromWordArt="0" anchor="ctr" anchorCtr="0" forceAA="0" compatLnSpc="1">
+            <a:prstTxWarp prst="textNoShape">
+              <a:avLst/>
+            </a:prstTxWarp>
+            <a:noAutofit/>
+          </a:bodyPr>
+          <a:lstStyle/>
+          <a:p>
+            <a:pPr xmlns:a="http://schemas.openxmlformats.org/drawingml/2006/main" algn="ctr">
+              <a:lnSpc>
+                <a:spcPct val="107000"/>
+              </a:lnSpc>
+              <a:spcAft>
+                <a:spcPts val="800"/>
+              </a:spcAft>
+            </a:pPr>
+            <a:r xmlns:a="http://schemas.openxmlformats.org/drawingml/2006/main">
+              <a:rPr lang="en" sz="1200" b="1">
+                <a:effectLst/>
+                <a:ea typeface="Calibri" panose="020F0502020204030204" pitchFamily="34" charset="0"/>
+                <a:cs typeface="Times New Roman" panose="02020603050405020304" pitchFamily="18" charset="0"/>
+              </a:rPr>
+              <a:t>1</a:t>
+            </a:r>
+            <a:endParaRPr xmlns:a="http://schemas.openxmlformats.org/drawingml/2006/main" lang="en-US" sz="1100">
+              <a:effectLst/>
+              <a:ea typeface="Calibri" panose="020F0502020204030204" pitchFamily="34" charset="0"/>
+              <a:cs typeface="Times New Roman" panose="02020603050405020304" pitchFamily="18" charset="0"/>
+            </a:endParaRPr>
+          </a:p>
+        </p:txBody>
+      </p:sp>
+      <p:sp>
+        <p:nvSpPr>
+          <p:cNvPr id="11" name="Oval 10"/>
+          <p:cNvSpPr/>
+          <p:nvPr/>
+        </p:nvSpPr>
+        <p:spPr>
+          <a:xfrm>
+            <a:off x="2579195" y="3082361"/>
+            <a:ext cx="375285" cy="375285"/>
+          </a:xfrm>
+          <a:prstGeom prst="ellipse">
+            <a:avLst/>
+          </a:prstGeom>
+          <a:solidFill>
+            <a:srgbClr val="FF0000"/>
+          </a:solidFill>
+          <a:ln>
+            <a:noFill/>
+          </a:ln>
+          <a:effectLst>
+            <a:outerShdw blurRad="50800" dist="38100" dir="2700000" algn="tl" rotWithShape="0">
+              <a:prstClr val="black">
+                <a:alpha val="40000"/>
+              </a:prstClr>
+            </a:outerShdw>
+          </a:effectLst>
+        </p:spPr>
+        <p:style>
+          <a:lnRef idx="2">
+            <a:schemeClr val="accent1">
+              <a:shade val="50000"/>
+            </a:schemeClr>
+          </a:lnRef>
+          <a:fillRef idx="1">
+            <a:schemeClr val="accent1"/>
+          </a:fillRef>
+          <a:effectRef idx="0">
+            <a:schemeClr val="accent1"/>
+          </a:effectRef>
+          <a:fontRef idx="minor">
+            <a:schemeClr val="lt1"/>
+          </a:fontRef>
+        </p:style>
+        <p:txBody>
+          <a:bodyPr rot="0" spcFirstLastPara="0" vert="horz" wrap="square" lIns="91440" tIns="45720" rIns="91440" bIns="45720" numCol="1" spcCol="0" rtlCol="0" fromWordArt="0" anchor="ctr" anchorCtr="0" forceAA="0" compatLnSpc="1">
+            <a:prstTxWarp prst="textNoShape">
+              <a:avLst/>
+            </a:prstTxWarp>
+            <a:noAutofit/>
+          </a:bodyPr>
+          <a:lstStyle/>
+          <a:p>
+            <a:pPr xmlns:a="http://schemas.openxmlformats.org/drawingml/2006/main" algn="ctr">
+              <a:lnSpc>
+                <a:spcPct val="107000"/>
+              </a:lnSpc>
+              <a:spcAft>
+                <a:spcPts val="800"/>
+              </a:spcAft>
+            </a:pPr>
+            <a:r xmlns:a="http://schemas.openxmlformats.org/drawingml/2006/main">
+              <a:rPr lang="en" sz="1200" b="1">
+                <a:effectLst/>
+                <a:ea typeface="Calibri" panose="020F0502020204030204" pitchFamily="34" charset="0"/>
+                <a:cs typeface="Times New Roman" panose="02020603050405020304" pitchFamily="18" charset="0"/>
+              </a:rPr>
+              <a:t>2</a:t>
+            </a:r>
+            <a:endParaRPr xmlns:a="http://schemas.openxmlformats.org/drawingml/2006/main" lang="en-US" sz="1100">
+              <a:effectLst/>
+              <a:ea typeface="Calibri" panose="020F0502020204030204" pitchFamily="34" charset="0"/>
+              <a:cs typeface="Times New Roman" panose="02020603050405020304" pitchFamily="18" charset="0"/>
+            </a:endParaRPr>
+          </a:p>
+        </p:txBody>
+      </p:sp>
+      <p:sp>
+        <p:nvSpPr>
+          <p:cNvPr id="12" name="Oval 11"/>
+          <p:cNvSpPr/>
+          <p:nvPr/>
+        </p:nvSpPr>
+        <p:spPr>
+          <a:xfrm>
+            <a:off x="1785536" y="4480908"/>
+            <a:ext cx="375285" cy="375285"/>
+          </a:xfrm>
+          <a:prstGeom prst="ellipse">
+            <a:avLst/>
+          </a:prstGeom>
+          <a:solidFill>
+            <a:srgbClr val="FF0000"/>
+          </a:solidFill>
+          <a:ln>
+            <a:noFill/>
+          </a:ln>
+          <a:effectLst>
+            <a:outerShdw blurRad="50800" dist="38100" dir="2700000" algn="tl" rotWithShape="0">
+              <a:prstClr val="black">
+                <a:alpha val="40000"/>
+              </a:prstClr>
+            </a:outerShdw>
+          </a:effectLst>
+        </p:spPr>
+        <p:style>
+          <a:lnRef idx="2">
+            <a:schemeClr val="accent1">
+              <a:shade val="50000"/>
+            </a:schemeClr>
+          </a:lnRef>
+          <a:fillRef idx="1">
+            <a:schemeClr val="accent1"/>
+          </a:fillRef>
+          <a:effectRef idx="0">
+            <a:schemeClr val="accent1"/>
+          </a:effectRef>
+          <a:fontRef idx="minor">
+            <a:schemeClr val="lt1"/>
+          </a:fontRef>
+        </p:style>
+        <p:txBody>
+          <a:bodyPr rot="0" spcFirstLastPara="0" vert="horz" wrap="square" lIns="91440" tIns="45720" rIns="91440" bIns="45720" numCol="1" spcCol="0" rtlCol="0" fromWordArt="0" anchor="ctr" anchorCtr="0" forceAA="0" compatLnSpc="1">
+            <a:prstTxWarp prst="textNoShape">
+              <a:avLst/>
+            </a:prstTxWarp>
+            <a:noAutofit/>
+          </a:bodyPr>
+          <a:lstStyle/>
+          <a:p>
+            <a:pPr xmlns:a="http://schemas.openxmlformats.org/drawingml/2006/main" algn="ctr">
+              <a:lnSpc>
+                <a:spcPct val="107000"/>
+              </a:lnSpc>
+              <a:spcAft>
+                <a:spcPts val="800"/>
+              </a:spcAft>
+            </a:pPr>
+            <a:r xmlns:a="http://schemas.openxmlformats.org/drawingml/2006/main">
+              <a:rPr lang="en" sz="1200" b="1">
+                <a:effectLst/>
+                <a:ea typeface="Calibri" panose="020F0502020204030204" pitchFamily="34" charset="0"/>
+                <a:cs typeface="Times New Roman" panose="02020603050405020304" pitchFamily="18" charset="0"/>
+              </a:rPr>
+              <a:t>3</a:t>
+            </a:r>
+            <a:endParaRPr xmlns:a="http://schemas.openxmlformats.org/drawingml/2006/main" lang="en-US" sz="1100">
+              <a:effectLst/>
+              <a:ea typeface="Calibri" panose="020F0502020204030204" pitchFamily="34" charset="0"/>
+              <a:cs typeface="Times New Roman" panose="02020603050405020304" pitchFamily="18" charset="0"/>
+            </a:endParaRPr>
+          </a:p>
+        </p:txBody>
+      </p:sp>
+      <p:sp>
+        <p:nvSpPr>
+          <p:cNvPr id="8" name="TextBox 7"/>
+          <p:cNvSpPr txBox="1"/>
+          <p:nvPr/>
+        </p:nvSpPr>
+        <p:spPr>
+          <a:xfrm flipH="1">
+            <a:off x="220005" y="281882"/>
+            <a:ext cx="2798202" cy="400110"/>
+          </a:xfrm>
+          <a:prstGeom prst="rect">
+            <a:avLst/>
+          </a:prstGeom>
+          <a:noFill/>
+        </p:spPr>
+        <p:txBody>
+          <a:bodyPr wrap="square" rtlCol="0">
+            <a:spAutoFit/>
+          </a:bodyPr>
+          <a:lstStyle/>
+          <a:p>
+            <a:r xmlns:a="http://schemas.openxmlformats.org/drawingml/2006/main">
+              <a:rPr lang="en" sz="2000" b="1" dirty="0" smtClean="0">
+                <a:latin typeface="Segoe UI" panose="020B0502040204020203" pitchFamily="34" charset="0"/>
+                <a:cs typeface="Segoe UI" panose="020B0502040204020203" pitchFamily="34" charset="0"/>
+              </a:rPr>
+              <a:t>Normal forms</a:t>
+            </a:r>
+            <a:endParaRPr xmlns:a="http://schemas.openxmlformats.org/drawingml/2006/main" lang="en-US" sz="2000" b="1" dirty="0">
+              <a:latin typeface="Segoe UI" panose="020B0502040204020203" pitchFamily="34" charset="0"/>
+              <a:cs typeface="Segoe UI" panose="020B0502040204020203" pitchFamily="34" charset="0"/>
+            </a:endParaRPr>
+          </a:p>
+        </p:txBody>
+      </p:sp>
+      <p:sp>
+        <p:nvSpPr>
+          <p:cNvPr id="4" name="Rectangle 3"/>
+          <p:cNvSpPr/>
+          <p:nvPr/>
+        </p:nvSpPr>
+        <p:spPr>
+          <a:xfrm>
+            <a:off x="220005" y="695527"/>
+            <a:ext cx="10771128" cy="400110"/>
+          </a:xfrm>
+          <a:prstGeom prst="rect">
+            <a:avLst/>
+          </a:prstGeom>
+        </p:spPr>
+        <p:txBody>
+          <a:bodyPr wrap="square">
+            <a:spAutoFit/>
+          </a:bodyPr>
+          <a:lstStyle/>
+          <a:p>
+            <a:r xmlns:a="http://schemas.openxmlformats.org/drawingml/2006/main">
+              <a:rPr lang="en" sz="2000" dirty="0"/>
+              <a:t>In the </a:t>
+            </a:r>
+            <a:r xmlns:a="http://schemas.openxmlformats.org/drawingml/2006/main">
+              <a:rPr lang="en" sz="2000" b="1" dirty="0"/>
+              <a:t>Advanced options </a:t>
+            </a:r>
+            <a:r xmlns:a="http://schemas.openxmlformats.org/drawingml/2006/main">
+              <a:rPr lang="en" sz="2000" dirty="0"/>
+              <a:t>, choose </a:t>
+            </a:r>
+            <a:r xmlns:a="http://schemas.openxmlformats.org/drawingml/2006/main">
+              <a:rPr lang="en" sz="2000" b="1" dirty="0"/>
+              <a:t>Split by row </a:t>
+            </a:r>
+            <a:r xmlns:a="http://schemas.openxmlformats.org/drawingml/2006/main">
+              <a:rPr lang="en" sz="2000" dirty="0"/>
+              <a:t>instead of </a:t>
+            </a:r>
+            <a:r xmlns:a="http://schemas.openxmlformats.org/drawingml/2006/main">
+              <a:rPr lang="en" sz="2000" b="1" dirty="0"/>
+              <a:t>Split by column </a:t>
+            </a:r>
+            <a:r xmlns:a="http://schemas.openxmlformats.org/drawingml/2006/main">
+              <a:rPr lang="en" sz="2000" dirty="0"/>
+              <a:t>.</a:t>
+            </a:r>
+            <a:endParaRPr xmlns:a="http://schemas.openxmlformats.org/drawingml/2006/main" lang="en-US" sz="2000" dirty="0"/>
+          </a:p>
+        </p:txBody>
+      </p:sp>
     </p:spTree>
     <p:extLst>
       <p:ext uri="{BB962C8B-B14F-4D97-AF65-F5344CB8AC3E}">
-        <p14:creationId xmlns:p14="http://schemas.microsoft.com/office/powerpoint/2010/main" val="3776216326"/>
+        <p14:creationId xmlns:p14="http://schemas.microsoft.com/office/powerpoint/2010/main" val="1191989648"/>
       </p:ext>
     </p:extLst>
   </p:cSld>
@@ -4925,16 +6402,55 @@
           <a:chExt cx="0" cy="0"/>
         </a:xfrm>
       </p:grpSpPr>
-      <p:sp>
-        <p:nvSpPr>
-          <p:cNvPr id="2" name="TextBox 1"/>
+      <p:pic>
+        <p:nvPicPr>
+          <p:cNvPr id="13" name="Picture 12"/>
+          <p:cNvPicPr/>
+          <p:nvPr/>
+        </p:nvPicPr>
+        <p:blipFill>
+          <a:blip r:embed="rId2">
+            <a:extLst>
+              <a:ext uri="{28A0092B-C50C-407E-A947-70E740481C1C}">
+                <a14:useLocalDpi xmlns:a14="http://schemas.microsoft.com/office/drawing/2010/main" val="0"/>
+              </a:ext>
+            </a:extLst>
+          </a:blip>
+          <a:srcRect/>
+          <a:stretch>
+            <a:fillRect/>
+          </a:stretch>
+        </p:blipFill>
+        <p:spPr bwMode="auto">
+          <a:xfrm>
+            <a:off x="557198" y="1474675"/>
+            <a:ext cx="4551067" cy="3255454"/>
+          </a:xfrm>
+          <a:prstGeom prst="rect">
+            <a:avLst/>
+          </a:prstGeom>
+          <a:ln>
+            <a:noFill/>
+          </a:ln>
+          <a:effectLst>
+            <a:outerShdw blurRad="292100" dist="139700" dir="2700000" algn="tl" rotWithShape="0">
+              <a:srgbClr val="333333">
+                <a:alpha val="65000"/>
+              </a:srgbClr>
+            </a:outerShdw>
+          </a:effectLst>
+        </p:spPr>
+      </p:pic>
+      <p:sp>
+        <p:nvSpPr>
+          <p:cNvPr id="5" name="TextBox 4"/>
           <p:cNvSpPr txBox="1"/>
           <p:nvPr/>
         </p:nvSpPr>
         <p:spPr>
           <a:xfrm flipH="1">
-            <a:off x="220006" y="281882"/>
-            <a:ext cx="1753173" cy="369332"/>
+            <a:off x="220005" y="281882"/>
+            <a:ext cx="2798202" cy="400110"/>
           </a:xfrm>
           <a:prstGeom prst="rect">
             <a:avLst/>
@@ -4947,14 +6463,14 @@
           </a:bodyPr>
           <a:lstStyle/>
           <a:p>
-            <a:r>
-              <a:rPr lang="fr-FR" dirty="0" smtClean="0">
+            <a:r xmlns:a="http://schemas.openxmlformats.org/drawingml/2006/main">
+              <a:rPr lang="en" sz="2000" b="1" dirty="0" smtClean="0">
                 <a:latin typeface="Segoe UI" panose="020B0502040204020203" pitchFamily="34" charset="0"/>
                 <a:cs typeface="Segoe UI" panose="020B0502040204020203" pitchFamily="34" charset="0"/>
               </a:rPr>
               <a:t>Normal forms</a:t>
             </a:r>
-            <a:endParaRPr lang="en-US" dirty="0">
+            <a:endParaRPr xmlns:a="http://schemas.openxmlformats.org/drawingml/2006/main" lang="en-US" sz="2000" b="1" dirty="0">
               <a:latin typeface="Segoe UI" panose="020B0502040204020203" pitchFamily="34" charset="0"/>
               <a:cs typeface="Segoe UI" panose="020B0502040204020203" pitchFamily="34" charset="0"/>
             </a:endParaRPr>
@@ -4969,8 +6485,8 @@
         </p:nvSpPr>
         <p:spPr>
           <a:xfrm>
-            <a:off x="490430" y="950781"/>
-            <a:ext cx="10179862" cy="4640373"/>
+            <a:off x="220005" y="709001"/>
+            <a:ext cx="9891103" cy="400110"/>
           </a:xfrm>
           <a:prstGeom prst="rect">
             <a:avLst/>
@@ -4982,943 +6498,26 @@
           </a:bodyPr>
           <a:lstStyle/>
           <a:p>
-            <a:pPr lvl="0">
-              <a:lnSpc>
-                <a:spcPct val="107000"/>
-              </a:lnSpc>
-              <a:spcAft>
-                <a:spcPts val="0"/>
-              </a:spcAft>
-            </a:pPr>
-            <a:r>
-              <a:rPr lang="fr-FR" dirty="0">
-                <a:latin typeface="Segoe UI" panose="020B0502040204020203" pitchFamily="34" charset="0"/>
-                <a:ea typeface="Calibri" panose="020F0502020204030204" pitchFamily="34" charset="0"/>
-                <a:cs typeface="Times New Roman" panose="02020603050405020304" pitchFamily="18" charset="0"/>
-              </a:rPr>
-              <a:t>Spot the </a:t>
-            </a:r>
-            <a:r>
-              <a:rPr lang="fr-FR" dirty="0" err="1">
-                <a:latin typeface="Segoe UI" panose="020B0502040204020203" pitchFamily="34" charset="0"/>
-                <a:ea typeface="Calibri" panose="020F0502020204030204" pitchFamily="34" charset="0"/>
-                <a:cs typeface="Times New Roman" panose="02020603050405020304" pitchFamily="18" charset="0"/>
-              </a:rPr>
-              <a:t>same</a:t>
-            </a:r>
-            <a:r>
-              <a:rPr lang="fr-FR" dirty="0">
-                <a:latin typeface="Segoe UI" panose="020B0502040204020203" pitchFamily="34" charset="0"/>
-                <a:ea typeface="Calibri" panose="020F0502020204030204" pitchFamily="34" charset="0"/>
-                <a:cs typeface="Times New Roman" panose="02020603050405020304" pitchFamily="18" charset="0"/>
-              </a:rPr>
-              <a:t> </a:t>
-            </a:r>
-            <a:r>
-              <a:rPr lang="fr-FR" dirty="0" err="1">
-                <a:latin typeface="Segoe UI" panose="020B0502040204020203" pitchFamily="34" charset="0"/>
-                <a:ea typeface="Calibri" panose="020F0502020204030204" pitchFamily="34" charset="0"/>
-                <a:cs typeface="Times New Roman" panose="02020603050405020304" pitchFamily="18" charset="0"/>
-              </a:rPr>
-              <a:t>operation</a:t>
-            </a:r>
-            <a:r>
-              <a:rPr lang="fr-FR" dirty="0">
-                <a:latin typeface="Segoe UI" panose="020B0502040204020203" pitchFamily="34" charset="0"/>
-                <a:ea typeface="Calibri" panose="020F0502020204030204" pitchFamily="34" charset="0"/>
-                <a:cs typeface="Times New Roman" panose="02020603050405020304" pitchFamily="18" charset="0"/>
-              </a:rPr>
-              <a:t> to </a:t>
-            </a:r>
-            <a:r>
-              <a:rPr lang="fr-FR" dirty="0" err="1">
-                <a:latin typeface="Segoe UI" panose="020B0502040204020203" pitchFamily="34" charset="0"/>
-                <a:ea typeface="Calibri" panose="020F0502020204030204" pitchFamily="34" charset="0"/>
-                <a:cs typeface="Times New Roman" panose="02020603050405020304" pitchFamily="18" charset="0"/>
-              </a:rPr>
-              <a:t>normalize</a:t>
-            </a:r>
-            <a:r>
-              <a:rPr lang="fr-FR" dirty="0">
-                <a:latin typeface="Segoe UI" panose="020B0502040204020203" pitchFamily="34" charset="0"/>
-                <a:ea typeface="Calibri" panose="020F0502020204030204" pitchFamily="34" charset="0"/>
-                <a:cs typeface="Times New Roman" panose="02020603050405020304" pitchFamily="18" charset="0"/>
-              </a:rPr>
-              <a:t> the </a:t>
-            </a:r>
-            <a:r>
-              <a:rPr lang="fr-FR" b="1" dirty="0">
-                <a:latin typeface="Segoe UI" panose="020B0502040204020203" pitchFamily="34" charset="0"/>
-                <a:ea typeface="Calibri" panose="020F0502020204030204" pitchFamily="34" charset="0"/>
-                <a:cs typeface="Times New Roman" panose="02020603050405020304" pitchFamily="18" charset="0"/>
-              </a:rPr>
-              <a:t>Sales </a:t>
-            </a:r>
-            <a:r>
-              <a:rPr lang="fr-FR" b="1" dirty="0" err="1">
-                <a:latin typeface="Segoe UI" panose="020B0502040204020203" pitchFamily="34" charset="0"/>
-                <a:ea typeface="Calibri" panose="020F0502020204030204" pitchFamily="34" charset="0"/>
-                <a:cs typeface="Times New Roman" panose="02020603050405020304" pitchFamily="18" charset="0"/>
-              </a:rPr>
-              <a:t>column</a:t>
-            </a:r>
-            <a:r>
-              <a:rPr lang="fr-FR" dirty="0">
-                <a:latin typeface="Segoe UI" panose="020B0502040204020203" pitchFamily="34" charset="0"/>
-                <a:ea typeface="Calibri" panose="020F0502020204030204" pitchFamily="34" charset="0"/>
-                <a:cs typeface="Times New Roman" panose="02020603050405020304" pitchFamily="18" charset="0"/>
-              </a:rPr>
-              <a:t> </a:t>
-            </a:r>
-            <a:endParaRPr lang="en-US" sz="1400" dirty="0">
-              <a:latin typeface="Calibri" panose="020F0502020204030204" pitchFamily="34" charset="0"/>
-              <a:ea typeface="Calibri" panose="020F0502020204030204" pitchFamily="34" charset="0"/>
-              <a:cs typeface="Times New Roman" panose="02020603050405020304" pitchFamily="18" charset="0"/>
-            </a:endParaRPr>
-          </a:p>
-          <a:p>
-            <a:pPr lvl="0">
-              <a:lnSpc>
-                <a:spcPct val="107000"/>
-              </a:lnSpc>
-              <a:spcAft>
-                <a:spcPts val="0"/>
-              </a:spcAft>
-            </a:pPr>
-            <a:endParaRPr lang="fr-FR" dirty="0" smtClean="0">
-              <a:latin typeface="Segoe UI" panose="020B0502040204020203" pitchFamily="34" charset="0"/>
-              <a:ea typeface="Calibri" panose="020F0502020204030204" pitchFamily="34" charset="0"/>
-              <a:cs typeface="Times New Roman" panose="02020603050405020304" pitchFamily="18" charset="0"/>
-            </a:endParaRPr>
-          </a:p>
-          <a:p>
-            <a:pPr lvl="0">
-              <a:lnSpc>
-                <a:spcPct val="107000"/>
-              </a:lnSpc>
-              <a:spcAft>
-                <a:spcPts val="0"/>
-              </a:spcAft>
-            </a:pPr>
-            <a:r>
-              <a:rPr lang="fr-FR" dirty="0" smtClean="0">
-                <a:latin typeface="Segoe UI" panose="020B0502040204020203" pitchFamily="34" charset="0"/>
-                <a:ea typeface="Calibri" panose="020F0502020204030204" pitchFamily="34" charset="0"/>
-                <a:cs typeface="Times New Roman" panose="02020603050405020304" pitchFamily="18" charset="0"/>
-              </a:rPr>
-              <a:t>Duplicate </a:t>
-            </a:r>
-            <a:r>
-              <a:rPr lang="fr-FR" b="1" dirty="0">
-                <a:latin typeface="Segoe UI" panose="020B0502040204020203" pitchFamily="34" charset="0"/>
-                <a:ea typeface="Calibri" panose="020F0502020204030204" pitchFamily="34" charset="0"/>
-                <a:cs typeface="Times New Roman" panose="02020603050405020304" pitchFamily="18" charset="0"/>
-              </a:rPr>
+            <a:r xmlns:a="http://schemas.openxmlformats.org/drawingml/2006/main">
+              <a:rPr lang="en" sz="2000" dirty="0"/>
+              <a:t>Check that the query has this form conforming to the first normal form ( </a:t>
+            </a:r>
+            <a:r xmlns:a="http://schemas.openxmlformats.org/drawingml/2006/main">
+              <a:rPr lang="en" sz="2000" b="1" dirty="0"/>
               <a:t>1NF </a:t>
             </a:r>
-            <a:r>
-              <a:rPr lang="fr-FR" dirty="0">
-                <a:latin typeface="Segoe UI" panose="020B0502040204020203" pitchFamily="34" charset="0"/>
-                <a:ea typeface="Calibri" panose="020F0502020204030204" pitchFamily="34" charset="0"/>
-                <a:cs typeface="Times New Roman" panose="02020603050405020304" pitchFamily="18" charset="0"/>
-              </a:rPr>
-              <a:t>and </a:t>
-            </a:r>
-            <a:r>
-              <a:rPr lang="fr-FR" dirty="0" err="1">
-                <a:latin typeface="Segoe UI" panose="020B0502040204020203" pitchFamily="34" charset="0"/>
-                <a:ea typeface="Calibri" panose="020F0502020204030204" pitchFamily="34" charset="0"/>
-                <a:cs typeface="Times New Roman" panose="02020603050405020304" pitchFamily="18" charset="0"/>
-              </a:rPr>
-              <a:t>rename</a:t>
-            </a:r>
-            <a:r>
-              <a:rPr lang="fr-FR" dirty="0">
-                <a:latin typeface="Segoe UI" panose="020B0502040204020203" pitchFamily="34" charset="0"/>
-                <a:ea typeface="Calibri" panose="020F0502020204030204" pitchFamily="34" charset="0"/>
-                <a:cs typeface="Times New Roman" panose="02020603050405020304" pitchFamily="18" charset="0"/>
-              </a:rPr>
-              <a:t> </a:t>
-            </a:r>
-            <a:r>
-              <a:rPr lang="fr-FR" b="1" dirty="0">
-                <a:latin typeface="Segoe UI" panose="020B0502040204020203" pitchFamily="34" charset="0"/>
-                <a:ea typeface="Calibri" panose="020F0502020204030204" pitchFamily="34" charset="0"/>
-                <a:cs typeface="Times New Roman" panose="02020603050405020304" pitchFamily="18" charset="0"/>
-              </a:rPr>
-              <a:t>Sales</a:t>
-            </a:r>
-            <a:endParaRPr lang="en-US" sz="1400" dirty="0">
-              <a:latin typeface="Calibri" panose="020F0502020204030204" pitchFamily="34" charset="0"/>
-              <a:ea typeface="Calibri" panose="020F0502020204030204" pitchFamily="34" charset="0"/>
-              <a:cs typeface="Times New Roman" panose="02020603050405020304" pitchFamily="18" charset="0"/>
-            </a:endParaRPr>
-          </a:p>
-          <a:p>
-            <a:pPr lvl="0">
-              <a:lnSpc>
-                <a:spcPct val="107000"/>
-              </a:lnSpc>
-              <a:spcAft>
-                <a:spcPts val="0"/>
-              </a:spcAft>
-            </a:pPr>
-            <a:endParaRPr lang="fr-FR" dirty="0" smtClean="0">
-              <a:latin typeface="Segoe UI" panose="020B0502040204020203" pitchFamily="34" charset="0"/>
-              <a:ea typeface="Calibri" panose="020F0502020204030204" pitchFamily="34" charset="0"/>
-              <a:cs typeface="Times New Roman" panose="02020603050405020304" pitchFamily="18" charset="0"/>
-            </a:endParaRPr>
-          </a:p>
-          <a:p>
-            <a:pPr lvl="0">
-              <a:lnSpc>
-                <a:spcPct val="107000"/>
-              </a:lnSpc>
-              <a:spcAft>
-                <a:spcPts val="0"/>
-              </a:spcAft>
-            </a:pPr>
-            <a:r>
-              <a:rPr lang="fr-FR" dirty="0" err="1" smtClean="0">
-                <a:latin typeface="Segoe UI" panose="020B0502040204020203" pitchFamily="34" charset="0"/>
-                <a:ea typeface="Calibri" panose="020F0502020204030204" pitchFamily="34" charset="0"/>
-                <a:cs typeface="Times New Roman" panose="02020603050405020304" pitchFamily="18" charset="0"/>
-              </a:rPr>
-              <a:t>Delete</a:t>
-            </a:r>
-            <a:r>
-              <a:rPr lang="fr-FR" dirty="0" smtClean="0">
-                <a:latin typeface="Segoe UI" panose="020B0502040204020203" pitchFamily="34" charset="0"/>
-                <a:ea typeface="Calibri" panose="020F0502020204030204" pitchFamily="34" charset="0"/>
-                <a:cs typeface="Times New Roman" panose="02020603050405020304" pitchFamily="18" charset="0"/>
-              </a:rPr>
-              <a:t> </a:t>
-            </a:r>
-            <a:r>
-              <a:rPr lang="fr-FR" dirty="0">
-                <a:latin typeface="Segoe UI" panose="020B0502040204020203" pitchFamily="34" charset="0"/>
-                <a:ea typeface="Calibri" panose="020F0502020204030204" pitchFamily="34" charset="0"/>
-                <a:cs typeface="Times New Roman" panose="02020603050405020304" pitchFamily="18" charset="0"/>
-              </a:rPr>
-              <a:t>all </a:t>
-            </a:r>
-            <a:r>
-              <a:rPr lang="fr-FR" dirty="0" err="1">
-                <a:latin typeface="Segoe UI" panose="020B0502040204020203" pitchFamily="34" charset="0"/>
-                <a:ea typeface="Calibri" panose="020F0502020204030204" pitchFamily="34" charset="0"/>
-                <a:cs typeface="Times New Roman" panose="02020603050405020304" pitchFamily="18" charset="0"/>
-              </a:rPr>
-              <a:t>columns</a:t>
-            </a:r>
-            <a:r>
-              <a:rPr lang="fr-FR" dirty="0">
-                <a:latin typeface="Segoe UI" panose="020B0502040204020203" pitchFamily="34" charset="0"/>
-                <a:ea typeface="Calibri" panose="020F0502020204030204" pitchFamily="34" charset="0"/>
-                <a:cs typeface="Times New Roman" panose="02020603050405020304" pitchFamily="18" charset="0"/>
-              </a:rPr>
-              <a:t> </a:t>
-            </a:r>
-            <a:r>
-              <a:rPr lang="fr-FR" dirty="0" err="1">
-                <a:latin typeface="Segoe UI" panose="020B0502040204020203" pitchFamily="34" charset="0"/>
-                <a:ea typeface="Calibri" panose="020F0502020204030204" pitchFamily="34" charset="0"/>
-                <a:cs typeface="Times New Roman" panose="02020603050405020304" pitchFamily="18" charset="0"/>
-              </a:rPr>
-              <a:t>except</a:t>
-            </a:r>
-            <a:r>
-              <a:rPr lang="fr-FR" dirty="0">
-                <a:latin typeface="Segoe UI" panose="020B0502040204020203" pitchFamily="34" charset="0"/>
-                <a:ea typeface="Calibri" panose="020F0502020204030204" pitchFamily="34" charset="0"/>
-                <a:cs typeface="Times New Roman" panose="02020603050405020304" pitchFamily="18" charset="0"/>
-              </a:rPr>
-              <a:t> the </a:t>
-            </a:r>
-            <a:r>
-              <a:rPr lang="fr-FR" b="1" dirty="0">
-                <a:latin typeface="Segoe UI" panose="020B0502040204020203" pitchFamily="34" charset="0"/>
-                <a:ea typeface="Calibri" panose="020F0502020204030204" pitchFamily="34" charset="0"/>
-                <a:cs typeface="Times New Roman" panose="02020603050405020304" pitchFamily="18" charset="0"/>
-              </a:rPr>
-              <a:t>Sales </a:t>
-            </a:r>
-            <a:r>
-              <a:rPr lang="fr-FR" b="1" dirty="0" err="1">
-                <a:latin typeface="Segoe UI" panose="020B0502040204020203" pitchFamily="34" charset="0"/>
-                <a:ea typeface="Calibri" panose="020F0502020204030204" pitchFamily="34" charset="0"/>
-                <a:cs typeface="Times New Roman" panose="02020603050405020304" pitchFamily="18" charset="0"/>
-              </a:rPr>
-              <a:t>column</a:t>
-            </a:r>
-            <a:r>
-              <a:rPr lang="fr-FR" dirty="0">
-                <a:latin typeface="Segoe UI" panose="020B0502040204020203" pitchFamily="34" charset="0"/>
-                <a:ea typeface="Calibri" panose="020F0502020204030204" pitchFamily="34" charset="0"/>
-                <a:cs typeface="Times New Roman" panose="02020603050405020304" pitchFamily="18" charset="0"/>
-              </a:rPr>
-              <a:t> </a:t>
-            </a:r>
-            <a:endParaRPr lang="en-US" sz="1400" dirty="0">
-              <a:latin typeface="Calibri" panose="020F0502020204030204" pitchFamily="34" charset="0"/>
-              <a:ea typeface="Calibri" panose="020F0502020204030204" pitchFamily="34" charset="0"/>
-              <a:cs typeface="Times New Roman" panose="02020603050405020304" pitchFamily="18" charset="0"/>
-            </a:endParaRPr>
-          </a:p>
-          <a:p>
-            <a:pPr lvl="0">
-              <a:lnSpc>
-                <a:spcPct val="107000"/>
-              </a:lnSpc>
-              <a:spcAft>
-                <a:spcPts val="0"/>
-              </a:spcAft>
-            </a:pPr>
-            <a:endParaRPr lang="fr-FR" dirty="0" smtClean="0">
-              <a:latin typeface="Segoe UI" panose="020B0502040204020203" pitchFamily="34" charset="0"/>
-              <a:ea typeface="Calibri" panose="020F0502020204030204" pitchFamily="34" charset="0"/>
-              <a:cs typeface="Times New Roman" panose="02020603050405020304" pitchFamily="18" charset="0"/>
-            </a:endParaRPr>
-          </a:p>
-          <a:p>
-            <a:pPr lvl="0">
-              <a:lnSpc>
-                <a:spcPct val="107000"/>
-              </a:lnSpc>
-              <a:spcAft>
-                <a:spcPts val="0"/>
-              </a:spcAft>
-            </a:pPr>
-            <a:r>
-              <a:rPr lang="fr-FR" dirty="0" smtClean="0">
-                <a:latin typeface="Segoe UI" panose="020B0502040204020203" pitchFamily="34" charset="0"/>
-                <a:ea typeface="Calibri" panose="020F0502020204030204" pitchFamily="34" charset="0"/>
-                <a:cs typeface="Times New Roman" panose="02020603050405020304" pitchFamily="18" charset="0"/>
-              </a:rPr>
-              <a:t>a </a:t>
-            </a:r>
-            <a:r>
-              <a:rPr lang="fr-FR" dirty="0">
-                <a:latin typeface="Segoe UI" panose="020B0502040204020203" pitchFamily="34" charset="0"/>
-                <a:ea typeface="Calibri" panose="020F0502020204030204" pitchFamily="34" charset="0"/>
-                <a:cs typeface="Times New Roman" panose="02020603050405020304" pitchFamily="18" charset="0"/>
-              </a:rPr>
-              <a:t>0-based index </a:t>
-            </a:r>
-            <a:r>
-              <a:rPr lang="fr-FR" dirty="0" err="1">
-                <a:latin typeface="Segoe UI" panose="020B0502040204020203" pitchFamily="34" charset="0"/>
-                <a:ea typeface="Calibri" panose="020F0502020204030204" pitchFamily="34" charset="0"/>
-                <a:cs typeface="Times New Roman" panose="02020603050405020304" pitchFamily="18" charset="0"/>
-              </a:rPr>
-              <a:t>column</a:t>
-            </a:r>
-            <a:r>
-              <a:rPr lang="fr-FR" dirty="0">
-                <a:latin typeface="Segoe UI" panose="020B0502040204020203" pitchFamily="34" charset="0"/>
-                <a:ea typeface="Calibri" panose="020F0502020204030204" pitchFamily="34" charset="0"/>
-                <a:cs typeface="Times New Roman" panose="02020603050405020304" pitchFamily="18" charset="0"/>
-              </a:rPr>
-              <a:t> to the </a:t>
-            </a:r>
-            <a:r>
-              <a:rPr lang="fr-FR" b="1" dirty="0">
-                <a:latin typeface="Segoe UI" panose="020B0502040204020203" pitchFamily="34" charset="0"/>
-                <a:ea typeface="Calibri" panose="020F0502020204030204" pitchFamily="34" charset="0"/>
-                <a:cs typeface="Times New Roman" panose="02020603050405020304" pitchFamily="18" charset="0"/>
-              </a:rPr>
-              <a:t>Sales </a:t>
-            </a:r>
-            <a:r>
-              <a:rPr lang="fr-FR" dirty="0">
-                <a:latin typeface="Segoe UI" panose="020B0502040204020203" pitchFamily="34" charset="0"/>
-                <a:ea typeface="Calibri" panose="020F0502020204030204" pitchFamily="34" charset="0"/>
-                <a:cs typeface="Times New Roman" panose="02020603050405020304" pitchFamily="18" charset="0"/>
-              </a:rPr>
-              <a:t>table , in </a:t>
-            </a:r>
-            <a:r>
-              <a:rPr lang="fr-FR" dirty="0" err="1">
-                <a:latin typeface="Segoe UI" panose="020B0502040204020203" pitchFamily="34" charset="0"/>
-                <a:ea typeface="Calibri" panose="020F0502020204030204" pitchFamily="34" charset="0"/>
-                <a:cs typeface="Times New Roman" panose="02020603050405020304" pitchFamily="18" charset="0"/>
-              </a:rPr>
-              <a:t>this</a:t>
-            </a:r>
-            <a:r>
-              <a:rPr lang="fr-FR" dirty="0">
-                <a:latin typeface="Segoe UI" panose="020B0502040204020203" pitchFamily="34" charset="0"/>
-                <a:ea typeface="Calibri" panose="020F0502020204030204" pitchFamily="34" charset="0"/>
-                <a:cs typeface="Times New Roman" panose="02020603050405020304" pitchFamily="18" charset="0"/>
-              </a:rPr>
-              <a:t> case use the </a:t>
-            </a:r>
-            <a:r>
-              <a:rPr lang="fr-FR" b="1" dirty="0">
-                <a:latin typeface="Segoe UI" panose="020B0502040204020203" pitchFamily="34" charset="0"/>
-                <a:ea typeface="Calibri" panose="020F0502020204030204" pitchFamily="34" charset="0"/>
-                <a:cs typeface="Times New Roman" panose="02020603050405020304" pitchFamily="18" charset="0"/>
-              </a:rPr>
-              <a:t>Index </a:t>
-            </a:r>
-            <a:r>
-              <a:rPr lang="fr-FR" b="1" dirty="0" err="1">
-                <a:latin typeface="Segoe UI" panose="020B0502040204020203" pitchFamily="34" charset="0"/>
-                <a:ea typeface="Calibri" panose="020F0502020204030204" pitchFamily="34" charset="0"/>
-                <a:cs typeface="Times New Roman" panose="02020603050405020304" pitchFamily="18" charset="0"/>
-              </a:rPr>
-              <a:t>Column</a:t>
-            </a:r>
-            <a:r>
-              <a:rPr lang="fr-FR" b="1" dirty="0">
-                <a:latin typeface="Segoe UI" panose="020B0502040204020203" pitchFamily="34" charset="0"/>
-                <a:ea typeface="Calibri" panose="020F0502020204030204" pitchFamily="34" charset="0"/>
-                <a:cs typeface="Times New Roman" panose="02020603050405020304" pitchFamily="18" charset="0"/>
-              </a:rPr>
-              <a:t> </a:t>
-            </a:r>
-            <a:r>
-              <a:rPr lang="fr-FR" b="1" dirty="0" err="1">
-                <a:latin typeface="Segoe UI" panose="020B0502040204020203" pitchFamily="34" charset="0"/>
-                <a:ea typeface="Calibri" panose="020F0502020204030204" pitchFamily="34" charset="0"/>
-                <a:cs typeface="Times New Roman" panose="02020603050405020304" pitchFamily="18" charset="0"/>
-              </a:rPr>
-              <a:t>functionality</a:t>
-            </a:r>
-            <a:r>
-              <a:rPr lang="fr-FR" b="1" dirty="0">
-                <a:latin typeface="Segoe UI" panose="020B0502040204020203" pitchFamily="34" charset="0"/>
-                <a:ea typeface="Calibri" panose="020F0502020204030204" pitchFamily="34" charset="0"/>
-                <a:cs typeface="Times New Roman" panose="02020603050405020304" pitchFamily="18" charset="0"/>
-              </a:rPr>
-              <a:t> </a:t>
-            </a:r>
-            <a:r>
-              <a:rPr lang="fr-FR" dirty="0">
-                <a:latin typeface="Segoe UI" panose="020B0502040204020203" pitchFamily="34" charset="0"/>
-                <a:ea typeface="Calibri" panose="020F0502020204030204" pitchFamily="34" charset="0"/>
-                <a:cs typeface="Times New Roman" panose="02020603050405020304" pitchFamily="18" charset="0"/>
-              </a:rPr>
-              <a:t>of the </a:t>
-            </a:r>
-            <a:r>
-              <a:rPr lang="fr-FR" b="1" dirty="0" err="1">
-                <a:latin typeface="Segoe UI" panose="020B0502040204020203" pitchFamily="34" charset="0"/>
-                <a:ea typeface="Calibri" panose="020F0502020204030204" pitchFamily="34" charset="0"/>
-                <a:cs typeface="Times New Roman" panose="02020603050405020304" pitchFamily="18" charset="0"/>
-              </a:rPr>
-              <a:t>Add</a:t>
-            </a:r>
-            <a:r>
-              <a:rPr lang="fr-FR" b="1" dirty="0">
-                <a:latin typeface="Segoe UI" panose="020B0502040204020203" pitchFamily="34" charset="0"/>
-                <a:ea typeface="Calibri" panose="020F0502020204030204" pitchFamily="34" charset="0"/>
-                <a:cs typeface="Times New Roman" panose="02020603050405020304" pitchFamily="18" charset="0"/>
-              </a:rPr>
-              <a:t> </a:t>
-            </a:r>
-            <a:r>
-              <a:rPr lang="fr-FR" b="1" dirty="0" err="1">
-                <a:latin typeface="Segoe UI" panose="020B0502040204020203" pitchFamily="34" charset="0"/>
-                <a:ea typeface="Calibri" panose="020F0502020204030204" pitchFamily="34" charset="0"/>
-                <a:cs typeface="Times New Roman" panose="02020603050405020304" pitchFamily="18" charset="0"/>
-              </a:rPr>
-              <a:t>Column</a:t>
-            </a:r>
-            <a:r>
-              <a:rPr lang="fr-FR" b="1" dirty="0">
-                <a:latin typeface="Segoe UI" panose="020B0502040204020203" pitchFamily="34" charset="0"/>
-                <a:ea typeface="Calibri" panose="020F0502020204030204" pitchFamily="34" charset="0"/>
-                <a:cs typeface="Times New Roman" panose="02020603050405020304" pitchFamily="18" charset="0"/>
-              </a:rPr>
-              <a:t> tab</a:t>
-            </a:r>
-            <a:endParaRPr lang="en-US" sz="1400" dirty="0">
-              <a:latin typeface="Calibri" panose="020F0502020204030204" pitchFamily="34" charset="0"/>
-              <a:ea typeface="Calibri" panose="020F0502020204030204" pitchFamily="34" charset="0"/>
-              <a:cs typeface="Times New Roman" panose="02020603050405020304" pitchFamily="18" charset="0"/>
-            </a:endParaRPr>
-          </a:p>
-          <a:p>
-            <a:pPr lvl="0">
-              <a:lnSpc>
-                <a:spcPct val="107000"/>
-              </a:lnSpc>
-              <a:spcAft>
-                <a:spcPts val="0"/>
-              </a:spcAft>
-            </a:pPr>
-            <a:endParaRPr lang="fr-FR" dirty="0" smtClean="0">
-              <a:latin typeface="Segoe UI" panose="020B0502040204020203" pitchFamily="34" charset="0"/>
-              <a:ea typeface="Calibri" panose="020F0502020204030204" pitchFamily="34" charset="0"/>
-              <a:cs typeface="Times New Roman" panose="02020603050405020304" pitchFamily="18" charset="0"/>
-            </a:endParaRPr>
-          </a:p>
-          <a:p>
-            <a:pPr lvl="0">
-              <a:lnSpc>
-                <a:spcPct val="107000"/>
-              </a:lnSpc>
-              <a:spcAft>
-                <a:spcPts val="0"/>
-              </a:spcAft>
-            </a:pPr>
-            <a:r>
-              <a:rPr lang="fr-FR" dirty="0" smtClean="0">
-                <a:latin typeface="Segoe UI" panose="020B0502040204020203" pitchFamily="34" charset="0"/>
-                <a:ea typeface="Calibri" panose="020F0502020204030204" pitchFamily="34" charset="0"/>
-                <a:cs typeface="Times New Roman" panose="02020603050405020304" pitchFamily="18" charset="0"/>
-              </a:rPr>
-              <a:t>Move </a:t>
-            </a:r>
-            <a:r>
-              <a:rPr lang="fr-FR" dirty="0">
-                <a:latin typeface="Segoe UI" panose="020B0502040204020203" pitchFamily="34" charset="0"/>
-                <a:ea typeface="Calibri" panose="020F0502020204030204" pitchFamily="34" charset="0"/>
-                <a:cs typeface="Times New Roman" panose="02020603050405020304" pitchFamily="18" charset="0"/>
-              </a:rPr>
-              <a:t>Index </a:t>
-            </a:r>
-            <a:r>
-              <a:rPr lang="fr-FR" dirty="0" err="1">
-                <a:latin typeface="Segoe UI" panose="020B0502040204020203" pitchFamily="34" charset="0"/>
-                <a:ea typeface="Calibri" panose="020F0502020204030204" pitchFamily="34" charset="0"/>
-                <a:cs typeface="Times New Roman" panose="02020603050405020304" pitchFamily="18" charset="0"/>
-              </a:rPr>
-              <a:t>column</a:t>
-            </a:r>
-            <a:r>
-              <a:rPr lang="fr-FR" dirty="0">
-                <a:latin typeface="Segoe UI" panose="020B0502040204020203" pitchFamily="34" charset="0"/>
-                <a:ea typeface="Calibri" panose="020F0502020204030204" pitchFamily="34" charset="0"/>
-                <a:cs typeface="Times New Roman" panose="02020603050405020304" pitchFamily="18" charset="0"/>
-              </a:rPr>
-              <a:t> to first position</a:t>
-            </a:r>
-            <a:endParaRPr lang="en-US" sz="1400" dirty="0">
-              <a:latin typeface="Calibri" panose="020F0502020204030204" pitchFamily="34" charset="0"/>
-              <a:ea typeface="Calibri" panose="020F0502020204030204" pitchFamily="34" charset="0"/>
-              <a:cs typeface="Times New Roman" panose="02020603050405020304" pitchFamily="18" charset="0"/>
-            </a:endParaRPr>
-          </a:p>
-          <a:p>
-            <a:pPr lvl="0">
-              <a:lnSpc>
-                <a:spcPct val="107000"/>
-              </a:lnSpc>
-              <a:spcAft>
-                <a:spcPts val="0"/>
-              </a:spcAft>
-            </a:pPr>
-            <a:endParaRPr lang="fr-FR" dirty="0" smtClean="0">
-              <a:latin typeface="Segoe UI" panose="020B0502040204020203" pitchFamily="34" charset="0"/>
-              <a:ea typeface="Calibri" panose="020F0502020204030204" pitchFamily="34" charset="0"/>
-              <a:cs typeface="Times New Roman" panose="02020603050405020304" pitchFamily="18" charset="0"/>
-            </a:endParaRPr>
-          </a:p>
-          <a:p>
-            <a:pPr lvl="0">
-              <a:lnSpc>
-                <a:spcPct val="107000"/>
-              </a:lnSpc>
-              <a:spcAft>
-                <a:spcPts val="0"/>
-              </a:spcAft>
-            </a:pPr>
-            <a:r>
-              <a:rPr lang="fr-FR" dirty="0" smtClean="0">
-                <a:latin typeface="Segoe UI" panose="020B0502040204020203" pitchFamily="34" charset="0"/>
-                <a:ea typeface="Calibri" panose="020F0502020204030204" pitchFamily="34" charset="0"/>
-                <a:cs typeface="Times New Roman" panose="02020603050405020304" pitchFamily="18" charset="0"/>
-              </a:rPr>
-              <a:t>Go </a:t>
-            </a:r>
-            <a:r>
-              <a:rPr lang="fr-FR" dirty="0">
-                <a:latin typeface="Segoe UI" panose="020B0502040204020203" pitchFamily="34" charset="0"/>
-                <a:ea typeface="Calibri" panose="020F0502020204030204" pitchFamily="34" charset="0"/>
-                <a:cs typeface="Times New Roman" panose="02020603050405020304" pitchFamily="18" charset="0"/>
-              </a:rPr>
-              <a:t>back to </a:t>
-            </a:r>
-            <a:r>
-              <a:rPr lang="fr-FR" b="1" dirty="0">
-                <a:latin typeface="Segoe UI" panose="020B0502040204020203" pitchFamily="34" charset="0"/>
-                <a:ea typeface="Calibri" panose="020F0502020204030204" pitchFamily="34" charset="0"/>
-                <a:cs typeface="Times New Roman" panose="02020603050405020304" pitchFamily="18" charset="0"/>
-              </a:rPr>
-              <a:t>1NF </a:t>
-            </a:r>
-            <a:r>
-              <a:rPr lang="fr-FR" dirty="0">
-                <a:latin typeface="Segoe UI" panose="020B0502040204020203" pitchFamily="34" charset="0"/>
-                <a:ea typeface="Calibri" panose="020F0502020204030204" pitchFamily="34" charset="0"/>
-                <a:cs typeface="Times New Roman" panose="02020603050405020304" pitchFamily="18" charset="0"/>
-              </a:rPr>
-              <a:t>and </a:t>
-            </a:r>
-            <a:r>
-              <a:rPr lang="fr-FR" dirty="0" err="1">
-                <a:latin typeface="Segoe UI" panose="020B0502040204020203" pitchFamily="34" charset="0"/>
-                <a:ea typeface="Calibri" panose="020F0502020204030204" pitchFamily="34" charset="0"/>
-                <a:cs typeface="Times New Roman" panose="02020603050405020304" pitchFamily="18" charset="0"/>
-              </a:rPr>
-              <a:t>add</a:t>
-            </a:r>
-            <a:r>
-              <a:rPr lang="fr-FR" dirty="0">
-                <a:latin typeface="Segoe UI" panose="020B0502040204020203" pitchFamily="34" charset="0"/>
-                <a:ea typeface="Calibri" panose="020F0502020204030204" pitchFamily="34" charset="0"/>
-                <a:cs typeface="Times New Roman" panose="02020603050405020304" pitchFamily="18" charset="0"/>
-              </a:rPr>
-              <a:t> an index </a:t>
-            </a:r>
-            <a:r>
-              <a:rPr lang="fr-FR" dirty="0" err="1">
-                <a:latin typeface="Segoe UI" panose="020B0502040204020203" pitchFamily="34" charset="0"/>
-                <a:ea typeface="Calibri" panose="020F0502020204030204" pitchFamily="34" charset="0"/>
-                <a:cs typeface="Times New Roman" panose="02020603050405020304" pitchFamily="18" charset="0"/>
-              </a:rPr>
-              <a:t>column</a:t>
-            </a:r>
-            <a:r>
-              <a:rPr lang="fr-FR" dirty="0">
-                <a:latin typeface="Segoe UI" panose="020B0502040204020203" pitchFamily="34" charset="0"/>
-                <a:ea typeface="Calibri" panose="020F0502020204030204" pitchFamily="34" charset="0"/>
-                <a:cs typeface="Times New Roman" panose="02020603050405020304" pitchFamily="18" charset="0"/>
-              </a:rPr>
-              <a:t> in the </a:t>
-            </a:r>
-            <a:r>
-              <a:rPr lang="fr-FR" dirty="0" err="1">
-                <a:latin typeface="Segoe UI" panose="020B0502040204020203" pitchFamily="34" charset="0"/>
-                <a:ea typeface="Calibri" panose="020F0502020204030204" pitchFamily="34" charset="0"/>
-                <a:cs typeface="Times New Roman" panose="02020603050405020304" pitchFamily="18" charset="0"/>
-              </a:rPr>
-              <a:t>same</a:t>
-            </a:r>
-            <a:r>
-              <a:rPr lang="fr-FR" dirty="0">
-                <a:latin typeface="Segoe UI" panose="020B0502040204020203" pitchFamily="34" charset="0"/>
-                <a:ea typeface="Calibri" panose="020F0502020204030204" pitchFamily="34" charset="0"/>
-                <a:cs typeface="Times New Roman" panose="02020603050405020304" pitchFamily="18" charset="0"/>
-              </a:rPr>
-              <a:t> </a:t>
-            </a:r>
-            <a:r>
-              <a:rPr lang="fr-FR" dirty="0" err="1">
-                <a:latin typeface="Segoe UI" panose="020B0502040204020203" pitchFamily="34" charset="0"/>
-                <a:ea typeface="Calibri" panose="020F0502020204030204" pitchFamily="34" charset="0"/>
-                <a:cs typeface="Times New Roman" panose="02020603050405020304" pitchFamily="18" charset="0"/>
-              </a:rPr>
-              <a:t>way</a:t>
-            </a:r>
-            <a:endParaRPr lang="en-US" sz="1400" dirty="0">
-              <a:latin typeface="Calibri" panose="020F0502020204030204" pitchFamily="34" charset="0"/>
-              <a:ea typeface="Calibri" panose="020F0502020204030204" pitchFamily="34" charset="0"/>
-              <a:cs typeface="Times New Roman" panose="02020603050405020304" pitchFamily="18" charset="0"/>
-            </a:endParaRPr>
-          </a:p>
-          <a:p>
-            <a:pPr lvl="0">
-              <a:lnSpc>
-                <a:spcPct val="107000"/>
-              </a:lnSpc>
-              <a:spcAft>
-                <a:spcPts val="800"/>
-              </a:spcAft>
-            </a:pPr>
-            <a:endParaRPr lang="fr-FR" dirty="0" smtClean="0">
-              <a:latin typeface="Segoe UI" panose="020B0502040204020203" pitchFamily="34" charset="0"/>
-              <a:ea typeface="Calibri" panose="020F0502020204030204" pitchFamily="34" charset="0"/>
-              <a:cs typeface="Times New Roman" panose="02020603050405020304" pitchFamily="18" charset="0"/>
-            </a:endParaRPr>
-          </a:p>
-          <a:p>
-            <a:pPr lvl="0">
-              <a:lnSpc>
-                <a:spcPct val="107000"/>
-              </a:lnSpc>
-              <a:spcAft>
-                <a:spcPts val="800"/>
-              </a:spcAft>
-            </a:pPr>
-            <a:r>
-              <a:rPr lang="fr-FR" dirty="0" smtClean="0">
-                <a:latin typeface="Segoe UI" panose="020B0502040204020203" pitchFamily="34" charset="0"/>
-                <a:ea typeface="Calibri" panose="020F0502020204030204" pitchFamily="34" charset="0"/>
-                <a:cs typeface="Times New Roman" panose="02020603050405020304" pitchFamily="18" charset="0"/>
-              </a:rPr>
-              <a:t>Select </a:t>
-            </a:r>
-            <a:r>
-              <a:rPr lang="fr-FR" dirty="0" err="1">
-                <a:latin typeface="Segoe UI" panose="020B0502040204020203" pitchFamily="34" charset="0"/>
-                <a:ea typeface="Calibri" panose="020F0502020204030204" pitchFamily="34" charset="0"/>
-                <a:cs typeface="Times New Roman" panose="02020603050405020304" pitchFamily="18" charset="0"/>
-              </a:rPr>
-              <a:t>both</a:t>
-            </a:r>
-            <a:r>
-              <a:rPr lang="fr-FR" dirty="0">
-                <a:latin typeface="Segoe UI" panose="020B0502040204020203" pitchFamily="34" charset="0"/>
-                <a:ea typeface="Calibri" panose="020F0502020204030204" pitchFamily="34" charset="0"/>
-                <a:cs typeface="Times New Roman" panose="02020603050405020304" pitchFamily="18" charset="0"/>
-              </a:rPr>
-              <a:t> </a:t>
-            </a:r>
-            <a:r>
-              <a:rPr lang="fr-FR" dirty="0" err="1">
-                <a:latin typeface="Segoe UI" panose="020B0502040204020203" pitchFamily="34" charset="0"/>
-                <a:ea typeface="Calibri" panose="020F0502020204030204" pitchFamily="34" charset="0"/>
-                <a:cs typeface="Times New Roman" panose="02020603050405020304" pitchFamily="18" charset="0"/>
-              </a:rPr>
-              <a:t>queries</a:t>
-            </a:r>
-            <a:r>
-              <a:rPr lang="fr-FR" dirty="0">
-                <a:latin typeface="Segoe UI" panose="020B0502040204020203" pitchFamily="34" charset="0"/>
-                <a:ea typeface="Calibri" panose="020F0502020204030204" pitchFamily="34" charset="0"/>
-                <a:cs typeface="Times New Roman" panose="02020603050405020304" pitchFamily="18" charset="0"/>
-              </a:rPr>
-              <a:t> </a:t>
-            </a:r>
-            <a:r>
-              <a:rPr lang="fr-FR" b="1" dirty="0">
-                <a:latin typeface="Segoe UI" panose="020B0502040204020203" pitchFamily="34" charset="0"/>
-                <a:ea typeface="Calibri" panose="020F0502020204030204" pitchFamily="34" charset="0"/>
-                <a:cs typeface="Times New Roman" panose="02020603050405020304" pitchFamily="18" charset="0"/>
-              </a:rPr>
-              <a:t>1NF </a:t>
-            </a:r>
-            <a:r>
-              <a:rPr lang="fr-FR" dirty="0">
-                <a:latin typeface="Segoe UI" panose="020B0502040204020203" pitchFamily="34" charset="0"/>
-                <a:ea typeface="Calibri" panose="020F0502020204030204" pitchFamily="34" charset="0"/>
-                <a:cs typeface="Times New Roman" panose="02020603050405020304" pitchFamily="18" charset="0"/>
-              </a:rPr>
-              <a:t>and </a:t>
-            </a:r>
-            <a:r>
-              <a:rPr lang="fr-FR" b="1" dirty="0">
-                <a:latin typeface="Segoe UI" panose="020B0502040204020203" pitchFamily="34" charset="0"/>
-                <a:ea typeface="Calibri" panose="020F0502020204030204" pitchFamily="34" charset="0"/>
-                <a:cs typeface="Times New Roman" panose="02020603050405020304" pitchFamily="18" charset="0"/>
-              </a:rPr>
-              <a:t>Sales </a:t>
-            </a:r>
-            <a:r>
-              <a:rPr lang="fr-FR" dirty="0">
-                <a:latin typeface="Segoe UI" panose="020B0502040204020203" pitchFamily="34" charset="0"/>
-                <a:ea typeface="Calibri" panose="020F0502020204030204" pitchFamily="34" charset="0"/>
-                <a:cs typeface="Times New Roman" panose="02020603050405020304" pitchFamily="18" charset="0"/>
-              </a:rPr>
-              <a:t>, click </a:t>
-            </a:r>
-            <a:r>
-              <a:rPr lang="fr-FR" b="1" dirty="0">
-                <a:latin typeface="Segoe UI" panose="020B0502040204020203" pitchFamily="34" charset="0"/>
-                <a:ea typeface="Calibri" panose="020F0502020204030204" pitchFamily="34" charset="0"/>
-                <a:cs typeface="Times New Roman" panose="02020603050405020304" pitchFamily="18" charset="0"/>
-              </a:rPr>
-              <a:t>Combine </a:t>
-            </a:r>
-            <a:r>
-              <a:rPr lang="fr-FR" dirty="0" err="1">
-                <a:latin typeface="Segoe UI" panose="020B0502040204020203" pitchFamily="34" charset="0"/>
-                <a:ea typeface="Calibri" panose="020F0502020204030204" pitchFamily="34" charset="0"/>
-                <a:cs typeface="Times New Roman" panose="02020603050405020304" pitchFamily="18" charset="0"/>
-              </a:rPr>
-              <a:t>from</a:t>
-            </a:r>
-            <a:r>
-              <a:rPr lang="fr-FR" dirty="0">
-                <a:latin typeface="Segoe UI" panose="020B0502040204020203" pitchFamily="34" charset="0"/>
-                <a:ea typeface="Calibri" panose="020F0502020204030204" pitchFamily="34" charset="0"/>
-                <a:cs typeface="Times New Roman" panose="02020603050405020304" pitchFamily="18" charset="0"/>
-              </a:rPr>
-              <a:t> the Home tab to </a:t>
-            </a:r>
-            <a:r>
-              <a:rPr lang="fr-FR" dirty="0" err="1">
-                <a:latin typeface="Segoe UI" panose="020B0502040204020203" pitchFamily="34" charset="0"/>
-                <a:ea typeface="Calibri" panose="020F0502020204030204" pitchFamily="34" charset="0"/>
-                <a:cs typeface="Times New Roman" panose="02020603050405020304" pitchFamily="18" charset="0"/>
-              </a:rPr>
-              <a:t>apply</a:t>
-            </a:r>
-            <a:r>
-              <a:rPr lang="fr-FR" dirty="0">
-                <a:latin typeface="Segoe UI" panose="020B0502040204020203" pitchFamily="34" charset="0"/>
-                <a:ea typeface="Calibri" panose="020F0502020204030204" pitchFamily="34" charset="0"/>
-                <a:cs typeface="Times New Roman" panose="02020603050405020304" pitchFamily="18" charset="0"/>
-              </a:rPr>
-              <a:t> the </a:t>
-            </a:r>
-            <a:r>
-              <a:rPr lang="fr-FR" b="1" dirty="0" err="1">
-                <a:latin typeface="Segoe UI" panose="020B0502040204020203" pitchFamily="34" charset="0"/>
-                <a:ea typeface="Calibri" panose="020F0502020204030204" pitchFamily="34" charset="0"/>
-                <a:cs typeface="Times New Roman" panose="02020603050405020304" pitchFamily="18" charset="0"/>
-              </a:rPr>
-              <a:t>Merge</a:t>
-            </a:r>
-            <a:r>
-              <a:rPr lang="fr-FR" b="1" dirty="0">
-                <a:latin typeface="Segoe UI" panose="020B0502040204020203" pitchFamily="34" charset="0"/>
-                <a:ea typeface="Calibri" panose="020F0502020204030204" pitchFamily="34" charset="0"/>
-                <a:cs typeface="Times New Roman" panose="02020603050405020304" pitchFamily="18" charset="0"/>
-              </a:rPr>
-              <a:t> </a:t>
-            </a:r>
-            <a:r>
-              <a:rPr lang="fr-FR" b="1" dirty="0" err="1">
-                <a:latin typeface="Segoe UI" panose="020B0502040204020203" pitchFamily="34" charset="0"/>
-                <a:ea typeface="Calibri" panose="020F0502020204030204" pitchFamily="34" charset="0"/>
-                <a:cs typeface="Times New Roman" panose="02020603050405020304" pitchFamily="18" charset="0"/>
-              </a:rPr>
-              <a:t>functionality</a:t>
-            </a:r>
-            <a:r>
-              <a:rPr lang="fr-FR" b="1" dirty="0">
-                <a:latin typeface="Segoe UI" panose="020B0502040204020203" pitchFamily="34" charset="0"/>
-                <a:ea typeface="Calibri" panose="020F0502020204030204" pitchFamily="34" charset="0"/>
-                <a:cs typeface="Times New Roman" panose="02020603050405020304" pitchFamily="18" charset="0"/>
-              </a:rPr>
-              <a:t> </a:t>
-            </a:r>
-            <a:r>
-              <a:rPr lang="fr-FR" dirty="0" err="1">
-                <a:latin typeface="Segoe UI" panose="020B0502040204020203" pitchFamily="34" charset="0"/>
-                <a:ea typeface="Calibri" panose="020F0502020204030204" pitchFamily="34" charset="0"/>
-                <a:cs typeface="Times New Roman" panose="02020603050405020304" pitchFamily="18" charset="0"/>
-              </a:rPr>
-              <a:t>with</a:t>
-            </a:r>
-            <a:r>
-              <a:rPr lang="fr-FR" dirty="0">
-                <a:latin typeface="Segoe UI" panose="020B0502040204020203" pitchFamily="34" charset="0"/>
-                <a:ea typeface="Calibri" panose="020F0502020204030204" pitchFamily="34" charset="0"/>
-                <a:cs typeface="Times New Roman" panose="02020603050405020304" pitchFamily="18" charset="0"/>
-              </a:rPr>
-              <a:t> the </a:t>
-            </a:r>
-            <a:r>
-              <a:rPr lang="fr-FR" dirty="0" err="1">
-                <a:latin typeface="Segoe UI" panose="020B0502040204020203" pitchFamily="34" charset="0"/>
-                <a:ea typeface="Calibri" panose="020F0502020204030204" pitchFamily="34" charset="0"/>
-                <a:cs typeface="Times New Roman" panose="02020603050405020304" pitchFamily="18" charset="0"/>
-              </a:rPr>
-              <a:t>common</a:t>
-            </a:r>
-            <a:r>
-              <a:rPr lang="fr-FR" dirty="0">
-                <a:latin typeface="Segoe UI" panose="020B0502040204020203" pitchFamily="34" charset="0"/>
-                <a:ea typeface="Calibri" panose="020F0502020204030204" pitchFamily="34" charset="0"/>
-                <a:cs typeface="Times New Roman" panose="02020603050405020304" pitchFamily="18" charset="0"/>
-              </a:rPr>
-              <a:t> </a:t>
-            </a:r>
-            <a:r>
-              <a:rPr lang="fr-FR" dirty="0" err="1">
-                <a:latin typeface="Segoe UI" panose="020B0502040204020203" pitchFamily="34" charset="0"/>
-                <a:ea typeface="Calibri" panose="020F0502020204030204" pitchFamily="34" charset="0"/>
-                <a:cs typeface="Times New Roman" panose="02020603050405020304" pitchFamily="18" charset="0"/>
-              </a:rPr>
-              <a:t>column</a:t>
-            </a:r>
-            <a:r>
-              <a:rPr lang="fr-FR" dirty="0">
-                <a:latin typeface="Segoe UI" panose="020B0502040204020203" pitchFamily="34" charset="0"/>
-                <a:ea typeface="Calibri" panose="020F0502020204030204" pitchFamily="34" charset="0"/>
-                <a:cs typeface="Times New Roman" panose="02020603050405020304" pitchFamily="18" charset="0"/>
-              </a:rPr>
-              <a:t> as </a:t>
-            </a:r>
-            <a:r>
-              <a:rPr lang="fr-FR" b="1" dirty="0">
-                <a:latin typeface="Segoe UI" panose="020B0502040204020203" pitchFamily="34" charset="0"/>
-                <a:ea typeface="Calibri" panose="020F0502020204030204" pitchFamily="34" charset="0"/>
-                <a:cs typeface="Times New Roman" panose="02020603050405020304" pitchFamily="18" charset="0"/>
-              </a:rPr>
-              <a:t>Index </a:t>
-            </a:r>
-            <a:r>
-              <a:rPr lang="fr-FR" dirty="0">
-                <a:latin typeface="Segoe UI" panose="020B0502040204020203" pitchFamily="34" charset="0"/>
-                <a:ea typeface="Calibri" panose="020F0502020204030204" pitchFamily="34" charset="0"/>
-                <a:cs typeface="Times New Roman" panose="02020603050405020304" pitchFamily="18" charset="0"/>
-              </a:rPr>
-              <a:t>, the </a:t>
-            </a:r>
-            <a:r>
-              <a:rPr lang="fr-FR" dirty="0" err="1">
-                <a:latin typeface="Segoe UI" panose="020B0502040204020203" pitchFamily="34" charset="0"/>
-                <a:ea typeface="Calibri" panose="020F0502020204030204" pitchFamily="34" charset="0"/>
-                <a:cs typeface="Times New Roman" panose="02020603050405020304" pitchFamily="18" charset="0"/>
-              </a:rPr>
-              <a:t>join</a:t>
-            </a:r>
-            <a:r>
-              <a:rPr lang="fr-FR" dirty="0">
-                <a:latin typeface="Segoe UI" panose="020B0502040204020203" pitchFamily="34" charset="0"/>
-                <a:ea typeface="Calibri" panose="020F0502020204030204" pitchFamily="34" charset="0"/>
-                <a:cs typeface="Times New Roman" panose="02020603050405020304" pitchFamily="18" charset="0"/>
-              </a:rPr>
-              <a:t> </a:t>
-            </a:r>
-            <a:r>
-              <a:rPr lang="fr-FR" dirty="0" err="1">
-                <a:latin typeface="Segoe UI" panose="020B0502040204020203" pitchFamily="34" charset="0"/>
-                <a:ea typeface="Calibri" panose="020F0502020204030204" pitchFamily="34" charset="0"/>
-                <a:cs typeface="Times New Roman" panose="02020603050405020304" pitchFamily="18" charset="0"/>
-              </a:rPr>
-              <a:t>should</a:t>
-            </a:r>
-            <a:r>
-              <a:rPr lang="fr-FR" dirty="0">
-                <a:latin typeface="Segoe UI" panose="020B0502040204020203" pitchFamily="34" charset="0"/>
-                <a:ea typeface="Calibri" panose="020F0502020204030204" pitchFamily="34" charset="0"/>
-                <a:cs typeface="Times New Roman" panose="02020603050405020304" pitchFamily="18" charset="0"/>
-              </a:rPr>
-              <a:t> </a:t>
-            </a:r>
-            <a:r>
-              <a:rPr lang="fr-FR" dirty="0" err="1">
-                <a:latin typeface="Segoe UI" panose="020B0502040204020203" pitchFamily="34" charset="0"/>
-                <a:ea typeface="Calibri" panose="020F0502020204030204" pitchFamily="34" charset="0"/>
-                <a:cs typeface="Times New Roman" panose="02020603050405020304" pitchFamily="18" charset="0"/>
-              </a:rPr>
-              <a:t>be</a:t>
-            </a:r>
-            <a:r>
-              <a:rPr lang="fr-FR" dirty="0">
-                <a:latin typeface="Segoe UI" panose="020B0502040204020203" pitchFamily="34" charset="0"/>
-                <a:ea typeface="Calibri" panose="020F0502020204030204" pitchFamily="34" charset="0"/>
-                <a:cs typeface="Times New Roman" panose="02020603050405020304" pitchFamily="18" charset="0"/>
-              </a:rPr>
-              <a:t> </a:t>
-            </a:r>
-            <a:r>
-              <a:rPr lang="fr-FR" b="1" dirty="0" err="1">
-                <a:latin typeface="Segoe UI" panose="020B0502040204020203" pitchFamily="34" charset="0"/>
-                <a:ea typeface="Calibri" panose="020F0502020204030204" pitchFamily="34" charset="0"/>
-                <a:cs typeface="Times New Roman" panose="02020603050405020304" pitchFamily="18" charset="0"/>
-              </a:rPr>
-              <a:t>Inner</a:t>
-            </a:r>
-            <a:endParaRPr lang="en-US" sz="1400" dirty="0">
-              <a:effectLst/>
-              <a:latin typeface="Calibri" panose="020F0502020204030204" pitchFamily="34" charset="0"/>
-              <a:ea typeface="Calibri" panose="020F0502020204030204" pitchFamily="34" charset="0"/>
-              <a:cs typeface="Times New Roman" panose="02020603050405020304" pitchFamily="18" charset="0"/>
-            </a:endParaRPr>
+            <a:r xmlns:a="http://schemas.openxmlformats.org/drawingml/2006/main">
+              <a:rPr lang="en" sz="2000" dirty="0"/>
+              <a:t>).</a:t>
+            </a:r>
+            <a:endParaRPr xmlns:a="http://schemas.openxmlformats.org/drawingml/2006/main" lang="en-US" sz="2000" dirty="0"/>
           </a:p>
         </p:txBody>
       </p:sp>
     </p:spTree>
     <p:extLst>
       <p:ext uri="{BB962C8B-B14F-4D97-AF65-F5344CB8AC3E}">
-        <p14:creationId xmlns:p14="http://schemas.microsoft.com/office/powerpoint/2010/main" val="1144522105"/>
+        <p14:creationId xmlns:p14="http://schemas.microsoft.com/office/powerpoint/2010/main" val="3776216326"/>
       </p:ext>
     </p:extLst>
   </p:cSld>
@@ -5947,14 +6546,14 @@
       </p:grpSpPr>
       <p:sp>
         <p:nvSpPr>
-          <p:cNvPr id="2" name="TextBox 1"/>
+          <p:cNvPr id="4" name="TextBox 3"/>
           <p:cNvSpPr txBox="1"/>
           <p:nvPr/>
         </p:nvSpPr>
         <p:spPr>
           <a:xfrm flipH="1">
-            <a:off x="220006" y="281882"/>
-            <a:ext cx="1753173" cy="369332"/>
+            <a:off x="220005" y="281882"/>
+            <a:ext cx="2798202" cy="400110"/>
           </a:xfrm>
           <a:prstGeom prst="rect">
             <a:avLst/>
@@ -5967,457 +6566,175 @@
           </a:bodyPr>
           <a:lstStyle/>
           <a:p>
-            <a:r>
-              <a:rPr lang="fr-FR" dirty="0" smtClean="0">
+            <a:r xmlns:a="http://schemas.openxmlformats.org/drawingml/2006/main">
+              <a:rPr lang="en" sz="2000" b="1" dirty="0" smtClean="0">
                 <a:latin typeface="Segoe UI" panose="020B0502040204020203" pitchFamily="34" charset="0"/>
                 <a:cs typeface="Segoe UI" panose="020B0502040204020203" pitchFamily="34" charset="0"/>
               </a:rPr>
               <a:t>Normal forms</a:t>
             </a:r>
-            <a:endParaRPr lang="en-US" dirty="0">
+            <a:endParaRPr xmlns:a="http://schemas.openxmlformats.org/drawingml/2006/main" lang="en-US" sz="2000" b="1" dirty="0">
               <a:latin typeface="Segoe UI" panose="020B0502040204020203" pitchFamily="34" charset="0"/>
               <a:cs typeface="Segoe UI" panose="020B0502040204020203" pitchFamily="34" charset="0"/>
             </a:endParaRPr>
           </a:p>
         </p:txBody>
       </p:sp>
+      <p:sp>
+        <p:nvSpPr>
+          <p:cNvPr id="5" name="Rectangle 1"/>
+          <p:cNvSpPr>
+            <a:spLocks noChangeArrowheads="1"/>
+          </p:cNvSpPr>
+          <p:nvPr/>
+        </p:nvSpPr>
+        <p:spPr bwMode="auto">
+          <a:xfrm>
+            <a:off x="302508" y="900025"/>
+            <a:ext cx="10347158" cy="400110"/>
+          </a:xfrm>
+          <a:prstGeom prst="rect">
+            <a:avLst/>
+          </a:prstGeom>
+          <a:noFill/>
+          <a:ln>
+            <a:noFill/>
+          </a:ln>
+          <a:effectLst/>
+          <a:extLst>
+            <a:ext uri="{909E8E84-426E-40DD-AFC4-6F175D3DCCD1}">
+              <a14:hiddenFill xmlns:a14="http://schemas.microsoft.com/office/drawing/2010/main">
+                <a:solidFill>
+                  <a:schemeClr val="accent1"/>
+                </a:solidFill>
+              </a14:hiddenFill>
+            </a:ext>
+            <a:ext uri="{91240B29-F687-4F45-9708-019B960494DF}">
+              <a14:hiddenLine xmlns:a14="http://schemas.microsoft.com/office/drawing/2010/main" w="9525">
+                <a:solidFill>
+                  <a:schemeClr val="tx1"/>
+                </a:solidFill>
+                <a:miter lim="800000"/>
+                <a:headEnd/>
+                <a:tailEnd/>
+              </a14:hiddenLine>
+            </a:ext>
+            <a:ext uri="{AF507438-7753-43E0-B8FC-AC1667EBCBE1}">
+              <a14:hiddenEffects xmlns:a14="http://schemas.microsoft.com/office/drawing/2010/main">
+                <a:effectLst>
+                  <a:outerShdw dist="35921" dir="2700000" algn="ctr" rotWithShape="0">
+                    <a:schemeClr val="bg2"/>
+                  </a:outerShdw>
+                </a:effectLst>
+              </a14:hiddenEffects>
+            </a:ext>
+          </a:extLst>
+        </p:spPr>
+        <p:txBody>
+          <a:bodyPr vert="horz" wrap="square" lIns="91440" tIns="45720" rIns="91440" bIns="45720" numCol="1" anchor="ctr" anchorCtr="0" compatLnSpc="1">
+            <a:prstTxWarp prst="textNoShape">
+              <a:avLst/>
+            </a:prstTxWarp>
+            <a:spAutoFit/>
+          </a:bodyPr>
+          <a:lstStyle/>
+          <a:p>
+            <a:pPr xmlns:a="http://schemas.openxmlformats.org/drawingml/2006/main" marR="0" lvl="0" indent="14288" algn="l" defTabSz="914400" rtl="0" eaLnBrk="0" fontAlgn="base" latinLnBrk="0" hangingPunct="0">
+              <a:lnSpc>
+                <a:spcPct val="100000"/>
+              </a:lnSpc>
+              <a:spcBef>
+                <a:spcPct val="0"/>
+              </a:spcBef>
+              <a:spcAft>
+                <a:spcPct val="0"/>
+              </a:spcAft>
+              <a:buClrTx/>
+              <a:buSzTx/>
+              <a:buFont typeface="Arial" panose="020B0604020202020204" pitchFamily="34" charset="0"/>
+              <a:buChar char="•"/>
+              <a:tabLst/>
+            </a:pPr>
+            <a:r xmlns:a="http://schemas.openxmlformats.org/drawingml/2006/main">
+              <a:rPr kumimoji="0" lang="en" altLang="en-US" sz="2000" b="0" i="0" u="none" strike="noStrike" cap="none" normalizeH="0" baseline="0" dirty="0" smtClean="0">
+                <a:ln>
+                  <a:noFill/>
+                </a:ln>
+                <a:solidFill>
+                  <a:schemeClr val="tx1"/>
+                </a:solidFill>
+                <a:effectLst/>
+                <a:latin typeface="Arial" panose="020B0604020202020204" pitchFamily="34" charset="0"/>
+              </a:rPr>
+              <a:t>Perform the same split operation on the </a:t>
+            </a:r>
+            <a:r xmlns:a="http://schemas.openxmlformats.org/drawingml/2006/main">
+              <a:rPr kumimoji="0" lang="en" altLang="en-US" sz="2000" b="1" i="0" u="none" strike="noStrike" cap="none" normalizeH="0" baseline="0" dirty="0" smtClean="0">
+                <a:ln>
+                  <a:noFill/>
+                </a:ln>
+                <a:solidFill>
+                  <a:schemeClr val="tx1"/>
+                </a:solidFill>
+                <a:effectLst/>
+                <a:latin typeface="Arial" panose="020B0604020202020204" pitchFamily="34" charset="0"/>
+              </a:rPr>
+              <a:t>Sales column </a:t>
+            </a:r>
+            <a:r xmlns:a="http://schemas.openxmlformats.org/drawingml/2006/main">
+              <a:rPr kumimoji="0" lang="en" altLang="en-US" sz="2000" b="0" i="0" u="none" strike="noStrike" cap="none" normalizeH="0" baseline="0" dirty="0" smtClean="0">
+                <a:ln>
+                  <a:noFill/>
+                </a:ln>
+                <a:solidFill>
+                  <a:schemeClr val="tx1"/>
+                </a:solidFill>
+                <a:effectLst/>
+                <a:latin typeface="Arial" panose="020B0604020202020204" pitchFamily="34" charset="0"/>
+              </a:rPr>
+              <a:t>.</a:t>
+            </a:r>
+            <a:endParaRPr xmlns:a="http://schemas.openxmlformats.org/drawingml/2006/main" kumimoji="0" lang="fr-FR" altLang="en-US" sz="2000" b="0" i="0" u="none" strike="noStrike" cap="none" normalizeH="0" baseline="0" dirty="0" smtClean="0">
+              <a:ln>
+                <a:noFill/>
+              </a:ln>
+              <a:solidFill>
+                <a:schemeClr val="tx1"/>
+              </a:solidFill>
+              <a:effectLst/>
+              <a:latin typeface="Arial" panose="020B0604020202020204" pitchFamily="34" charset="0"/>
+            </a:endParaRPr>
+          </a:p>
+        </p:txBody>
+      </p:sp>
       <p:pic>
         <p:nvPicPr>
-          <p:cNvPr id="4" name="Picture 3"/>
-          <p:cNvPicPr/>
+          <p:cNvPr id="2" name="Picture 1"/>
+          <p:cNvPicPr>
+            <a:picLocks noChangeAspect="1"/>
+          </p:cNvPicPr>
           <p:nvPr/>
         </p:nvPicPr>
         <p:blipFill>
-          <a:blip r:embed="rId2">
-            <a:extLst>
-              <a:ext uri="{28A0092B-C50C-407E-A947-70E740481C1C}">
-                <a14:useLocalDpi xmlns:a14="http://schemas.microsoft.com/office/drawing/2010/main" val="0"/>
-              </a:ext>
-            </a:extLst>
-          </a:blip>
-          <a:srcRect/>
+          <a:blip r:embed="rId2"/>
           <a:stretch>
             <a:fillRect/>
           </a:stretch>
         </p:blipFill>
-        <p:spPr bwMode="auto">
-          <a:xfrm>
-            <a:off x="340633" y="863726"/>
-            <a:ext cx="6039541" cy="2532617"/>
+        <p:spPr>
+          <a:xfrm>
+            <a:off x="515952" y="1397000"/>
+            <a:ext cx="4419928" cy="4720311"/>
           </a:xfrm>
           <a:prstGeom prst="rect">
             <a:avLst/>
           </a:prstGeom>
-          <a:ln>
-            <a:noFill/>
-          </a:ln>
-          <a:effectLst>
-            <a:outerShdw blurRad="292100" dist="139700" dir="2700000" algn="tl" rotWithShape="0">
-              <a:srgbClr val="333333">
-                <a:alpha val="65000"/>
-              </a:srgbClr>
-            </a:outerShdw>
-          </a:effectLst>
         </p:spPr>
       </p:pic>
-      <p:sp>
-        <p:nvSpPr>
-          <p:cNvPr id="5" name="Rectangle 4"/>
-          <p:cNvSpPr/>
-          <p:nvPr/>
-        </p:nvSpPr>
-        <p:spPr>
-          <a:xfrm>
-            <a:off x="442304" y="3858006"/>
-            <a:ext cx="9375464" cy="1676741"/>
-          </a:xfrm>
-          <a:prstGeom prst="rect">
-            <a:avLst/>
-          </a:prstGeom>
-        </p:spPr>
-        <p:txBody>
-          <a:bodyPr wrap="square">
-            <a:spAutoFit/>
-          </a:bodyPr>
-          <a:lstStyle/>
-          <a:p>
-            <a:pPr marL="171450">
-              <a:lnSpc>
-                <a:spcPct val="107000"/>
-              </a:lnSpc>
-              <a:spcAft>
-                <a:spcPts val="800"/>
-              </a:spcAft>
-            </a:pPr>
-            <a:r>
-              <a:rPr lang="fr-FR" dirty="0">
-                <a:latin typeface="Segoe UI" panose="020B0502040204020203" pitchFamily="34" charset="0"/>
-                <a:ea typeface="Calibri" panose="020F0502020204030204" pitchFamily="34" charset="0"/>
-                <a:cs typeface="Times New Roman" panose="02020603050405020304" pitchFamily="18" charset="0"/>
-              </a:rPr>
-              <a:t>The </a:t>
-            </a:r>
-            <a:r>
-              <a:rPr lang="fr-FR" dirty="0" err="1">
-                <a:latin typeface="Segoe UI" panose="020B0502040204020203" pitchFamily="34" charset="0"/>
-                <a:ea typeface="Calibri" panose="020F0502020204030204" pitchFamily="34" charset="0"/>
-                <a:cs typeface="Times New Roman" panose="02020603050405020304" pitchFamily="18" charset="0"/>
-              </a:rPr>
-              <a:t>fourth</a:t>
-            </a:r>
-            <a:r>
-              <a:rPr lang="fr-FR" dirty="0">
-                <a:latin typeface="Segoe UI" panose="020B0502040204020203" pitchFamily="34" charset="0"/>
-                <a:ea typeface="Calibri" panose="020F0502020204030204" pitchFamily="34" charset="0"/>
-                <a:cs typeface="Times New Roman" panose="02020603050405020304" pitchFamily="18" charset="0"/>
-              </a:rPr>
-              <a:t> normal </a:t>
-            </a:r>
-            <a:r>
-              <a:rPr lang="fr-FR" dirty="0" err="1">
-                <a:latin typeface="Segoe UI" panose="020B0502040204020203" pitchFamily="34" charset="0"/>
-                <a:ea typeface="Calibri" panose="020F0502020204030204" pitchFamily="34" charset="0"/>
-                <a:cs typeface="Times New Roman" panose="02020603050405020304" pitchFamily="18" charset="0"/>
-              </a:rPr>
-              <a:t>form</a:t>
-            </a:r>
-            <a:r>
-              <a:rPr lang="fr-FR" dirty="0">
-                <a:latin typeface="Segoe UI" panose="020B0502040204020203" pitchFamily="34" charset="0"/>
-                <a:ea typeface="Calibri" panose="020F0502020204030204" pitchFamily="34" charset="0"/>
-                <a:cs typeface="Times New Roman" panose="02020603050405020304" pitchFamily="18" charset="0"/>
-              </a:rPr>
-              <a:t> </a:t>
-            </a:r>
-            <a:r>
-              <a:rPr lang="fr-FR" dirty="0" err="1">
-                <a:latin typeface="Segoe UI" panose="020B0502040204020203" pitchFamily="34" charset="0"/>
-                <a:ea typeface="Calibri" panose="020F0502020204030204" pitchFamily="34" charset="0"/>
-                <a:cs typeface="Times New Roman" panose="02020603050405020304" pitchFamily="18" charset="0"/>
-              </a:rPr>
-              <a:t>is</a:t>
-            </a:r>
-            <a:r>
-              <a:rPr lang="fr-FR" dirty="0">
-                <a:latin typeface="Segoe UI" panose="020B0502040204020203" pitchFamily="34" charset="0"/>
-                <a:ea typeface="Calibri" panose="020F0502020204030204" pitchFamily="34" charset="0"/>
-                <a:cs typeface="Times New Roman" panose="02020603050405020304" pitchFamily="18" charset="0"/>
-              </a:rPr>
-              <a:t> not </a:t>
-            </a:r>
-            <a:r>
-              <a:rPr lang="fr-FR" dirty="0" err="1">
-                <a:latin typeface="Segoe UI" panose="020B0502040204020203" pitchFamily="34" charset="0"/>
-                <a:ea typeface="Calibri" panose="020F0502020204030204" pitchFamily="34" charset="0"/>
-                <a:cs typeface="Times New Roman" panose="02020603050405020304" pitchFamily="18" charset="0"/>
-              </a:rPr>
-              <a:t>respected</a:t>
-            </a:r>
-            <a:endParaRPr lang="en-US" sz="1200" dirty="0">
-              <a:latin typeface="Calibri" panose="020F0502020204030204" pitchFamily="34" charset="0"/>
-              <a:ea typeface="Calibri" panose="020F0502020204030204" pitchFamily="34" charset="0"/>
-              <a:cs typeface="Times New Roman" panose="02020603050405020304" pitchFamily="18" charset="0"/>
-            </a:endParaRPr>
-          </a:p>
-          <a:p>
-            <a:pPr lvl="0">
-              <a:lnSpc>
-                <a:spcPct val="107000"/>
-              </a:lnSpc>
-              <a:spcAft>
-                <a:spcPts val="0"/>
-              </a:spcAft>
-            </a:pPr>
-            <a:r>
-              <a:rPr lang="fr-FR" dirty="0" err="1">
-                <a:latin typeface="Segoe UI" panose="020B0502040204020203" pitchFamily="34" charset="0"/>
-                <a:ea typeface="Calibri" panose="020F0502020204030204" pitchFamily="34" charset="0"/>
-                <a:cs typeface="Times New Roman" panose="02020603050405020304" pitchFamily="18" charset="0"/>
-              </a:rPr>
-              <a:t>Delete</a:t>
-            </a:r>
-            <a:r>
-              <a:rPr lang="fr-FR" dirty="0">
-                <a:latin typeface="Segoe UI" panose="020B0502040204020203" pitchFamily="34" charset="0"/>
-                <a:ea typeface="Calibri" panose="020F0502020204030204" pitchFamily="34" charset="0"/>
-                <a:cs typeface="Times New Roman" panose="02020603050405020304" pitchFamily="18" charset="0"/>
-              </a:rPr>
-              <a:t> table </a:t>
-            </a:r>
-            <a:r>
-              <a:rPr lang="fr-FR" b="1" dirty="0">
-                <a:latin typeface="Segoe UI" panose="020B0502040204020203" pitchFamily="34" charset="0"/>
-                <a:ea typeface="Calibri" panose="020F0502020204030204" pitchFamily="34" charset="0"/>
-                <a:cs typeface="Times New Roman" panose="02020603050405020304" pitchFamily="18" charset="0"/>
-              </a:rPr>
-              <a:t>1NF</a:t>
-            </a:r>
-            <a:endParaRPr lang="en-US" sz="1200" dirty="0">
-              <a:latin typeface="Calibri" panose="020F0502020204030204" pitchFamily="34" charset="0"/>
-              <a:ea typeface="Calibri" panose="020F0502020204030204" pitchFamily="34" charset="0"/>
-              <a:cs typeface="Times New Roman" panose="02020603050405020304" pitchFamily="18" charset="0"/>
-            </a:endParaRPr>
-          </a:p>
-          <a:p>
-            <a:pPr lvl="0">
-              <a:lnSpc>
-                <a:spcPct val="107000"/>
-              </a:lnSpc>
-              <a:spcAft>
-                <a:spcPts val="0"/>
-              </a:spcAft>
-            </a:pPr>
-            <a:r>
-              <a:rPr lang="fr-FR" dirty="0">
-                <a:latin typeface="Segoe UI" panose="020B0502040204020203" pitchFamily="34" charset="0"/>
-                <a:ea typeface="Calibri" panose="020F0502020204030204" pitchFamily="34" charset="0"/>
-                <a:cs typeface="Times New Roman" panose="02020603050405020304" pitchFamily="18" charset="0"/>
-              </a:rPr>
-              <a:t>Duplicate the </a:t>
-            </a:r>
-            <a:r>
-              <a:rPr lang="fr-FR" b="1" dirty="0">
-                <a:latin typeface="Segoe UI" panose="020B0502040204020203" pitchFamily="34" charset="0"/>
-                <a:ea typeface="Calibri" panose="020F0502020204030204" pitchFamily="34" charset="0"/>
-                <a:cs typeface="Times New Roman" panose="02020603050405020304" pitchFamily="18" charset="0"/>
-              </a:rPr>
-              <a:t>Sales table </a:t>
-            </a:r>
-            <a:r>
-              <a:rPr lang="fr-FR" dirty="0">
-                <a:latin typeface="Segoe UI" panose="020B0502040204020203" pitchFamily="34" charset="0"/>
-                <a:ea typeface="Calibri" panose="020F0502020204030204" pitchFamily="34" charset="0"/>
-                <a:cs typeface="Times New Roman" panose="02020603050405020304" pitchFamily="18" charset="0"/>
-              </a:rPr>
-              <a:t>and call the new table </a:t>
-            </a:r>
-            <a:r>
-              <a:rPr lang="fr-FR" b="1" dirty="0" err="1">
-                <a:latin typeface="Segoe UI" panose="020B0502040204020203" pitchFamily="34" charset="0"/>
-                <a:ea typeface="Calibri" panose="020F0502020204030204" pitchFamily="34" charset="0"/>
-                <a:cs typeface="Times New Roman" panose="02020603050405020304" pitchFamily="18" charset="0"/>
-              </a:rPr>
-              <a:t>Customers</a:t>
-            </a:r>
-            <a:endParaRPr lang="en-US" sz="1200" dirty="0">
-              <a:latin typeface="Calibri" panose="020F0502020204030204" pitchFamily="34" charset="0"/>
-              <a:ea typeface="Calibri" panose="020F0502020204030204" pitchFamily="34" charset="0"/>
-              <a:cs typeface="Times New Roman" panose="02020603050405020304" pitchFamily="18" charset="0"/>
-            </a:endParaRPr>
-          </a:p>
-          <a:p>
-            <a:pPr lvl="0">
-              <a:lnSpc>
-                <a:spcPct val="107000"/>
-              </a:lnSpc>
-              <a:spcAft>
-                <a:spcPts val="0"/>
-              </a:spcAft>
-            </a:pPr>
-            <a:r>
-              <a:rPr lang="fr-FR" dirty="0" err="1">
-                <a:latin typeface="Segoe UI" panose="020B0502040204020203" pitchFamily="34" charset="0"/>
-                <a:ea typeface="Calibri" panose="020F0502020204030204" pitchFamily="34" charset="0"/>
-                <a:cs typeface="Times New Roman" panose="02020603050405020304" pitchFamily="18" charset="0"/>
-              </a:rPr>
-              <a:t>Keep</a:t>
-            </a:r>
-            <a:r>
-              <a:rPr lang="fr-FR" dirty="0">
-                <a:latin typeface="Segoe UI" panose="020B0502040204020203" pitchFamily="34" charset="0"/>
-                <a:ea typeface="Calibri" panose="020F0502020204030204" pitchFamily="34" charset="0"/>
-                <a:cs typeface="Times New Roman" panose="02020603050405020304" pitchFamily="18" charset="0"/>
-              </a:rPr>
-              <a:t> the </a:t>
-            </a:r>
-            <a:r>
-              <a:rPr lang="fr-FR" b="1" dirty="0">
-                <a:latin typeface="Segoe UI" panose="020B0502040204020203" pitchFamily="34" charset="0"/>
-                <a:ea typeface="Calibri" panose="020F0502020204030204" pitchFamily="34" charset="0"/>
-                <a:cs typeface="Times New Roman" panose="02020603050405020304" pitchFamily="18" charset="0"/>
-              </a:rPr>
-              <a:t>Customer </a:t>
-            </a:r>
-            <a:r>
-              <a:rPr lang="fr-FR" b="1" dirty="0" err="1">
-                <a:latin typeface="Segoe UI" panose="020B0502040204020203" pitchFamily="34" charset="0"/>
-                <a:ea typeface="Calibri" panose="020F0502020204030204" pitchFamily="34" charset="0"/>
-                <a:cs typeface="Times New Roman" panose="02020603050405020304" pitchFamily="18" charset="0"/>
-              </a:rPr>
-              <a:t>column</a:t>
-            </a:r>
-            <a:r>
-              <a:rPr lang="fr-FR" b="1" dirty="0">
-                <a:latin typeface="Segoe UI" panose="020B0502040204020203" pitchFamily="34" charset="0"/>
-                <a:ea typeface="Calibri" panose="020F0502020204030204" pitchFamily="34" charset="0"/>
-                <a:cs typeface="Times New Roman" panose="02020603050405020304" pitchFamily="18" charset="0"/>
-              </a:rPr>
-              <a:t> </a:t>
-            </a:r>
-            <a:r>
-              <a:rPr lang="fr-FR" dirty="0">
-                <a:latin typeface="Segoe UI" panose="020B0502040204020203" pitchFamily="34" charset="0"/>
-                <a:ea typeface="Calibri" panose="020F0502020204030204" pitchFamily="34" charset="0"/>
-                <a:cs typeface="Times New Roman" panose="02020603050405020304" pitchFamily="18" charset="0"/>
-              </a:rPr>
-              <a:t>and </a:t>
-            </a:r>
-            <a:r>
-              <a:rPr lang="fr-FR" dirty="0" err="1">
-                <a:latin typeface="Segoe UI" panose="020B0502040204020203" pitchFamily="34" charset="0"/>
-                <a:ea typeface="Calibri" panose="020F0502020204030204" pitchFamily="34" charset="0"/>
-                <a:cs typeface="Times New Roman" panose="02020603050405020304" pitchFamily="18" charset="0"/>
-              </a:rPr>
-              <a:t>delete</a:t>
-            </a:r>
-            <a:r>
-              <a:rPr lang="fr-FR" dirty="0">
-                <a:latin typeface="Segoe UI" panose="020B0502040204020203" pitchFamily="34" charset="0"/>
-                <a:ea typeface="Calibri" panose="020F0502020204030204" pitchFamily="34" charset="0"/>
-                <a:cs typeface="Times New Roman" panose="02020603050405020304" pitchFamily="18" charset="0"/>
-              </a:rPr>
-              <a:t> the </a:t>
-            </a:r>
-            <a:r>
-              <a:rPr lang="fr-FR" dirty="0" err="1">
-                <a:latin typeface="Segoe UI" panose="020B0502040204020203" pitchFamily="34" charset="0"/>
-                <a:ea typeface="Calibri" panose="020F0502020204030204" pitchFamily="34" charset="0"/>
-                <a:cs typeface="Times New Roman" panose="02020603050405020304" pitchFamily="18" charset="0"/>
-              </a:rPr>
-              <a:t>rest</a:t>
-            </a:r>
-            <a:r>
-              <a:rPr lang="fr-FR" dirty="0">
-                <a:latin typeface="Segoe UI" panose="020B0502040204020203" pitchFamily="34" charset="0"/>
-                <a:ea typeface="Calibri" panose="020F0502020204030204" pitchFamily="34" charset="0"/>
-                <a:cs typeface="Times New Roman" panose="02020603050405020304" pitchFamily="18" charset="0"/>
-              </a:rPr>
-              <a:t> of the </a:t>
-            </a:r>
-            <a:r>
-              <a:rPr lang="fr-FR" dirty="0" err="1">
-                <a:latin typeface="Segoe UI" panose="020B0502040204020203" pitchFamily="34" charset="0"/>
-                <a:ea typeface="Calibri" panose="020F0502020204030204" pitchFamily="34" charset="0"/>
-                <a:cs typeface="Times New Roman" panose="02020603050405020304" pitchFamily="18" charset="0"/>
-              </a:rPr>
-              <a:t>columns</a:t>
-            </a:r>
-            <a:endParaRPr lang="en-US" sz="1200" dirty="0">
-              <a:latin typeface="Calibri" panose="020F0502020204030204" pitchFamily="34" charset="0"/>
-              <a:ea typeface="Calibri" panose="020F0502020204030204" pitchFamily="34" charset="0"/>
-              <a:cs typeface="Times New Roman" panose="02020603050405020304" pitchFamily="18" charset="0"/>
-            </a:endParaRPr>
-          </a:p>
-          <a:p>
-            <a:pPr lvl="0">
-              <a:lnSpc>
-                <a:spcPct val="107000"/>
-              </a:lnSpc>
-              <a:spcAft>
-                <a:spcPts val="800"/>
-              </a:spcAft>
-            </a:pPr>
-            <a:r>
-              <a:rPr lang="fr-FR" dirty="0" err="1">
-                <a:latin typeface="Segoe UI" panose="020B0502040204020203" pitchFamily="34" charset="0"/>
-                <a:ea typeface="Calibri" panose="020F0502020204030204" pitchFamily="34" charset="0"/>
-                <a:cs typeface="Times New Roman" panose="02020603050405020304" pitchFamily="18" charset="0"/>
-              </a:rPr>
-              <a:t>Remove</a:t>
-            </a:r>
-            <a:r>
-              <a:rPr lang="fr-FR" dirty="0">
-                <a:latin typeface="Segoe UI" panose="020B0502040204020203" pitchFamily="34" charset="0"/>
-                <a:ea typeface="Calibri" panose="020F0502020204030204" pitchFamily="34" charset="0"/>
-                <a:cs typeface="Times New Roman" panose="02020603050405020304" pitchFamily="18" charset="0"/>
-              </a:rPr>
-              <a:t> duplicates </a:t>
-            </a:r>
-            <a:r>
-              <a:rPr lang="fr-FR" dirty="0" err="1">
-                <a:latin typeface="Segoe UI" panose="020B0502040204020203" pitchFamily="34" charset="0"/>
-                <a:ea typeface="Calibri" panose="020F0502020204030204" pitchFamily="34" charset="0"/>
-                <a:cs typeface="Times New Roman" panose="02020603050405020304" pitchFamily="18" charset="0"/>
-              </a:rPr>
-              <a:t>from</a:t>
-            </a:r>
-            <a:r>
-              <a:rPr lang="fr-FR" dirty="0">
-                <a:latin typeface="Segoe UI" panose="020B0502040204020203" pitchFamily="34" charset="0"/>
-                <a:ea typeface="Calibri" panose="020F0502020204030204" pitchFamily="34" charset="0"/>
-                <a:cs typeface="Times New Roman" panose="02020603050405020304" pitchFamily="18" charset="0"/>
-              </a:rPr>
-              <a:t> the </a:t>
-            </a:r>
-            <a:r>
-              <a:rPr lang="fr-FR" b="1" dirty="0">
-                <a:latin typeface="Segoe UI" panose="020B0502040204020203" pitchFamily="34" charset="0"/>
-                <a:ea typeface="Calibri" panose="020F0502020204030204" pitchFamily="34" charset="0"/>
-                <a:cs typeface="Times New Roman" panose="02020603050405020304" pitchFamily="18" charset="0"/>
-              </a:rPr>
-              <a:t>Customer </a:t>
-            </a:r>
-            <a:r>
-              <a:rPr lang="fr-FR" b="1" dirty="0" err="1">
-                <a:latin typeface="Segoe UI" panose="020B0502040204020203" pitchFamily="34" charset="0"/>
-                <a:ea typeface="Calibri" panose="020F0502020204030204" pitchFamily="34" charset="0"/>
-                <a:cs typeface="Times New Roman" panose="02020603050405020304" pitchFamily="18" charset="0"/>
-              </a:rPr>
-              <a:t>column</a:t>
-            </a:r>
-            <a:r>
-              <a:rPr lang="fr-FR" b="1" dirty="0">
-                <a:latin typeface="Segoe UI" panose="020B0502040204020203" pitchFamily="34" charset="0"/>
-                <a:ea typeface="Calibri" panose="020F0502020204030204" pitchFamily="34" charset="0"/>
-                <a:cs typeface="Times New Roman" panose="02020603050405020304" pitchFamily="18" charset="0"/>
-              </a:rPr>
-              <a:t> </a:t>
-            </a:r>
-            <a:r>
-              <a:rPr lang="fr-FR" dirty="0">
-                <a:latin typeface="Segoe UI" panose="020B0502040204020203" pitchFamily="34" charset="0"/>
-                <a:ea typeface="Calibri" panose="020F0502020204030204" pitchFamily="34" charset="0"/>
-                <a:cs typeface="Times New Roman" panose="02020603050405020304" pitchFamily="18" charset="0"/>
-              </a:rPr>
-              <a:t>and </a:t>
-            </a:r>
-            <a:r>
-              <a:rPr lang="fr-FR" dirty="0" err="1">
-                <a:latin typeface="Segoe UI" panose="020B0502040204020203" pitchFamily="34" charset="0"/>
-                <a:ea typeface="Calibri" panose="020F0502020204030204" pitchFamily="34" charset="0"/>
-                <a:cs typeface="Times New Roman" panose="02020603050405020304" pitchFamily="18" charset="0"/>
-              </a:rPr>
-              <a:t>add</a:t>
-            </a:r>
-            <a:r>
-              <a:rPr lang="fr-FR" dirty="0">
-                <a:latin typeface="Segoe UI" panose="020B0502040204020203" pitchFamily="34" charset="0"/>
-                <a:ea typeface="Calibri" panose="020F0502020204030204" pitchFamily="34" charset="0"/>
-                <a:cs typeface="Times New Roman" panose="02020603050405020304" pitchFamily="18" charset="0"/>
-              </a:rPr>
-              <a:t> an index </a:t>
-            </a:r>
-            <a:r>
-              <a:rPr lang="fr-FR" dirty="0" err="1">
-                <a:latin typeface="Segoe UI" panose="020B0502040204020203" pitchFamily="34" charset="0"/>
-                <a:ea typeface="Calibri" panose="020F0502020204030204" pitchFamily="34" charset="0"/>
-                <a:cs typeface="Times New Roman" panose="02020603050405020304" pitchFamily="18" charset="0"/>
-              </a:rPr>
-              <a:t>column</a:t>
-            </a:r>
-            <a:endParaRPr lang="en-US" sz="1200" dirty="0">
-              <a:effectLst/>
-              <a:latin typeface="Calibri" panose="020F0502020204030204" pitchFamily="34" charset="0"/>
-              <a:ea typeface="Calibri" panose="020F0502020204030204" pitchFamily="34" charset="0"/>
-              <a:cs typeface="Times New Roman" panose="02020603050405020304" pitchFamily="18" charset="0"/>
-            </a:endParaRPr>
-          </a:p>
-        </p:txBody>
-      </p:sp>
     </p:spTree>
     <p:extLst>
       <p:ext uri="{BB962C8B-B14F-4D97-AF65-F5344CB8AC3E}">
-        <p14:creationId xmlns:p14="http://schemas.microsoft.com/office/powerpoint/2010/main" val="300373277"/>
+        <p14:creationId xmlns:p14="http://schemas.microsoft.com/office/powerpoint/2010/main" val="3117726579"/>
       </p:ext>
     </p:extLst>
   </p:cSld>
@@ -6446,14 +6763,14 @@
       </p:grpSpPr>
       <p:sp>
         <p:nvSpPr>
-          <p:cNvPr id="2" name="TextBox 1"/>
+          <p:cNvPr id="4" name="TextBox 3"/>
           <p:cNvSpPr txBox="1"/>
           <p:nvPr/>
         </p:nvSpPr>
         <p:spPr>
           <a:xfrm flipH="1">
-            <a:off x="220006" y="281882"/>
-            <a:ext cx="1753173" cy="369332"/>
+            <a:off x="220005" y="281882"/>
+            <a:ext cx="2798202" cy="400110"/>
           </a:xfrm>
           <a:prstGeom prst="rect">
             <a:avLst/>
@@ -6466,14 +6783,14 @@
           </a:bodyPr>
           <a:lstStyle/>
           <a:p>
-            <a:r>
-              <a:rPr lang="fr-FR" dirty="0" smtClean="0">
+            <a:r xmlns:a="http://schemas.openxmlformats.org/drawingml/2006/main">
+              <a:rPr lang="en" sz="2000" b="1" dirty="0" smtClean="0">
                 <a:latin typeface="Segoe UI" panose="020B0502040204020203" pitchFamily="34" charset="0"/>
                 <a:cs typeface="Segoe UI" panose="020B0502040204020203" pitchFamily="34" charset="0"/>
               </a:rPr>
               <a:t>Normal forms</a:t>
             </a:r>
-            <a:endParaRPr lang="en-US" dirty="0">
+            <a:endParaRPr xmlns:a="http://schemas.openxmlformats.org/drawingml/2006/main" lang="en-US" sz="2000" b="1" dirty="0">
               <a:latin typeface="Segoe UI" panose="020B0502040204020203" pitchFamily="34" charset="0"/>
               <a:cs typeface="Segoe UI" panose="020B0502040204020203" pitchFamily="34" charset="0"/>
             </a:endParaRPr>
@@ -6482,213 +6799,503 @@
       </p:sp>
       <p:sp>
         <p:nvSpPr>
-          <p:cNvPr id="3" name="Rectangle 2"/>
-          <p:cNvSpPr/>
+          <p:cNvPr id="5" name="Rectangle 1"/>
+          <p:cNvSpPr>
+            <a:spLocks noChangeArrowheads="1"/>
+          </p:cNvSpPr>
           <p:nvPr/>
         </p:nvSpPr>
-        <p:spPr>
-          <a:xfrm>
-            <a:off x="220006" y="800835"/>
-            <a:ext cx="5374613" cy="373692"/>
+        <p:spPr bwMode="auto">
+          <a:xfrm>
+            <a:off x="302508" y="681992"/>
+            <a:ext cx="10347158" cy="1015663"/>
           </a:xfrm>
           <a:prstGeom prst="rect">
             <a:avLst/>
           </a:prstGeom>
-        </p:spPr>
-        <p:txBody>
-          <a:bodyPr wrap="none">
+          <a:noFill/>
+          <a:ln>
+            <a:noFill/>
+          </a:ln>
+          <a:effectLst/>
+          <a:extLst>
+            <a:ext uri="{909E8E84-426E-40DD-AFC4-6F175D3DCCD1}">
+              <a14:hiddenFill xmlns:a14="http://schemas.microsoft.com/office/drawing/2010/main">
+                <a:solidFill>
+                  <a:schemeClr val="accent1"/>
+                </a:solidFill>
+              </a14:hiddenFill>
+            </a:ext>
+            <a:ext uri="{91240B29-F687-4F45-9708-019B960494DF}">
+              <a14:hiddenLine xmlns:a14="http://schemas.microsoft.com/office/drawing/2010/main" w="9525">
+                <a:solidFill>
+                  <a:schemeClr val="tx1"/>
+                </a:solidFill>
+                <a:miter lim="800000"/>
+                <a:headEnd/>
+                <a:tailEnd/>
+              </a14:hiddenLine>
+            </a:ext>
+            <a:ext uri="{AF507438-7753-43E0-B8FC-AC1667EBCBE1}">
+              <a14:hiddenEffects xmlns:a14="http://schemas.microsoft.com/office/drawing/2010/main">
+                <a:effectLst>
+                  <a:outerShdw dist="35921" dir="2700000" algn="ctr" rotWithShape="0">
+                    <a:schemeClr val="bg2"/>
+                  </a:outerShdw>
+                </a:effectLst>
+              </a14:hiddenEffects>
+            </a:ext>
+          </a:extLst>
+        </p:spPr>
+        <p:txBody>
+          <a:bodyPr vert="horz" wrap="square" lIns="91440" tIns="45720" rIns="91440" bIns="45720" numCol="1" anchor="ctr" anchorCtr="0" compatLnSpc="1">
+            <a:prstTxWarp prst="textNoShape">
+              <a:avLst/>
+            </a:prstTxWarp>
             <a:spAutoFit/>
           </a:bodyPr>
           <a:lstStyle/>
           <a:p>
-            <a:pPr lvl="0">
+            <a:pPr xmlns:a="http://schemas.openxmlformats.org/drawingml/2006/main" marR="0" lvl="0" indent="14288" algn="l" defTabSz="914400" rtl="0" eaLnBrk="0" fontAlgn="base" latinLnBrk="0" hangingPunct="0">
               <a:lnSpc>
-                <a:spcPct val="107000"/>
+                <a:spcPct val="100000"/>
               </a:lnSpc>
+              <a:spcBef>
+                <a:spcPct val="0"/>
+              </a:spcBef>
               <a:spcAft>
-                <a:spcPts val="800"/>
+                <a:spcPct val="0"/>
               </a:spcAft>
+              <a:buClrTx/>
+              <a:buSzTx/>
+              <a:buFont typeface="Arial" panose="020B0604020202020204" pitchFamily="34" charset="0"/>
+              <a:buChar char="•"/>
+              <a:tabLst/>
             </a:pPr>
-            <a:r>
-              <a:rPr lang="en-US" dirty="0" smtClean="0">
-                <a:latin typeface="Segoe UI" panose="020B0502040204020203" pitchFamily="34" charset="0"/>
-                <a:ea typeface="Calibri" panose="020F0502020204030204" pitchFamily="34" charset="0"/>
-                <a:cs typeface="Times New Roman" panose="02020603050405020304" pitchFamily="18" charset="0"/>
+            <a:r xmlns:a="http://schemas.openxmlformats.org/drawingml/2006/main">
+              <a:rPr lang="en" altLang="en-US" sz="2000" dirty="0" smtClean="0">
+                <a:latin typeface="Arial" panose="020B0604020202020204" pitchFamily="34" charset="0"/>
               </a:rPr>
-              <a:t>Repeat the same action to create a Locations query</a:t>
-            </a:r>
-            <a:endParaRPr lang="en-US" sz="1200" dirty="0">
-              <a:effectLst/>
-              <a:latin typeface="Calibri" panose="020F0502020204030204" pitchFamily="34" charset="0"/>
-              <a:ea typeface="Calibri" panose="020F0502020204030204" pitchFamily="34" charset="0"/>
-              <a:cs typeface="Times New Roman" panose="02020603050405020304" pitchFamily="18" charset="0"/>
+              <a:t>Now the table respects the first normal form but not the fourth normal form because the values in the </a:t>
+            </a:r>
+            <a:r xmlns:a="http://schemas.openxmlformats.org/drawingml/2006/main">
+              <a:rPr lang="en" altLang="en-US" sz="2000" b="1" dirty="0" smtClean="0">
+                <a:latin typeface="Arial" panose="020B0604020202020204" pitchFamily="34" charset="0"/>
+              </a:rPr>
+              <a:t>Locations column </a:t>
+            </a:r>
+            <a:r xmlns:a="http://schemas.openxmlformats.org/drawingml/2006/main">
+              <a:rPr lang="en" altLang="en-US" sz="2000" dirty="0" smtClean="0">
+                <a:latin typeface="Arial" panose="020B0604020202020204" pitchFamily="34" charset="0"/>
+              </a:rPr>
+              <a:t>and the </a:t>
+            </a:r>
+            <a:r xmlns:a="http://schemas.openxmlformats.org/drawingml/2006/main">
+              <a:rPr lang="en" altLang="en-US" sz="2000" b="1" dirty="0" err="1" smtClean="0">
+                <a:latin typeface="Arial" panose="020B0604020202020204" pitchFamily="34" charset="0"/>
+              </a:rPr>
+              <a:t>Customers column</a:t>
+            </a:r>
+            <a:r xmlns:a="http://schemas.openxmlformats.org/drawingml/2006/main">
+              <a:rPr lang="en" altLang="en-US" sz="2000" b="1" dirty="0" smtClean="0">
+                <a:latin typeface="Arial" panose="020B0604020202020204" pitchFamily="34" charset="0"/>
+              </a:rPr>
+              <a:t> </a:t>
+            </a:r>
+            <a:r xmlns:a="http://schemas.openxmlformats.org/drawingml/2006/main">
+              <a:rPr lang="en" altLang="en-US" sz="2000" dirty="0" smtClean="0">
+                <a:latin typeface="Arial" panose="020B0604020202020204" pitchFamily="34" charset="0"/>
+              </a:rPr>
+              <a:t>are in duplication</a:t>
+            </a:r>
+            <a:endParaRPr xmlns:a="http://schemas.openxmlformats.org/drawingml/2006/main" lang="fr-FR" altLang="en-US" sz="2000" b="1" dirty="0" smtClean="0">
+              <a:latin typeface="Arial" panose="020B0604020202020204" pitchFamily="34" charset="0"/>
             </a:endParaRPr>
+          </a:p>
+        </p:txBody>
+      </p:sp>
+      <p:sp>
+        <p:nvSpPr>
+          <p:cNvPr id="6" name="Rectangle 1"/>
+          <p:cNvSpPr>
+            <a:spLocks noChangeArrowheads="1"/>
+          </p:cNvSpPr>
+          <p:nvPr/>
+        </p:nvSpPr>
+        <p:spPr bwMode="auto">
+          <a:xfrm>
+            <a:off x="302508" y="1948618"/>
+            <a:ext cx="10347158" cy="400110"/>
+          </a:xfrm>
+          <a:prstGeom prst="rect">
+            <a:avLst/>
+          </a:prstGeom>
+          <a:noFill/>
+          <a:ln>
+            <a:noFill/>
+          </a:ln>
+          <a:effectLst/>
+          <a:extLst>
+            <a:ext uri="{909E8E84-426E-40DD-AFC4-6F175D3DCCD1}">
+              <a14:hiddenFill xmlns:a14="http://schemas.microsoft.com/office/drawing/2010/main">
+                <a:solidFill>
+                  <a:schemeClr val="accent1"/>
+                </a:solidFill>
+              </a14:hiddenFill>
+            </a:ext>
+            <a:ext uri="{91240B29-F687-4F45-9708-019B960494DF}">
+              <a14:hiddenLine xmlns:a14="http://schemas.microsoft.com/office/drawing/2010/main" w="9525">
+                <a:solidFill>
+                  <a:schemeClr val="tx1"/>
+                </a:solidFill>
+                <a:miter lim="800000"/>
+                <a:headEnd/>
+                <a:tailEnd/>
+              </a14:hiddenLine>
+            </a:ext>
+            <a:ext uri="{AF507438-7753-43E0-B8FC-AC1667EBCBE1}">
+              <a14:hiddenEffects xmlns:a14="http://schemas.microsoft.com/office/drawing/2010/main">
+                <a:effectLst>
+                  <a:outerShdw dist="35921" dir="2700000" algn="ctr" rotWithShape="0">
+                    <a:schemeClr val="bg2"/>
+                  </a:outerShdw>
+                </a:effectLst>
+              </a14:hiddenEffects>
+            </a:ext>
+          </a:extLst>
+        </p:spPr>
+        <p:txBody>
+          <a:bodyPr vert="horz" wrap="square" lIns="91440" tIns="45720" rIns="91440" bIns="45720" numCol="1" anchor="ctr" anchorCtr="0" compatLnSpc="1">
+            <a:prstTxWarp prst="textNoShape">
+              <a:avLst/>
+            </a:prstTxWarp>
+            <a:spAutoFit/>
+          </a:bodyPr>
+          <a:lstStyle/>
+          <a:p>
+            <a:pPr xmlns:a="http://schemas.openxmlformats.org/drawingml/2006/main" marR="0" lvl="0" indent="14288" algn="l" defTabSz="914400" rtl="0" eaLnBrk="0" fontAlgn="base" latinLnBrk="0" hangingPunct="0">
+              <a:lnSpc>
+                <a:spcPct val="100000"/>
+              </a:lnSpc>
+              <a:spcBef>
+                <a:spcPct val="0"/>
+              </a:spcBef>
+              <a:spcAft>
+                <a:spcPct val="0"/>
+              </a:spcAft>
+              <a:buClrTx/>
+              <a:buSzTx/>
+              <a:buFont typeface="Arial" panose="020B0604020202020204" pitchFamily="34" charset="0"/>
+              <a:buChar char="•"/>
+              <a:tabLst/>
+            </a:pPr>
+            <a:r xmlns:a="http://schemas.openxmlformats.org/drawingml/2006/main">
+              <a:rPr lang="en" altLang="en-US" sz="2000" dirty="0" smtClean="0">
+                <a:latin typeface="Arial" panose="020B0604020202020204" pitchFamily="34" charset="0"/>
+              </a:rPr>
+              <a:t>Start by duplicating table </a:t>
+            </a:r>
+            <a:r xmlns:a="http://schemas.openxmlformats.org/drawingml/2006/main">
+              <a:rPr lang="en" altLang="en-US" sz="2000" b="1" dirty="0" smtClean="0">
+                <a:latin typeface="Arial" panose="020B0604020202020204" pitchFamily="34" charset="0"/>
+              </a:rPr>
+              <a:t>1NF </a:t>
+            </a:r>
+            <a:r xmlns:a="http://schemas.openxmlformats.org/drawingml/2006/main">
+              <a:rPr lang="en" altLang="en-US" sz="2000" dirty="0" smtClean="0">
+                <a:latin typeface="Arial" panose="020B0604020202020204" pitchFamily="34" charset="0"/>
+              </a:rPr>
+              <a:t>and renaming it to </a:t>
+            </a:r>
+            <a:r xmlns:a="http://schemas.openxmlformats.org/drawingml/2006/main">
+              <a:rPr lang="en" altLang="en-US" sz="2000" b="1" dirty="0" smtClean="0">
+                <a:latin typeface="Arial" panose="020B0604020202020204" pitchFamily="34" charset="0"/>
+              </a:rPr>
+              <a:t>Locations</a:t>
+            </a:r>
+            <a:r xmlns:a="http://schemas.openxmlformats.org/drawingml/2006/main">
+              <a:rPr lang="en" altLang="en-US" sz="2000" dirty="0" smtClean="0">
+                <a:latin typeface="Arial" panose="020B0604020202020204" pitchFamily="34" charset="0"/>
+              </a:rPr>
+              <a:t> </a:t>
+            </a:r>
+          </a:p>
+        </p:txBody>
+      </p:sp>
+      <p:sp>
+        <p:nvSpPr>
+          <p:cNvPr id="7" name="Rectangle 1"/>
+          <p:cNvSpPr>
+            <a:spLocks noChangeArrowheads="1"/>
+          </p:cNvSpPr>
+          <p:nvPr/>
+        </p:nvSpPr>
+        <p:spPr bwMode="auto">
+          <a:xfrm>
+            <a:off x="302508" y="2469318"/>
+            <a:ext cx="10347158" cy="400110"/>
+          </a:xfrm>
+          <a:prstGeom prst="rect">
+            <a:avLst/>
+          </a:prstGeom>
+          <a:noFill/>
+          <a:ln>
+            <a:noFill/>
+          </a:ln>
+          <a:effectLst/>
+          <a:extLst>
+            <a:ext uri="{909E8E84-426E-40DD-AFC4-6F175D3DCCD1}">
+              <a14:hiddenFill xmlns:a14="http://schemas.microsoft.com/office/drawing/2010/main">
+                <a:solidFill>
+                  <a:schemeClr val="accent1"/>
+                </a:solidFill>
+              </a14:hiddenFill>
+            </a:ext>
+            <a:ext uri="{91240B29-F687-4F45-9708-019B960494DF}">
+              <a14:hiddenLine xmlns:a14="http://schemas.microsoft.com/office/drawing/2010/main" w="9525">
+                <a:solidFill>
+                  <a:schemeClr val="tx1"/>
+                </a:solidFill>
+                <a:miter lim="800000"/>
+                <a:headEnd/>
+                <a:tailEnd/>
+              </a14:hiddenLine>
+            </a:ext>
+            <a:ext uri="{AF507438-7753-43E0-B8FC-AC1667EBCBE1}">
+              <a14:hiddenEffects xmlns:a14="http://schemas.microsoft.com/office/drawing/2010/main">
+                <a:effectLst>
+                  <a:outerShdw dist="35921" dir="2700000" algn="ctr" rotWithShape="0">
+                    <a:schemeClr val="bg2"/>
+                  </a:outerShdw>
+                </a:effectLst>
+              </a14:hiddenEffects>
+            </a:ext>
+          </a:extLst>
+        </p:spPr>
+        <p:txBody>
+          <a:bodyPr vert="horz" wrap="square" lIns="91440" tIns="45720" rIns="91440" bIns="45720" numCol="1" anchor="ctr" anchorCtr="0" compatLnSpc="1">
+            <a:prstTxWarp prst="textNoShape">
+              <a:avLst/>
+            </a:prstTxWarp>
+            <a:spAutoFit/>
+          </a:bodyPr>
+          <a:lstStyle/>
+          <a:p>
+            <a:pPr xmlns:a="http://schemas.openxmlformats.org/drawingml/2006/main" marR="0" lvl="0" indent="14288" algn="l" defTabSz="914400" rtl="0" eaLnBrk="0" fontAlgn="base" latinLnBrk="0" hangingPunct="0">
+              <a:lnSpc>
+                <a:spcPct val="100000"/>
+              </a:lnSpc>
+              <a:spcBef>
+                <a:spcPct val="0"/>
+              </a:spcBef>
+              <a:spcAft>
+                <a:spcPct val="0"/>
+              </a:spcAft>
+              <a:buClrTx/>
+              <a:buSzTx/>
+              <a:buFont typeface="Arial" panose="020B0604020202020204" pitchFamily="34" charset="0"/>
+              <a:buChar char="•"/>
+              <a:tabLst/>
+            </a:pPr>
+            <a:r xmlns:a="http://schemas.openxmlformats.org/drawingml/2006/main">
+              <a:rPr lang="en" altLang="en-US" sz="2000" dirty="0" smtClean="0">
+                <a:latin typeface="Arial" panose="020B0604020202020204" pitchFamily="34" charset="0"/>
+              </a:rPr>
+              <a:t>Delete all columns except </a:t>
+            </a:r>
+            <a:r xmlns:a="http://schemas.openxmlformats.org/drawingml/2006/main">
+              <a:rPr lang="en" altLang="en-US" sz="2000" b="1" dirty="0" smtClean="0">
+                <a:latin typeface="Arial" panose="020B0604020202020204" pitchFamily="34" charset="0"/>
+              </a:rPr>
+              <a:t>Locations</a:t>
+            </a:r>
+            <a:r xmlns:a="http://schemas.openxmlformats.org/drawingml/2006/main">
+              <a:rPr lang="en" altLang="en-US" sz="2000" dirty="0" smtClean="0">
+                <a:latin typeface="Arial" panose="020B0604020202020204" pitchFamily="34" charset="0"/>
+              </a:rPr>
+              <a:t> </a:t>
+            </a:r>
+          </a:p>
+        </p:txBody>
+      </p:sp>
+      <p:sp>
+        <p:nvSpPr>
+          <p:cNvPr id="8" name="Rectangle 1"/>
+          <p:cNvSpPr>
+            <a:spLocks noChangeArrowheads="1"/>
+          </p:cNvSpPr>
+          <p:nvPr/>
+        </p:nvSpPr>
+        <p:spPr bwMode="auto">
+          <a:xfrm>
+            <a:off x="302508" y="3047168"/>
+            <a:ext cx="10347158" cy="400110"/>
+          </a:xfrm>
+          <a:prstGeom prst="rect">
+            <a:avLst/>
+          </a:prstGeom>
+          <a:noFill/>
+          <a:ln>
+            <a:noFill/>
+          </a:ln>
+          <a:effectLst/>
+          <a:extLst>
+            <a:ext uri="{909E8E84-426E-40DD-AFC4-6F175D3DCCD1}">
+              <a14:hiddenFill xmlns:a14="http://schemas.microsoft.com/office/drawing/2010/main">
+                <a:solidFill>
+                  <a:schemeClr val="accent1"/>
+                </a:solidFill>
+              </a14:hiddenFill>
+            </a:ext>
+            <a:ext uri="{91240B29-F687-4F45-9708-019B960494DF}">
+              <a14:hiddenLine xmlns:a14="http://schemas.microsoft.com/office/drawing/2010/main" w="9525">
+                <a:solidFill>
+                  <a:schemeClr val="tx1"/>
+                </a:solidFill>
+                <a:miter lim="800000"/>
+                <a:headEnd/>
+                <a:tailEnd/>
+              </a14:hiddenLine>
+            </a:ext>
+            <a:ext uri="{AF507438-7753-43E0-B8FC-AC1667EBCBE1}">
+              <a14:hiddenEffects xmlns:a14="http://schemas.microsoft.com/office/drawing/2010/main">
+                <a:effectLst>
+                  <a:outerShdw dist="35921" dir="2700000" algn="ctr" rotWithShape="0">
+                    <a:schemeClr val="bg2"/>
+                  </a:outerShdw>
+                </a:effectLst>
+              </a14:hiddenEffects>
+            </a:ext>
+          </a:extLst>
+        </p:spPr>
+        <p:txBody>
+          <a:bodyPr vert="horz" wrap="square" lIns="91440" tIns="45720" rIns="91440" bIns="45720" numCol="1" anchor="ctr" anchorCtr="0" compatLnSpc="1">
+            <a:prstTxWarp prst="textNoShape">
+              <a:avLst/>
+            </a:prstTxWarp>
+            <a:spAutoFit/>
+          </a:bodyPr>
+          <a:lstStyle/>
+          <a:p>
+            <a:pPr xmlns:a="http://schemas.openxmlformats.org/drawingml/2006/main" marR="0" lvl="0" indent="14288" algn="l" defTabSz="914400" rtl="0" eaLnBrk="0" fontAlgn="base" latinLnBrk="0" hangingPunct="0">
+              <a:lnSpc>
+                <a:spcPct val="100000"/>
+              </a:lnSpc>
+              <a:spcBef>
+                <a:spcPct val="0"/>
+              </a:spcBef>
+              <a:spcAft>
+                <a:spcPct val="0"/>
+              </a:spcAft>
+              <a:buClrTx/>
+              <a:buSzTx/>
+              <a:buFont typeface="Arial" panose="020B0604020202020204" pitchFamily="34" charset="0"/>
+              <a:buChar char="•"/>
+              <a:tabLst/>
+            </a:pPr>
+            <a:r xmlns:a="http://schemas.openxmlformats.org/drawingml/2006/main">
+              <a:rPr lang="en" altLang="en-US" sz="2000" b="1" dirty="0" smtClean="0">
+                <a:latin typeface="Arial" panose="020B0604020202020204" pitchFamily="34" charset="0"/>
+              </a:rPr>
+              <a:t> </a:t>
+            </a:r>
+            <a:r xmlns:a="http://schemas.openxmlformats.org/drawingml/2006/main">
+              <a:rPr lang="en" altLang="en-US" sz="2000" dirty="0" smtClean="0">
+                <a:latin typeface="Arial" panose="020B0604020202020204" pitchFamily="34" charset="0"/>
+              </a:rPr>
+              <a:t>Eliminate duplications in the </a:t>
+            </a:r>
+            <a:r xmlns:a="http://schemas.openxmlformats.org/drawingml/2006/main">
+              <a:rPr lang="en" altLang="en-US" sz="2000" b="1" dirty="0" smtClean="0">
+                <a:latin typeface="Arial" panose="020B0604020202020204" pitchFamily="34" charset="0"/>
+              </a:rPr>
+              <a:t>Locations column</a:t>
+            </a:r>
+            <a:r xmlns:a="http://schemas.openxmlformats.org/drawingml/2006/main">
+              <a:rPr lang="en" altLang="en-US" sz="2000" dirty="0" smtClean="0">
+                <a:latin typeface="Arial" panose="020B0604020202020204" pitchFamily="34" charset="0"/>
+              </a:rPr>
+              <a:t> </a:t>
+            </a:r>
           </a:p>
         </p:txBody>
       </p:sp>
       <p:pic>
         <p:nvPicPr>
-          <p:cNvPr id="7" name="Picture 6"/>
-          <p:cNvPicPr/>
+          <p:cNvPr id="3" name="Picture 2"/>
+          <p:cNvPicPr>
+            <a:picLocks noChangeAspect="1"/>
+          </p:cNvPicPr>
           <p:nvPr/>
         </p:nvPicPr>
         <p:blipFill>
-          <a:blip r:embed="rId2">
-            <a:extLst>
-              <a:ext uri="{28A0092B-C50C-407E-A947-70E740481C1C}">
-                <a14:useLocalDpi xmlns:a14="http://schemas.microsoft.com/office/drawing/2010/main" val="0"/>
-              </a:ext>
-            </a:extLst>
-          </a:blip>
-          <a:srcRect/>
+          <a:blip r:embed="rId2"/>
           <a:stretch>
             <a:fillRect/>
           </a:stretch>
         </p:blipFill>
-        <p:spPr bwMode="auto">
-          <a:xfrm>
-            <a:off x="295403" y="1324148"/>
-            <a:ext cx="3474720" cy="1280160"/>
+        <p:spPr>
+          <a:xfrm>
+            <a:off x="3462089" y="3625018"/>
+            <a:ext cx="4294614" cy="2210632"/>
           </a:xfrm>
           <a:prstGeom prst="rect">
             <a:avLst/>
           </a:prstGeom>
+        </p:spPr>
+      </p:pic>
+      <p:sp>
+        <p:nvSpPr>
+          <p:cNvPr id="9" name="Rectangle 8"/>
+          <p:cNvSpPr/>
+          <p:nvPr/>
+        </p:nvSpPr>
+        <p:spPr>
+          <a:xfrm>
+            <a:off x="5295899" y="5251449"/>
+            <a:ext cx="2460803" cy="260361"/>
+          </a:xfrm>
+          <a:prstGeom prst="rect">
+            <a:avLst/>
+          </a:prstGeom>
+          <a:solidFill>
+            <a:srgbClr val="FF0000">
+              <a:alpha val="12000"/>
+            </a:srgbClr>
+          </a:solidFill>
           <a:ln>
             <a:noFill/>
           </a:ln>
-          <a:effectLst>
-            <a:outerShdw blurRad="292100" dist="139700" dir="2700000" algn="tl" rotWithShape="0">
-              <a:srgbClr val="333333">
-                <a:alpha val="65000"/>
-              </a:srgbClr>
-            </a:outerShdw>
-          </a:effectLst>
-        </p:spPr>
-      </p:pic>
-      <p:sp>
-        <p:nvSpPr>
-          <p:cNvPr id="8" name="Rectangle 7"/>
-          <p:cNvSpPr/>
-          <p:nvPr/>
-        </p:nvSpPr>
-        <p:spPr>
-          <a:xfrm>
-            <a:off x="220005" y="2852715"/>
-            <a:ext cx="7377077" cy="373692"/>
-          </a:xfrm>
-          <a:prstGeom prst="rect">
-            <a:avLst/>
-          </a:prstGeom>
-        </p:spPr>
-        <p:txBody>
-          <a:bodyPr wrap="square">
-            <a:spAutoFit/>
-          </a:bodyPr>
-          <a:lstStyle/>
-          <a:p>
-            <a:pPr lvl="0">
-              <a:lnSpc>
-                <a:spcPct val="107000"/>
-              </a:lnSpc>
-              <a:spcAft>
-                <a:spcPts val="800"/>
-              </a:spcAft>
-            </a:pPr>
-            <a:r>
-              <a:rPr lang="en-US" dirty="0" smtClean="0">
-                <a:latin typeface="Segoe UI" panose="020B0502040204020203" pitchFamily="34" charset="0"/>
-                <a:ea typeface="Calibri" panose="020F0502020204030204" pitchFamily="34" charset="0"/>
-                <a:cs typeface="Times New Roman" panose="02020603050405020304" pitchFamily="18" charset="0"/>
-              </a:rPr>
-              <a:t>Rename table </a:t>
-            </a:r>
-            <a:r>
-              <a:rPr lang="en-US" b="1" dirty="0" smtClean="0">
-                <a:latin typeface="Segoe UI" panose="020B0502040204020203" pitchFamily="34" charset="0"/>
-                <a:ea typeface="Calibri" panose="020F0502020204030204" pitchFamily="34" charset="0"/>
-                <a:cs typeface="Times New Roman" panose="02020603050405020304" pitchFamily="18" charset="0"/>
-              </a:rPr>
-              <a:t>1NF </a:t>
-            </a:r>
-            <a:r>
-              <a:rPr lang="en-US" dirty="0" smtClean="0">
-                <a:latin typeface="Segoe UI" panose="020B0502040204020203" pitchFamily="34" charset="0"/>
-                <a:ea typeface="Calibri" panose="020F0502020204030204" pitchFamily="34" charset="0"/>
-                <a:cs typeface="Times New Roman" panose="02020603050405020304" pitchFamily="18" charset="0"/>
-              </a:rPr>
-              <a:t>to </a:t>
-            </a:r>
-            <a:r>
-              <a:rPr lang="en-US" b="1" dirty="0" smtClean="0">
-                <a:latin typeface="Segoe UI" panose="020B0502040204020203" pitchFamily="34" charset="0"/>
-                <a:ea typeface="Calibri" panose="020F0502020204030204" pitchFamily="34" charset="0"/>
-                <a:cs typeface="Times New Roman" panose="02020603050405020304" pitchFamily="18" charset="0"/>
-              </a:rPr>
-              <a:t>Sales </a:t>
-            </a:r>
-            <a:r>
-              <a:rPr lang="en-US" dirty="0" smtClean="0">
-                <a:latin typeface="Segoe UI" panose="020B0502040204020203" pitchFamily="34" charset="0"/>
-                <a:ea typeface="Calibri" panose="020F0502020204030204" pitchFamily="34" charset="0"/>
-                <a:cs typeface="Times New Roman" panose="02020603050405020304" pitchFamily="18" charset="0"/>
-              </a:rPr>
-              <a:t>add conditional column Customer ID</a:t>
-            </a:r>
-            <a:endParaRPr lang="en-US" sz="1200" dirty="0">
-              <a:effectLst/>
-              <a:latin typeface="Calibri" panose="020F0502020204030204" pitchFamily="34" charset="0"/>
-              <a:ea typeface="Calibri" panose="020F0502020204030204" pitchFamily="34" charset="0"/>
-              <a:cs typeface="Times New Roman" panose="02020603050405020304" pitchFamily="18" charset="0"/>
-            </a:endParaRPr>
-          </a:p>
-        </p:txBody>
-      </p:sp>
-      <p:pic>
-        <p:nvPicPr>
-          <p:cNvPr id="9" name="Picture 8"/>
-          <p:cNvPicPr/>
-          <p:nvPr/>
-        </p:nvPicPr>
-        <p:blipFill rotWithShape="1">
-          <a:blip r:embed="rId3">
-            <a:extLst>
-              <a:ext uri="{28A0092B-C50C-407E-A947-70E740481C1C}">
-                <a14:useLocalDpi xmlns:a14="http://schemas.microsoft.com/office/drawing/2010/main" val="0"/>
-              </a:ext>
-            </a:extLst>
-          </a:blip>
-          <a:srcRect l="2402" t="5491" r="-1"/>
-          <a:stretch/>
-        </p:blipFill>
-        <p:spPr bwMode="auto">
-          <a:xfrm>
-            <a:off x="295403" y="3318359"/>
-            <a:ext cx="5922645" cy="3301365"/>
-          </a:xfrm>
-          <a:prstGeom prst="rect">
-            <a:avLst/>
-          </a:prstGeom>
-          <a:ln>
-            <a:noFill/>
-          </a:ln>
-          <a:effectLst>
-            <a:outerShdw blurRad="292100" dist="139700" dir="2700000" algn="tl" rotWithShape="0">
-              <a:srgbClr val="333333">
-                <a:alpha val="65000"/>
-              </a:srgbClr>
-            </a:outerShdw>
-          </a:effectLst>
-          <a:extLst>
-            <a:ext uri="{53640926-AAD7-44D8-BBD7-CCE9431645EC}">
-              <a14:shadowObscured xmlns:a14="http://schemas.microsoft.com/office/drawing/2010/main"/>
-            </a:ext>
-          </a:extLst>
-        </p:spPr>
-      </p:pic>
+        </p:spPr>
+        <p:style>
+          <a:lnRef idx="2">
+            <a:schemeClr val="accent1">
+              <a:shade val="50000"/>
+            </a:schemeClr>
+          </a:lnRef>
+          <a:fillRef idx="1">
+            <a:schemeClr val="accent1"/>
+          </a:fillRef>
+          <a:effectRef idx="0">
+            <a:schemeClr val="accent1"/>
+          </a:effectRef>
+          <a:fontRef idx="minor">
+            <a:schemeClr val="lt1"/>
+          </a:fontRef>
+        </p:style>
+        <p:txBody>
+          <a:bodyPr rtlCol="0" anchor="ctr"/>
+          <a:lstStyle/>
+          <a:p>
+            <a:pPr algn="ctr"/>
+            <a:endParaRPr lang="en-US"/>
+          </a:p>
+        </p:txBody>
+      </p:sp>
     </p:spTree>
     <p:extLst>
       <p:ext uri="{BB962C8B-B14F-4D97-AF65-F5344CB8AC3E}">
-        <p14:creationId xmlns:p14="http://schemas.microsoft.com/office/powerpoint/2010/main" val="1037574227"/>
+        <p14:creationId xmlns:p14="http://schemas.microsoft.com/office/powerpoint/2010/main" val="2480513154"/>
       </p:ext>
     </p:extLst>
   </p:cSld>
@@ -6717,14 +7324,14 @@
       </p:grpSpPr>
       <p:sp>
         <p:nvSpPr>
-          <p:cNvPr id="2" name="TextBox 1"/>
+          <p:cNvPr id="4" name="TextBox 3"/>
           <p:cNvSpPr txBox="1"/>
           <p:nvPr/>
         </p:nvSpPr>
         <p:spPr>
           <a:xfrm flipH="1">
-            <a:off x="220006" y="281882"/>
-            <a:ext cx="1753173" cy="369332"/>
+            <a:off x="220005" y="281882"/>
+            <a:ext cx="2798202" cy="400110"/>
           </a:xfrm>
           <a:prstGeom prst="rect">
             <a:avLst/>
@@ -6737,14 +7344,14 @@
           </a:bodyPr>
           <a:lstStyle/>
           <a:p>
-            <a:r>
-              <a:rPr lang="fr-FR" dirty="0" smtClean="0">
+            <a:r xmlns:a="http://schemas.openxmlformats.org/drawingml/2006/main">
+              <a:rPr lang="en" sz="2000" b="1" dirty="0" smtClean="0">
                 <a:latin typeface="Segoe UI" panose="020B0502040204020203" pitchFamily="34" charset="0"/>
                 <a:cs typeface="Segoe UI" panose="020B0502040204020203" pitchFamily="34" charset="0"/>
               </a:rPr>
               <a:t>Normal forms</a:t>
             </a:r>
-            <a:endParaRPr lang="en-US" dirty="0">
+            <a:endParaRPr xmlns:a="http://schemas.openxmlformats.org/drawingml/2006/main" lang="en-US" sz="2000" b="1" dirty="0">
               <a:latin typeface="Segoe UI" panose="020B0502040204020203" pitchFamily="34" charset="0"/>
               <a:cs typeface="Segoe UI" panose="020B0502040204020203" pitchFamily="34" charset="0"/>
             </a:endParaRPr>
@@ -6753,84 +7360,413 @@
       </p:sp>
       <p:sp>
         <p:nvSpPr>
-          <p:cNvPr id="3" name="Rectangle 2"/>
-          <p:cNvSpPr/>
+          <p:cNvPr id="5" name="Rectangle 1"/>
+          <p:cNvSpPr>
+            <a:spLocks noChangeArrowheads="1"/>
+          </p:cNvSpPr>
           <p:nvPr/>
         </p:nvSpPr>
-        <p:spPr>
-          <a:xfrm>
-            <a:off x="220006" y="800835"/>
-            <a:ext cx="5069658" cy="369332"/>
+        <p:spPr bwMode="auto">
+          <a:xfrm>
+            <a:off x="302508" y="748468"/>
+            <a:ext cx="10347158" cy="400110"/>
           </a:xfrm>
           <a:prstGeom prst="rect">
             <a:avLst/>
           </a:prstGeom>
-        </p:spPr>
-        <p:txBody>
-          <a:bodyPr wrap="none">
-            <a:spAutoFit/>
-          </a:bodyPr>
-          <a:lstStyle/>
-          <a:p>
-            <a:pPr lvl="0"/>
-            <a:r>
-              <a:rPr lang="en-US" dirty="0" smtClean="0"/>
-              <a:t>Repeat the same previous action adding </a:t>
-            </a:r>
-            <a:r>
-              <a:rPr lang="en-US" b="1" dirty="0" smtClean="0"/>
-              <a:t>Location ID</a:t>
-            </a:r>
-            <a:endParaRPr lang="en-US" dirty="0"/>
-          </a:p>
-        </p:txBody>
-      </p:sp>
-      <p:pic>
-        <p:nvPicPr>
-          <p:cNvPr id="10" name="Picture 9"/>
-          <p:cNvPicPr/>
-          <p:nvPr/>
-        </p:nvPicPr>
-        <p:blipFill rotWithShape="1">
-          <a:blip r:embed="rId2">
-            <a:extLst>
-              <a:ext uri="{28A0092B-C50C-407E-A947-70E740481C1C}">
-                <a14:useLocalDpi xmlns:a14="http://schemas.microsoft.com/office/drawing/2010/main" val="0"/>
-              </a:ext>
-            </a:extLst>
-          </a:blip>
-          <a:srcRect l="1295" t="7790"/>
-          <a:stretch/>
-        </p:blipFill>
-        <p:spPr bwMode="auto">
-          <a:xfrm>
-            <a:off x="220006" y="1319788"/>
-            <a:ext cx="5777865" cy="2139315"/>
-          </a:xfrm>
-          <a:prstGeom prst="rect">
-            <a:avLst/>
-          </a:prstGeom>
+          <a:noFill/>
           <a:ln>
             <a:noFill/>
           </a:ln>
-          <a:effectLst>
-            <a:outerShdw blurRad="292100" dist="139700" dir="2700000" algn="tl" rotWithShape="0">
-              <a:srgbClr val="333333">
-                <a:alpha val="65000"/>
-              </a:srgbClr>
-            </a:outerShdw>
-          </a:effectLst>
+          <a:effectLst/>
           <a:extLst>
-            <a:ext uri="{53640926-AAD7-44D8-BBD7-CCE9431645EC}">
-              <a14:shadowObscured xmlns:a14="http://schemas.microsoft.com/office/drawing/2010/main"/>
+            <a:ext uri="{909E8E84-426E-40DD-AFC4-6F175D3DCCD1}">
+              <a14:hiddenFill xmlns:a14="http://schemas.microsoft.com/office/drawing/2010/main">
+                <a:solidFill>
+                  <a:schemeClr val="accent1"/>
+                </a:solidFill>
+              </a14:hiddenFill>
+            </a:ext>
+            <a:ext uri="{91240B29-F687-4F45-9708-019B960494DF}">
+              <a14:hiddenLine xmlns:a14="http://schemas.microsoft.com/office/drawing/2010/main" w="9525">
+                <a:solidFill>
+                  <a:schemeClr val="tx1"/>
+                </a:solidFill>
+                <a:miter lim="800000"/>
+                <a:headEnd/>
+                <a:tailEnd/>
+              </a14:hiddenLine>
+            </a:ext>
+            <a:ext uri="{AF507438-7753-43E0-B8FC-AC1667EBCBE1}">
+              <a14:hiddenEffects xmlns:a14="http://schemas.microsoft.com/office/drawing/2010/main">
+                <a:effectLst>
+                  <a:outerShdw dist="35921" dir="2700000" algn="ctr" rotWithShape="0">
+                    <a:schemeClr val="bg2"/>
+                  </a:outerShdw>
+                </a:effectLst>
+              </a14:hiddenEffects>
             </a:ext>
           </a:extLst>
         </p:spPr>
+        <p:txBody>
+          <a:bodyPr vert="horz" wrap="square" lIns="91440" tIns="45720" rIns="91440" bIns="45720" numCol="1" anchor="ctr" anchorCtr="0" compatLnSpc="1">
+            <a:prstTxWarp prst="textNoShape">
+              <a:avLst/>
+            </a:prstTxWarp>
+            <a:spAutoFit/>
+          </a:bodyPr>
+          <a:lstStyle/>
+          <a:p>
+            <a:pPr xmlns:a="http://schemas.openxmlformats.org/drawingml/2006/main" marR="0" lvl="0" indent="14288" algn="l" defTabSz="914400" rtl="0" eaLnBrk="0" fontAlgn="base" latinLnBrk="0" hangingPunct="0">
+              <a:lnSpc>
+                <a:spcPct val="100000"/>
+              </a:lnSpc>
+              <a:spcBef>
+                <a:spcPct val="0"/>
+              </a:spcBef>
+              <a:spcAft>
+                <a:spcPct val="0"/>
+              </a:spcAft>
+              <a:buClrTx/>
+              <a:buSzTx/>
+              <a:buFont typeface="Arial" panose="020B0604020202020204" pitchFamily="34" charset="0"/>
+              <a:buChar char="•"/>
+              <a:tabLst/>
+            </a:pPr>
+            <a:r xmlns:a="http://schemas.openxmlformats.org/drawingml/2006/main">
+              <a:rPr lang="en" altLang="en-US" sz="2000" dirty="0" smtClean="0">
+                <a:latin typeface="Arial" panose="020B0604020202020204" pitchFamily="34" charset="0"/>
+              </a:rPr>
+              <a:t>Add a 0-based index column and position this column at the beginning</a:t>
+            </a:r>
+            <a:endParaRPr xmlns:a="http://schemas.openxmlformats.org/drawingml/2006/main" lang="fr-FR" altLang="en-US" sz="2000" b="1" dirty="0" smtClean="0">
+              <a:latin typeface="Arial" panose="020B0604020202020204" pitchFamily="34" charset="0"/>
+            </a:endParaRPr>
+          </a:p>
+        </p:txBody>
+      </p:sp>
+      <p:pic>
+        <p:nvPicPr>
+          <p:cNvPr id="2" name="Picture 1"/>
+          <p:cNvPicPr>
+            <a:picLocks noChangeAspect="1"/>
+          </p:cNvPicPr>
+          <p:nvPr/>
+        </p:nvPicPr>
+        <p:blipFill>
+          <a:blip r:embed="rId2"/>
+          <a:stretch>
+            <a:fillRect/>
+          </a:stretch>
+        </p:blipFill>
+        <p:spPr>
+          <a:xfrm>
+            <a:off x="442682" y="2006418"/>
+            <a:ext cx="4338868" cy="3401073"/>
+          </a:xfrm>
+          <a:prstGeom prst="rect">
+            <a:avLst/>
+          </a:prstGeom>
+        </p:spPr>
       </p:pic>
+      <p:sp>
+        <p:nvSpPr>
+          <p:cNvPr id="10" name="Rectangle 9"/>
+          <p:cNvSpPr/>
+          <p:nvPr/>
+        </p:nvSpPr>
+        <p:spPr>
+          <a:xfrm>
+            <a:off x="2876549" y="2063749"/>
+            <a:ext cx="1168401" cy="260351"/>
+          </a:xfrm>
+          <a:prstGeom prst="rect">
+            <a:avLst/>
+          </a:prstGeom>
+          <a:solidFill>
+            <a:srgbClr val="FF0000">
+              <a:alpha val="12000"/>
+            </a:srgbClr>
+          </a:solidFill>
+          <a:ln>
+            <a:noFill/>
+          </a:ln>
+        </p:spPr>
+        <p:style>
+          <a:lnRef idx="2">
+            <a:schemeClr val="accent1">
+              <a:shade val="50000"/>
+            </a:schemeClr>
+          </a:lnRef>
+          <a:fillRef idx="1">
+            <a:schemeClr val="accent1"/>
+          </a:fillRef>
+          <a:effectRef idx="0">
+            <a:schemeClr val="accent1"/>
+          </a:effectRef>
+          <a:fontRef idx="minor">
+            <a:schemeClr val="lt1"/>
+          </a:fontRef>
+        </p:style>
+        <p:txBody>
+          <a:bodyPr rtlCol="0" anchor="ctr"/>
+          <a:lstStyle/>
+          <a:p>
+            <a:pPr algn="ctr"/>
+            <a:endParaRPr lang="en-US"/>
+          </a:p>
+        </p:txBody>
+      </p:sp>
+      <p:sp>
+        <p:nvSpPr>
+          <p:cNvPr id="11" name="Rectangle 10"/>
+          <p:cNvSpPr/>
+          <p:nvPr/>
+        </p:nvSpPr>
+        <p:spPr>
+          <a:xfrm>
+            <a:off x="3054349" y="2990849"/>
+            <a:ext cx="1308101" cy="260351"/>
+          </a:xfrm>
+          <a:prstGeom prst="rect">
+            <a:avLst/>
+          </a:prstGeom>
+          <a:solidFill>
+            <a:srgbClr val="FF0000">
+              <a:alpha val="12000"/>
+            </a:srgbClr>
+          </a:solidFill>
+          <a:ln>
+            <a:noFill/>
+          </a:ln>
+        </p:spPr>
+        <p:style>
+          <a:lnRef idx="2">
+            <a:schemeClr val="accent1">
+              <a:shade val="50000"/>
+            </a:schemeClr>
+          </a:lnRef>
+          <a:fillRef idx="1">
+            <a:schemeClr val="accent1"/>
+          </a:fillRef>
+          <a:effectRef idx="0">
+            <a:schemeClr val="accent1"/>
+          </a:effectRef>
+          <a:fontRef idx="minor">
+            <a:schemeClr val="lt1"/>
+          </a:fontRef>
+        </p:style>
+        <p:txBody>
+          <a:bodyPr rtlCol="0" anchor="ctr"/>
+          <a:lstStyle/>
+          <a:p>
+            <a:pPr algn="ctr"/>
+            <a:endParaRPr lang="en-US"/>
+          </a:p>
+        </p:txBody>
+      </p:sp>
+      <p:pic>
+        <p:nvPicPr>
+          <p:cNvPr id="12" name="Picture 11"/>
+          <p:cNvPicPr>
+            <a:picLocks noChangeAspect="1"/>
+          </p:cNvPicPr>
+          <p:nvPr/>
+        </p:nvPicPr>
+        <p:blipFill>
+          <a:blip r:embed="rId3"/>
+          <a:stretch>
+            <a:fillRect/>
+          </a:stretch>
+        </p:blipFill>
+        <p:spPr>
+          <a:xfrm>
+            <a:off x="5094036" y="2063749"/>
+            <a:ext cx="5201245" cy="1917701"/>
+          </a:xfrm>
+          <a:prstGeom prst="rect">
+            <a:avLst/>
+          </a:prstGeom>
+        </p:spPr>
+      </p:pic>
+      <p:sp>
+        <p:nvSpPr>
+          <p:cNvPr id="13" name="Rectangle 1"/>
+          <p:cNvSpPr>
+            <a:spLocks noChangeArrowheads="1"/>
+          </p:cNvSpPr>
+          <p:nvPr/>
+        </p:nvSpPr>
+        <p:spPr bwMode="auto">
+          <a:xfrm>
+            <a:off x="302508" y="1148578"/>
+            <a:ext cx="10347158" cy="400110"/>
+          </a:xfrm>
+          <a:prstGeom prst="rect">
+            <a:avLst/>
+          </a:prstGeom>
+          <a:noFill/>
+          <a:ln>
+            <a:noFill/>
+          </a:ln>
+          <a:effectLst/>
+          <a:extLst>
+            <a:ext uri="{909E8E84-426E-40DD-AFC4-6F175D3DCCD1}">
+              <a14:hiddenFill xmlns:a14="http://schemas.microsoft.com/office/drawing/2010/main">
+                <a:solidFill>
+                  <a:schemeClr val="accent1"/>
+                </a:solidFill>
+              </a14:hiddenFill>
+            </a:ext>
+            <a:ext uri="{91240B29-F687-4F45-9708-019B960494DF}">
+              <a14:hiddenLine xmlns:a14="http://schemas.microsoft.com/office/drawing/2010/main" w="9525">
+                <a:solidFill>
+                  <a:schemeClr val="tx1"/>
+                </a:solidFill>
+                <a:miter lim="800000"/>
+                <a:headEnd/>
+                <a:tailEnd/>
+              </a14:hiddenLine>
+            </a:ext>
+            <a:ext uri="{AF507438-7753-43E0-B8FC-AC1667EBCBE1}">
+              <a14:hiddenEffects xmlns:a14="http://schemas.microsoft.com/office/drawing/2010/main">
+                <a:effectLst>
+                  <a:outerShdw dist="35921" dir="2700000" algn="ctr" rotWithShape="0">
+                    <a:schemeClr val="bg2"/>
+                  </a:outerShdw>
+                </a:effectLst>
+              </a14:hiddenEffects>
+            </a:ext>
+          </a:extLst>
+        </p:spPr>
+        <p:txBody>
+          <a:bodyPr vert="horz" wrap="square" lIns="91440" tIns="45720" rIns="91440" bIns="45720" numCol="1" anchor="ctr" anchorCtr="0" compatLnSpc="1">
+            <a:prstTxWarp prst="textNoShape">
+              <a:avLst/>
+            </a:prstTxWarp>
+            <a:spAutoFit/>
+          </a:bodyPr>
+          <a:lstStyle/>
+          <a:p>
+            <a:pPr xmlns:a="http://schemas.openxmlformats.org/drawingml/2006/main" marR="0" lvl="0" indent="14288" algn="l" defTabSz="914400" rtl="0" eaLnBrk="0" fontAlgn="base" latinLnBrk="0" hangingPunct="0">
+              <a:lnSpc>
+                <a:spcPct val="100000"/>
+              </a:lnSpc>
+              <a:spcBef>
+                <a:spcPct val="0"/>
+              </a:spcBef>
+              <a:spcAft>
+                <a:spcPct val="0"/>
+              </a:spcAft>
+              <a:buClrTx/>
+              <a:buSzTx/>
+              <a:buFont typeface="Arial" panose="020B0604020202020204" pitchFamily="34" charset="0"/>
+              <a:buChar char="•"/>
+              <a:tabLst/>
+            </a:pPr>
+            <a:r xmlns:a="http://schemas.openxmlformats.org/drawingml/2006/main">
+              <a:rPr lang="en" altLang="en-US" sz="2000" dirty="0" smtClean="0">
+                <a:latin typeface="Arial" panose="020B0604020202020204" pitchFamily="34" charset="0"/>
+              </a:rPr>
+              <a:t>Rename the two columns to </a:t>
+            </a:r>
+            <a:r xmlns:a="http://schemas.openxmlformats.org/drawingml/2006/main">
+              <a:rPr lang="en" altLang="en-US" sz="2000" b="1" dirty="0" err="1" smtClean="0">
+                <a:latin typeface="Arial" panose="020B0604020202020204" pitchFamily="34" charset="0"/>
+              </a:rPr>
+              <a:t>LocationId </a:t>
+            </a:r>
+            <a:r xmlns:a="http://schemas.openxmlformats.org/drawingml/2006/main">
+              <a:rPr lang="en" altLang="en-US" sz="2000" dirty="0" smtClean="0">
+                <a:latin typeface="Arial" panose="020B0604020202020204" pitchFamily="34" charset="0"/>
+              </a:rPr>
+              <a:t>and </a:t>
+            </a:r>
+            <a:r xmlns:a="http://schemas.openxmlformats.org/drawingml/2006/main">
+              <a:rPr lang="en" altLang="en-US" sz="2000" b="1" dirty="0" smtClean="0">
+                <a:latin typeface="Arial" panose="020B0604020202020204" pitchFamily="34" charset="0"/>
+              </a:rPr>
+              <a:t>Location Name</a:t>
+            </a:r>
+          </a:p>
+        </p:txBody>
+      </p:sp>
+      <p:cxnSp>
+        <p:nvCxnSpPr>
+          <p:cNvPr id="15" name="Straight Arrow Connector 14"/>
+          <p:cNvCxnSpPr/>
+          <p:nvPr/>
+        </p:nvCxnSpPr>
+        <p:spPr>
+          <a:xfrm>
+            <a:off x="5905500" y="1612900"/>
+            <a:ext cx="190500" cy="581024"/>
+          </a:xfrm>
+          <a:prstGeom prst="straightConnector1">
+            <a:avLst/>
+          </a:prstGeom>
+          <a:ln>
+            <a:solidFill>
+              <a:srgbClr val="FF0000"/>
+            </a:solidFill>
+            <a:tailEnd type="triangle"/>
+          </a:ln>
+        </p:spPr>
+        <p:style>
+          <a:lnRef idx="3">
+            <a:schemeClr val="accent2"/>
+          </a:lnRef>
+          <a:fillRef idx="0">
+            <a:schemeClr val="accent2"/>
+          </a:fillRef>
+          <a:effectRef idx="2">
+            <a:schemeClr val="accent2"/>
+          </a:effectRef>
+          <a:fontRef idx="minor">
+            <a:schemeClr val="tx1"/>
+          </a:fontRef>
+        </p:style>
+      </p:cxnSp>
+      <p:cxnSp>
+        <p:nvCxnSpPr>
+          <p:cNvPr id="16" name="Straight Arrow Connector 15"/>
+          <p:cNvCxnSpPr/>
+          <p:nvPr/>
+        </p:nvCxnSpPr>
+        <p:spPr>
+          <a:xfrm>
+            <a:off x="8337550" y="1599426"/>
+            <a:ext cx="190500" cy="581024"/>
+          </a:xfrm>
+          <a:prstGeom prst="straightConnector1">
+            <a:avLst/>
+          </a:prstGeom>
+          <a:ln>
+            <a:solidFill>
+              <a:srgbClr val="FF0000"/>
+            </a:solidFill>
+            <a:tailEnd type="triangle"/>
+          </a:ln>
+        </p:spPr>
+        <p:style>
+          <a:lnRef idx="3">
+            <a:schemeClr val="accent2"/>
+          </a:lnRef>
+          <a:fillRef idx="0">
+            <a:schemeClr val="accent2"/>
+          </a:fillRef>
+          <a:effectRef idx="2">
+            <a:schemeClr val="accent2"/>
+          </a:effectRef>
+          <a:fontRef idx="minor">
+            <a:schemeClr val="tx1"/>
+          </a:fontRef>
+        </p:style>
+      </p:cxnSp>
     </p:spTree>
     <p:extLst>
       <p:ext uri="{BB962C8B-B14F-4D97-AF65-F5344CB8AC3E}">
-        <p14:creationId xmlns:p14="http://schemas.microsoft.com/office/powerpoint/2010/main" val="582161566"/>
+        <p14:creationId xmlns:p14="http://schemas.microsoft.com/office/powerpoint/2010/main" val="436093588"/>
       </p:ext>
     </p:extLst>
   </p:cSld>

--- a/English/2.Preparing data/6.Normal forms.pptx
+++ b/English/2.Preparing data/6.Normal forms.pptx
@@ -212,7 +212,7 @@
           <a:p>
             <a:fld id="{056BA3B8-9F76-4D81-B71D-76CB85363062}" type="datetimeFigureOut">
               <a:rPr lang="en-US" smtClean="0"/>
-              <a:t>3/4/2025</a:t>
+              <a:t>4/3/2025</a:t>
             </a:fld>
             <a:endParaRPr lang="en-US"/>
           </a:p>
@@ -695,7 +695,7 @@
           <a:p>
             <a:fld id="{6F01DA4D-20EA-48D2-973C-0311EC3005D6}" type="datetimeFigureOut">
               <a:rPr lang="en-US" smtClean="0"/>
-              <a:t>3/4/2025</a:t>
+              <a:t>4/3/2025</a:t>
             </a:fld>
             <a:endParaRPr lang="en-US"/>
           </a:p>
@@ -865,7 +865,7 @@
           <a:p>
             <a:fld id="{6F01DA4D-20EA-48D2-973C-0311EC3005D6}" type="datetimeFigureOut">
               <a:rPr lang="en-US" smtClean="0"/>
-              <a:t>3/4/2025</a:t>
+              <a:t>4/3/2025</a:t>
             </a:fld>
             <a:endParaRPr lang="en-US"/>
           </a:p>
@@ -1045,7 +1045,7 @@
           <a:p>
             <a:fld id="{6F01DA4D-20EA-48D2-973C-0311EC3005D6}" type="datetimeFigureOut">
               <a:rPr lang="en-US" smtClean="0"/>
-              <a:t>3/4/2025</a:t>
+              <a:t>4/3/2025</a:t>
             </a:fld>
             <a:endParaRPr lang="en-US"/>
           </a:p>
@@ -1215,7 +1215,7 @@
           <a:p>
             <a:fld id="{6F01DA4D-20EA-48D2-973C-0311EC3005D6}" type="datetimeFigureOut">
               <a:rPr lang="en-US" smtClean="0"/>
-              <a:t>3/4/2025</a:t>
+              <a:t>4/3/2025</a:t>
             </a:fld>
             <a:endParaRPr lang="en-US"/>
           </a:p>
@@ -1461,7 +1461,7 @@
           <a:p>
             <a:fld id="{6F01DA4D-20EA-48D2-973C-0311EC3005D6}" type="datetimeFigureOut">
               <a:rPr lang="en-US" smtClean="0"/>
-              <a:t>3/4/2025</a:t>
+              <a:t>4/3/2025</a:t>
             </a:fld>
             <a:endParaRPr lang="en-US"/>
           </a:p>
@@ -1693,7 +1693,7 @@
           <a:p>
             <a:fld id="{6F01DA4D-20EA-48D2-973C-0311EC3005D6}" type="datetimeFigureOut">
               <a:rPr lang="en-US" smtClean="0"/>
-              <a:t>3/4/2025</a:t>
+              <a:t>4/3/2025</a:t>
             </a:fld>
             <a:endParaRPr lang="en-US"/>
           </a:p>
@@ -2060,7 +2060,7 @@
           <a:p>
             <a:fld id="{6F01DA4D-20EA-48D2-973C-0311EC3005D6}" type="datetimeFigureOut">
               <a:rPr lang="en-US" smtClean="0"/>
-              <a:t>3/4/2025</a:t>
+              <a:t>4/3/2025</a:t>
             </a:fld>
             <a:endParaRPr lang="en-US"/>
           </a:p>
@@ -2178,7 +2178,7 @@
           <a:p>
             <a:fld id="{6F01DA4D-20EA-48D2-973C-0311EC3005D6}" type="datetimeFigureOut">
               <a:rPr lang="en-US" smtClean="0"/>
-              <a:t>3/4/2025</a:t>
+              <a:t>4/3/2025</a:t>
             </a:fld>
             <a:endParaRPr lang="en-US"/>
           </a:p>
@@ -2273,7 +2273,7 @@
           <a:p>
             <a:fld id="{6F01DA4D-20EA-48D2-973C-0311EC3005D6}" type="datetimeFigureOut">
               <a:rPr lang="en-US" smtClean="0"/>
-              <a:t>3/4/2025</a:t>
+              <a:t>4/3/2025</a:t>
             </a:fld>
             <a:endParaRPr lang="en-US"/>
           </a:p>
@@ -2550,7 +2550,7 @@
           <a:p>
             <a:fld id="{6F01DA4D-20EA-48D2-973C-0311EC3005D6}" type="datetimeFigureOut">
               <a:rPr lang="en-US" smtClean="0"/>
-              <a:t>3/4/2025</a:t>
+              <a:t>4/3/2025</a:t>
             </a:fld>
             <a:endParaRPr lang="en-US"/>
           </a:p>
@@ -2803,7 +2803,7 @@
           <a:p>
             <a:fld id="{6F01DA4D-20EA-48D2-973C-0311EC3005D6}" type="datetimeFigureOut">
               <a:rPr lang="en-US" smtClean="0"/>
-              <a:t>3/4/2025</a:t>
+              <a:t>4/3/2025</a:t>
             </a:fld>
             <a:endParaRPr lang="en-US"/>
           </a:p>
@@ -3016,7 +3016,7 @@
           <a:p>
             <a:fld id="{6F01DA4D-20EA-48D2-973C-0311EC3005D6}" type="datetimeFigureOut">
               <a:rPr lang="en-US" smtClean="0"/>
-              <a:t>3/4/2025</a:t>
+              <a:t>4/3/2025</a:t>
             </a:fld>
             <a:endParaRPr lang="en-US"/>
           </a:p>
@@ -3437,7 +3437,7 @@
         </p:nvSpPr>
         <p:spPr>
           <a:xfrm>
-            <a:off x="1741727" y="2374288"/>
+            <a:off x="2332994" y="2504917"/>
             <a:ext cx="8708558" cy="1323439"/>
           </a:xfrm>
           <a:prstGeom prst="rect">
@@ -3451,18 +3451,7 @@
           </a:bodyPr>
           <a:lstStyle/>
           <a:p>
-            <a:r xmlns:a="http://schemas.openxmlformats.org/drawingml/2006/main">
-              <a:rPr lang="en" sz="8000" b="1" dirty="0" err="1" smtClean="0">
-                <a:solidFill>
-                  <a:srgbClr val="7030A0"/>
-                </a:solidFill>
-                <a:latin typeface="Segoe UI" panose="020B0502040204020203" pitchFamily="34" charset="0"/>
-                <a:ea typeface="Verdana" panose="020B0604030504040204" pitchFamily="34" charset="0"/>
-                <a:cs typeface="Segoe UI" panose="020B0502040204020203" pitchFamily="34" charset="0"/>
-              </a:rPr>
-              <a:t>Shapes</a:t>
-            </a:r>
-            <a:r xmlns:a="http://schemas.openxmlformats.org/drawingml/2006/main">
+            <a:r>
               <a:rPr lang="en" sz="8000" b="1" dirty="0" smtClean="0">
                 <a:solidFill>
                   <a:srgbClr val="7030A0"/>
@@ -3471,10 +3460,10 @@
                 <a:ea typeface="Verdana" panose="020B0604030504040204" pitchFamily="34" charset="0"/>
                 <a:cs typeface="Segoe UI" panose="020B0502040204020203" pitchFamily="34" charset="0"/>
               </a:rPr>
-              <a:t> </a:t>
-            </a:r>
-            <a:r xmlns:a="http://schemas.openxmlformats.org/drawingml/2006/main">
-              <a:rPr lang="en" sz="8000" b="1" dirty="0" err="1" smtClean="0">
+              <a:t>N</a:t>
+            </a:r>
+            <a:r>
+              <a:rPr lang="en" sz="8000" b="1" dirty="0" smtClean="0">
                 <a:solidFill>
                   <a:srgbClr val="7030A0"/>
                 </a:solidFill>
@@ -3482,9 +3471,9 @@
                 <a:ea typeface="Verdana" panose="020B0604030504040204" pitchFamily="34" charset="0"/>
                 <a:cs typeface="Segoe UI" panose="020B0502040204020203" pitchFamily="34" charset="0"/>
               </a:rPr>
-              <a:t>normal</a:t>
-            </a:r>
-            <a:endParaRPr xmlns:a="http://schemas.openxmlformats.org/drawingml/2006/main" lang="en-US" sz="8000" b="1" dirty="0">
+              <a:t>ormal forms</a:t>
+            </a:r>
+            <a:endParaRPr lang="en-US" sz="8000" b="1" dirty="0">
               <a:solidFill>
                 <a:srgbClr val="7030A0"/>
               </a:solidFill>
@@ -3503,7 +3492,7 @@
         </p:nvSpPr>
         <p:spPr>
           <a:xfrm>
-            <a:off x="1680996" y="2320433"/>
+            <a:off x="2264242" y="2504916"/>
             <a:ext cx="8708558" cy="1323439"/>
           </a:xfrm>
           <a:prstGeom prst="rect">
@@ -3517,8 +3506,8 @@
           </a:bodyPr>
           <a:lstStyle/>
           <a:p>
-            <a:r xmlns:a="http://schemas.openxmlformats.org/drawingml/2006/main">
-              <a:rPr lang="en" sz="8000" b="1" dirty="0" err="1" smtClean="0">
+            <a:r>
+              <a:rPr lang="fr-FR" sz="8000" b="1" dirty="0" smtClean="0">
                 <a:solidFill>
                   <a:schemeClr val="bg1"/>
                 </a:solidFill>
@@ -3526,10 +3515,10 @@
                 <a:ea typeface="Verdana" panose="020B0604030504040204" pitchFamily="34" charset="0"/>
                 <a:cs typeface="Segoe UI" panose="020B0502040204020203" pitchFamily="34" charset="0"/>
               </a:rPr>
-              <a:t>Shapes</a:t>
-            </a:r>
-            <a:r xmlns:a="http://schemas.openxmlformats.org/drawingml/2006/main">
-              <a:rPr lang="en" sz="8000" b="1" dirty="0" smtClean="0">
+              <a:t>Normal </a:t>
+            </a:r>
+            <a:r>
+              <a:rPr lang="fr-FR" sz="8000" b="1" dirty="0" err="1" smtClean="0">
                 <a:solidFill>
                   <a:schemeClr val="bg1"/>
                 </a:solidFill>
@@ -3537,20 +3526,9 @@
                 <a:ea typeface="Verdana" panose="020B0604030504040204" pitchFamily="34" charset="0"/>
                 <a:cs typeface="Segoe UI" panose="020B0502040204020203" pitchFamily="34" charset="0"/>
               </a:rPr>
-              <a:t> </a:t>
-            </a:r>
-            <a:r xmlns:a="http://schemas.openxmlformats.org/drawingml/2006/main">
-              <a:rPr lang="en" sz="8000" b="1" dirty="0" err="1" smtClean="0">
-                <a:solidFill>
-                  <a:schemeClr val="bg1"/>
-                </a:solidFill>
-                <a:latin typeface="Segoe UI" panose="020B0502040204020203" pitchFamily="34" charset="0"/>
-                <a:ea typeface="Verdana" panose="020B0604030504040204" pitchFamily="34" charset="0"/>
-                <a:cs typeface="Segoe UI" panose="020B0502040204020203" pitchFamily="34" charset="0"/>
-              </a:rPr>
-              <a:t>normal</a:t>
-            </a:r>
-            <a:endParaRPr xmlns:a="http://schemas.openxmlformats.org/drawingml/2006/main" lang="en-US" sz="8000" b="1" dirty="0">
+              <a:t>forms</a:t>
+            </a:r>
+            <a:endParaRPr lang="en-US" sz="8000" b="1" dirty="0">
               <a:solidFill>
                 <a:schemeClr val="bg1"/>
               </a:solidFill>
@@ -3613,14 +3591,14 @@
           </a:bodyPr>
           <a:lstStyle/>
           <a:p>
-            <a:r xmlns:a="http://schemas.openxmlformats.org/drawingml/2006/main">
+            <a:r>
               <a:rPr lang="en" sz="2000" b="1" dirty="0" smtClean="0">
                 <a:latin typeface="Segoe UI" panose="020B0502040204020203" pitchFamily="34" charset="0"/>
                 <a:cs typeface="Segoe UI" panose="020B0502040204020203" pitchFamily="34" charset="0"/>
               </a:rPr>
               <a:t>Normal forms</a:t>
             </a:r>
-            <a:endParaRPr xmlns:a="http://schemas.openxmlformats.org/drawingml/2006/main" lang="en-US" sz="2000" b="1" dirty="0">
+            <a:endParaRPr lang="en-US" sz="2000" b="1" dirty="0">
               <a:latin typeface="Segoe UI" panose="020B0502040204020203" pitchFamily="34" charset="0"/>
               <a:cs typeface="Segoe UI" panose="020B0502040204020203" pitchFamily="34" charset="0"/>
             </a:endParaRPr>
@@ -3686,7 +3664,7 @@
           </a:bodyPr>
           <a:lstStyle/>
           <a:p>
-            <a:pPr xmlns:a="http://schemas.openxmlformats.org/drawingml/2006/main" marR="0" lvl="0" indent="14288" algn="l" defTabSz="914400" rtl="0" eaLnBrk="0" fontAlgn="base" latinLnBrk="0" hangingPunct="0">
+            <a:pPr marR="0" lvl="0" indent="14288" algn="l" defTabSz="914400" rtl="0" eaLnBrk="0" fontAlgn="base" latinLnBrk="0" hangingPunct="0">
               <a:lnSpc>
                 <a:spcPct val="100000"/>
               </a:lnSpc>
@@ -3702,31 +3680,25 @@
               <a:buChar char="•"/>
               <a:tabLst/>
             </a:pPr>
-            <a:r xmlns:a="http://schemas.openxmlformats.org/drawingml/2006/main">
+            <a:r>
               <a:rPr lang="en" altLang="en-US" sz="2000" b="1" dirty="0" smtClean="0">
                 <a:latin typeface="Arial" panose="020B0604020202020204" pitchFamily="34" charset="0"/>
               </a:rPr>
               <a:t>1NF </a:t>
             </a:r>
-            <a:r xmlns:a="http://schemas.openxmlformats.org/drawingml/2006/main">
+            <a:r>
               <a:rPr lang="en" altLang="en-US" sz="2000" dirty="0" smtClean="0">
                 <a:latin typeface="Arial" panose="020B0604020202020204" pitchFamily="34" charset="0"/>
               </a:rPr>
-              <a:t>table again </a:t>
-            </a:r>
-            <a:r xmlns:a="http://schemas.openxmlformats.org/drawingml/2006/main">
-              <a:rPr lang="en" altLang="en-US" sz="2000" dirty="0" smtClean="0">
-                <a:latin typeface="Arial" panose="020B0604020202020204" pitchFamily="34" charset="0"/>
-              </a:rPr>
-              <a:t>and call it </a:t>
-            </a:r>
-            <a:r xmlns:a="http://schemas.openxmlformats.org/drawingml/2006/main">
+              <a:t>table again and call it </a:t>
+            </a:r>
+            <a:r>
               <a:rPr lang="en" altLang="en-US" sz="2000" b="1" dirty="0" err="1" smtClean="0">
                 <a:latin typeface="Arial" panose="020B0604020202020204" pitchFamily="34" charset="0"/>
               </a:rPr>
               <a:t>Customers</a:t>
             </a:r>
-            <a:endParaRPr xmlns:a="http://schemas.openxmlformats.org/drawingml/2006/main" lang="fr-FR" altLang="en-US" sz="2000" b="1" dirty="0" smtClean="0">
+            <a:endParaRPr lang="fr-FR" altLang="en-US" sz="2000" b="1" dirty="0" smtClean="0">
               <a:latin typeface="Arial" panose="020B0604020202020204" pitchFamily="34" charset="0"/>
             </a:endParaRPr>
           </a:p>
@@ -3791,7 +3763,7 @@
           </a:bodyPr>
           <a:lstStyle/>
           <a:p>
-            <a:pPr xmlns:a="http://schemas.openxmlformats.org/drawingml/2006/main" marR="0" lvl="0" indent="14288" algn="l" defTabSz="914400" rtl="0" eaLnBrk="0" fontAlgn="base" latinLnBrk="0" hangingPunct="0">
+            <a:pPr marR="0" lvl="0" indent="14288" algn="l" defTabSz="914400" rtl="0" eaLnBrk="0" fontAlgn="base" latinLnBrk="0" hangingPunct="0">
               <a:lnSpc>
                 <a:spcPct val="100000"/>
               </a:lnSpc>
@@ -3807,19 +3779,19 @@
               <a:buChar char="•"/>
               <a:tabLst/>
             </a:pPr>
-            <a:r xmlns:a="http://schemas.openxmlformats.org/drawingml/2006/main">
+            <a:r>
               <a:rPr lang="en" altLang="en-US" sz="2000" dirty="0" smtClean="0">
                 <a:latin typeface="Arial" panose="020B0604020202020204" pitchFamily="34" charset="0"/>
               </a:rPr>
               <a:t>Delete all columns except the </a:t>
             </a:r>
-            <a:r xmlns:a="http://schemas.openxmlformats.org/drawingml/2006/main">
+            <a:r>
               <a:rPr lang="en" altLang="en-US" sz="2000" b="1" dirty="0" err="1" smtClean="0">
                 <a:latin typeface="Arial" panose="020B0604020202020204" pitchFamily="34" charset="0"/>
               </a:rPr>
               <a:t>Customers column</a:t>
             </a:r>
-            <a:endParaRPr xmlns:a="http://schemas.openxmlformats.org/drawingml/2006/main" lang="fr-FR" altLang="en-US" sz="2000" b="1" dirty="0" smtClean="0">
+            <a:endParaRPr lang="fr-FR" altLang="en-US" sz="2000" b="1" dirty="0" smtClean="0">
               <a:latin typeface="Arial" panose="020B0604020202020204" pitchFamily="34" charset="0"/>
             </a:endParaRPr>
           </a:p>
@@ -3884,7 +3856,7 @@
           </a:bodyPr>
           <a:lstStyle/>
           <a:p>
-            <a:pPr xmlns:a="http://schemas.openxmlformats.org/drawingml/2006/main" marR="0" lvl="0" indent="14288" algn="l" defTabSz="914400" rtl="0" eaLnBrk="0" fontAlgn="base" latinLnBrk="0" hangingPunct="0">
+            <a:pPr marR="0" lvl="0" indent="14288" algn="l" defTabSz="914400" rtl="0" eaLnBrk="0" fontAlgn="base" latinLnBrk="0" hangingPunct="0">
               <a:lnSpc>
                 <a:spcPct val="100000"/>
               </a:lnSpc>
@@ -3900,19 +3872,19 @@
               <a:buChar char="•"/>
               <a:tabLst/>
             </a:pPr>
-            <a:r xmlns:a="http://schemas.openxmlformats.org/drawingml/2006/main">
+            <a:r>
               <a:rPr lang="en" altLang="en-US" sz="2000" dirty="0" smtClean="0">
                 <a:latin typeface="Arial" panose="020B0604020202020204" pitchFamily="34" charset="0"/>
               </a:rPr>
               <a:t>Eliminate duplication in the </a:t>
             </a:r>
-            <a:r xmlns:a="http://schemas.openxmlformats.org/drawingml/2006/main">
+            <a:r>
               <a:rPr lang="en" altLang="en-US" sz="2000" b="1" dirty="0" err="1" smtClean="0">
                 <a:latin typeface="Arial" panose="020B0604020202020204" pitchFamily="34" charset="0"/>
               </a:rPr>
               <a:t>Customers column</a:t>
             </a:r>
-            <a:endParaRPr xmlns:a="http://schemas.openxmlformats.org/drawingml/2006/main" lang="fr-FR" altLang="en-US" sz="2000" b="1" dirty="0" smtClean="0">
+            <a:endParaRPr lang="fr-FR" altLang="en-US" sz="2000" b="1" dirty="0" smtClean="0">
               <a:latin typeface="Arial" panose="020B0604020202020204" pitchFamily="34" charset="0"/>
             </a:endParaRPr>
           </a:p>
@@ -4042,14 +4014,14 @@
           </a:bodyPr>
           <a:lstStyle/>
           <a:p>
-            <a:r xmlns:a="http://schemas.openxmlformats.org/drawingml/2006/main">
+            <a:r>
               <a:rPr lang="en" sz="2000" b="1" dirty="0" smtClean="0">
                 <a:latin typeface="Segoe UI" panose="020B0502040204020203" pitchFamily="34" charset="0"/>
                 <a:cs typeface="Segoe UI" panose="020B0502040204020203" pitchFamily="34" charset="0"/>
               </a:rPr>
               <a:t>Normal forms</a:t>
             </a:r>
-            <a:endParaRPr xmlns:a="http://schemas.openxmlformats.org/drawingml/2006/main" lang="en-US" sz="2000" b="1" dirty="0">
+            <a:endParaRPr lang="en-US" sz="2000" b="1" dirty="0">
               <a:latin typeface="Segoe UI" panose="020B0502040204020203" pitchFamily="34" charset="0"/>
               <a:cs typeface="Segoe UI" panose="020B0502040204020203" pitchFamily="34" charset="0"/>
             </a:endParaRPr>
@@ -4115,7 +4087,7 @@
           </a:bodyPr>
           <a:lstStyle/>
           <a:p>
-            <a:pPr xmlns:a="http://schemas.openxmlformats.org/drawingml/2006/main" marR="0" lvl="0" indent="14288" algn="l" defTabSz="914400" rtl="0" eaLnBrk="0" fontAlgn="base" latinLnBrk="0" hangingPunct="0">
+            <a:pPr marR="0" lvl="0" indent="14288" algn="l" defTabSz="914400" rtl="0" eaLnBrk="0" fontAlgn="base" latinLnBrk="0" hangingPunct="0">
               <a:lnSpc>
                 <a:spcPct val="100000"/>
               </a:lnSpc>
@@ -4131,13 +4103,13 @@
               <a:buChar char="•"/>
               <a:tabLst/>
             </a:pPr>
-            <a:r xmlns:a="http://schemas.openxmlformats.org/drawingml/2006/main">
+            <a:r>
               <a:rPr lang="en" altLang="en-US" sz="2000" dirty="0" smtClean="0">
                 <a:latin typeface="Arial" panose="020B0604020202020204" pitchFamily="34" charset="0"/>
               </a:rPr>
               <a:t>Add a 0-based index column</a:t>
             </a:r>
-            <a:endParaRPr xmlns:a="http://schemas.openxmlformats.org/drawingml/2006/main" lang="fr-FR" altLang="en-US" sz="2000" b="1" dirty="0" smtClean="0">
+            <a:endParaRPr lang="fr-FR" altLang="en-US" sz="2000" b="1" dirty="0" smtClean="0">
               <a:latin typeface="Arial" panose="020B0604020202020204" pitchFamily="34" charset="0"/>
             </a:endParaRPr>
           </a:p>
@@ -4322,7 +4294,7 @@
           </a:bodyPr>
           <a:lstStyle/>
           <a:p>
-            <a:pPr xmlns:a="http://schemas.openxmlformats.org/drawingml/2006/main" marR="0" lvl="0" indent="14288" algn="l" defTabSz="914400" rtl="0" eaLnBrk="0" fontAlgn="base" latinLnBrk="0" hangingPunct="0">
+            <a:pPr marR="0" lvl="0" indent="14288" algn="l" defTabSz="914400" rtl="0" eaLnBrk="0" fontAlgn="base" latinLnBrk="0" hangingPunct="0">
               <a:lnSpc>
                 <a:spcPct val="100000"/>
               </a:lnSpc>
@@ -4338,25 +4310,25 @@
               <a:buChar char="•"/>
               <a:tabLst/>
             </a:pPr>
-            <a:r xmlns:a="http://schemas.openxmlformats.org/drawingml/2006/main">
+            <a:r>
               <a:rPr lang="en" altLang="en-US" sz="2000" dirty="0" smtClean="0">
                 <a:latin typeface="Arial" panose="020B0604020202020204" pitchFamily="34" charset="0"/>
               </a:rPr>
               <a:t>Rename the columns to </a:t>
             </a:r>
-            <a:r xmlns:a="http://schemas.openxmlformats.org/drawingml/2006/main">
+            <a:r>
               <a:rPr lang="en" altLang="en-US" sz="2000" dirty="0" err="1" smtClean="0">
                 <a:latin typeface="Arial" panose="020B0604020202020204" pitchFamily="34" charset="0"/>
               </a:rPr>
               <a:t>CustomerId </a:t>
             </a:r>
-            <a:r xmlns:a="http://schemas.openxmlformats.org/drawingml/2006/main">
+            <a:r>
               <a:rPr lang="en" altLang="en-US" sz="2000" dirty="0" smtClean="0">
                 <a:latin typeface="Arial" panose="020B0604020202020204" pitchFamily="34" charset="0"/>
               </a:rPr>
               <a:t>and Customer Name</a:t>
             </a:r>
-            <a:endParaRPr xmlns:a="http://schemas.openxmlformats.org/drawingml/2006/main" lang="fr-FR" altLang="en-US" sz="2000" b="1" dirty="0" smtClean="0">
+            <a:endParaRPr lang="fr-FR" altLang="en-US" sz="2000" b="1" dirty="0" smtClean="0">
               <a:latin typeface="Arial" panose="020B0604020202020204" pitchFamily="34" charset="0"/>
             </a:endParaRPr>
           </a:p>
@@ -4438,14 +4410,14 @@
           </a:bodyPr>
           <a:lstStyle/>
           <a:p>
-            <a:r xmlns:a="http://schemas.openxmlformats.org/drawingml/2006/main">
+            <a:r>
               <a:rPr lang="en" sz="2000" b="1" dirty="0" smtClean="0">
                 <a:latin typeface="Segoe UI" panose="020B0502040204020203" pitchFamily="34" charset="0"/>
                 <a:cs typeface="Segoe UI" panose="020B0502040204020203" pitchFamily="34" charset="0"/>
               </a:rPr>
               <a:t>Normal forms</a:t>
             </a:r>
-            <a:endParaRPr xmlns:a="http://schemas.openxmlformats.org/drawingml/2006/main" lang="en-US" sz="2000" b="1" dirty="0">
+            <a:endParaRPr lang="en-US" sz="2000" b="1" dirty="0">
               <a:latin typeface="Segoe UI" panose="020B0502040204020203" pitchFamily="34" charset="0"/>
               <a:cs typeface="Segoe UI" panose="020B0502040204020203" pitchFamily="34" charset="0"/>
             </a:endParaRPr>
@@ -4515,31 +4487,27 @@
           </a:bodyPr>
           <a:lstStyle/>
           <a:p>
-            <a:r xmlns:a="http://schemas.openxmlformats.org/drawingml/2006/main">
+            <a:r>
               <a:rPr lang="en" sz="2000" b="1" dirty="0"/>
               <a:t>1NF </a:t>
             </a:r>
-            <a:r xmlns:a="http://schemas.openxmlformats.org/drawingml/2006/main">
+            <a:r>
               <a:rPr lang="en" sz="2000" dirty="0"/>
-              <a:t>table </a:t>
-            </a:r>
-            <a:r xmlns:a="http://schemas.openxmlformats.org/drawingml/2006/main">
-              <a:rPr lang="en" sz="2000" dirty="0"/>
-              <a:t>to </a:t>
-            </a:r>
-            <a:r xmlns:a="http://schemas.openxmlformats.org/drawingml/2006/main">
+              <a:t>table to </a:t>
+            </a:r>
+            <a:r>
               <a:rPr lang="en" sz="2000" b="1" dirty="0"/>
               <a:t>Sales </a:t>
             </a:r>
-            <a:r xmlns:a="http://schemas.openxmlformats.org/drawingml/2006/main">
+            <a:r>
               <a:rPr lang="en" sz="2000" dirty="0"/>
               <a:t>and add a conditional column </a:t>
             </a:r>
-            <a:r xmlns:a="http://schemas.openxmlformats.org/drawingml/2006/main">
+            <a:r>
               <a:rPr lang="en" sz="2000" b="1" dirty="0"/>
               <a:t>Customer ID</a:t>
             </a:r>
-            <a:endParaRPr xmlns:a="http://schemas.openxmlformats.org/drawingml/2006/main" lang="en-US" sz="2000" b="1" dirty="0"/>
+            <a:endParaRPr lang="en-US" sz="2000" b="1" dirty="0"/>
           </a:p>
         </p:txBody>
       </p:sp>
@@ -4595,14 +4563,14 @@
           </a:bodyPr>
           <a:lstStyle/>
           <a:p>
-            <a:r xmlns:a="http://schemas.openxmlformats.org/drawingml/2006/main">
+            <a:r>
               <a:rPr lang="en" sz="2000" b="1" dirty="0" smtClean="0">
                 <a:latin typeface="Segoe UI" panose="020B0502040204020203" pitchFamily="34" charset="0"/>
                 <a:cs typeface="Segoe UI" panose="020B0502040204020203" pitchFamily="34" charset="0"/>
               </a:rPr>
               <a:t>Normal forms</a:t>
             </a:r>
-            <a:endParaRPr xmlns:a="http://schemas.openxmlformats.org/drawingml/2006/main" lang="en-US" sz="2000" b="1" dirty="0">
+            <a:endParaRPr lang="en-US" sz="2000" b="1" dirty="0">
               <a:latin typeface="Segoe UI" panose="020B0502040204020203" pitchFamily="34" charset="0"/>
               <a:cs typeface="Segoe UI" panose="020B0502040204020203" pitchFamily="34" charset="0"/>
             </a:endParaRPr>
@@ -4630,27 +4598,19 @@
           </a:bodyPr>
           <a:lstStyle/>
           <a:p>
-            <a:r xmlns:a="http://schemas.openxmlformats.org/drawingml/2006/main">
+            <a:r>
               <a:rPr lang="en" sz="2000" dirty="0"/>
-              <a:t>Add </a:t>
-            </a:r>
-            <a:r xmlns:a="http://schemas.openxmlformats.org/drawingml/2006/main">
-              <a:rPr lang="en" sz="2000" dirty="0"/>
-              <a:t>a conditional </a:t>
-            </a:r>
-            <a:r xmlns:a="http://schemas.openxmlformats.org/drawingml/2006/main">
+              <a:t>Add a conditional </a:t>
+            </a:r>
+            <a:r>
               <a:rPr lang="en" sz="2000" b="1" dirty="0" smtClean="0"/>
               <a:t>Location ID column </a:t>
             </a:r>
-            <a:r xmlns:a="http://schemas.openxmlformats.org/drawingml/2006/main">
+            <a:r>
               <a:rPr lang="en" sz="2000" dirty="0" smtClean="0"/>
               <a:t>by following the same procedure above </a:t>
             </a:r>
-            <a:endParaRPr xmlns:a="http://schemas.openxmlformats.org/drawingml/2006/main" lang="en-US" sz="2000" dirty="0"/>
-            <a:r xmlns:a="http://schemas.openxmlformats.org/drawingml/2006/main">
-              <a:rPr lang="en" sz="2000" dirty="0" smtClean="0"/>
-              <a:t>.</a:t>
-            </a:r>
+            <a:endParaRPr lang="en-US" sz="2000" dirty="0"/>
           </a:p>
         </p:txBody>
       </p:sp>
@@ -4730,14 +4690,14 @@
           </a:bodyPr>
           <a:lstStyle/>
           <a:p>
-            <a:r xmlns:a="http://schemas.openxmlformats.org/drawingml/2006/main">
+            <a:r>
               <a:rPr lang="en" sz="2000" b="1" dirty="0" smtClean="0">
                 <a:latin typeface="Segoe UI" panose="020B0502040204020203" pitchFamily="34" charset="0"/>
                 <a:cs typeface="Segoe UI" panose="020B0502040204020203" pitchFamily="34" charset="0"/>
               </a:rPr>
               <a:t>Normal forms</a:t>
             </a:r>
-            <a:endParaRPr xmlns:a="http://schemas.openxmlformats.org/drawingml/2006/main" lang="en-US" sz="2000" b="1" dirty="0">
+            <a:endParaRPr lang="en-US" sz="2000" b="1" dirty="0">
               <a:latin typeface="Segoe UI" panose="020B0502040204020203" pitchFamily="34" charset="0"/>
               <a:cs typeface="Segoe UI" panose="020B0502040204020203" pitchFamily="34" charset="0"/>
             </a:endParaRPr>
@@ -4765,31 +4725,31 @@
           </a:bodyPr>
           <a:lstStyle/>
           <a:p>
-            <a:r xmlns:a="http://schemas.openxmlformats.org/drawingml/2006/main">
+            <a:r>
               <a:rPr lang="en" sz="2000" dirty="0" smtClean="0"/>
               <a:t>Remove the two </a:t>
             </a:r>
-            <a:r xmlns:a="http://schemas.openxmlformats.org/drawingml/2006/main">
+            <a:r>
               <a:rPr lang="en" sz="2000" b="1" dirty="0" err="1" smtClean="0"/>
               <a:t>Customers </a:t>
             </a:r>
-            <a:r xmlns:a="http://schemas.openxmlformats.org/drawingml/2006/main">
+            <a:r>
               <a:rPr lang="en" sz="2000" dirty="0" smtClean="0"/>
               <a:t>and </a:t>
             </a:r>
-            <a:r xmlns:a="http://schemas.openxmlformats.org/drawingml/2006/main">
+            <a:r>
               <a:rPr lang="en" sz="2000" b="1" dirty="0" smtClean="0"/>
               <a:t>Locations columns </a:t>
             </a:r>
-            <a:r xmlns:a="http://schemas.openxmlformats.org/drawingml/2006/main">
+            <a:r>
               <a:rPr lang="en" sz="2000" dirty="0" smtClean="0"/>
               <a:t>in </a:t>
             </a:r>
-            <a:r xmlns:a="http://schemas.openxmlformats.org/drawingml/2006/main">
+            <a:r>
               <a:rPr lang="en" sz="2000" b="1" dirty="0" smtClean="0"/>
               <a:t>Sales</a:t>
             </a:r>
-            <a:endParaRPr xmlns:a="http://schemas.openxmlformats.org/drawingml/2006/main" lang="en-US" sz="2000" b="1" dirty="0"/>
+            <a:endParaRPr lang="en-US" sz="2000" b="1" dirty="0"/>
           </a:p>
         </p:txBody>
       </p:sp>
@@ -4814,31 +4774,31 @@
           </a:bodyPr>
           <a:lstStyle/>
           <a:p>
-            <a:r xmlns:a="http://schemas.openxmlformats.org/drawingml/2006/main">
+            <a:r>
               <a:rPr lang="en" sz="2000" dirty="0" smtClean="0"/>
               <a:t>Position the </a:t>
             </a:r>
-            <a:r xmlns:a="http://schemas.openxmlformats.org/drawingml/2006/main">
+            <a:r>
               <a:rPr lang="en" sz="2000" b="1" dirty="0" err="1" smtClean="0"/>
               <a:t>Customers </a:t>
             </a:r>
-            <a:r xmlns:a="http://schemas.openxmlformats.org/drawingml/2006/main">
+            <a:r>
               <a:rPr lang="en" sz="2000" b="1" dirty="0" smtClean="0"/>
               <a:t>ID </a:t>
             </a:r>
-            <a:r xmlns:a="http://schemas.openxmlformats.org/drawingml/2006/main">
+            <a:r>
               <a:rPr lang="en" sz="2000" dirty="0" smtClean="0"/>
               <a:t>and </a:t>
             </a:r>
-            <a:r xmlns:a="http://schemas.openxmlformats.org/drawingml/2006/main">
+            <a:r>
               <a:rPr lang="en" sz="2000" b="1" dirty="0" smtClean="0"/>
               <a:t>Location ID columns </a:t>
             </a:r>
-            <a:r xmlns:a="http://schemas.openxmlformats.org/drawingml/2006/main">
+            <a:r>
               <a:rPr lang="en" sz="2000" dirty="0" smtClean="0"/>
               <a:t>at the beginning</a:t>
             </a:r>
-            <a:endParaRPr xmlns:a="http://schemas.openxmlformats.org/drawingml/2006/main" lang="en-US" sz="2000" dirty="0"/>
+            <a:endParaRPr lang="en-US" sz="2000" dirty="0"/>
           </a:p>
         </p:txBody>
       </p:sp>
@@ -4863,35 +4823,31 @@
           </a:bodyPr>
           <a:lstStyle/>
           <a:p>
-            <a:r xmlns:a="http://schemas.openxmlformats.org/drawingml/2006/main">
+            <a:r>
               <a:rPr lang="en" sz="2000" b="1" dirty="0" err="1" smtClean="0"/>
               <a:t>the Customers </a:t>
             </a:r>
-            <a:r xmlns:a="http://schemas.openxmlformats.org/drawingml/2006/main">
+            <a:r>
               <a:rPr lang="en" sz="2000" b="1" dirty="0" smtClean="0"/>
               <a:t>ID </a:t>
             </a:r>
-            <a:r xmlns:a="http://schemas.openxmlformats.org/drawingml/2006/main">
+            <a:r>
               <a:rPr lang="en" sz="2000" dirty="0" smtClean="0"/>
               <a:t>and </a:t>
             </a:r>
-            <a:r xmlns:a="http://schemas.openxmlformats.org/drawingml/2006/main">
+            <a:r>
               <a:rPr lang="en" sz="2000" b="1" dirty="0" smtClean="0"/>
               <a:t>Location ID </a:t>
             </a:r>
-            <a:r xmlns:a="http://schemas.openxmlformats.org/drawingml/2006/main">
+            <a:r>
               <a:rPr lang="en" sz="2000" dirty="0" smtClean="0"/>
-              <a:t>columns </a:t>
-            </a:r>
-            <a:r xmlns:a="http://schemas.openxmlformats.org/drawingml/2006/main">
-              <a:rPr lang="en" sz="2000" dirty="0" smtClean="0"/>
-              <a:t>is </a:t>
-            </a:r>
-            <a:r xmlns:a="http://schemas.openxmlformats.org/drawingml/2006/main">
+              <a:t>columns is </a:t>
+            </a:r>
+            <a:r>
               <a:rPr lang="en" sz="2000" b="1" dirty="0" err="1" smtClean="0"/>
               <a:t>Number</a:t>
             </a:r>
-            <a:endParaRPr xmlns:a="http://schemas.openxmlformats.org/drawingml/2006/main" lang="en-US" sz="2000" b="1" dirty="0"/>
+            <a:endParaRPr lang="en-US" sz="2000" b="1" dirty="0"/>
           </a:p>
         </p:txBody>
       </p:sp>
@@ -5102,14 +5058,14 @@
           </a:bodyPr>
           <a:lstStyle/>
           <a:p>
-            <a:r xmlns:a="http://schemas.openxmlformats.org/drawingml/2006/main">
+            <a:r>
               <a:rPr lang="en" sz="2000" b="1" dirty="0" smtClean="0">
                 <a:latin typeface="Segoe UI" panose="020B0502040204020203" pitchFamily="34" charset="0"/>
                 <a:cs typeface="Segoe UI" panose="020B0502040204020203" pitchFamily="34" charset="0"/>
               </a:rPr>
               <a:t>Normal forms</a:t>
             </a:r>
-            <a:endParaRPr xmlns:a="http://schemas.openxmlformats.org/drawingml/2006/main" lang="en-US" sz="2000" b="1" dirty="0">
+            <a:endParaRPr lang="en-US" sz="2000" b="1" dirty="0">
               <a:latin typeface="Segoe UI" panose="020B0502040204020203" pitchFamily="34" charset="0"/>
               <a:cs typeface="Segoe UI" panose="020B0502040204020203" pitchFamily="34" charset="0"/>
             </a:endParaRPr>
@@ -5137,11 +5093,11 @@
           </a:bodyPr>
           <a:lstStyle/>
           <a:p>
-            <a:r xmlns:a="http://schemas.openxmlformats.org/drawingml/2006/main">
+            <a:r>
               <a:rPr lang="en" sz="2000" dirty="0"/>
               <a:t>View tables in model space.</a:t>
             </a:r>
-            <a:endParaRPr xmlns:a="http://schemas.openxmlformats.org/drawingml/2006/main" lang="en-US" sz="2000" dirty="0"/>
+            <a:endParaRPr lang="en-US" sz="2000" dirty="0"/>
           </a:p>
         </p:txBody>
       </p:sp>
@@ -5230,8 +5186,8 @@
         </p:nvSpPr>
         <p:spPr>
           <a:xfrm>
-            <a:off x="4084981" y="2485566"/>
-            <a:ext cx="3456395" cy="1569660"/>
+            <a:off x="3060578" y="2430564"/>
+            <a:ext cx="6230360" cy="1569660"/>
           </a:xfrm>
           <a:prstGeom prst="rect">
             <a:avLst/>
@@ -5244,8 +5200,8 @@
           </a:bodyPr>
           <a:lstStyle/>
           <a:p>
-            <a:r xmlns:a="http://schemas.openxmlformats.org/drawingml/2006/main">
-              <a:rPr lang="en" sz="9600" b="1" dirty="0" smtClean="0">
+            <a:r>
+              <a:rPr lang="en-US" sz="9600" b="1" dirty="0" smtClean="0">
                 <a:solidFill>
                   <a:srgbClr val="7030A0"/>
                 </a:solidFill>
@@ -5253,9 +5209,9 @@
                 <a:ea typeface="Verdana" panose="020B0604030504040204" pitchFamily="34" charset="0"/>
                 <a:cs typeface="Segoe UI" panose="020B0502040204020203" pitchFamily="34" charset="0"/>
               </a:rPr>
-              <a:t>THANKS</a:t>
-            </a:r>
-            <a:endParaRPr xmlns:a="http://schemas.openxmlformats.org/drawingml/2006/main" lang="en-US" sz="9600" b="1" dirty="0">
+              <a:t>Thank you</a:t>
+            </a:r>
+            <a:endParaRPr lang="en-US" sz="9600" b="1" dirty="0">
               <a:solidFill>
                 <a:srgbClr val="7030A0"/>
               </a:solidFill>
@@ -5274,8 +5230,8 @@
         </p:nvSpPr>
         <p:spPr>
           <a:xfrm>
-            <a:off x="4014739" y="2410365"/>
-            <a:ext cx="3456395" cy="1569660"/>
+            <a:off x="2990336" y="2355363"/>
+            <a:ext cx="6230360" cy="1569660"/>
           </a:xfrm>
           <a:prstGeom prst="rect">
             <a:avLst/>
@@ -5288,8 +5244,8 @@
           </a:bodyPr>
           <a:lstStyle/>
           <a:p>
-            <a:r xmlns:a="http://schemas.openxmlformats.org/drawingml/2006/main">
-              <a:rPr lang="en" sz="9600" b="1" dirty="0" smtClean="0">
+            <a:r>
+              <a:rPr lang="en-US" sz="9600" b="1" dirty="0" smtClean="0">
                 <a:solidFill>
                   <a:schemeClr val="bg1"/>
                 </a:solidFill>
@@ -5297,9 +5253,9 @@
                 <a:ea typeface="Verdana" panose="020B0604030504040204" pitchFamily="34" charset="0"/>
                 <a:cs typeface="Segoe UI" panose="020B0502040204020203" pitchFamily="34" charset="0"/>
               </a:rPr>
-              <a:t>THANKS</a:t>
-            </a:r>
-            <a:endParaRPr xmlns:a="http://schemas.openxmlformats.org/drawingml/2006/main" lang="en-US" sz="9600" b="1" dirty="0">
+              <a:t>Thank you</a:t>
+            </a:r>
+            <a:endParaRPr lang="en-US" sz="9600" b="1" dirty="0">
               <a:solidFill>
                 <a:schemeClr val="bg1"/>
               </a:solidFill>
@@ -5401,14 +5357,14 @@
           </a:bodyPr>
           <a:lstStyle/>
           <a:p>
-            <a:r xmlns:a="http://schemas.openxmlformats.org/drawingml/2006/main">
+            <a:r>
               <a:rPr lang="en" sz="2000" b="1" dirty="0" smtClean="0">
                 <a:latin typeface="Segoe UI" panose="020B0502040204020203" pitchFamily="34" charset="0"/>
                 <a:cs typeface="Segoe UI" panose="020B0502040204020203" pitchFamily="34" charset="0"/>
               </a:rPr>
               <a:t>Normal forms</a:t>
             </a:r>
-            <a:endParaRPr xmlns:a="http://schemas.openxmlformats.org/drawingml/2006/main" lang="en-US" sz="2000" b="1" dirty="0">
+            <a:endParaRPr lang="en-US" sz="2000" b="1" dirty="0">
               <a:latin typeface="Segoe UI" panose="020B0502040204020203" pitchFamily="34" charset="0"/>
               <a:cs typeface="Segoe UI" panose="020B0502040204020203" pitchFamily="34" charset="0"/>
             </a:endParaRPr>
@@ -5436,35 +5392,31 @@
           </a:bodyPr>
           <a:lstStyle/>
           <a:p>
-            <a:r xmlns:a="http://schemas.openxmlformats.org/drawingml/2006/main">
+            <a:r>
               <a:rPr lang="en" sz="2000" b="1" dirty="0"/>
               <a:t>Note: </a:t>
             </a:r>
-            <a:r xmlns:a="http://schemas.openxmlformats.org/drawingml/2006/main">
+            <a:r>
               <a:rPr lang="en" sz="2000" dirty="0" smtClean="0"/>
               <a:t>This workshop uses the </a:t>
             </a:r>
-            <a:r xmlns:a="http://schemas.openxmlformats.org/drawingml/2006/main">
+            <a:r>
               <a:rPr lang="en" sz="2000" b="1" dirty="0"/>
               <a:t>Customers.xlsx </a:t>
             </a:r>
-            <a:r xmlns:a="http://schemas.openxmlformats.org/drawingml/2006/main">
+            <a:r>
               <a:rPr lang="en" sz="2000" dirty="0"/>
               <a:t>file located in the </a:t>
             </a:r>
-            <a:r xmlns:a="http://schemas.openxmlformats.org/drawingml/2006/main">
+            <a:r>
               <a:rPr lang="en" sz="2000" b="1" dirty="0" err="1" smtClean="0"/>
               <a:t>resources </a:t>
             </a:r>
-            <a:r xmlns:a="http://schemas.openxmlformats.org/drawingml/2006/main">
+            <a:r>
               <a:rPr lang="en" sz="2000" b="1" dirty="0" smtClean="0"/>
               <a:t>\Advanced Transformations </a:t>
             </a:r>
-            <a:endParaRPr xmlns:a="http://schemas.openxmlformats.org/drawingml/2006/main" lang="en-US" sz="2000" b="1" dirty="0"/>
-            <a:r xmlns:a="http://schemas.openxmlformats.org/drawingml/2006/main">
-              <a:rPr lang="en" sz="2000" dirty="0"/>
-              <a:t>folder</a:t>
-            </a:r>
+            <a:endParaRPr lang="en-US" sz="2000" b="1" dirty="0"/>
           </a:p>
         </p:txBody>
       </p:sp>
@@ -5489,19 +5441,15 @@
           </a:bodyPr>
           <a:lstStyle/>
           <a:p>
-            <a:r xmlns:a="http://schemas.openxmlformats.org/drawingml/2006/main">
+            <a:r>
               <a:rPr lang="en" sz="2000" b="1" dirty="0"/>
               <a:t>Customers.xlsx </a:t>
             </a:r>
-            <a:r xmlns:a="http://schemas.openxmlformats.org/drawingml/2006/main">
+            <a:r>
               <a:rPr lang="en" sz="2000" dirty="0"/>
-              <a:t>file </a:t>
-            </a:r>
-            <a:r xmlns:a="http://schemas.openxmlformats.org/drawingml/2006/main">
-              <a:rPr lang="en" sz="2000" dirty="0"/>
-              <a:t>into the query editor. The workbook contains five examples of normal form violations.</a:t>
-            </a:r>
-            <a:endParaRPr xmlns:a="http://schemas.openxmlformats.org/drawingml/2006/main" lang="en-US" sz="2000" dirty="0"/>
+              <a:t>file into the query editor. The workbook contains five examples of normal form violations.</a:t>
+            </a:r>
+            <a:endParaRPr lang="en-US" sz="2000" dirty="0"/>
           </a:p>
         </p:txBody>
       </p:sp>
@@ -5556,7 +5504,7 @@
           </a:bodyPr>
           <a:lstStyle/>
           <a:p>
-            <a:pPr xmlns:a="http://schemas.openxmlformats.org/drawingml/2006/main" lvl="0">
+            <a:pPr lvl="0">
               <a:lnSpc>
                 <a:spcPct val="107000"/>
               </a:lnSpc>
@@ -5564,7 +5512,7 @@
                 <a:spcPts val="800"/>
               </a:spcAft>
             </a:pPr>
-            <a:r xmlns:a="http://schemas.openxmlformats.org/drawingml/2006/main">
+            <a:r>
               <a:rPr lang="en" b="1" dirty="0" smtClean="0">
                 <a:latin typeface="Segoe UI" panose="020B0502040204020203" pitchFamily="34" charset="0"/>
                 <a:ea typeface="Calibri" panose="020F0502020204030204" pitchFamily="34" charset="0"/>
@@ -5572,20 +5520,12 @@
               </a:rPr>
               <a:t>1NF.xlsx </a:t>
             </a:r>
-            <a:endParaRPr xmlns:a="http://schemas.openxmlformats.org/drawingml/2006/main" lang="en-US" sz="1400" b="1" dirty="0">
+            <a:endParaRPr lang="en-US" sz="1400" b="1" dirty="0">
               <a:effectLst/>
               <a:latin typeface="Calibri" panose="020F0502020204030204" pitchFamily="34" charset="0"/>
               <a:ea typeface="Calibri" panose="020F0502020204030204" pitchFamily="34" charset="0"/>
               <a:cs typeface="Times New Roman" panose="02020603050405020304" pitchFamily="18" charset="0"/>
             </a:endParaRPr>
-            <a:r xmlns:a="http://schemas.openxmlformats.org/drawingml/2006/main">
-              <a:rPr lang="en" dirty="0" smtClean="0">
-                <a:latin typeface="Segoe UI" panose="020B0502040204020203" pitchFamily="34" charset="0"/>
-                <a:ea typeface="Calibri" panose="020F0502020204030204" pitchFamily="34" charset="0"/>
-                <a:cs typeface="Times New Roman" panose="02020603050405020304" pitchFamily="18" charset="0"/>
-              </a:rPr>
-              <a:t>file</a:t>
-            </a:r>
           </a:p>
         </p:txBody>
       </p:sp>
@@ -5611,14 +5551,14 @@
           </a:bodyPr>
           <a:lstStyle/>
           <a:p>
-            <a:r xmlns:a="http://schemas.openxmlformats.org/drawingml/2006/main">
+            <a:r>
               <a:rPr lang="en" sz="2000" b="1" dirty="0" smtClean="0">
                 <a:latin typeface="Segoe UI" panose="020B0502040204020203" pitchFamily="34" charset="0"/>
                 <a:cs typeface="Segoe UI" panose="020B0502040204020203" pitchFamily="34" charset="0"/>
               </a:rPr>
               <a:t>Normal forms</a:t>
             </a:r>
-            <a:endParaRPr xmlns:a="http://schemas.openxmlformats.org/drawingml/2006/main" lang="en-US" sz="2000" b="1" dirty="0">
+            <a:endParaRPr lang="en-US" sz="2000" b="1" dirty="0">
               <a:latin typeface="Segoe UI" panose="020B0502040204020203" pitchFamily="34" charset="0"/>
               <a:cs typeface="Segoe UI" panose="020B0502040204020203" pitchFamily="34" charset="0"/>
             </a:endParaRPr>
@@ -5670,11 +5610,11 @@
           </a:bodyPr>
           <a:lstStyle/>
           <a:p>
-            <a:r xmlns:a="http://schemas.openxmlformats.org/drawingml/2006/main">
+            <a:r>
               <a:rPr lang="en" sz="2000" dirty="0" smtClean="0"/>
               <a:t>Set the first column as the header</a:t>
             </a:r>
-            <a:endParaRPr xmlns:a="http://schemas.openxmlformats.org/drawingml/2006/main" lang="en-US" sz="2000" dirty="0"/>
+            <a:endParaRPr lang="en-US" sz="2000" dirty="0"/>
           </a:p>
         </p:txBody>
       </p:sp>
@@ -5801,14 +5741,14 @@
           </a:bodyPr>
           <a:lstStyle/>
           <a:p>
-            <a:r xmlns:a="http://schemas.openxmlformats.org/drawingml/2006/main">
+            <a:r>
               <a:rPr lang="en" sz="2000" b="1" dirty="0" smtClean="0">
                 <a:latin typeface="Segoe UI" panose="020B0502040204020203" pitchFamily="34" charset="0"/>
                 <a:cs typeface="Segoe UI" panose="020B0502040204020203" pitchFamily="34" charset="0"/>
               </a:rPr>
               <a:t>Normal forms</a:t>
             </a:r>
-            <a:endParaRPr xmlns:a="http://schemas.openxmlformats.org/drawingml/2006/main" lang="en-US" sz="2000" b="1" dirty="0">
+            <a:endParaRPr lang="en-US" sz="2000" b="1" dirty="0">
               <a:latin typeface="Segoe UI" panose="020B0502040204020203" pitchFamily="34" charset="0"/>
               <a:cs typeface="Segoe UI" panose="020B0502040204020203" pitchFamily="34" charset="0"/>
             </a:endParaRPr>
@@ -5836,27 +5776,27 @@
           </a:bodyPr>
           <a:lstStyle/>
           <a:p>
-            <a:r xmlns:a="http://schemas.openxmlformats.org/drawingml/2006/main">
+            <a:r>
               <a:rPr lang="en" sz="2000" dirty="0"/>
               <a:t>Start with the </a:t>
             </a:r>
-            <a:r xmlns:a="http://schemas.openxmlformats.org/drawingml/2006/main">
+            <a:r>
               <a:rPr lang="en" sz="2000" b="1" dirty="0"/>
               <a:t>Locations column </a:t>
             </a:r>
-            <a:r xmlns:a="http://schemas.openxmlformats.org/drawingml/2006/main">
+            <a:r>
               <a:rPr lang="en" sz="2000" dirty="0"/>
               <a:t>by performing a </a:t>
             </a:r>
-            <a:r xmlns:a="http://schemas.openxmlformats.org/drawingml/2006/main">
+            <a:r>
               <a:rPr lang="en" sz="2000" b="1" dirty="0"/>
               <a:t>Split Column </a:t>
             </a:r>
-            <a:r xmlns:a="http://schemas.openxmlformats.org/drawingml/2006/main">
+            <a:r>
               <a:rPr lang="en" sz="2000" dirty="0"/>
               <a:t>with the comma as the delimiter.</a:t>
             </a:r>
-            <a:endParaRPr xmlns:a="http://schemas.openxmlformats.org/drawingml/2006/main" lang="en-US" sz="2000" dirty="0"/>
+            <a:endParaRPr lang="en-US" sz="2000" dirty="0"/>
           </a:p>
         </p:txBody>
       </p:sp>
@@ -6105,7 +6045,7 @@
           </a:bodyPr>
           <a:lstStyle/>
           <a:p>
-            <a:pPr xmlns:a="http://schemas.openxmlformats.org/drawingml/2006/main" algn="ctr">
+            <a:pPr algn="ctr">
               <a:lnSpc>
                 <a:spcPct val="107000"/>
               </a:lnSpc>
@@ -6113,7 +6053,7 @@
                 <a:spcPts val="800"/>
               </a:spcAft>
             </a:pPr>
-            <a:r xmlns:a="http://schemas.openxmlformats.org/drawingml/2006/main">
+            <a:r>
               <a:rPr lang="en" sz="1200" b="1">
                 <a:effectLst/>
                 <a:ea typeface="Calibri" panose="020F0502020204030204" pitchFamily="34" charset="0"/>
@@ -6121,7 +6061,7 @@
               </a:rPr>
               <a:t>1</a:t>
             </a:r>
-            <a:endParaRPr xmlns:a="http://schemas.openxmlformats.org/drawingml/2006/main" lang="en-US" sz="1100">
+            <a:endParaRPr lang="en-US" sz="1100">
               <a:effectLst/>
               <a:ea typeface="Calibri" panose="020F0502020204030204" pitchFamily="34" charset="0"/>
               <a:cs typeface="Times New Roman" panose="02020603050405020304" pitchFamily="18" charset="0"/>
@@ -6182,7 +6122,7 @@
           </a:bodyPr>
           <a:lstStyle/>
           <a:p>
-            <a:pPr xmlns:a="http://schemas.openxmlformats.org/drawingml/2006/main" algn="ctr">
+            <a:pPr algn="ctr">
               <a:lnSpc>
                 <a:spcPct val="107000"/>
               </a:lnSpc>
@@ -6190,7 +6130,7 @@
                 <a:spcPts val="800"/>
               </a:spcAft>
             </a:pPr>
-            <a:r xmlns:a="http://schemas.openxmlformats.org/drawingml/2006/main">
+            <a:r>
               <a:rPr lang="en" sz="1200" b="1">
                 <a:effectLst/>
                 <a:ea typeface="Calibri" panose="020F0502020204030204" pitchFamily="34" charset="0"/>
@@ -6198,7 +6138,7 @@
               </a:rPr>
               <a:t>2</a:t>
             </a:r>
-            <a:endParaRPr xmlns:a="http://schemas.openxmlformats.org/drawingml/2006/main" lang="en-US" sz="1100">
+            <a:endParaRPr lang="en-US" sz="1100">
               <a:effectLst/>
               <a:ea typeface="Calibri" panose="020F0502020204030204" pitchFamily="34" charset="0"/>
               <a:cs typeface="Times New Roman" panose="02020603050405020304" pitchFamily="18" charset="0"/>
@@ -6259,7 +6199,7 @@
           </a:bodyPr>
           <a:lstStyle/>
           <a:p>
-            <a:pPr xmlns:a="http://schemas.openxmlformats.org/drawingml/2006/main" algn="ctr">
+            <a:pPr algn="ctr">
               <a:lnSpc>
                 <a:spcPct val="107000"/>
               </a:lnSpc>
@@ -6267,7 +6207,7 @@
                 <a:spcPts val="800"/>
               </a:spcAft>
             </a:pPr>
-            <a:r xmlns:a="http://schemas.openxmlformats.org/drawingml/2006/main">
+            <a:r>
               <a:rPr lang="en" sz="1200" b="1">
                 <a:effectLst/>
                 <a:ea typeface="Calibri" panose="020F0502020204030204" pitchFamily="34" charset="0"/>
@@ -6275,7 +6215,7 @@
               </a:rPr>
               <a:t>3</a:t>
             </a:r>
-            <a:endParaRPr xmlns:a="http://schemas.openxmlformats.org/drawingml/2006/main" lang="en-US" sz="1100">
+            <a:endParaRPr lang="en-US" sz="1100">
               <a:effectLst/>
               <a:ea typeface="Calibri" panose="020F0502020204030204" pitchFamily="34" charset="0"/>
               <a:cs typeface="Times New Roman" panose="02020603050405020304" pitchFamily="18" charset="0"/>
@@ -6305,14 +6245,14 @@
           </a:bodyPr>
           <a:lstStyle/>
           <a:p>
-            <a:r xmlns:a="http://schemas.openxmlformats.org/drawingml/2006/main">
+            <a:r>
               <a:rPr lang="en" sz="2000" b="1" dirty="0" smtClean="0">
                 <a:latin typeface="Segoe UI" panose="020B0502040204020203" pitchFamily="34" charset="0"/>
                 <a:cs typeface="Segoe UI" panose="020B0502040204020203" pitchFamily="34" charset="0"/>
               </a:rPr>
               <a:t>Normal forms</a:t>
             </a:r>
-            <a:endParaRPr xmlns:a="http://schemas.openxmlformats.org/drawingml/2006/main" lang="en-US" sz="2000" b="1" dirty="0">
+            <a:endParaRPr lang="en-US" sz="2000" b="1" dirty="0">
               <a:latin typeface="Segoe UI" panose="020B0502040204020203" pitchFamily="34" charset="0"/>
               <a:cs typeface="Segoe UI" panose="020B0502040204020203" pitchFamily="34" charset="0"/>
             </a:endParaRPr>
@@ -6340,35 +6280,35 @@
           </a:bodyPr>
           <a:lstStyle/>
           <a:p>
-            <a:r xmlns:a="http://schemas.openxmlformats.org/drawingml/2006/main">
+            <a:r>
               <a:rPr lang="en" sz="2000" dirty="0"/>
               <a:t>In the </a:t>
             </a:r>
-            <a:r xmlns:a="http://schemas.openxmlformats.org/drawingml/2006/main">
+            <a:r>
               <a:rPr lang="en" sz="2000" b="1" dirty="0"/>
               <a:t>Advanced options </a:t>
             </a:r>
-            <a:r xmlns:a="http://schemas.openxmlformats.org/drawingml/2006/main">
+            <a:r>
               <a:rPr lang="en" sz="2000" dirty="0"/>
               <a:t>, choose </a:t>
             </a:r>
-            <a:r xmlns:a="http://schemas.openxmlformats.org/drawingml/2006/main">
+            <a:r>
               <a:rPr lang="en" sz="2000" b="1" dirty="0"/>
               <a:t>Split by row </a:t>
             </a:r>
-            <a:r xmlns:a="http://schemas.openxmlformats.org/drawingml/2006/main">
+            <a:r>
               <a:rPr lang="en" sz="2000" dirty="0"/>
               <a:t>instead of </a:t>
             </a:r>
-            <a:r xmlns:a="http://schemas.openxmlformats.org/drawingml/2006/main">
+            <a:r>
               <a:rPr lang="en" sz="2000" b="1" dirty="0"/>
               <a:t>Split by column </a:t>
             </a:r>
-            <a:r xmlns:a="http://schemas.openxmlformats.org/drawingml/2006/main">
+            <a:r>
               <a:rPr lang="en" sz="2000" dirty="0"/>
               <a:t>.</a:t>
             </a:r>
-            <a:endParaRPr xmlns:a="http://schemas.openxmlformats.org/drawingml/2006/main" lang="en-US" sz="2000" dirty="0"/>
+            <a:endParaRPr lang="en-US" sz="2000" dirty="0"/>
           </a:p>
         </p:txBody>
       </p:sp>
@@ -6463,14 +6403,14 @@
           </a:bodyPr>
           <a:lstStyle/>
           <a:p>
-            <a:r xmlns:a="http://schemas.openxmlformats.org/drawingml/2006/main">
+            <a:r>
               <a:rPr lang="en" sz="2000" b="1" dirty="0" smtClean="0">
                 <a:latin typeface="Segoe UI" panose="020B0502040204020203" pitchFamily="34" charset="0"/>
                 <a:cs typeface="Segoe UI" panose="020B0502040204020203" pitchFamily="34" charset="0"/>
               </a:rPr>
               <a:t>Normal forms</a:t>
             </a:r>
-            <a:endParaRPr xmlns:a="http://schemas.openxmlformats.org/drawingml/2006/main" lang="en-US" sz="2000" b="1" dirty="0">
+            <a:endParaRPr lang="en-US" sz="2000" b="1" dirty="0">
               <a:latin typeface="Segoe UI" panose="020B0502040204020203" pitchFamily="34" charset="0"/>
               <a:cs typeface="Segoe UI" panose="020B0502040204020203" pitchFamily="34" charset="0"/>
             </a:endParaRPr>
@@ -6498,19 +6438,19 @@
           </a:bodyPr>
           <a:lstStyle/>
           <a:p>
-            <a:r xmlns:a="http://schemas.openxmlformats.org/drawingml/2006/main">
+            <a:r>
               <a:rPr lang="en" sz="2000" dirty="0"/>
               <a:t>Check that the query has this form conforming to the first normal form ( </a:t>
             </a:r>
-            <a:r xmlns:a="http://schemas.openxmlformats.org/drawingml/2006/main">
+            <a:r>
               <a:rPr lang="en" sz="2000" b="1" dirty="0"/>
               <a:t>1NF </a:t>
             </a:r>
-            <a:r xmlns:a="http://schemas.openxmlformats.org/drawingml/2006/main">
+            <a:r>
               <a:rPr lang="en" sz="2000" dirty="0"/>
               <a:t>).</a:t>
             </a:r>
-            <a:endParaRPr xmlns:a="http://schemas.openxmlformats.org/drawingml/2006/main" lang="en-US" sz="2000" dirty="0"/>
+            <a:endParaRPr lang="en-US" sz="2000" dirty="0"/>
           </a:p>
         </p:txBody>
       </p:sp>
@@ -6566,14 +6506,14 @@
           </a:bodyPr>
           <a:lstStyle/>
           <a:p>
-            <a:r xmlns:a="http://schemas.openxmlformats.org/drawingml/2006/main">
+            <a:r>
               <a:rPr lang="en" sz="2000" b="1" dirty="0" smtClean="0">
                 <a:latin typeface="Segoe UI" panose="020B0502040204020203" pitchFamily="34" charset="0"/>
                 <a:cs typeface="Segoe UI" panose="020B0502040204020203" pitchFamily="34" charset="0"/>
               </a:rPr>
               <a:t>Normal forms</a:t>
             </a:r>
-            <a:endParaRPr xmlns:a="http://schemas.openxmlformats.org/drawingml/2006/main" lang="en-US" sz="2000" b="1" dirty="0">
+            <a:endParaRPr lang="en-US" sz="2000" b="1" dirty="0">
               <a:latin typeface="Segoe UI" panose="020B0502040204020203" pitchFamily="34" charset="0"/>
               <a:cs typeface="Segoe UI" panose="020B0502040204020203" pitchFamily="34" charset="0"/>
             </a:endParaRPr>
@@ -6639,7 +6579,7 @@
           </a:bodyPr>
           <a:lstStyle/>
           <a:p>
-            <a:pPr xmlns:a="http://schemas.openxmlformats.org/drawingml/2006/main" marR="0" lvl="0" indent="14288" algn="l" defTabSz="914400" rtl="0" eaLnBrk="0" fontAlgn="base" latinLnBrk="0" hangingPunct="0">
+            <a:pPr marR="0" lvl="0" indent="14288" algn="l" defTabSz="914400" rtl="0" eaLnBrk="0" fontAlgn="base" latinLnBrk="0" hangingPunct="0">
               <a:lnSpc>
                 <a:spcPct val="100000"/>
               </a:lnSpc>
@@ -6655,7 +6595,7 @@
               <a:buChar char="•"/>
               <a:tabLst/>
             </a:pPr>
-            <a:r xmlns:a="http://schemas.openxmlformats.org/drawingml/2006/main">
+            <a:r>
               <a:rPr kumimoji="0" lang="en" altLang="en-US" sz="2000" b="0" i="0" u="none" strike="noStrike" cap="none" normalizeH="0" baseline="0" dirty="0" smtClean="0">
                 <a:ln>
                   <a:noFill/>
@@ -6668,7 +6608,7 @@
               </a:rPr>
               <a:t>Perform the same split operation on the </a:t>
             </a:r>
-            <a:r xmlns:a="http://schemas.openxmlformats.org/drawingml/2006/main">
+            <a:r>
               <a:rPr kumimoji="0" lang="en" altLang="en-US" sz="2000" b="1" i="0" u="none" strike="noStrike" cap="none" normalizeH="0" baseline="0" dirty="0" smtClean="0">
                 <a:ln>
                   <a:noFill/>
@@ -6681,7 +6621,7 @@
               </a:rPr>
               <a:t>Sales column </a:t>
             </a:r>
-            <a:r xmlns:a="http://schemas.openxmlformats.org/drawingml/2006/main">
+            <a:r>
               <a:rPr kumimoji="0" lang="en" altLang="en-US" sz="2000" b="0" i="0" u="none" strike="noStrike" cap="none" normalizeH="0" baseline="0" dirty="0" smtClean="0">
                 <a:ln>
                   <a:noFill/>
@@ -6694,7 +6634,7 @@
               </a:rPr>
               <a:t>.</a:t>
             </a:r>
-            <a:endParaRPr xmlns:a="http://schemas.openxmlformats.org/drawingml/2006/main" kumimoji="0" lang="fr-FR" altLang="en-US" sz="2000" b="0" i="0" u="none" strike="noStrike" cap="none" normalizeH="0" baseline="0" dirty="0" smtClean="0">
+            <a:endParaRPr kumimoji="0" lang="fr-FR" altLang="en-US" sz="2000" b="0" i="0" u="none" strike="noStrike" cap="none" normalizeH="0" baseline="0" dirty="0" smtClean="0">
               <a:ln>
                 <a:noFill/>
               </a:ln>
@@ -6783,14 +6723,14 @@
           </a:bodyPr>
           <a:lstStyle/>
           <a:p>
-            <a:r xmlns:a="http://schemas.openxmlformats.org/drawingml/2006/main">
+            <a:r>
               <a:rPr lang="en" sz="2000" b="1" dirty="0" smtClean="0">
                 <a:latin typeface="Segoe UI" panose="020B0502040204020203" pitchFamily="34" charset="0"/>
                 <a:cs typeface="Segoe UI" panose="020B0502040204020203" pitchFamily="34" charset="0"/>
               </a:rPr>
               <a:t>Normal forms</a:t>
             </a:r>
-            <a:endParaRPr xmlns:a="http://schemas.openxmlformats.org/drawingml/2006/main" lang="en-US" sz="2000" b="1" dirty="0">
+            <a:endParaRPr lang="en-US" sz="2000" b="1" dirty="0">
               <a:latin typeface="Segoe UI" panose="020B0502040204020203" pitchFamily="34" charset="0"/>
               <a:cs typeface="Segoe UI" panose="020B0502040204020203" pitchFamily="34" charset="0"/>
             </a:endParaRPr>
@@ -6856,7 +6796,7 @@
           </a:bodyPr>
           <a:lstStyle/>
           <a:p>
-            <a:pPr xmlns:a="http://schemas.openxmlformats.org/drawingml/2006/main" marR="0" lvl="0" indent="14288" algn="l" defTabSz="914400" rtl="0" eaLnBrk="0" fontAlgn="base" latinLnBrk="0" hangingPunct="0">
+            <a:pPr marR="0" lvl="0" indent="14288" algn="l" defTabSz="914400" rtl="0" eaLnBrk="0" fontAlgn="base" latinLnBrk="0" hangingPunct="0">
               <a:lnSpc>
                 <a:spcPct val="100000"/>
               </a:lnSpc>
@@ -6872,43 +6812,43 @@
               <a:buChar char="•"/>
               <a:tabLst/>
             </a:pPr>
-            <a:r xmlns:a="http://schemas.openxmlformats.org/drawingml/2006/main">
+            <a:r>
               <a:rPr lang="en" altLang="en-US" sz="2000" dirty="0" smtClean="0">
                 <a:latin typeface="Arial" panose="020B0604020202020204" pitchFamily="34" charset="0"/>
               </a:rPr>
               <a:t>Now the table respects the first normal form but not the fourth normal form because the values in the </a:t>
             </a:r>
-            <a:r xmlns:a="http://schemas.openxmlformats.org/drawingml/2006/main">
+            <a:r>
               <a:rPr lang="en" altLang="en-US" sz="2000" b="1" dirty="0" smtClean="0">
                 <a:latin typeface="Arial" panose="020B0604020202020204" pitchFamily="34" charset="0"/>
               </a:rPr>
               <a:t>Locations column </a:t>
             </a:r>
-            <a:r xmlns:a="http://schemas.openxmlformats.org/drawingml/2006/main">
+            <a:r>
               <a:rPr lang="en" altLang="en-US" sz="2000" dirty="0" smtClean="0">
                 <a:latin typeface="Arial" panose="020B0604020202020204" pitchFamily="34" charset="0"/>
               </a:rPr>
               <a:t>and the </a:t>
             </a:r>
-            <a:r xmlns:a="http://schemas.openxmlformats.org/drawingml/2006/main">
+            <a:r>
               <a:rPr lang="en" altLang="en-US" sz="2000" b="1" dirty="0" err="1" smtClean="0">
                 <a:latin typeface="Arial" panose="020B0604020202020204" pitchFamily="34" charset="0"/>
               </a:rPr>
               <a:t>Customers column</a:t>
             </a:r>
-            <a:r xmlns:a="http://schemas.openxmlformats.org/drawingml/2006/main">
+            <a:r>
               <a:rPr lang="en" altLang="en-US" sz="2000" b="1" dirty="0" smtClean="0">
                 <a:latin typeface="Arial" panose="020B0604020202020204" pitchFamily="34" charset="0"/>
               </a:rPr>
               <a:t> </a:t>
             </a:r>
-            <a:r xmlns:a="http://schemas.openxmlformats.org/drawingml/2006/main">
+            <a:r>
               <a:rPr lang="en" altLang="en-US" sz="2000" dirty="0" smtClean="0">
                 <a:latin typeface="Arial" panose="020B0604020202020204" pitchFamily="34" charset="0"/>
               </a:rPr>
               <a:t>are in duplication</a:t>
             </a:r>
-            <a:endParaRPr xmlns:a="http://schemas.openxmlformats.org/drawingml/2006/main" lang="fr-FR" altLang="en-US" sz="2000" b="1" dirty="0" smtClean="0">
+            <a:endParaRPr lang="fr-FR" altLang="en-US" sz="2000" b="1" dirty="0" smtClean="0">
               <a:latin typeface="Arial" panose="020B0604020202020204" pitchFamily="34" charset="0"/>
             </a:endParaRPr>
           </a:p>
@@ -6973,7 +6913,7 @@
           </a:bodyPr>
           <a:lstStyle/>
           <a:p>
-            <a:pPr xmlns:a="http://schemas.openxmlformats.org/drawingml/2006/main" marR="0" lvl="0" indent="14288" algn="l" defTabSz="914400" rtl="0" eaLnBrk="0" fontAlgn="base" latinLnBrk="0" hangingPunct="0">
+            <a:pPr marR="0" lvl="0" indent="14288" algn="l" defTabSz="914400" rtl="0" eaLnBrk="0" fontAlgn="base" latinLnBrk="0" hangingPunct="0">
               <a:lnSpc>
                 <a:spcPct val="100000"/>
               </a:lnSpc>
@@ -6989,31 +6929,31 @@
               <a:buChar char="•"/>
               <a:tabLst/>
             </a:pPr>
-            <a:r xmlns:a="http://schemas.openxmlformats.org/drawingml/2006/main">
+            <a:r>
               <a:rPr lang="en" altLang="en-US" sz="2000" dirty="0" smtClean="0">
                 <a:latin typeface="Arial" panose="020B0604020202020204" pitchFamily="34" charset="0"/>
               </a:rPr>
               <a:t>Start by duplicating table </a:t>
             </a:r>
-            <a:r xmlns:a="http://schemas.openxmlformats.org/drawingml/2006/main">
+            <a:r>
               <a:rPr lang="en" altLang="en-US" sz="2000" b="1" dirty="0" smtClean="0">
                 <a:latin typeface="Arial" panose="020B0604020202020204" pitchFamily="34" charset="0"/>
               </a:rPr>
               <a:t>1NF </a:t>
             </a:r>
-            <a:r xmlns:a="http://schemas.openxmlformats.org/drawingml/2006/main">
+            <a:r>
               <a:rPr lang="en" altLang="en-US" sz="2000" dirty="0" smtClean="0">
                 <a:latin typeface="Arial" panose="020B0604020202020204" pitchFamily="34" charset="0"/>
               </a:rPr>
               <a:t>and renaming it to </a:t>
             </a:r>
-            <a:r xmlns:a="http://schemas.openxmlformats.org/drawingml/2006/main">
+            <a:r>
               <a:rPr lang="en" altLang="en-US" sz="2000" b="1" dirty="0" smtClean="0">
                 <a:latin typeface="Arial" panose="020B0604020202020204" pitchFamily="34" charset="0"/>
               </a:rPr>
               <a:t>Locations</a:t>
             </a:r>
-            <a:r xmlns:a="http://schemas.openxmlformats.org/drawingml/2006/main">
+            <a:r>
               <a:rPr lang="en" altLang="en-US" sz="2000" dirty="0" smtClean="0">
                 <a:latin typeface="Arial" panose="020B0604020202020204" pitchFamily="34" charset="0"/>
               </a:rPr>
@@ -7081,7 +7021,7 @@
           </a:bodyPr>
           <a:lstStyle/>
           <a:p>
-            <a:pPr xmlns:a="http://schemas.openxmlformats.org/drawingml/2006/main" marR="0" lvl="0" indent="14288" algn="l" defTabSz="914400" rtl="0" eaLnBrk="0" fontAlgn="base" latinLnBrk="0" hangingPunct="0">
+            <a:pPr marR="0" lvl="0" indent="14288" algn="l" defTabSz="914400" rtl="0" eaLnBrk="0" fontAlgn="base" latinLnBrk="0" hangingPunct="0">
               <a:lnSpc>
                 <a:spcPct val="100000"/>
               </a:lnSpc>
@@ -7097,19 +7037,19 @@
               <a:buChar char="•"/>
               <a:tabLst/>
             </a:pPr>
-            <a:r xmlns:a="http://schemas.openxmlformats.org/drawingml/2006/main">
+            <a:r>
               <a:rPr lang="en" altLang="en-US" sz="2000" dirty="0" smtClean="0">
                 <a:latin typeface="Arial" panose="020B0604020202020204" pitchFamily="34" charset="0"/>
               </a:rPr>
               <a:t>Delete all columns except </a:t>
             </a:r>
-            <a:r xmlns:a="http://schemas.openxmlformats.org/drawingml/2006/main">
+            <a:r>
               <a:rPr lang="en" altLang="en-US" sz="2000" b="1" dirty="0" smtClean="0">
                 <a:latin typeface="Arial" panose="020B0604020202020204" pitchFamily="34" charset="0"/>
               </a:rPr>
               <a:t>Locations</a:t>
             </a:r>
-            <a:r xmlns:a="http://schemas.openxmlformats.org/drawingml/2006/main">
+            <a:r>
               <a:rPr lang="en" altLang="en-US" sz="2000" dirty="0" smtClean="0">
                 <a:latin typeface="Arial" panose="020B0604020202020204" pitchFamily="34" charset="0"/>
               </a:rPr>
@@ -7177,7 +7117,7 @@
           </a:bodyPr>
           <a:lstStyle/>
           <a:p>
-            <a:pPr xmlns:a="http://schemas.openxmlformats.org/drawingml/2006/main" marR="0" lvl="0" indent="14288" algn="l" defTabSz="914400" rtl="0" eaLnBrk="0" fontAlgn="base" latinLnBrk="0" hangingPunct="0">
+            <a:pPr marR="0" lvl="0" indent="14288" algn="l" defTabSz="914400" rtl="0" eaLnBrk="0" fontAlgn="base" latinLnBrk="0" hangingPunct="0">
               <a:lnSpc>
                 <a:spcPct val="100000"/>
               </a:lnSpc>
@@ -7193,25 +7133,25 @@
               <a:buChar char="•"/>
               <a:tabLst/>
             </a:pPr>
-            <a:r xmlns:a="http://schemas.openxmlformats.org/drawingml/2006/main">
+            <a:r>
               <a:rPr lang="en" altLang="en-US" sz="2000" b="1" dirty="0" smtClean="0">
                 <a:latin typeface="Arial" panose="020B0604020202020204" pitchFamily="34" charset="0"/>
               </a:rPr>
               <a:t> </a:t>
             </a:r>
-            <a:r xmlns:a="http://schemas.openxmlformats.org/drawingml/2006/main">
+            <a:r>
               <a:rPr lang="en" altLang="en-US" sz="2000" dirty="0" smtClean="0">
                 <a:latin typeface="Arial" panose="020B0604020202020204" pitchFamily="34" charset="0"/>
               </a:rPr>
               <a:t>Eliminate duplications in the </a:t>
             </a:r>
-            <a:r xmlns:a="http://schemas.openxmlformats.org/drawingml/2006/main">
+            <a:r>
               <a:rPr lang="en" altLang="en-US" sz="2000" b="1" dirty="0" smtClean="0">
                 <a:latin typeface="Arial" panose="020B0604020202020204" pitchFamily="34" charset="0"/>
               </a:rPr>
               <a:t>Locations column</a:t>
             </a:r>
-            <a:r xmlns:a="http://schemas.openxmlformats.org/drawingml/2006/main">
+            <a:r>
               <a:rPr lang="en" altLang="en-US" sz="2000" dirty="0" smtClean="0">
                 <a:latin typeface="Arial" panose="020B0604020202020204" pitchFamily="34" charset="0"/>
               </a:rPr>
@@ -7344,14 +7284,14 @@
           </a:bodyPr>
           <a:lstStyle/>
           <a:p>
-            <a:r xmlns:a="http://schemas.openxmlformats.org/drawingml/2006/main">
+            <a:r>
               <a:rPr lang="en" sz="2000" b="1" dirty="0" smtClean="0">
                 <a:latin typeface="Segoe UI" panose="020B0502040204020203" pitchFamily="34" charset="0"/>
                 <a:cs typeface="Segoe UI" panose="020B0502040204020203" pitchFamily="34" charset="0"/>
               </a:rPr>
               <a:t>Normal forms</a:t>
             </a:r>
-            <a:endParaRPr xmlns:a="http://schemas.openxmlformats.org/drawingml/2006/main" lang="en-US" sz="2000" b="1" dirty="0">
+            <a:endParaRPr lang="en-US" sz="2000" b="1" dirty="0">
               <a:latin typeface="Segoe UI" panose="020B0502040204020203" pitchFamily="34" charset="0"/>
               <a:cs typeface="Segoe UI" panose="020B0502040204020203" pitchFamily="34" charset="0"/>
             </a:endParaRPr>
@@ -7417,7 +7357,7 @@
           </a:bodyPr>
           <a:lstStyle/>
           <a:p>
-            <a:pPr xmlns:a="http://schemas.openxmlformats.org/drawingml/2006/main" marR="0" lvl="0" indent="14288" algn="l" defTabSz="914400" rtl="0" eaLnBrk="0" fontAlgn="base" latinLnBrk="0" hangingPunct="0">
+            <a:pPr marR="0" lvl="0" indent="14288" algn="l" defTabSz="914400" rtl="0" eaLnBrk="0" fontAlgn="base" latinLnBrk="0" hangingPunct="0">
               <a:lnSpc>
                 <a:spcPct val="100000"/>
               </a:lnSpc>
@@ -7433,13 +7373,13 @@
               <a:buChar char="•"/>
               <a:tabLst/>
             </a:pPr>
-            <a:r xmlns:a="http://schemas.openxmlformats.org/drawingml/2006/main">
+            <a:r>
               <a:rPr lang="en" altLang="en-US" sz="2000" dirty="0" smtClean="0">
                 <a:latin typeface="Arial" panose="020B0604020202020204" pitchFamily="34" charset="0"/>
               </a:rPr>
               <a:t>Add a 0-based index column and position this column at the beginning</a:t>
             </a:r>
-            <a:endParaRPr xmlns:a="http://schemas.openxmlformats.org/drawingml/2006/main" lang="fr-FR" altLang="en-US" sz="2000" b="1" dirty="0" smtClean="0">
+            <a:endParaRPr lang="fr-FR" altLang="en-US" sz="2000" b="1" dirty="0" smtClean="0">
               <a:latin typeface="Arial" panose="020B0604020202020204" pitchFamily="34" charset="0"/>
             </a:endParaRPr>
           </a:p>
@@ -7648,7 +7588,7 @@
           </a:bodyPr>
           <a:lstStyle/>
           <a:p>
-            <a:pPr xmlns:a="http://schemas.openxmlformats.org/drawingml/2006/main" marR="0" lvl="0" indent="14288" algn="l" defTabSz="914400" rtl="0" eaLnBrk="0" fontAlgn="base" latinLnBrk="0" hangingPunct="0">
+            <a:pPr marR="0" lvl="0" indent="14288" algn="l" defTabSz="914400" rtl="0" eaLnBrk="0" fontAlgn="base" latinLnBrk="0" hangingPunct="0">
               <a:lnSpc>
                 <a:spcPct val="100000"/>
               </a:lnSpc>
@@ -7664,25 +7604,25 @@
               <a:buChar char="•"/>
               <a:tabLst/>
             </a:pPr>
-            <a:r xmlns:a="http://schemas.openxmlformats.org/drawingml/2006/main">
+            <a:r>
               <a:rPr lang="en" altLang="en-US" sz="2000" dirty="0" smtClean="0">
                 <a:latin typeface="Arial" panose="020B0604020202020204" pitchFamily="34" charset="0"/>
               </a:rPr>
               <a:t>Rename the two columns to </a:t>
             </a:r>
-            <a:r xmlns:a="http://schemas.openxmlformats.org/drawingml/2006/main">
+            <a:r>
               <a:rPr lang="en" altLang="en-US" sz="2000" b="1" dirty="0" err="1" smtClean="0">
                 <a:latin typeface="Arial" panose="020B0604020202020204" pitchFamily="34" charset="0"/>
               </a:rPr>
               <a:t>LocationId </a:t>
             </a:r>
-            <a:r xmlns:a="http://schemas.openxmlformats.org/drawingml/2006/main">
+            <a:r>
               <a:rPr lang="en" altLang="en-US" sz="2000" dirty="0" smtClean="0">
                 <a:latin typeface="Arial" panose="020B0604020202020204" pitchFamily="34" charset="0"/>
               </a:rPr>
               <a:t>and </a:t>
             </a:r>
-            <a:r xmlns:a="http://schemas.openxmlformats.org/drawingml/2006/main">
+            <a:r>
               <a:rPr lang="en" altLang="en-US" sz="2000" b="1" dirty="0" smtClean="0">
                 <a:latin typeface="Arial" panose="020B0604020202020204" pitchFamily="34" charset="0"/>
               </a:rPr>

--- a/English/2.Preparing data/6.Normal forms.pptx
+++ b/English/2.Preparing data/6.Normal forms.pptx
@@ -5,7 +5,7 @@
     <p:sldMasterId id="2147483648" r:id="rId1"/>
   </p:sldMasterIdLst>
   <p:notesMasterIdLst>
-    <p:notesMasterId r:id="rId18"/>
+    <p:notesMasterId r:id="rId16"/>
   </p:notesMasterIdLst>
   <p:sldIdLst>
     <p:sldId id="256" r:id="rId2"/>
@@ -17,13 +17,11 @@
     <p:sldId id="268" r:id="rId8"/>
     <p:sldId id="269" r:id="rId9"/>
     <p:sldId id="270" r:id="rId10"/>
-    <p:sldId id="271" r:id="rId11"/>
-    <p:sldId id="272" r:id="rId12"/>
-    <p:sldId id="273" r:id="rId13"/>
-    <p:sldId id="274" r:id="rId14"/>
-    <p:sldId id="275" r:id="rId15"/>
-    <p:sldId id="266" r:id="rId16"/>
-    <p:sldId id="258" r:id="rId17"/>
+    <p:sldId id="273" r:id="rId11"/>
+    <p:sldId id="274" r:id="rId12"/>
+    <p:sldId id="275" r:id="rId13"/>
+    <p:sldId id="266" r:id="rId14"/>
+    <p:sldId id="258" r:id="rId15"/>
   </p:sldIdLst>
   <p:sldSz cx="12192000" cy="6858000"/>
   <p:notesSz cx="6858000" cy="9144000"/>
@@ -212,7 +210,7 @@
           <a:p>
             <a:fld id="{056BA3B8-9F76-4D81-B71D-76CB85363062}" type="datetimeFigureOut">
               <a:rPr lang="en-US" smtClean="0"/>
-              <a:t>4/3/2025</a:t>
+              <a:t>4/8/2025</a:t>
             </a:fld>
             <a:endParaRPr lang="en-US"/>
           </a:p>
@@ -480,90 +478,6 @@
 </p:notesMaster>
 </file>
 
-<file path=ppt/notesSlides/notesSlide1.xml><?xml version="1.0" encoding="utf-8"?>
-<p:notes xmlns:a="http://schemas.openxmlformats.org/drawingml/2006/main" xmlns:r="http://schemas.openxmlformats.org/officeDocument/2006/relationships" xmlns:p="http://schemas.openxmlformats.org/presentationml/2006/main">
-  <p:cSld>
-    <p:spTree>
-      <p:nvGrpSpPr>
-        <p:cNvPr id="1" name=""/>
-        <p:cNvGrpSpPr/>
-        <p:nvPr/>
-      </p:nvGrpSpPr>
-      <p:grpSpPr>
-        <a:xfrm>
-          <a:off x="0" y="0"/>
-          <a:ext cx="0" cy="0"/>
-          <a:chOff x="0" y="0"/>
-          <a:chExt cx="0" cy="0"/>
-        </a:xfrm>
-      </p:grpSpPr>
-      <p:sp>
-        <p:nvSpPr>
-          <p:cNvPr id="2" name="Slide Image Placeholder 1"/>
-          <p:cNvSpPr>
-            <a:spLocks noGrp="1" noRot="1" noChangeAspect="1"/>
-          </p:cNvSpPr>
-          <p:nvPr>
-            <p:ph type="sldImg"/>
-          </p:nvPr>
-        </p:nvSpPr>
-        <p:spPr/>
-      </p:sp>
-      <p:sp>
-        <p:nvSpPr>
-          <p:cNvPr id="3" name="Notes Placeholder 2"/>
-          <p:cNvSpPr>
-            <a:spLocks noGrp="1"/>
-          </p:cNvSpPr>
-          <p:nvPr>
-            <p:ph type="body" idx="1"/>
-          </p:nvPr>
-        </p:nvSpPr>
-        <p:spPr/>
-        <p:txBody>
-          <a:bodyPr/>
-          <a:lstStyle/>
-          <a:p>
-            <a:endParaRPr lang="en-US" dirty="0"/>
-          </a:p>
-        </p:txBody>
-      </p:sp>
-      <p:sp>
-        <p:nvSpPr>
-          <p:cNvPr id="4" name="Slide Number Placeholder 3"/>
-          <p:cNvSpPr>
-            <a:spLocks noGrp="1"/>
-          </p:cNvSpPr>
-          <p:nvPr>
-            <p:ph type="sldNum" sz="quarter" idx="10"/>
-          </p:nvPr>
-        </p:nvSpPr>
-        <p:spPr/>
-        <p:txBody>
-          <a:bodyPr/>
-          <a:lstStyle/>
-          <a:p>
-            <a:fld id="{C583D03D-12F8-4E91-BBC2-CE3A863157FF}" type="slidenum">
-              <a:rPr lang="en-US" smtClean="0"/>
-              <a:t>11</a:t>
-            </a:fld>
-            <a:endParaRPr lang="en-US"/>
-          </a:p>
-        </p:txBody>
-      </p:sp>
-    </p:spTree>
-    <p:extLst>
-      <p:ext uri="{BB962C8B-B14F-4D97-AF65-F5344CB8AC3E}">
-        <p14:creationId xmlns:p14="http://schemas.microsoft.com/office/powerpoint/2010/main" val="2298943619"/>
-      </p:ext>
-    </p:extLst>
-  </p:cSld>
-  <p:clrMapOvr>
-    <a:masterClrMapping/>
-  </p:clrMapOvr>
-</p:notes>
-</file>
-
 <file path=ppt/slideLayouts/slideLayout1.xml><?xml version="1.0" encoding="utf-8"?>
 <p:sldLayout xmlns:a="http://schemas.openxmlformats.org/drawingml/2006/main" xmlns:r="http://schemas.openxmlformats.org/officeDocument/2006/relationships" xmlns:p="http://schemas.openxmlformats.org/presentationml/2006/main" type="title" preserve="1">
   <p:cSld name="Title Slide">
@@ -695,7 +609,7 @@
           <a:p>
             <a:fld id="{6F01DA4D-20EA-48D2-973C-0311EC3005D6}" type="datetimeFigureOut">
               <a:rPr lang="en-US" smtClean="0"/>
-              <a:t>4/3/2025</a:t>
+              <a:t>4/8/2025</a:t>
             </a:fld>
             <a:endParaRPr lang="en-US"/>
           </a:p>
@@ -865,7 +779,7 @@
           <a:p>
             <a:fld id="{6F01DA4D-20EA-48D2-973C-0311EC3005D6}" type="datetimeFigureOut">
               <a:rPr lang="en-US" smtClean="0"/>
-              <a:t>4/3/2025</a:t>
+              <a:t>4/8/2025</a:t>
             </a:fld>
             <a:endParaRPr lang="en-US"/>
           </a:p>
@@ -1045,7 +959,7 @@
           <a:p>
             <a:fld id="{6F01DA4D-20EA-48D2-973C-0311EC3005D6}" type="datetimeFigureOut">
               <a:rPr lang="en-US" smtClean="0"/>
-              <a:t>4/3/2025</a:t>
+              <a:t>4/8/2025</a:t>
             </a:fld>
             <a:endParaRPr lang="en-US"/>
           </a:p>
@@ -1215,7 +1129,7 @@
           <a:p>
             <a:fld id="{6F01DA4D-20EA-48D2-973C-0311EC3005D6}" type="datetimeFigureOut">
               <a:rPr lang="en-US" smtClean="0"/>
-              <a:t>4/3/2025</a:t>
+              <a:t>4/8/2025</a:t>
             </a:fld>
             <a:endParaRPr lang="en-US"/>
           </a:p>
@@ -1461,7 +1375,7 @@
           <a:p>
             <a:fld id="{6F01DA4D-20EA-48D2-973C-0311EC3005D6}" type="datetimeFigureOut">
               <a:rPr lang="en-US" smtClean="0"/>
-              <a:t>4/3/2025</a:t>
+              <a:t>4/8/2025</a:t>
             </a:fld>
             <a:endParaRPr lang="en-US"/>
           </a:p>
@@ -1693,7 +1607,7 @@
           <a:p>
             <a:fld id="{6F01DA4D-20EA-48D2-973C-0311EC3005D6}" type="datetimeFigureOut">
               <a:rPr lang="en-US" smtClean="0"/>
-              <a:t>4/3/2025</a:t>
+              <a:t>4/8/2025</a:t>
             </a:fld>
             <a:endParaRPr lang="en-US"/>
           </a:p>
@@ -2060,7 +1974,7 @@
           <a:p>
             <a:fld id="{6F01DA4D-20EA-48D2-973C-0311EC3005D6}" type="datetimeFigureOut">
               <a:rPr lang="en-US" smtClean="0"/>
-              <a:t>4/3/2025</a:t>
+              <a:t>4/8/2025</a:t>
             </a:fld>
             <a:endParaRPr lang="en-US"/>
           </a:p>
@@ -2178,7 +2092,7 @@
           <a:p>
             <a:fld id="{6F01DA4D-20EA-48D2-973C-0311EC3005D6}" type="datetimeFigureOut">
               <a:rPr lang="en-US" smtClean="0"/>
-              <a:t>4/3/2025</a:t>
+              <a:t>4/8/2025</a:t>
             </a:fld>
             <a:endParaRPr lang="en-US"/>
           </a:p>
@@ -2273,7 +2187,7 @@
           <a:p>
             <a:fld id="{6F01DA4D-20EA-48D2-973C-0311EC3005D6}" type="datetimeFigureOut">
               <a:rPr lang="en-US" smtClean="0"/>
-              <a:t>4/3/2025</a:t>
+              <a:t>4/8/2025</a:t>
             </a:fld>
             <a:endParaRPr lang="en-US"/>
           </a:p>
@@ -2550,7 +2464,7 @@
           <a:p>
             <a:fld id="{6F01DA4D-20EA-48D2-973C-0311EC3005D6}" type="datetimeFigureOut">
               <a:rPr lang="en-US" smtClean="0"/>
-              <a:t>4/3/2025</a:t>
+              <a:t>4/8/2025</a:t>
             </a:fld>
             <a:endParaRPr lang="en-US"/>
           </a:p>
@@ -2803,7 +2717,7 @@
           <a:p>
             <a:fld id="{6F01DA4D-20EA-48D2-973C-0311EC3005D6}" type="datetimeFigureOut">
               <a:rPr lang="en-US" smtClean="0"/>
-              <a:t>4/3/2025</a:t>
+              <a:t>4/8/2025</a:t>
             </a:fld>
             <a:endParaRPr lang="en-US"/>
           </a:p>
@@ -3016,7 +2930,7 @@
           <a:p>
             <a:fld id="{6F01DA4D-20EA-48D2-973C-0311EC3005D6}" type="datetimeFigureOut">
               <a:rPr lang="en-US" smtClean="0"/>
-              <a:t>4/3/2025</a:t>
+              <a:t>4/8/2025</a:t>
             </a:fld>
             <a:endParaRPr lang="en-US"/>
           </a:p>
@@ -3460,18 +3374,7 @@
                 <a:ea typeface="Verdana" panose="020B0604030504040204" pitchFamily="34" charset="0"/>
                 <a:cs typeface="Segoe UI" panose="020B0502040204020203" pitchFamily="34" charset="0"/>
               </a:rPr>
-              <a:t>N</a:t>
-            </a:r>
-            <a:r>
-              <a:rPr lang="en" sz="8000" b="1" dirty="0" smtClean="0">
-                <a:solidFill>
-                  <a:srgbClr val="7030A0"/>
-                </a:solidFill>
-                <a:latin typeface="Segoe UI" panose="020B0502040204020203" pitchFamily="34" charset="0"/>
-                <a:ea typeface="Verdana" panose="020B0604030504040204" pitchFamily="34" charset="0"/>
-                <a:cs typeface="Segoe UI" panose="020B0502040204020203" pitchFamily="34" charset="0"/>
-              </a:rPr>
-              <a:t>ormal forms</a:t>
+              <a:t>Normal forms</a:t>
             </a:r>
             <a:endParaRPr lang="en-US" sz="8000" b="1" dirty="0">
               <a:solidFill>
@@ -3571,7 +3474,7 @@
       </p:grpSpPr>
       <p:sp>
         <p:nvSpPr>
-          <p:cNvPr id="4" name="TextBox 3"/>
+          <p:cNvPr id="2" name="TextBox 1"/>
           <p:cNvSpPr txBox="1"/>
           <p:nvPr/>
         </p:nvSpPr>
@@ -3605,367 +3508,97 @@
           </a:p>
         </p:txBody>
       </p:sp>
-      <p:sp>
-        <p:nvSpPr>
-          <p:cNvPr id="5" name="Rectangle 1"/>
-          <p:cNvSpPr>
-            <a:spLocks noChangeArrowheads="1"/>
-          </p:cNvSpPr>
+      <p:pic>
+        <p:nvPicPr>
+          <p:cNvPr id="9" name="Picture 8"/>
+          <p:cNvPicPr/>
           <p:nvPr/>
-        </p:nvSpPr>
+        </p:nvPicPr>
+        <p:blipFill rotWithShape="1">
+          <a:blip r:embed="rId2">
+            <a:extLst>
+              <a:ext uri="{28A0092B-C50C-407E-A947-70E740481C1C}">
+                <a14:useLocalDpi xmlns:a14="http://schemas.microsoft.com/office/drawing/2010/main" val="0"/>
+              </a:ext>
+            </a:extLst>
+          </a:blip>
+          <a:srcRect l="2402" t="5491" r="-1"/>
+          <a:stretch/>
+        </p:blipFill>
         <p:spPr bwMode="auto">
           <a:xfrm>
-            <a:off x="302508" y="748468"/>
-            <a:ext cx="10347158" cy="400110"/>
+            <a:off x="374650" y="1466776"/>
+            <a:ext cx="7302500" cy="3448124"/>
           </a:xfrm>
           <a:prstGeom prst="rect">
             <a:avLst/>
           </a:prstGeom>
-          <a:noFill/>
           <a:ln>
             <a:noFill/>
           </a:ln>
-          <a:effectLst/>
+          <a:effectLst>
+            <a:outerShdw blurRad="292100" dist="139700" dir="2700000" algn="tl" rotWithShape="0">
+              <a:srgbClr val="333333">
+                <a:alpha val="65000"/>
+              </a:srgbClr>
+            </a:outerShdw>
+          </a:effectLst>
           <a:extLst>
-            <a:ext uri="{909E8E84-426E-40DD-AFC4-6F175D3DCCD1}">
-              <a14:hiddenFill xmlns:a14="http://schemas.microsoft.com/office/drawing/2010/main">
-                <a:solidFill>
-                  <a:schemeClr val="accent1"/>
-                </a:solidFill>
-              </a14:hiddenFill>
-            </a:ext>
-            <a:ext uri="{91240B29-F687-4F45-9708-019B960494DF}">
-              <a14:hiddenLine xmlns:a14="http://schemas.microsoft.com/office/drawing/2010/main" w="9525">
-                <a:solidFill>
-                  <a:schemeClr val="tx1"/>
-                </a:solidFill>
-                <a:miter lim="800000"/>
-                <a:headEnd/>
-                <a:tailEnd/>
-              </a14:hiddenLine>
-            </a:ext>
-            <a:ext uri="{AF507438-7753-43E0-B8FC-AC1667EBCBE1}">
-              <a14:hiddenEffects xmlns:a14="http://schemas.microsoft.com/office/drawing/2010/main">
-                <a:effectLst>
-                  <a:outerShdw dist="35921" dir="2700000" algn="ctr" rotWithShape="0">
-                    <a:schemeClr val="bg2"/>
-                  </a:outerShdw>
-                </a:effectLst>
-              </a14:hiddenEffects>
+            <a:ext uri="{53640926-AAD7-44D8-BBD7-CCE9431645EC}">
+              <a14:shadowObscured xmlns:a14="http://schemas.microsoft.com/office/drawing/2010/main"/>
             </a:ext>
           </a:extLst>
         </p:spPr>
-        <p:txBody>
-          <a:bodyPr vert="horz" wrap="square" lIns="91440" tIns="45720" rIns="91440" bIns="45720" numCol="1" anchor="ctr" anchorCtr="0" compatLnSpc="1">
-            <a:prstTxWarp prst="textNoShape">
-              <a:avLst/>
-            </a:prstTxWarp>
+      </p:pic>
+      <p:sp>
+        <p:nvSpPr>
+          <p:cNvPr id="4" name="Rectangle 3"/>
+          <p:cNvSpPr/>
+          <p:nvPr/>
+        </p:nvSpPr>
+        <p:spPr>
+          <a:xfrm>
+            <a:off x="270805" y="874329"/>
+            <a:ext cx="9707995" cy="400110"/>
+          </a:xfrm>
+          <a:prstGeom prst="rect">
+            <a:avLst/>
+          </a:prstGeom>
+        </p:spPr>
+        <p:txBody>
+          <a:bodyPr wrap="square">
             <a:spAutoFit/>
           </a:bodyPr>
           <a:lstStyle/>
           <a:p>
-            <a:pPr marR="0" lvl="0" indent="14288" algn="l" defTabSz="914400" rtl="0" eaLnBrk="0" fontAlgn="base" latinLnBrk="0" hangingPunct="0">
-              <a:lnSpc>
-                <a:spcPct val="100000"/>
-              </a:lnSpc>
-              <a:spcBef>
-                <a:spcPct val="0"/>
-              </a:spcBef>
-              <a:spcAft>
-                <a:spcPct val="0"/>
-              </a:spcAft>
-              <a:buClrTx/>
-              <a:buSzTx/>
-              <a:buFont typeface="Arial" panose="020B0604020202020204" pitchFamily="34" charset="0"/>
-              <a:buChar char="•"/>
-              <a:tabLst/>
-            </a:pPr>
-            <a:r>
-              <a:rPr lang="en" altLang="en-US" sz="2000" b="1" dirty="0" smtClean="0">
-                <a:latin typeface="Arial" panose="020B0604020202020204" pitchFamily="34" charset="0"/>
-              </a:rPr>
+            <a:r>
+              <a:rPr lang="en" sz="2000" b="1" dirty="0"/>
               <a:t>1NF </a:t>
             </a:r>
             <a:r>
-              <a:rPr lang="en" altLang="en-US" sz="2000" dirty="0" smtClean="0">
-                <a:latin typeface="Arial" panose="020B0604020202020204" pitchFamily="34" charset="0"/>
-              </a:rPr>
-              <a:t>table again and call it </a:t>
-            </a:r>
-            <a:r>
-              <a:rPr lang="en" altLang="en-US" sz="2000" b="1" dirty="0" err="1" smtClean="0">
-                <a:latin typeface="Arial" panose="020B0604020202020204" pitchFamily="34" charset="0"/>
-              </a:rPr>
-              <a:t>Customers</a:t>
-            </a:r>
-            <a:endParaRPr lang="fr-FR" altLang="en-US" sz="2000" b="1" dirty="0" smtClean="0">
-              <a:latin typeface="Arial" panose="020B0604020202020204" pitchFamily="34" charset="0"/>
-            </a:endParaRPr>
-          </a:p>
-        </p:txBody>
-      </p:sp>
-      <p:sp>
-        <p:nvSpPr>
-          <p:cNvPr id="14" name="Rectangle 1"/>
-          <p:cNvSpPr>
-            <a:spLocks noChangeArrowheads="1"/>
-          </p:cNvSpPr>
-          <p:nvPr/>
-        </p:nvSpPr>
-        <p:spPr bwMode="auto">
-          <a:xfrm>
-            <a:off x="302508" y="1265854"/>
-            <a:ext cx="10347158" cy="400110"/>
-          </a:xfrm>
-          <a:prstGeom prst="rect">
-            <a:avLst/>
-          </a:prstGeom>
-          <a:noFill/>
-          <a:ln>
-            <a:noFill/>
-          </a:ln>
-          <a:effectLst/>
-          <a:extLst>
-            <a:ext uri="{909E8E84-426E-40DD-AFC4-6F175D3DCCD1}">
-              <a14:hiddenFill xmlns:a14="http://schemas.microsoft.com/office/drawing/2010/main">
-                <a:solidFill>
-                  <a:schemeClr val="accent1"/>
-                </a:solidFill>
-              </a14:hiddenFill>
-            </a:ext>
-            <a:ext uri="{91240B29-F687-4F45-9708-019B960494DF}">
-              <a14:hiddenLine xmlns:a14="http://schemas.microsoft.com/office/drawing/2010/main" w="9525">
-                <a:solidFill>
-                  <a:schemeClr val="tx1"/>
-                </a:solidFill>
-                <a:miter lim="800000"/>
-                <a:headEnd/>
-                <a:tailEnd/>
-              </a14:hiddenLine>
-            </a:ext>
-            <a:ext uri="{AF507438-7753-43E0-B8FC-AC1667EBCBE1}">
-              <a14:hiddenEffects xmlns:a14="http://schemas.microsoft.com/office/drawing/2010/main">
-                <a:effectLst>
-                  <a:outerShdw dist="35921" dir="2700000" algn="ctr" rotWithShape="0">
-                    <a:schemeClr val="bg2"/>
-                  </a:outerShdw>
-                </a:effectLst>
-              </a14:hiddenEffects>
-            </a:ext>
-          </a:extLst>
-        </p:spPr>
-        <p:txBody>
-          <a:bodyPr vert="horz" wrap="square" lIns="91440" tIns="45720" rIns="91440" bIns="45720" numCol="1" anchor="ctr" anchorCtr="0" compatLnSpc="1">
-            <a:prstTxWarp prst="textNoShape">
-              <a:avLst/>
-            </a:prstTxWarp>
-            <a:spAutoFit/>
-          </a:bodyPr>
-          <a:lstStyle/>
-          <a:p>
-            <a:pPr marR="0" lvl="0" indent="14288" algn="l" defTabSz="914400" rtl="0" eaLnBrk="0" fontAlgn="base" latinLnBrk="0" hangingPunct="0">
-              <a:lnSpc>
-                <a:spcPct val="100000"/>
-              </a:lnSpc>
-              <a:spcBef>
-                <a:spcPct val="0"/>
-              </a:spcBef>
-              <a:spcAft>
-                <a:spcPct val="0"/>
-              </a:spcAft>
-              <a:buClrTx/>
-              <a:buSzTx/>
-              <a:buFont typeface="Arial" panose="020B0604020202020204" pitchFamily="34" charset="0"/>
-              <a:buChar char="•"/>
-              <a:tabLst/>
-            </a:pPr>
-            <a:r>
-              <a:rPr lang="en" altLang="en-US" sz="2000" dirty="0" smtClean="0">
-                <a:latin typeface="Arial" panose="020B0604020202020204" pitchFamily="34" charset="0"/>
-              </a:rPr>
-              <a:t>Delete all columns except the </a:t>
-            </a:r>
-            <a:r>
-              <a:rPr lang="en" altLang="en-US" sz="2000" b="1" dirty="0" err="1" smtClean="0">
-                <a:latin typeface="Arial" panose="020B0604020202020204" pitchFamily="34" charset="0"/>
-              </a:rPr>
-              <a:t>Customers column</a:t>
-            </a:r>
-            <a:endParaRPr lang="fr-FR" altLang="en-US" sz="2000" b="1" dirty="0" smtClean="0">
-              <a:latin typeface="Arial" panose="020B0604020202020204" pitchFamily="34" charset="0"/>
-            </a:endParaRPr>
-          </a:p>
-        </p:txBody>
-      </p:sp>
-      <p:sp>
-        <p:nvSpPr>
-          <p:cNvPr id="17" name="Rectangle 1"/>
-          <p:cNvSpPr>
-            <a:spLocks noChangeArrowheads="1"/>
-          </p:cNvSpPr>
-          <p:nvPr/>
-        </p:nvSpPr>
-        <p:spPr bwMode="auto">
-          <a:xfrm>
-            <a:off x="302508" y="1783240"/>
-            <a:ext cx="10347158" cy="400110"/>
-          </a:xfrm>
-          <a:prstGeom prst="rect">
-            <a:avLst/>
-          </a:prstGeom>
-          <a:noFill/>
-          <a:ln>
-            <a:noFill/>
-          </a:ln>
-          <a:effectLst/>
-          <a:extLst>
-            <a:ext uri="{909E8E84-426E-40DD-AFC4-6F175D3DCCD1}">
-              <a14:hiddenFill xmlns:a14="http://schemas.microsoft.com/office/drawing/2010/main">
-                <a:solidFill>
-                  <a:schemeClr val="accent1"/>
-                </a:solidFill>
-              </a14:hiddenFill>
-            </a:ext>
-            <a:ext uri="{91240B29-F687-4F45-9708-019B960494DF}">
-              <a14:hiddenLine xmlns:a14="http://schemas.microsoft.com/office/drawing/2010/main" w="9525">
-                <a:solidFill>
-                  <a:schemeClr val="tx1"/>
-                </a:solidFill>
-                <a:miter lim="800000"/>
-                <a:headEnd/>
-                <a:tailEnd/>
-              </a14:hiddenLine>
-            </a:ext>
-            <a:ext uri="{AF507438-7753-43E0-B8FC-AC1667EBCBE1}">
-              <a14:hiddenEffects xmlns:a14="http://schemas.microsoft.com/office/drawing/2010/main">
-                <a:effectLst>
-                  <a:outerShdw dist="35921" dir="2700000" algn="ctr" rotWithShape="0">
-                    <a:schemeClr val="bg2"/>
-                  </a:outerShdw>
-                </a:effectLst>
-              </a14:hiddenEffects>
-            </a:ext>
-          </a:extLst>
-        </p:spPr>
-        <p:txBody>
-          <a:bodyPr vert="horz" wrap="square" lIns="91440" tIns="45720" rIns="91440" bIns="45720" numCol="1" anchor="ctr" anchorCtr="0" compatLnSpc="1">
-            <a:prstTxWarp prst="textNoShape">
-              <a:avLst/>
-            </a:prstTxWarp>
-            <a:spAutoFit/>
-          </a:bodyPr>
-          <a:lstStyle/>
-          <a:p>
-            <a:pPr marR="0" lvl="0" indent="14288" algn="l" defTabSz="914400" rtl="0" eaLnBrk="0" fontAlgn="base" latinLnBrk="0" hangingPunct="0">
-              <a:lnSpc>
-                <a:spcPct val="100000"/>
-              </a:lnSpc>
-              <a:spcBef>
-                <a:spcPct val="0"/>
-              </a:spcBef>
-              <a:spcAft>
-                <a:spcPct val="0"/>
-              </a:spcAft>
-              <a:buClrTx/>
-              <a:buSzTx/>
-              <a:buFont typeface="Arial" panose="020B0604020202020204" pitchFamily="34" charset="0"/>
-              <a:buChar char="•"/>
-              <a:tabLst/>
-            </a:pPr>
-            <a:r>
-              <a:rPr lang="en" altLang="en-US" sz="2000" dirty="0" smtClean="0">
-                <a:latin typeface="Arial" panose="020B0604020202020204" pitchFamily="34" charset="0"/>
-              </a:rPr>
-              <a:t>Eliminate duplication in the </a:t>
-            </a:r>
-            <a:r>
-              <a:rPr lang="en" altLang="en-US" sz="2000" b="1" dirty="0" err="1" smtClean="0">
-                <a:latin typeface="Arial" panose="020B0604020202020204" pitchFamily="34" charset="0"/>
-              </a:rPr>
-              <a:t>Customers column</a:t>
-            </a:r>
-            <a:endParaRPr lang="fr-FR" altLang="en-US" sz="2000" b="1" dirty="0" smtClean="0">
-              <a:latin typeface="Arial" panose="020B0604020202020204" pitchFamily="34" charset="0"/>
-            </a:endParaRPr>
-          </a:p>
-        </p:txBody>
-      </p:sp>
-      <p:pic>
-        <p:nvPicPr>
-          <p:cNvPr id="3" name="Picture 2"/>
-          <p:cNvPicPr>
-            <a:picLocks noChangeAspect="1"/>
-          </p:cNvPicPr>
-          <p:nvPr/>
-        </p:nvPicPr>
-        <p:blipFill>
-          <a:blip r:embed="rId2"/>
-          <a:stretch>
-            <a:fillRect/>
-          </a:stretch>
-        </p:blipFill>
-        <p:spPr>
-          <a:xfrm>
-            <a:off x="1798424" y="2447801"/>
-            <a:ext cx="3941976" cy="2284135"/>
-          </a:xfrm>
-          <a:prstGeom prst="rect">
-            <a:avLst/>
-          </a:prstGeom>
-        </p:spPr>
-      </p:pic>
-      <p:sp>
-        <p:nvSpPr>
-          <p:cNvPr id="18" name="Rectangle 17"/>
-          <p:cNvSpPr/>
-          <p:nvPr/>
-        </p:nvSpPr>
-        <p:spPr>
-          <a:xfrm>
-            <a:off x="3073399" y="4133849"/>
-            <a:ext cx="2609851" cy="260361"/>
-          </a:xfrm>
-          <a:prstGeom prst="rect">
-            <a:avLst/>
-          </a:prstGeom>
-          <a:solidFill>
-            <a:srgbClr val="FF0000">
-              <a:alpha val="12000"/>
-            </a:srgbClr>
-          </a:solidFill>
-          <a:ln>
-            <a:noFill/>
-          </a:ln>
-        </p:spPr>
-        <p:style>
-          <a:lnRef idx="2">
-            <a:schemeClr val="accent1">
-              <a:shade val="50000"/>
-            </a:schemeClr>
-          </a:lnRef>
-          <a:fillRef idx="1">
-            <a:schemeClr val="accent1"/>
-          </a:fillRef>
-          <a:effectRef idx="0">
-            <a:schemeClr val="accent1"/>
-          </a:effectRef>
-          <a:fontRef idx="minor">
-            <a:schemeClr val="lt1"/>
-          </a:fontRef>
-        </p:style>
-        <p:txBody>
-          <a:bodyPr rtlCol="0" anchor="ctr"/>
-          <a:lstStyle/>
-          <a:p>
-            <a:pPr algn="ctr"/>
-            <a:endParaRPr lang="en-US"/>
+              <a:rPr lang="en" sz="2000" dirty="0"/>
+              <a:t>table to </a:t>
+            </a:r>
+            <a:r>
+              <a:rPr lang="en" sz="2000" b="1" dirty="0"/>
+              <a:t>Sales </a:t>
+            </a:r>
+            <a:r>
+              <a:rPr lang="en" sz="2000" dirty="0"/>
+              <a:t>and add a conditional column </a:t>
+            </a:r>
+            <a:r>
+              <a:rPr lang="en" sz="2000" b="1" dirty="0"/>
+              <a:t>Customer ID</a:t>
+            </a:r>
+            <a:endParaRPr lang="en-US" sz="2000" b="1" dirty="0"/>
           </a:p>
         </p:txBody>
       </p:sp>
     </p:spTree>
     <p:extLst>
       <p:ext uri="{BB962C8B-B14F-4D97-AF65-F5344CB8AC3E}">
-        <p14:creationId xmlns:p14="http://schemas.microsoft.com/office/powerpoint/2010/main" val="492586609"/>
+        <p14:creationId xmlns:p14="http://schemas.microsoft.com/office/powerpoint/2010/main" val="4283579214"/>
       </p:ext>
     </p:extLst>
   </p:cSld>
@@ -3994,7 +3627,7 @@
       </p:grpSpPr>
       <p:sp>
         <p:nvSpPr>
-          <p:cNvPr id="4" name="TextBox 3"/>
+          <p:cNvPr id="2" name="TextBox 1"/>
           <p:cNvSpPr txBox="1"/>
           <p:nvPr/>
         </p:nvSpPr>
@@ -4030,328 +3663,59 @@
       </p:sp>
       <p:sp>
         <p:nvSpPr>
-          <p:cNvPr id="5" name="Rectangle 1"/>
-          <p:cNvSpPr>
-            <a:spLocks noChangeArrowheads="1"/>
-          </p:cNvSpPr>
+          <p:cNvPr id="4" name="Rectangle 3"/>
+          <p:cNvSpPr/>
           <p:nvPr/>
         </p:nvSpPr>
-        <p:spPr bwMode="auto">
-          <a:xfrm>
-            <a:off x="302508" y="748468"/>
-            <a:ext cx="10347158" cy="400110"/>
+        <p:spPr>
+          <a:xfrm>
+            <a:off x="270805" y="874329"/>
+            <a:ext cx="9707995" cy="400110"/>
           </a:xfrm>
           <a:prstGeom prst="rect">
             <a:avLst/>
           </a:prstGeom>
-          <a:noFill/>
-          <a:ln>
-            <a:noFill/>
-          </a:ln>
-          <a:effectLst/>
-          <a:extLst>
-            <a:ext uri="{909E8E84-426E-40DD-AFC4-6F175D3DCCD1}">
-              <a14:hiddenFill xmlns:a14="http://schemas.microsoft.com/office/drawing/2010/main">
-                <a:solidFill>
-                  <a:schemeClr val="accent1"/>
-                </a:solidFill>
-              </a14:hiddenFill>
-            </a:ext>
-            <a:ext uri="{91240B29-F687-4F45-9708-019B960494DF}">
-              <a14:hiddenLine xmlns:a14="http://schemas.microsoft.com/office/drawing/2010/main" w="9525">
-                <a:solidFill>
-                  <a:schemeClr val="tx1"/>
-                </a:solidFill>
-                <a:miter lim="800000"/>
-                <a:headEnd/>
-                <a:tailEnd/>
-              </a14:hiddenLine>
-            </a:ext>
-            <a:ext uri="{AF507438-7753-43E0-B8FC-AC1667EBCBE1}">
-              <a14:hiddenEffects xmlns:a14="http://schemas.microsoft.com/office/drawing/2010/main">
-                <a:effectLst>
-                  <a:outerShdw dist="35921" dir="2700000" algn="ctr" rotWithShape="0">
-                    <a:schemeClr val="bg2"/>
-                  </a:outerShdw>
-                </a:effectLst>
-              </a14:hiddenEffects>
-            </a:ext>
-          </a:extLst>
-        </p:spPr>
-        <p:txBody>
-          <a:bodyPr vert="horz" wrap="square" lIns="91440" tIns="45720" rIns="91440" bIns="45720" numCol="1" anchor="ctr" anchorCtr="0" compatLnSpc="1">
-            <a:prstTxWarp prst="textNoShape">
-              <a:avLst/>
-            </a:prstTxWarp>
+        </p:spPr>
+        <p:txBody>
+          <a:bodyPr wrap="square">
             <a:spAutoFit/>
           </a:bodyPr>
           <a:lstStyle/>
           <a:p>
-            <a:pPr marR="0" lvl="0" indent="14288" algn="l" defTabSz="914400" rtl="0" eaLnBrk="0" fontAlgn="base" latinLnBrk="0" hangingPunct="0">
-              <a:lnSpc>
-                <a:spcPct val="100000"/>
-              </a:lnSpc>
-              <a:spcBef>
-                <a:spcPct val="0"/>
-              </a:spcBef>
-              <a:spcAft>
-                <a:spcPct val="0"/>
-              </a:spcAft>
-              <a:buClrTx/>
-              <a:buSzTx/>
-              <a:buFont typeface="Arial" panose="020B0604020202020204" pitchFamily="34" charset="0"/>
-              <a:buChar char="•"/>
-              <a:tabLst/>
-            </a:pPr>
-            <a:r>
-              <a:rPr lang="en" altLang="en-US" sz="2000" dirty="0" smtClean="0">
-                <a:latin typeface="Arial" panose="020B0604020202020204" pitchFamily="34" charset="0"/>
-              </a:rPr>
-              <a:t>Add a 0-based index column</a:t>
-            </a:r>
-            <a:endParaRPr lang="fr-FR" altLang="en-US" sz="2000" b="1" dirty="0" smtClean="0">
-              <a:latin typeface="Arial" panose="020B0604020202020204" pitchFamily="34" charset="0"/>
-            </a:endParaRPr>
+            <a:r>
+              <a:rPr lang="en" sz="2000" dirty="0"/>
+              <a:t>Add a conditional </a:t>
+            </a:r>
+            <a:r>
+              <a:rPr lang="en" sz="2000" b="1" dirty="0" smtClean="0"/>
+              <a:t>Location ID column </a:t>
+            </a:r>
+            <a:r>
+              <a:rPr lang="en" sz="2000" dirty="0" smtClean="0"/>
+              <a:t>by following the same procedure above </a:t>
+            </a:r>
+            <a:endParaRPr lang="en-US" sz="2000" dirty="0"/>
           </a:p>
         </p:txBody>
       </p:sp>
       <p:pic>
         <p:nvPicPr>
-          <p:cNvPr id="2" name="Picture 1"/>
+          <p:cNvPr id="3" name="Picture 2"/>
           <p:cNvPicPr>
             <a:picLocks noChangeAspect="1"/>
           </p:cNvPicPr>
           <p:nvPr/>
         </p:nvPicPr>
         <p:blipFill>
-          <a:blip r:embed="rId3"/>
+          <a:blip r:embed="rId2"/>
           <a:stretch>
             <a:fillRect/>
           </a:stretch>
         </p:blipFill>
         <p:spPr>
           <a:xfrm>
-            <a:off x="460120" y="1912729"/>
-            <a:ext cx="4048379" cy="3317127"/>
-          </a:xfrm>
-          <a:prstGeom prst="rect">
-            <a:avLst/>
-          </a:prstGeom>
-        </p:spPr>
-      </p:pic>
-      <p:sp>
-        <p:nvSpPr>
-          <p:cNvPr id="9" name="Rectangle 8"/>
-          <p:cNvSpPr/>
-          <p:nvPr/>
-        </p:nvSpPr>
-        <p:spPr>
-          <a:xfrm>
-            <a:off x="2514599" y="1912729"/>
-            <a:ext cx="984251" cy="260351"/>
-          </a:xfrm>
-          <a:prstGeom prst="rect">
-            <a:avLst/>
-          </a:prstGeom>
-          <a:solidFill>
-            <a:srgbClr val="FF0000">
-              <a:alpha val="12000"/>
-            </a:srgbClr>
-          </a:solidFill>
-          <a:ln>
-            <a:noFill/>
-          </a:ln>
-        </p:spPr>
-        <p:style>
-          <a:lnRef idx="2">
-            <a:schemeClr val="accent1">
-              <a:shade val="50000"/>
-            </a:schemeClr>
-          </a:lnRef>
-          <a:fillRef idx="1">
-            <a:schemeClr val="accent1"/>
-          </a:fillRef>
-          <a:effectRef idx="0">
-            <a:schemeClr val="accent1"/>
-          </a:effectRef>
-          <a:fontRef idx="minor">
-            <a:schemeClr val="lt1"/>
-          </a:fontRef>
-        </p:style>
-        <p:txBody>
-          <a:bodyPr rtlCol="0" anchor="ctr"/>
-          <a:lstStyle/>
-          <a:p>
-            <a:pPr algn="ctr"/>
-            <a:endParaRPr lang="en-US"/>
-          </a:p>
-        </p:txBody>
-      </p:sp>
-      <p:sp>
-        <p:nvSpPr>
-          <p:cNvPr id="10" name="Rectangle 9"/>
-          <p:cNvSpPr/>
-          <p:nvPr/>
-        </p:nvSpPr>
-        <p:spPr>
-          <a:xfrm>
-            <a:off x="2647949" y="2962714"/>
-            <a:ext cx="1101933" cy="260351"/>
-          </a:xfrm>
-          <a:prstGeom prst="rect">
-            <a:avLst/>
-          </a:prstGeom>
-          <a:solidFill>
-            <a:srgbClr val="FF0000">
-              <a:alpha val="12000"/>
-            </a:srgbClr>
-          </a:solidFill>
-          <a:ln>
-            <a:noFill/>
-          </a:ln>
-        </p:spPr>
-        <p:style>
-          <a:lnRef idx="2">
-            <a:schemeClr val="accent1">
-              <a:shade val="50000"/>
-            </a:schemeClr>
-          </a:lnRef>
-          <a:fillRef idx="1">
-            <a:schemeClr val="accent1"/>
-          </a:fillRef>
-          <a:effectRef idx="0">
-            <a:schemeClr val="accent1"/>
-          </a:effectRef>
-          <a:fontRef idx="minor">
-            <a:schemeClr val="lt1"/>
-          </a:fontRef>
-        </p:style>
-        <p:txBody>
-          <a:bodyPr rtlCol="0" anchor="ctr"/>
-          <a:lstStyle/>
-          <a:p>
-            <a:pPr algn="ctr"/>
-            <a:endParaRPr lang="en-US"/>
-          </a:p>
-        </p:txBody>
-      </p:sp>
-      <p:sp>
-        <p:nvSpPr>
-          <p:cNvPr id="11" name="Rectangle 1"/>
-          <p:cNvSpPr>
-            <a:spLocks noChangeArrowheads="1"/>
-          </p:cNvSpPr>
-          <p:nvPr/>
-        </p:nvSpPr>
-        <p:spPr bwMode="auto">
-          <a:xfrm>
-            <a:off x="302508" y="1130543"/>
-            <a:ext cx="10347158" cy="400110"/>
-          </a:xfrm>
-          <a:prstGeom prst="rect">
-            <a:avLst/>
-          </a:prstGeom>
-          <a:noFill/>
-          <a:ln>
-            <a:noFill/>
-          </a:ln>
-          <a:effectLst/>
-          <a:extLst>
-            <a:ext uri="{909E8E84-426E-40DD-AFC4-6F175D3DCCD1}">
-              <a14:hiddenFill xmlns:a14="http://schemas.microsoft.com/office/drawing/2010/main">
-                <a:solidFill>
-                  <a:schemeClr val="accent1"/>
-                </a:solidFill>
-              </a14:hiddenFill>
-            </a:ext>
-            <a:ext uri="{91240B29-F687-4F45-9708-019B960494DF}">
-              <a14:hiddenLine xmlns:a14="http://schemas.microsoft.com/office/drawing/2010/main" w="9525">
-                <a:solidFill>
-                  <a:schemeClr val="tx1"/>
-                </a:solidFill>
-                <a:miter lim="800000"/>
-                <a:headEnd/>
-                <a:tailEnd/>
-              </a14:hiddenLine>
-            </a:ext>
-            <a:ext uri="{AF507438-7753-43E0-B8FC-AC1667EBCBE1}">
-              <a14:hiddenEffects xmlns:a14="http://schemas.microsoft.com/office/drawing/2010/main">
-                <a:effectLst>
-                  <a:outerShdw dist="35921" dir="2700000" algn="ctr" rotWithShape="0">
-                    <a:schemeClr val="bg2"/>
-                  </a:outerShdw>
-                </a:effectLst>
-              </a14:hiddenEffects>
-            </a:ext>
-          </a:extLst>
-        </p:spPr>
-        <p:txBody>
-          <a:bodyPr vert="horz" wrap="square" lIns="91440" tIns="45720" rIns="91440" bIns="45720" numCol="1" anchor="ctr" anchorCtr="0" compatLnSpc="1">
-            <a:prstTxWarp prst="textNoShape">
-              <a:avLst/>
-            </a:prstTxWarp>
-            <a:spAutoFit/>
-          </a:bodyPr>
-          <a:lstStyle/>
-          <a:p>
-            <a:pPr marR="0" lvl="0" indent="14288" algn="l" defTabSz="914400" rtl="0" eaLnBrk="0" fontAlgn="base" latinLnBrk="0" hangingPunct="0">
-              <a:lnSpc>
-                <a:spcPct val="100000"/>
-              </a:lnSpc>
-              <a:spcBef>
-                <a:spcPct val="0"/>
-              </a:spcBef>
-              <a:spcAft>
-                <a:spcPct val="0"/>
-              </a:spcAft>
-              <a:buClrTx/>
-              <a:buSzTx/>
-              <a:buFont typeface="Arial" panose="020B0604020202020204" pitchFamily="34" charset="0"/>
-              <a:buChar char="•"/>
-              <a:tabLst/>
-            </a:pPr>
-            <a:r>
-              <a:rPr lang="en" altLang="en-US" sz="2000" dirty="0" smtClean="0">
-                <a:latin typeface="Arial" panose="020B0604020202020204" pitchFamily="34" charset="0"/>
-              </a:rPr>
-              <a:t>Rename the columns to </a:t>
-            </a:r>
-            <a:r>
-              <a:rPr lang="en" altLang="en-US" sz="2000" dirty="0" err="1" smtClean="0">
-                <a:latin typeface="Arial" panose="020B0604020202020204" pitchFamily="34" charset="0"/>
-              </a:rPr>
-              <a:t>CustomerId </a:t>
-            </a:r>
-            <a:r>
-              <a:rPr lang="en" altLang="en-US" sz="2000" dirty="0" smtClean="0">
-                <a:latin typeface="Arial" panose="020B0604020202020204" pitchFamily="34" charset="0"/>
-              </a:rPr>
-              <a:t>and Customer Name</a:t>
-            </a:r>
-            <a:endParaRPr lang="fr-FR" altLang="en-US" sz="2000" b="1" dirty="0" smtClean="0">
-              <a:latin typeface="Arial" panose="020B0604020202020204" pitchFamily="34" charset="0"/>
-            </a:endParaRPr>
-          </a:p>
-        </p:txBody>
-      </p:sp>
-      <p:pic>
-        <p:nvPicPr>
-          <p:cNvPr id="6" name="Picture 5"/>
-          <p:cNvPicPr>
-            <a:picLocks noChangeAspect="1"/>
-          </p:cNvPicPr>
-          <p:nvPr/>
-        </p:nvPicPr>
-        <p:blipFill>
-          <a:blip r:embed="rId4"/>
-          <a:stretch>
-            <a:fillRect/>
-          </a:stretch>
-        </p:blipFill>
-        <p:spPr>
-          <a:xfrm>
-            <a:off x="4867291" y="1974746"/>
-            <a:ext cx="4314809" cy="1890759"/>
+            <a:off x="353753" y="1417713"/>
+            <a:ext cx="8104447" cy="4532846"/>
           </a:xfrm>
           <a:prstGeom prst="rect">
             <a:avLst/>
@@ -4361,7 +3725,7 @@
     </p:spTree>
     <p:extLst>
       <p:ext uri="{BB962C8B-B14F-4D97-AF65-F5344CB8AC3E}">
-        <p14:creationId xmlns:p14="http://schemas.microsoft.com/office/powerpoint/2010/main" val="451158660"/>
+        <p14:creationId xmlns:p14="http://schemas.microsoft.com/office/powerpoint/2010/main" val="5569700"/>
       </p:ext>
     </p:extLst>
   </p:cSld>
@@ -4424,286 +3788,6 @@
           </a:p>
         </p:txBody>
       </p:sp>
-      <p:pic>
-        <p:nvPicPr>
-          <p:cNvPr id="9" name="Picture 8"/>
-          <p:cNvPicPr/>
-          <p:nvPr/>
-        </p:nvPicPr>
-        <p:blipFill rotWithShape="1">
-          <a:blip r:embed="rId2">
-            <a:extLst>
-              <a:ext uri="{28A0092B-C50C-407E-A947-70E740481C1C}">
-                <a14:useLocalDpi xmlns:a14="http://schemas.microsoft.com/office/drawing/2010/main" val="0"/>
-              </a:ext>
-            </a:extLst>
-          </a:blip>
-          <a:srcRect l="2402" t="5491" r="-1"/>
-          <a:stretch/>
-        </p:blipFill>
-        <p:spPr bwMode="auto">
-          <a:xfrm>
-            <a:off x="374650" y="1466776"/>
-            <a:ext cx="7302500" cy="3448124"/>
-          </a:xfrm>
-          <a:prstGeom prst="rect">
-            <a:avLst/>
-          </a:prstGeom>
-          <a:ln>
-            <a:noFill/>
-          </a:ln>
-          <a:effectLst>
-            <a:outerShdw blurRad="292100" dist="139700" dir="2700000" algn="tl" rotWithShape="0">
-              <a:srgbClr val="333333">
-                <a:alpha val="65000"/>
-              </a:srgbClr>
-            </a:outerShdw>
-          </a:effectLst>
-          <a:extLst>
-            <a:ext uri="{53640926-AAD7-44D8-BBD7-CCE9431645EC}">
-              <a14:shadowObscured xmlns:a14="http://schemas.microsoft.com/office/drawing/2010/main"/>
-            </a:ext>
-          </a:extLst>
-        </p:spPr>
-      </p:pic>
-      <p:sp>
-        <p:nvSpPr>
-          <p:cNvPr id="4" name="Rectangle 3"/>
-          <p:cNvSpPr/>
-          <p:nvPr/>
-        </p:nvSpPr>
-        <p:spPr>
-          <a:xfrm>
-            <a:off x="270805" y="874329"/>
-            <a:ext cx="9707995" cy="400110"/>
-          </a:xfrm>
-          <a:prstGeom prst="rect">
-            <a:avLst/>
-          </a:prstGeom>
-        </p:spPr>
-        <p:txBody>
-          <a:bodyPr wrap="square">
-            <a:spAutoFit/>
-          </a:bodyPr>
-          <a:lstStyle/>
-          <a:p>
-            <a:r>
-              <a:rPr lang="en" sz="2000" b="1" dirty="0"/>
-              <a:t>1NF </a:t>
-            </a:r>
-            <a:r>
-              <a:rPr lang="en" sz="2000" dirty="0"/>
-              <a:t>table to </a:t>
-            </a:r>
-            <a:r>
-              <a:rPr lang="en" sz="2000" b="1" dirty="0"/>
-              <a:t>Sales </a:t>
-            </a:r>
-            <a:r>
-              <a:rPr lang="en" sz="2000" dirty="0"/>
-              <a:t>and add a conditional column </a:t>
-            </a:r>
-            <a:r>
-              <a:rPr lang="en" sz="2000" b="1" dirty="0"/>
-              <a:t>Customer ID</a:t>
-            </a:r>
-            <a:endParaRPr lang="en-US" sz="2000" b="1" dirty="0"/>
-          </a:p>
-        </p:txBody>
-      </p:sp>
-    </p:spTree>
-    <p:extLst>
-      <p:ext uri="{BB962C8B-B14F-4D97-AF65-F5344CB8AC3E}">
-        <p14:creationId xmlns:p14="http://schemas.microsoft.com/office/powerpoint/2010/main" val="4283579214"/>
-      </p:ext>
-    </p:extLst>
-  </p:cSld>
-  <p:clrMapOvr>
-    <a:masterClrMapping/>
-  </p:clrMapOvr>
-</p:sld>
-</file>
-
-<file path=ppt/slides/slide13.xml><?xml version="1.0" encoding="utf-8"?>
-<p:sld xmlns:a="http://schemas.openxmlformats.org/drawingml/2006/main" xmlns:r="http://schemas.openxmlformats.org/officeDocument/2006/relationships" xmlns:p="http://schemas.openxmlformats.org/presentationml/2006/main">
-  <p:cSld>
-    <p:spTree>
-      <p:nvGrpSpPr>
-        <p:cNvPr id="1" name=""/>
-        <p:cNvGrpSpPr/>
-        <p:nvPr/>
-      </p:nvGrpSpPr>
-      <p:grpSpPr>
-        <a:xfrm>
-          <a:off x="0" y="0"/>
-          <a:ext cx="0" cy="0"/>
-          <a:chOff x="0" y="0"/>
-          <a:chExt cx="0" cy="0"/>
-        </a:xfrm>
-      </p:grpSpPr>
-      <p:sp>
-        <p:nvSpPr>
-          <p:cNvPr id="2" name="TextBox 1"/>
-          <p:cNvSpPr txBox="1"/>
-          <p:nvPr/>
-        </p:nvSpPr>
-        <p:spPr>
-          <a:xfrm flipH="1">
-            <a:off x="220005" y="281882"/>
-            <a:ext cx="2798202" cy="400110"/>
-          </a:xfrm>
-          <a:prstGeom prst="rect">
-            <a:avLst/>
-          </a:prstGeom>
-          <a:noFill/>
-        </p:spPr>
-        <p:txBody>
-          <a:bodyPr wrap="square" rtlCol="0">
-            <a:spAutoFit/>
-          </a:bodyPr>
-          <a:lstStyle/>
-          <a:p>
-            <a:r>
-              <a:rPr lang="en" sz="2000" b="1" dirty="0" smtClean="0">
-                <a:latin typeface="Segoe UI" panose="020B0502040204020203" pitchFamily="34" charset="0"/>
-                <a:cs typeface="Segoe UI" panose="020B0502040204020203" pitchFamily="34" charset="0"/>
-              </a:rPr>
-              <a:t>Normal forms</a:t>
-            </a:r>
-            <a:endParaRPr lang="en-US" sz="2000" b="1" dirty="0">
-              <a:latin typeface="Segoe UI" panose="020B0502040204020203" pitchFamily="34" charset="0"/>
-              <a:cs typeface="Segoe UI" panose="020B0502040204020203" pitchFamily="34" charset="0"/>
-            </a:endParaRPr>
-          </a:p>
-        </p:txBody>
-      </p:sp>
-      <p:sp>
-        <p:nvSpPr>
-          <p:cNvPr id="4" name="Rectangle 3"/>
-          <p:cNvSpPr/>
-          <p:nvPr/>
-        </p:nvSpPr>
-        <p:spPr>
-          <a:xfrm>
-            <a:off x="270805" y="874329"/>
-            <a:ext cx="9707995" cy="400110"/>
-          </a:xfrm>
-          <a:prstGeom prst="rect">
-            <a:avLst/>
-          </a:prstGeom>
-        </p:spPr>
-        <p:txBody>
-          <a:bodyPr wrap="square">
-            <a:spAutoFit/>
-          </a:bodyPr>
-          <a:lstStyle/>
-          <a:p>
-            <a:r>
-              <a:rPr lang="en" sz="2000" dirty="0"/>
-              <a:t>Add a conditional </a:t>
-            </a:r>
-            <a:r>
-              <a:rPr lang="en" sz="2000" b="1" dirty="0" smtClean="0"/>
-              <a:t>Location ID column </a:t>
-            </a:r>
-            <a:r>
-              <a:rPr lang="en" sz="2000" dirty="0" smtClean="0"/>
-              <a:t>by following the same procedure above </a:t>
-            </a:r>
-            <a:endParaRPr lang="en-US" sz="2000" dirty="0"/>
-          </a:p>
-        </p:txBody>
-      </p:sp>
-      <p:pic>
-        <p:nvPicPr>
-          <p:cNvPr id="3" name="Picture 2"/>
-          <p:cNvPicPr>
-            <a:picLocks noChangeAspect="1"/>
-          </p:cNvPicPr>
-          <p:nvPr/>
-        </p:nvPicPr>
-        <p:blipFill>
-          <a:blip r:embed="rId2"/>
-          <a:stretch>
-            <a:fillRect/>
-          </a:stretch>
-        </p:blipFill>
-        <p:spPr>
-          <a:xfrm>
-            <a:off x="353753" y="1417713"/>
-            <a:ext cx="8104447" cy="4532846"/>
-          </a:xfrm>
-          <a:prstGeom prst="rect">
-            <a:avLst/>
-          </a:prstGeom>
-        </p:spPr>
-      </p:pic>
-    </p:spTree>
-    <p:extLst>
-      <p:ext uri="{BB962C8B-B14F-4D97-AF65-F5344CB8AC3E}">
-        <p14:creationId xmlns:p14="http://schemas.microsoft.com/office/powerpoint/2010/main" val="5569700"/>
-      </p:ext>
-    </p:extLst>
-  </p:cSld>
-  <p:clrMapOvr>
-    <a:masterClrMapping/>
-  </p:clrMapOvr>
-</p:sld>
-</file>
-
-<file path=ppt/slides/slide14.xml><?xml version="1.0" encoding="utf-8"?>
-<p:sld xmlns:a="http://schemas.openxmlformats.org/drawingml/2006/main" xmlns:r="http://schemas.openxmlformats.org/officeDocument/2006/relationships" xmlns:p="http://schemas.openxmlformats.org/presentationml/2006/main">
-  <p:cSld>
-    <p:spTree>
-      <p:nvGrpSpPr>
-        <p:cNvPr id="1" name=""/>
-        <p:cNvGrpSpPr/>
-        <p:nvPr/>
-      </p:nvGrpSpPr>
-      <p:grpSpPr>
-        <a:xfrm>
-          <a:off x="0" y="0"/>
-          <a:ext cx="0" cy="0"/>
-          <a:chOff x="0" y="0"/>
-          <a:chExt cx="0" cy="0"/>
-        </a:xfrm>
-      </p:grpSpPr>
-      <p:sp>
-        <p:nvSpPr>
-          <p:cNvPr id="2" name="TextBox 1"/>
-          <p:cNvSpPr txBox="1"/>
-          <p:nvPr/>
-        </p:nvSpPr>
-        <p:spPr>
-          <a:xfrm flipH="1">
-            <a:off x="220005" y="281882"/>
-            <a:ext cx="2798202" cy="400110"/>
-          </a:xfrm>
-          <a:prstGeom prst="rect">
-            <a:avLst/>
-          </a:prstGeom>
-          <a:noFill/>
-        </p:spPr>
-        <p:txBody>
-          <a:bodyPr wrap="square" rtlCol="0">
-            <a:spAutoFit/>
-          </a:bodyPr>
-          <a:lstStyle/>
-          <a:p>
-            <a:r>
-              <a:rPr lang="en" sz="2000" b="1" dirty="0" smtClean="0">
-                <a:latin typeface="Segoe UI" panose="020B0502040204020203" pitchFamily="34" charset="0"/>
-                <a:cs typeface="Segoe UI" panose="020B0502040204020203" pitchFamily="34" charset="0"/>
-              </a:rPr>
-              <a:t>Normal forms</a:t>
-            </a:r>
-            <a:endParaRPr lang="en-US" sz="2000" b="1" dirty="0">
-              <a:latin typeface="Segoe UI" panose="020B0502040204020203" pitchFamily="34" charset="0"/>
-              <a:cs typeface="Segoe UI" panose="020B0502040204020203" pitchFamily="34" charset="0"/>
-            </a:endParaRPr>
-          </a:p>
-        </p:txBody>
-      </p:sp>
       <p:sp>
         <p:nvSpPr>
           <p:cNvPr id="4" name="Rectangle 3"/>
@@ -4980,7 +4064,7 @@
 </p:sld>
 </file>
 
-<file path=ppt/slides/slide15.xml><?xml version="1.0" encoding="utf-8"?>
+<file path=ppt/slides/slide13.xml><?xml version="1.0" encoding="utf-8"?>
 <p:sld xmlns:a="http://schemas.openxmlformats.org/drawingml/2006/main" xmlns:r="http://schemas.openxmlformats.org/officeDocument/2006/relationships" xmlns:p="http://schemas.openxmlformats.org/presentationml/2006/main">
   <p:cSld>
     <p:spTree>
@@ -5114,7 +4198,7 @@
 </p:sld>
 </file>
 
-<file path=ppt/slides/slide16.xml><?xml version="1.0" encoding="utf-8"?>
+<file path=ppt/slides/slide14.xml><?xml version="1.0" encoding="utf-8"?>
 <p:sld xmlns:a="http://schemas.openxmlformats.org/drawingml/2006/main" xmlns:r="http://schemas.openxmlformats.org/officeDocument/2006/relationships" xmlns:p="http://schemas.openxmlformats.org/presentationml/2006/main">
   <p:cSld>
     <p:bg>
